--- a/docs/IFJ PROJEKT - VARIANTA TRP.pptx
+++ b/docs/IFJ PROJEKT - VARIANTA TRP.pptx
@@ -11,12 +11,14 @@
     <p:sldId id="259" r:id="rId5"/>
     <p:sldId id="260" r:id="rId6"/>
     <p:sldId id="266" r:id="rId7"/>
-    <p:sldId id="261" r:id="rId8"/>
-    <p:sldId id="264" r:id="rId9"/>
-    <p:sldId id="262" r:id="rId10"/>
-    <p:sldId id="267" r:id="rId11"/>
-    <p:sldId id="263" r:id="rId12"/>
-    <p:sldId id="265" r:id="rId13"/>
+    <p:sldId id="269" r:id="rId8"/>
+    <p:sldId id="261" r:id="rId9"/>
+    <p:sldId id="264" r:id="rId10"/>
+    <p:sldId id="262" r:id="rId11"/>
+    <p:sldId id="267" r:id="rId12"/>
+    <p:sldId id="268" r:id="rId13"/>
+    <p:sldId id="263" r:id="rId14"/>
+    <p:sldId id="265" r:id="rId15"/>
   </p:sldIdLst>
   <p:sldSz cx="12192000" cy="6858000"/>
   <p:notesSz cx="6858000" cy="9144000"/>
@@ -115,6 +117,22 @@
       </a:defRPr>
     </a:lvl9pPr>
   </p:defaultTextStyle>
+  <p:extLst>
+    <p:ext uri="{EFAFB233-063F-42B5-8137-9DF3F51BA10A}">
+      <p15:sldGuideLst xmlns:p15="http://schemas.microsoft.com/office/powerpoint/2012/main">
+        <p15:guide id="1" orient="horz" pos="2160">
+          <p15:clr>
+            <a:srgbClr val="A4A3A4"/>
+          </p15:clr>
+        </p15:guide>
+        <p15:guide id="2" pos="3840">
+          <p15:clr>
+            <a:srgbClr val="A4A3A4"/>
+          </p15:clr>
+        </p15:guide>
+      </p15:sldGuideLst>
+    </p:ext>
+  </p:extLst>
 </p:presentation>
 </file>
 
@@ -3810,7 +3828,7 @@
           <p:cNvPr id="2" name="Title 1">
             <a:extLst>
               <a:ext uri="{FF2B5EF4-FFF2-40B4-BE49-F238E27FC236}">
-                <a16:creationId xmlns:a16="http://schemas.microsoft.com/office/drawing/2014/main" xmlns="" id="{CD1E128E-BA6E-32DA-217F-AE66931F64D1}"/>
+                <a16:creationId xmlns:a16="http://schemas.microsoft.com/office/drawing/2014/main" id="{CD1E128E-BA6E-32DA-217F-AE66931F64D1}"/>
               </a:ext>
             </a:extLst>
           </p:cNvPr>
@@ -3840,7 +3858,7 @@
           <p:cNvPr id="3" name="Subtitle 2">
             <a:extLst>
               <a:ext uri="{FF2B5EF4-FFF2-40B4-BE49-F238E27FC236}">
-                <a16:creationId xmlns:a16="http://schemas.microsoft.com/office/drawing/2014/main" xmlns="" id="{1421C371-65F9-AEF7-477F-9BEED4C35446}"/>
+                <a16:creationId xmlns:a16="http://schemas.microsoft.com/office/drawing/2014/main" id="{1421C371-65F9-AEF7-477F-9BEED4C35446}"/>
               </a:ext>
             </a:extLst>
           </p:cNvPr>
@@ -3877,15 +3895,15 @@
               <a:t> </a:t>
             </a:r>
             <a:r>
-              <a:rPr lang="en-US" dirty="0" err="1" smtClean="0"/>
+              <a:rPr lang="en-US" dirty="0" err="1"/>
               <a:t>cs</a:t>
             </a:r>
             <a:r>
-              <a:rPr lang="sk-SK" dirty="0" smtClean="0"/>
+              <a:rPr lang="sk-SK" dirty="0"/>
               <a:t>A</a:t>
             </a:r>
             <a:r>
-              <a:rPr lang="en-US" dirty="0" err="1" smtClean="0"/>
+              <a:rPr lang="en-US" dirty="0" err="1"/>
               <a:t>lová</a:t>
             </a:r>
             <a:r>
@@ -3938,6 +3956,42 @@
           </a:p>
         </p:txBody>
       </p:sp>
+      <p:pic>
+        <p:nvPicPr>
+          <p:cNvPr id="5" name="Picture 4" descr="Text&#10;&#10;Description automatically generated">
+            <a:extLst>
+              <a:ext uri="{FF2B5EF4-FFF2-40B4-BE49-F238E27FC236}">
+                <a16:creationId xmlns:a16="http://schemas.microsoft.com/office/drawing/2014/main" id="{E75EBE64-B7D9-7268-7CF1-19EAA72B99E8}"/>
+              </a:ext>
+            </a:extLst>
+          </p:cNvPr>
+          <p:cNvPicPr>
+            <a:picLocks noChangeAspect="1"/>
+          </p:cNvPicPr>
+          <p:nvPr/>
+        </p:nvPicPr>
+        <p:blipFill>
+          <a:blip r:embed="rId2">
+            <a:extLst>
+              <a:ext uri="{28A0092B-C50C-407E-A947-70E740481C1C}">
+                <a14:useLocalDpi xmlns:a14="http://schemas.microsoft.com/office/drawing/2010/main" val="0"/>
+              </a:ext>
+            </a:extLst>
+          </a:blip>
+          <a:stretch>
+            <a:fillRect/>
+          </a:stretch>
+        </p:blipFill>
+        <p:spPr>
+          <a:xfrm>
+            <a:off x="4894082" y="6099048"/>
+            <a:ext cx="2403835" cy="533593"/>
+          </a:xfrm>
+          <a:prstGeom prst="rect">
+            <a:avLst/>
+          </a:prstGeom>
+        </p:spPr>
+      </p:pic>
     </p:spTree>
     <p:extLst>
       <p:ext uri="{BB962C8B-B14F-4D97-AF65-F5344CB8AC3E}">
@@ -3970,7 +4024,13 @@
       </p:grpSpPr>
       <p:sp>
         <p:nvSpPr>
-          <p:cNvPr id="2" name="Nadpis 1"/>
+          <p:cNvPr id="2" name="Title 1">
+            <a:extLst>
+              <a:ext uri="{FF2B5EF4-FFF2-40B4-BE49-F238E27FC236}">
+                <a16:creationId xmlns:a16="http://schemas.microsoft.com/office/drawing/2014/main" id="{DAC88135-4E2C-2B3D-5800-C6137FCC9255}"/>
+              </a:ext>
+            </a:extLst>
+          </p:cNvPr>
           <p:cNvSpPr>
             <a:spLocks noGrp="1"/>
           </p:cNvSpPr>
@@ -3978,22 +4038,41 @@
             <p:ph type="title"/>
           </p:nvPr>
         </p:nvSpPr>
-        <p:spPr/>
+        <p:spPr>
+          <a:xfrm>
+            <a:off x="2942378" y="286603"/>
+            <a:ext cx="8213302" cy="1450757"/>
+          </a:xfrm>
+        </p:spPr>
         <p:txBody>
           <a:bodyPr/>
           <a:lstStyle/>
           <a:p>
             <a:r>
-              <a:rPr lang="sk-SK" dirty="0" smtClean="0"/>
-              <a:t>Výrazy – sémantická analýza</a:t>
-            </a:r>
-            <a:endParaRPr lang="sk-SK" dirty="0"/>
+              <a:rPr lang="en-US" dirty="0" err="1"/>
+              <a:t>Sémantická</a:t>
+            </a:r>
+            <a:r>
+              <a:rPr lang="en-US" dirty="0"/>
+              <a:t> </a:t>
+            </a:r>
+            <a:r>
+              <a:rPr lang="en-US" dirty="0" err="1"/>
+              <a:t>analýza</a:t>
+            </a:r>
+            <a:endParaRPr lang="en-US" dirty="0"/>
           </a:p>
         </p:txBody>
       </p:sp>
       <p:sp>
         <p:nvSpPr>
-          <p:cNvPr id="3" name="Zástupný symbol obsahu 2"/>
+          <p:cNvPr id="3" name="Content Placeholder 2">
+            <a:extLst>
+              <a:ext uri="{FF2B5EF4-FFF2-40B4-BE49-F238E27FC236}">
+                <a16:creationId xmlns:a16="http://schemas.microsoft.com/office/drawing/2014/main" id="{CEF10E60-1972-8373-0966-0C63323D82F4}"/>
+              </a:ext>
+            </a:extLst>
+          </p:cNvPr>
           <p:cNvSpPr>
             <a:spLocks noGrp="1"/>
           </p:cNvSpPr>
@@ -4003,14 +4082,12 @@
         </p:nvSpPr>
         <p:spPr>
           <a:xfrm>
-            <a:off x="1072056" y="1826816"/>
-            <a:ext cx="9503453" cy="2732572"/>
+            <a:off x="2942378" y="1845734"/>
+            <a:ext cx="8213301" cy="4023360"/>
           </a:xfrm>
         </p:spPr>
         <p:txBody>
-          <a:bodyPr>
-            <a:normAutofit fontScale="77500" lnSpcReduction="20000"/>
-          </a:bodyPr>
+          <a:bodyPr/>
           <a:lstStyle/>
           <a:p>
             <a:pPr>
@@ -4018,525 +4095,1653 @@
               <a:buChar char="•"/>
             </a:pPr>
             <a:r>
-              <a:rPr lang="sk-SK" dirty="0" smtClean="0"/>
-              <a:t>Sémantická kontrola výrazov </a:t>
-            </a:r>
-            <a:r>
-              <a:rPr lang="sk-SK" dirty="0" err="1" smtClean="0"/>
-              <a:t>priebieha</a:t>
-            </a:r>
-            <a:r>
-              <a:rPr lang="sk-SK" dirty="0" smtClean="0"/>
-              <a:t> v osobitnom module </a:t>
-            </a:r>
-            <a:r>
-              <a:rPr lang="sk-SK" dirty="0" err="1" smtClean="0"/>
-              <a:t>expr</a:t>
-            </a:r>
-            <a:endParaRPr lang="sk-SK" dirty="0" smtClean="0"/>
+              <a:rPr lang="en-US" dirty="0"/>
+              <a:t> Z TRP </a:t>
+            </a:r>
+            <a:r>
+              <a:rPr lang="en-US" dirty="0" err="1"/>
+              <a:t>berieme</a:t>
+            </a:r>
+            <a:r>
+              <a:rPr lang="en-US" dirty="0"/>
+              <a:t> element a </a:t>
+            </a:r>
+            <a:r>
+              <a:rPr lang="en-US" dirty="0" err="1"/>
+              <a:t>robíme</a:t>
+            </a:r>
+            <a:r>
+              <a:rPr lang="en-US" dirty="0"/>
+              <a:t> </a:t>
+            </a:r>
+            <a:r>
+              <a:rPr lang="en-US" dirty="0" err="1"/>
+              <a:t>sémantikcú</a:t>
+            </a:r>
+            <a:r>
+              <a:rPr lang="en-US" dirty="0"/>
+              <a:t> </a:t>
+            </a:r>
+            <a:r>
+              <a:rPr lang="en-US" dirty="0" err="1"/>
+              <a:t>analýzu</a:t>
+            </a:r>
+            <a:r>
+              <a:rPr lang="en-US" dirty="0"/>
+              <a:t> </a:t>
+            </a:r>
+            <a:r>
+              <a:rPr lang="en-US" dirty="0" err="1"/>
+              <a:t>na</a:t>
+            </a:r>
+            <a:r>
+              <a:rPr lang="en-US" dirty="0"/>
+              <a:t> </a:t>
+            </a:r>
+            <a:r>
+              <a:rPr lang="en-US" dirty="0" err="1"/>
+              <a:t>každú</a:t>
+            </a:r>
+            <a:r>
+              <a:rPr lang="en-US" dirty="0"/>
+              <a:t> </a:t>
+            </a:r>
+            <a:r>
+              <a:rPr lang="en-US" dirty="0" err="1"/>
+              <a:t>jeho</a:t>
+            </a:r>
+            <a:r>
+              <a:rPr lang="en-US" dirty="0"/>
+              <a:t> </a:t>
+            </a:r>
+            <a:r>
+              <a:rPr lang="en-US" dirty="0" err="1"/>
+              <a:t>časť</a:t>
+            </a:r>
+            <a:endParaRPr lang="en-US" dirty="0"/>
           </a:p>
           <a:p>
             <a:pPr>
               <a:buFont typeface="Arial" panose="020B0604020202020204" pitchFamily="34" charset="0"/>
               <a:buChar char="•"/>
             </a:pPr>
-            <a:r>
-              <a:rPr lang="sk-SK" dirty="0" smtClean="0"/>
-              <a:t>Funkcie:</a:t>
-            </a:r>
-          </a:p>
-          <a:p>
-            <a:r>
-              <a:rPr lang="sk-SK" dirty="0" err="1"/>
-              <a:t>Token</a:t>
-            </a:r>
-            <a:r>
-              <a:rPr lang="sk-SK" dirty="0"/>
-              <a:t> </a:t>
-            </a:r>
-            <a:r>
-              <a:rPr lang="sk-SK" dirty="0" err="1">
-                <a:solidFill>
-                  <a:srgbClr val="D38C50"/>
-                </a:solidFill>
-              </a:rPr>
-              <a:t>exp_sem_var</a:t>
-            </a:r>
-            <a:r>
-              <a:rPr lang="sk-SK" dirty="0"/>
-              <a:t>(element *e, </a:t>
-            </a:r>
-            <a:r>
-              <a:rPr lang="sk-SK" dirty="0" err="1"/>
-              <a:t>bool</a:t>
-            </a:r>
-            <a:r>
-              <a:rPr lang="sk-SK" dirty="0"/>
-              <a:t> </a:t>
-            </a:r>
-            <a:r>
-              <a:rPr lang="sk-SK" dirty="0" err="1"/>
-              <a:t>in_func</a:t>
-            </a:r>
-            <a:r>
-              <a:rPr lang="sk-SK" dirty="0"/>
-              <a:t>);</a:t>
-            </a:r>
-          </a:p>
-          <a:p>
-            <a:r>
-              <a:rPr lang="sk-SK" dirty="0" err="1"/>
-              <a:t>Token</a:t>
-            </a:r>
-            <a:r>
-              <a:rPr lang="sk-SK" dirty="0"/>
-              <a:t> </a:t>
-            </a:r>
-            <a:r>
-              <a:rPr lang="sk-SK" dirty="0" err="1">
-                <a:solidFill>
-                  <a:srgbClr val="D38C50"/>
-                </a:solidFill>
-              </a:rPr>
-              <a:t>exp_sem_return</a:t>
-            </a:r>
-            <a:r>
-              <a:rPr lang="sk-SK" dirty="0"/>
-              <a:t>(element *e, </a:t>
-            </a:r>
-            <a:r>
-              <a:rPr lang="sk-SK" dirty="0" err="1"/>
-              <a:t>bool</a:t>
-            </a:r>
-            <a:r>
-              <a:rPr lang="sk-SK" dirty="0"/>
-              <a:t> </a:t>
-            </a:r>
-            <a:r>
-              <a:rPr lang="sk-SK" dirty="0" err="1"/>
-              <a:t>in_func</a:t>
-            </a:r>
-            <a:r>
-              <a:rPr lang="sk-SK" dirty="0"/>
-              <a:t>);</a:t>
-            </a:r>
-          </a:p>
-          <a:p>
-            <a:r>
-              <a:rPr lang="sk-SK" dirty="0" err="1"/>
-              <a:t>Token</a:t>
-            </a:r>
-            <a:r>
-              <a:rPr lang="sk-SK" dirty="0"/>
-              <a:t> </a:t>
-            </a:r>
-            <a:r>
-              <a:rPr lang="sk-SK" dirty="0" err="1">
-                <a:solidFill>
-                  <a:srgbClr val="D38C50"/>
-                </a:solidFill>
-              </a:rPr>
-              <a:t>exp_sem_ifwhile</a:t>
-            </a:r>
-            <a:r>
-              <a:rPr lang="sk-SK" dirty="0"/>
-              <a:t>(element *e, </a:t>
-            </a:r>
-            <a:r>
-              <a:rPr lang="sk-SK" dirty="0" err="1"/>
-              <a:t>bool</a:t>
-            </a:r>
-            <a:r>
-              <a:rPr lang="sk-SK" dirty="0"/>
-              <a:t> </a:t>
-            </a:r>
-            <a:r>
-              <a:rPr lang="sk-SK" dirty="0" err="1"/>
-              <a:t>in_func</a:t>
-            </a:r>
-            <a:r>
-              <a:rPr lang="sk-SK" dirty="0" smtClean="0"/>
-              <a:t>);</a:t>
-            </a:r>
-          </a:p>
-          <a:p>
-            <a:pPr marL="0" indent="0">
-              <a:buNone/>
-            </a:pPr>
-            <a:r>
-              <a:rPr lang="sk-SK" dirty="0" smtClean="0"/>
-              <a:t>	sú volané v jednotlivých častiach sémantiky</a:t>
-            </a:r>
+            <a:endParaRPr lang="en-US" dirty="0"/>
           </a:p>
           <a:p>
             <a:pPr>
               <a:buFont typeface="Arial" panose="020B0604020202020204" pitchFamily="34" charset="0"/>
               <a:buChar char="•"/>
             </a:pPr>
-            <a:r>
-              <a:rPr lang="sk-SK" dirty="0" smtClean="0"/>
-              <a:t>Vracajú </a:t>
-            </a:r>
-            <a:r>
-              <a:rPr lang="sk-SK" dirty="0" err="1" smtClean="0"/>
-              <a:t>token</a:t>
-            </a:r>
-            <a:r>
-              <a:rPr lang="sk-SK" dirty="0" smtClean="0"/>
-              <a:t> obsahujúci výsledný typ výrazu</a:t>
-            </a:r>
+            <a:endParaRPr lang="en-US" dirty="0"/>
           </a:p>
           <a:p>
             <a:pPr>
               <a:buFont typeface="Arial" panose="020B0604020202020204" pitchFamily="34" charset="0"/>
               <a:buChar char="•"/>
             </a:pPr>
-            <a:r>
-              <a:rPr lang="sk-SK" dirty="0" smtClean="0"/>
-              <a:t>Na uloženie existujúcich premenných a funkcií je </a:t>
-            </a:r>
-            <a:r>
-              <a:rPr lang="sk-SK" dirty="0" err="1" smtClean="0"/>
-              <a:t>implemetovaný</a:t>
-            </a:r>
-            <a:r>
-              <a:rPr lang="sk-SK" dirty="0" smtClean="0"/>
-              <a:t> </a:t>
-            </a:r>
-            <a:r>
-              <a:rPr lang="sk-SK" dirty="0" err="1" smtClean="0"/>
-              <a:t>linked</a:t>
-            </a:r>
-            <a:r>
-              <a:rPr lang="sk-SK" dirty="0" smtClean="0"/>
-              <a:t> list</a:t>
-            </a:r>
+            <a:endParaRPr lang="en-US" dirty="0"/>
           </a:p>
           <a:p>
             <a:pPr>
               <a:buFont typeface="Arial" panose="020B0604020202020204" pitchFamily="34" charset="0"/>
               <a:buChar char="•"/>
             </a:pPr>
-            <a:endParaRPr lang="sk-SK" dirty="0"/>
+            <a:endParaRPr lang="en-US" dirty="0"/>
+          </a:p>
+          <a:p>
+            <a:pPr>
+              <a:buFont typeface="Arial" panose="020B0604020202020204" pitchFamily="34" charset="0"/>
+              <a:buChar char="•"/>
+            </a:pPr>
+            <a:r>
+              <a:rPr lang="en-US" dirty="0"/>
+              <a:t> V </a:t>
+            </a:r>
+            <a:r>
+              <a:rPr lang="en-US" dirty="0" err="1"/>
+              <a:t>prípade</a:t>
+            </a:r>
+            <a:r>
+              <a:rPr lang="en-US" dirty="0"/>
+              <a:t> </a:t>
+            </a:r>
+            <a:r>
+              <a:rPr lang="en-US" dirty="0" err="1"/>
+              <a:t>potreby</a:t>
+            </a:r>
+            <a:r>
+              <a:rPr lang="en-US" dirty="0"/>
+              <a:t> </a:t>
+            </a:r>
+            <a:r>
+              <a:rPr lang="en-US" dirty="0" err="1"/>
+              <a:t>používame</a:t>
+            </a:r>
+            <a:r>
+              <a:rPr lang="en-US" dirty="0"/>
+              <a:t> </a:t>
+            </a:r>
+            <a:r>
+              <a:rPr lang="en-US" dirty="0" err="1"/>
+              <a:t>pomocné</a:t>
+            </a:r>
+            <a:r>
+              <a:rPr lang="en-US" dirty="0"/>
+              <a:t> </a:t>
+            </a:r>
+            <a:r>
+              <a:rPr lang="en-US" dirty="0" err="1"/>
+              <a:t>funkcie</a:t>
+            </a:r>
+            <a:endParaRPr lang="en-US" dirty="0"/>
           </a:p>
         </p:txBody>
       </p:sp>
+      <p:cxnSp>
+        <p:nvCxnSpPr>
+          <p:cNvPr id="4" name="Straight Arrow Connector 3">
+            <a:extLst>
+              <a:ext uri="{FF2B5EF4-FFF2-40B4-BE49-F238E27FC236}">
+                <a16:creationId xmlns:a16="http://schemas.microsoft.com/office/drawing/2014/main" id="{DAB6F210-A74D-FCA9-9374-05BFF4295FA5}"/>
+              </a:ext>
+            </a:extLst>
+          </p:cNvPr>
+          <p:cNvCxnSpPr>
+            <a:cxnSpLocks/>
+            <a:endCxn id="5" idx="0"/>
+          </p:cNvCxnSpPr>
+          <p:nvPr/>
+        </p:nvCxnSpPr>
+        <p:spPr>
+          <a:xfrm>
+            <a:off x="1734485" y="0"/>
+            <a:ext cx="0" cy="2158086"/>
+          </a:xfrm>
+          <a:prstGeom prst="straightConnector1">
+            <a:avLst/>
+          </a:prstGeom>
+          <a:ln w="76200">
+            <a:tailEnd type="triangle"/>
+          </a:ln>
+        </p:spPr>
+        <p:style>
+          <a:lnRef idx="3">
+            <a:schemeClr val="dk1"/>
+          </a:lnRef>
+          <a:fillRef idx="0">
+            <a:schemeClr val="dk1"/>
+          </a:fillRef>
+          <a:effectRef idx="2">
+            <a:schemeClr val="dk1"/>
+          </a:effectRef>
+          <a:fontRef idx="minor">
+            <a:schemeClr val="tx1"/>
+          </a:fontRef>
+        </p:style>
+      </p:cxnSp>
       <p:sp>
         <p:nvSpPr>
-          <p:cNvPr id="4" name="BlokTextu 3"/>
-          <p:cNvSpPr txBox="1"/>
+          <p:cNvPr id="5" name="Flowchart: Decision 4">
+            <a:extLst>
+              <a:ext uri="{FF2B5EF4-FFF2-40B4-BE49-F238E27FC236}">
+                <a16:creationId xmlns:a16="http://schemas.microsoft.com/office/drawing/2014/main" id="{9035F389-FBCA-7C3F-9485-4800DDBD67C4}"/>
+              </a:ext>
+            </a:extLst>
+          </p:cNvPr>
+          <p:cNvSpPr/>
           <p:nvPr/>
         </p:nvSpPr>
         <p:spPr>
           <a:xfrm>
-            <a:off x="1325843" y="4503341"/>
-            <a:ext cx="2413738" cy="1754326"/>
+            <a:off x="582859" y="2158086"/>
+            <a:ext cx="2303252" cy="1948088"/>
+          </a:xfrm>
+          <a:prstGeom prst="flowChartDecision">
+            <a:avLst/>
+          </a:prstGeom>
+        </p:spPr>
+        <p:style>
+          <a:lnRef idx="2">
+            <a:schemeClr val="accent1">
+              <a:shade val="50000"/>
+            </a:schemeClr>
+          </a:lnRef>
+          <a:fillRef idx="1">
+            <a:schemeClr val="accent1"/>
+          </a:fillRef>
+          <a:effectRef idx="0">
+            <a:schemeClr val="accent1"/>
+          </a:effectRef>
+          <a:fontRef idx="minor">
+            <a:schemeClr val="lt1"/>
+          </a:fontRef>
+        </p:style>
+        <p:txBody>
+          <a:bodyPr rtlCol="0" anchor="ctr"/>
+          <a:lstStyle/>
+          <a:p>
+            <a:pPr algn="ctr"/>
+            <a:r>
+              <a:rPr lang="en-US" sz="1400" dirty="0"/>
+              <a:t>SÉMANTICKÁ ANALÝZA</a:t>
+            </a:r>
+          </a:p>
+        </p:txBody>
+      </p:sp>
+      <p:cxnSp>
+        <p:nvCxnSpPr>
+          <p:cNvPr id="13" name="Straight Connector 12">
+            <a:extLst>
+              <a:ext uri="{FF2B5EF4-FFF2-40B4-BE49-F238E27FC236}">
+                <a16:creationId xmlns:a16="http://schemas.microsoft.com/office/drawing/2014/main" id="{2ADD085C-2AD1-3647-0FEE-04A6798A8758}"/>
+              </a:ext>
+            </a:extLst>
+          </p:cNvPr>
+          <p:cNvCxnSpPr>
+            <a:cxnSpLocks/>
+          </p:cNvCxnSpPr>
+          <p:nvPr/>
+        </p:nvCxnSpPr>
+        <p:spPr>
+          <a:xfrm>
+            <a:off x="1734485" y="4106174"/>
+            <a:ext cx="0" cy="2751826"/>
+          </a:xfrm>
+          <a:prstGeom prst="line">
+            <a:avLst/>
+          </a:prstGeom>
+          <a:ln w="76200"/>
+        </p:spPr>
+        <p:style>
+          <a:lnRef idx="1">
+            <a:schemeClr val="dk1"/>
+          </a:lnRef>
+          <a:fillRef idx="0">
+            <a:schemeClr val="dk1"/>
+          </a:fillRef>
+          <a:effectRef idx="0">
+            <a:schemeClr val="dk1"/>
+          </a:effectRef>
+          <a:fontRef idx="minor">
+            <a:schemeClr val="tx1"/>
+          </a:fontRef>
+        </p:style>
+      </p:cxnSp>
+      <p:sp>
+        <p:nvSpPr>
+          <p:cNvPr id="16" name="Rectangle 1">
+            <a:extLst>
+              <a:ext uri="{FF2B5EF4-FFF2-40B4-BE49-F238E27FC236}">
+                <a16:creationId xmlns:a16="http://schemas.microsoft.com/office/drawing/2014/main" id="{5CC5A937-B23E-29C5-0B29-79267BA6F84B}"/>
+              </a:ext>
+            </a:extLst>
+          </p:cNvPr>
+          <p:cNvSpPr>
+            <a:spLocks noChangeArrowheads="1"/>
+          </p:cNvSpPr>
+          <p:nvPr/>
+        </p:nvSpPr>
+        <p:spPr bwMode="auto">
+          <a:xfrm>
+            <a:off x="3060070" y="2224379"/>
+            <a:ext cx="5450185" cy="1569660"/>
           </a:xfrm>
           <a:prstGeom prst="rect">
             <a:avLst/>
           </a:prstGeom>
           <a:noFill/>
+          <a:ln>
+            <a:noFill/>
+          </a:ln>
+          <a:effectLst/>
         </p:spPr>
         <p:txBody>
-          <a:bodyPr wrap="none" rtlCol="0">
+          <a:bodyPr vert="horz" wrap="square" lIns="91440" tIns="45720" rIns="91440" bIns="45720" numCol="1" anchor="ctr" anchorCtr="0" compatLnSpc="1">
+            <a:prstTxWarp prst="textNoShape">
+              <a:avLst/>
+            </a:prstTxWarp>
             <a:spAutoFit/>
           </a:bodyPr>
           <a:lstStyle/>
           <a:p>
-            <a:r>
-              <a:rPr lang="en-US" dirty="0" err="1"/>
-              <a:t>struct</a:t>
-            </a:r>
-            <a:r>
-              <a:rPr lang="en-US" dirty="0"/>
-              <a:t> </a:t>
-            </a:r>
-            <a:r>
-              <a:rPr lang="en-US" dirty="0">
-                <a:solidFill>
-                  <a:srgbClr val="D38C50"/>
-                </a:solidFill>
-              </a:rPr>
-              <a:t>variables</a:t>
-            </a:r>
-            <a:r>
-              <a:rPr lang="en-US" dirty="0"/>
-              <a:t> {</a:t>
-            </a:r>
-          </a:p>
-          <a:p>
-            <a:r>
-              <a:rPr lang="en-US" dirty="0"/>
-              <a:t>   char </a:t>
-            </a:r>
-            <a:r>
-              <a:rPr lang="en-US" dirty="0">
-                <a:solidFill>
-                  <a:schemeClr val="tx2">
-                    <a:lumMod val="60000"/>
-                    <a:lumOff val="40000"/>
-                  </a:schemeClr>
-                </a:solidFill>
-              </a:rPr>
-              <a:t>*data</a:t>
-            </a:r>
-            <a:r>
-              <a:rPr lang="en-US" dirty="0"/>
+            <a:pPr marL="0" marR="0" lvl="0" indent="0" algn="l" defTabSz="914400" rtl="0" eaLnBrk="0" fontAlgn="base" latinLnBrk="0" hangingPunct="0">
+              <a:lnSpc>
+                <a:spcPct val="100000"/>
+              </a:lnSpc>
+              <a:spcBef>
+                <a:spcPct val="0"/>
+              </a:spcBef>
+              <a:spcAft>
+                <a:spcPct val="0"/>
+              </a:spcAft>
+              <a:buClrTx/>
+              <a:buSzTx/>
+              <a:buFontTx/>
+              <a:buNone/>
+              <a:tabLst/>
+            </a:pPr>
+            <a:r>
+              <a:rPr kumimoji="0" lang="en-US" altLang="en-US" sz="1200" b="0" i="0" u="none" strike="noStrike" cap="none" normalizeH="0" baseline="0" dirty="0">
+                <a:ln>
+                  <a:noFill/>
+                </a:ln>
+                <a:solidFill>
+                  <a:srgbClr val="CC7832"/>
+                </a:solidFill>
+                <a:effectLst/>
+                <a:latin typeface="JetBrains Mono"/>
+              </a:rPr>
+              <a:t>void </a:t>
+            </a:r>
+            <a:r>
+              <a:rPr kumimoji="0" lang="en-US" altLang="en-US" sz="1200" b="0" i="0" u="none" strike="noStrike" cap="none" normalizeH="0" baseline="0" dirty="0" err="1">
+                <a:ln>
+                  <a:noFill/>
+                </a:ln>
+                <a:solidFill>
+                  <a:srgbClr val="FFC66D"/>
+                </a:solidFill>
+                <a:effectLst/>
+                <a:latin typeface="JetBrains Mono"/>
+              </a:rPr>
+              <a:t>check_var_calls</a:t>
+            </a:r>
+            <a:r>
+              <a:rPr kumimoji="0" lang="en-US" altLang="en-US" sz="1200" b="0" i="0" u="none" strike="noStrike" cap="none" normalizeH="0" baseline="0" dirty="0">
+                <a:ln>
+                  <a:noFill/>
+                </a:ln>
+                <a:effectLst/>
+                <a:latin typeface="JetBrains Mono"/>
+              </a:rPr>
+              <a:t>(</a:t>
+            </a:r>
+            <a:r>
+              <a:rPr kumimoji="0" lang="en-US" altLang="en-US" sz="1200" b="0" i="0" u="none" strike="noStrike" cap="none" normalizeH="0" baseline="0" dirty="0" err="1">
+                <a:ln>
+                  <a:noFill/>
+                </a:ln>
+                <a:effectLst/>
+                <a:latin typeface="JetBrains Mono"/>
+              </a:rPr>
+              <a:t>ht_table_t</a:t>
+            </a:r>
+            <a:r>
+              <a:rPr kumimoji="0" lang="en-US" altLang="en-US" sz="1200" b="0" i="0" u="none" strike="noStrike" cap="none" normalizeH="0" baseline="0" dirty="0">
+                <a:ln>
+                  <a:noFill/>
+                </a:ln>
+                <a:effectLst/>
+                <a:latin typeface="JetBrains Mono"/>
+              </a:rPr>
+              <a:t> *table</a:t>
+            </a:r>
+            <a:r>
+              <a:rPr kumimoji="0" lang="en-US" altLang="en-US" sz="1200" b="0" i="0" u="none" strike="noStrike" cap="none" normalizeH="0" baseline="0" dirty="0">
+                <a:ln>
+                  <a:noFill/>
+                </a:ln>
+                <a:solidFill>
+                  <a:srgbClr val="CC7832"/>
+                </a:solidFill>
+                <a:effectLst/>
+                <a:latin typeface="JetBrains Mono"/>
+              </a:rPr>
+              <a:t>, </a:t>
+            </a:r>
+            <a:r>
+              <a:rPr kumimoji="0" lang="en-US" altLang="en-US" sz="1200" b="0" i="0" u="none" strike="noStrike" cap="none" normalizeH="0" baseline="0" dirty="0">
+                <a:ln>
+                  <a:noFill/>
+                </a:ln>
+                <a:effectLst/>
+                <a:latin typeface="JetBrains Mono"/>
+              </a:rPr>
+              <a:t>element e</a:t>
+            </a:r>
+            <a:r>
+              <a:rPr kumimoji="0" lang="en-US" altLang="en-US" sz="1200" b="0" i="0" u="none" strike="noStrike" cap="none" normalizeH="0" baseline="0" dirty="0">
+                <a:ln>
+                  <a:noFill/>
+                </a:ln>
+                <a:solidFill>
+                  <a:srgbClr val="CC7832"/>
+                </a:solidFill>
+                <a:effectLst/>
+                <a:latin typeface="JetBrains Mono"/>
+              </a:rPr>
+              <a:t>, int </a:t>
+            </a:r>
+            <a:r>
+              <a:rPr kumimoji="0" lang="en-US" altLang="en-US" sz="1200" b="0" i="0" u="none" strike="noStrike" cap="none" normalizeH="0" baseline="0" dirty="0">
+                <a:ln>
+                  <a:noFill/>
+                </a:ln>
+                <a:effectLst/>
+                <a:latin typeface="JetBrains Mono"/>
+              </a:rPr>
+              <a:t>key)</a:t>
+            </a:r>
+            <a:r>
+              <a:rPr kumimoji="0" lang="en-US" altLang="en-US" sz="1200" b="0" i="0" u="none" strike="noStrike" cap="none" normalizeH="0" baseline="0" dirty="0">
+                <a:ln>
+                  <a:noFill/>
+                </a:ln>
+                <a:solidFill>
+                  <a:srgbClr val="CC7832"/>
+                </a:solidFill>
+                <a:effectLst/>
+                <a:latin typeface="JetBrains Mono"/>
+              </a:rPr>
               <a:t>;</a:t>
             </a:r>
-          </a:p>
-          <a:p>
-            <a:r>
-              <a:rPr lang="en-US" dirty="0"/>
-              <a:t>   </a:t>
-            </a:r>
-            <a:r>
-              <a:rPr lang="en-US" dirty="0" err="1"/>
-              <a:t>d_list_types</a:t>
-            </a:r>
-            <a:r>
-              <a:rPr lang="en-US" dirty="0"/>
-              <a:t> </a:t>
-            </a:r>
-            <a:r>
-              <a:rPr lang="en-US" dirty="0">
-                <a:solidFill>
-                  <a:schemeClr val="tx2">
-                    <a:lumMod val="60000"/>
-                    <a:lumOff val="40000"/>
-                  </a:schemeClr>
-                </a:solidFill>
-              </a:rPr>
-              <a:t>type</a:t>
-            </a:r>
-            <a:r>
-              <a:rPr lang="en-US" dirty="0"/>
+            <a:br>
+              <a:rPr kumimoji="0" lang="en-US" altLang="en-US" sz="1200" b="0" i="0" u="none" strike="noStrike" cap="none" normalizeH="0" baseline="0" dirty="0">
+                <a:ln>
+                  <a:noFill/>
+                </a:ln>
+                <a:solidFill>
+                  <a:srgbClr val="CC7832"/>
+                </a:solidFill>
+                <a:effectLst/>
+                <a:latin typeface="JetBrains Mono"/>
+              </a:rPr>
+            </a:br>
+            <a:r>
+              <a:rPr kumimoji="0" lang="en-US" altLang="en-US" sz="1200" b="0" i="0" u="none" strike="noStrike" cap="none" normalizeH="0" baseline="0" dirty="0">
+                <a:ln>
+                  <a:noFill/>
+                </a:ln>
+                <a:solidFill>
+                  <a:srgbClr val="CC7832"/>
+                </a:solidFill>
+                <a:effectLst/>
+                <a:latin typeface="JetBrains Mono"/>
+              </a:rPr>
+              <a:t>void </a:t>
+            </a:r>
+            <a:r>
+              <a:rPr kumimoji="0" lang="en-US" altLang="en-US" sz="1200" b="0" i="0" u="none" strike="noStrike" cap="none" normalizeH="0" baseline="0" dirty="0" err="1">
+                <a:ln>
+                  <a:noFill/>
+                </a:ln>
+                <a:solidFill>
+                  <a:srgbClr val="FFC66D"/>
+                </a:solidFill>
+                <a:effectLst/>
+                <a:latin typeface="JetBrains Mono"/>
+              </a:rPr>
+              <a:t>check_args_name</a:t>
+            </a:r>
+            <a:r>
+              <a:rPr kumimoji="0" lang="en-US" altLang="en-US" sz="1200" b="0" i="0" u="none" strike="noStrike" cap="none" normalizeH="0" baseline="0" dirty="0">
+                <a:ln>
+                  <a:noFill/>
+                </a:ln>
+                <a:effectLst/>
+                <a:latin typeface="JetBrains Mono"/>
+              </a:rPr>
+              <a:t>(element e)</a:t>
+            </a:r>
+            <a:r>
+              <a:rPr kumimoji="0" lang="en-US" altLang="en-US" sz="1200" b="0" i="0" u="none" strike="noStrike" cap="none" normalizeH="0" baseline="0" dirty="0">
+                <a:ln>
+                  <a:noFill/>
+                </a:ln>
+                <a:solidFill>
+                  <a:srgbClr val="CC7832"/>
+                </a:solidFill>
+                <a:effectLst/>
+                <a:latin typeface="JetBrains Mono"/>
+              </a:rPr>
               <a:t>;</a:t>
             </a:r>
-          </a:p>
-          <a:p>
-            <a:r>
-              <a:rPr lang="en-US" dirty="0"/>
-              <a:t>   </a:t>
-            </a:r>
-            <a:r>
-              <a:rPr lang="en-US" dirty="0" err="1"/>
-              <a:t>struct</a:t>
-            </a:r>
-            <a:r>
-              <a:rPr lang="en-US" dirty="0"/>
-              <a:t> variables </a:t>
-            </a:r>
-            <a:r>
-              <a:rPr lang="en-US" dirty="0">
-                <a:solidFill>
-                  <a:schemeClr val="tx2">
-                    <a:lumMod val="60000"/>
-                    <a:lumOff val="40000"/>
-                  </a:schemeClr>
-                </a:solidFill>
-              </a:rPr>
-              <a:t>*next</a:t>
-            </a:r>
-            <a:r>
-              <a:rPr lang="en-US" dirty="0"/>
+            <a:br>
+              <a:rPr kumimoji="0" lang="en-US" altLang="en-US" sz="1200" b="0" i="0" u="none" strike="noStrike" cap="none" normalizeH="0" baseline="0" dirty="0">
+                <a:ln>
+                  <a:noFill/>
+                </a:ln>
+                <a:solidFill>
+                  <a:srgbClr val="CC7832"/>
+                </a:solidFill>
+                <a:effectLst/>
+                <a:latin typeface="JetBrains Mono"/>
+              </a:rPr>
+            </a:br>
+            <a:r>
+              <a:rPr kumimoji="0" lang="en-US" altLang="en-US" sz="1200" b="0" i="0" u="none" strike="noStrike" cap="none" normalizeH="0" baseline="0" dirty="0">
+                <a:ln>
+                  <a:noFill/>
+                </a:ln>
+                <a:solidFill>
+                  <a:srgbClr val="CC7832"/>
+                </a:solidFill>
+                <a:effectLst/>
+                <a:latin typeface="JetBrains Mono"/>
+              </a:rPr>
+              <a:t>void </a:t>
+            </a:r>
+            <a:r>
+              <a:rPr kumimoji="0" lang="en-US" altLang="en-US" sz="1200" b="0" i="0" u="none" strike="noStrike" cap="none" normalizeH="0" baseline="0" dirty="0" err="1">
+                <a:ln>
+                  <a:noFill/>
+                </a:ln>
+                <a:solidFill>
+                  <a:srgbClr val="FFC66D"/>
+                </a:solidFill>
+                <a:effectLst/>
+                <a:latin typeface="JetBrains Mono"/>
+              </a:rPr>
+              <a:t>semControl</a:t>
+            </a:r>
+            <a:r>
+              <a:rPr kumimoji="0" lang="en-US" altLang="en-US" sz="1200" b="0" i="0" u="none" strike="noStrike" cap="none" normalizeH="0" baseline="0" dirty="0">
+                <a:ln>
+                  <a:noFill/>
+                </a:ln>
+                <a:effectLst/>
+                <a:latin typeface="JetBrains Mono"/>
+              </a:rPr>
+              <a:t>(</a:t>
+            </a:r>
+            <a:r>
+              <a:rPr kumimoji="0" lang="en-US" altLang="en-US" sz="1200" b="0" i="0" u="none" strike="noStrike" cap="none" normalizeH="0" baseline="0" dirty="0" err="1">
+                <a:ln>
+                  <a:noFill/>
+                </a:ln>
+                <a:effectLst/>
+                <a:latin typeface="JetBrains Mono"/>
+              </a:rPr>
+              <a:t>ht_table_t</a:t>
+            </a:r>
+            <a:r>
+              <a:rPr kumimoji="0" lang="en-US" altLang="en-US" sz="1200" b="0" i="0" u="none" strike="noStrike" cap="none" normalizeH="0" baseline="0" dirty="0">
+                <a:ln>
+                  <a:noFill/>
+                </a:ln>
+                <a:effectLst/>
+                <a:latin typeface="JetBrains Mono"/>
+              </a:rPr>
+              <a:t> *table</a:t>
+            </a:r>
+            <a:r>
+              <a:rPr kumimoji="0" lang="en-US" altLang="en-US" sz="1200" b="0" i="0" u="none" strike="noStrike" cap="none" normalizeH="0" baseline="0" dirty="0">
+                <a:ln>
+                  <a:noFill/>
+                </a:ln>
+                <a:solidFill>
+                  <a:srgbClr val="CC7832"/>
+                </a:solidFill>
+                <a:effectLst/>
+                <a:latin typeface="JetBrains Mono"/>
+              </a:rPr>
+              <a:t>, int </a:t>
+            </a:r>
+            <a:r>
+              <a:rPr kumimoji="0" lang="en-US" altLang="en-US" sz="1200" b="0" i="0" u="none" strike="noStrike" cap="none" normalizeH="0" baseline="0" dirty="0">
+                <a:ln>
+                  <a:noFill/>
+                </a:ln>
+                <a:effectLst/>
+                <a:latin typeface="JetBrains Mono"/>
+              </a:rPr>
+              <a:t>key)</a:t>
+            </a:r>
+            <a:r>
+              <a:rPr kumimoji="0" lang="en-US" altLang="en-US" sz="1200" b="0" i="0" u="none" strike="noStrike" cap="none" normalizeH="0" baseline="0" dirty="0">
+                <a:ln>
+                  <a:noFill/>
+                </a:ln>
+                <a:solidFill>
+                  <a:srgbClr val="CC7832"/>
+                </a:solidFill>
+                <a:effectLst/>
+                <a:latin typeface="JetBrains Mono"/>
+              </a:rPr>
               <a:t>;</a:t>
             </a:r>
-          </a:p>
-          <a:p>
-            <a:r>
-              <a:rPr lang="en-US" dirty="0"/>
-              <a:t>};</a:t>
-            </a:r>
-          </a:p>
-          <a:p>
-            <a:endParaRPr lang="sk-SK" dirty="0"/>
+            <a:br>
+              <a:rPr kumimoji="0" lang="en-US" altLang="en-US" sz="1200" b="0" i="0" u="none" strike="noStrike" cap="none" normalizeH="0" baseline="0" dirty="0">
+                <a:ln>
+                  <a:noFill/>
+                </a:ln>
+                <a:solidFill>
+                  <a:srgbClr val="CC7832"/>
+                </a:solidFill>
+                <a:effectLst/>
+                <a:latin typeface="JetBrains Mono"/>
+              </a:rPr>
+            </a:br>
+            <a:r>
+              <a:rPr kumimoji="0" lang="en-US" altLang="en-US" sz="1200" b="0" i="0" u="none" strike="noStrike" cap="none" normalizeH="0" baseline="0" dirty="0">
+                <a:ln>
+                  <a:noFill/>
+                </a:ln>
+                <a:solidFill>
+                  <a:srgbClr val="CC7832"/>
+                </a:solidFill>
+                <a:effectLst/>
+                <a:latin typeface="JetBrains Mono"/>
+              </a:rPr>
+              <a:t>void </a:t>
+            </a:r>
+            <a:r>
+              <a:rPr kumimoji="0" lang="en-US" altLang="en-US" sz="1200" b="0" i="0" u="none" strike="noStrike" cap="none" normalizeH="0" baseline="0" dirty="0" err="1">
+                <a:ln>
+                  <a:noFill/>
+                </a:ln>
+                <a:solidFill>
+                  <a:srgbClr val="FFC66D"/>
+                </a:solidFill>
+                <a:effectLst/>
+                <a:latin typeface="JetBrains Mono"/>
+              </a:rPr>
+              <a:t>check_sem_return</a:t>
+            </a:r>
+            <a:r>
+              <a:rPr kumimoji="0" lang="en-US" altLang="en-US" sz="1200" b="0" i="0" u="none" strike="noStrike" cap="none" normalizeH="0" baseline="0" dirty="0">
+                <a:ln>
+                  <a:noFill/>
+                </a:ln>
+                <a:effectLst/>
+                <a:latin typeface="JetBrains Mono"/>
+              </a:rPr>
+              <a:t>(element </a:t>
+            </a:r>
+            <a:r>
+              <a:rPr kumimoji="0" lang="en-US" altLang="en-US" sz="1200" b="0" i="0" u="none" strike="noStrike" cap="none" normalizeH="0" baseline="0" dirty="0" err="1">
+                <a:ln>
+                  <a:noFill/>
+                </a:ln>
+                <a:effectLst/>
+                <a:latin typeface="JetBrains Mono"/>
+              </a:rPr>
+              <a:t>func_e</a:t>
+            </a:r>
+            <a:r>
+              <a:rPr kumimoji="0" lang="en-US" altLang="en-US" sz="1200" b="0" i="0" u="none" strike="noStrike" cap="none" normalizeH="0" baseline="0" dirty="0">
+                <a:ln>
+                  <a:noFill/>
+                </a:ln>
+                <a:solidFill>
+                  <a:srgbClr val="CC7832"/>
+                </a:solidFill>
+                <a:effectLst/>
+                <a:latin typeface="JetBrains Mono"/>
+              </a:rPr>
+              <a:t>, </a:t>
+            </a:r>
+            <a:r>
+              <a:rPr kumimoji="0" lang="en-US" altLang="en-US" sz="1200" b="0" i="0" u="none" strike="noStrike" cap="none" normalizeH="0" baseline="0" dirty="0">
+                <a:ln>
+                  <a:noFill/>
+                </a:ln>
+                <a:effectLst/>
+                <a:latin typeface="JetBrains Mono"/>
+              </a:rPr>
+              <a:t>element </a:t>
+            </a:r>
+            <a:r>
+              <a:rPr kumimoji="0" lang="en-US" altLang="en-US" sz="1200" b="0" i="0" u="none" strike="noStrike" cap="none" normalizeH="0" baseline="0" dirty="0" err="1">
+                <a:ln>
+                  <a:noFill/>
+                </a:ln>
+                <a:effectLst/>
+                <a:latin typeface="JetBrains Mono"/>
+              </a:rPr>
+              <a:t>ret_e</a:t>
+            </a:r>
+            <a:r>
+              <a:rPr kumimoji="0" lang="en-US" altLang="en-US" sz="1200" b="0" i="0" u="none" strike="noStrike" cap="none" normalizeH="0" baseline="0" dirty="0">
+                <a:ln>
+                  <a:noFill/>
+                </a:ln>
+                <a:effectLst/>
+                <a:latin typeface="JetBrains Mono"/>
+              </a:rPr>
+              <a:t>)</a:t>
+            </a:r>
+            <a:r>
+              <a:rPr kumimoji="0" lang="en-US" altLang="en-US" sz="1200" b="0" i="0" u="none" strike="noStrike" cap="none" normalizeH="0" baseline="0" dirty="0">
+                <a:ln>
+                  <a:noFill/>
+                </a:ln>
+                <a:solidFill>
+                  <a:srgbClr val="CC7832"/>
+                </a:solidFill>
+                <a:effectLst/>
+                <a:latin typeface="JetBrains Mono"/>
+              </a:rPr>
+              <a:t>;</a:t>
+            </a:r>
+            <a:br>
+              <a:rPr kumimoji="0" lang="en-US" altLang="en-US" sz="1200" b="0" i="0" u="none" strike="noStrike" cap="none" normalizeH="0" baseline="0" dirty="0">
+                <a:ln>
+                  <a:noFill/>
+                </a:ln>
+                <a:solidFill>
+                  <a:srgbClr val="CC7832"/>
+                </a:solidFill>
+                <a:effectLst/>
+                <a:latin typeface="JetBrains Mono"/>
+              </a:rPr>
+            </a:br>
+            <a:r>
+              <a:rPr kumimoji="0" lang="en-US" altLang="en-US" sz="1200" b="0" i="0" u="none" strike="noStrike" cap="none" normalizeH="0" baseline="0" dirty="0">
+                <a:ln>
+                  <a:noFill/>
+                </a:ln>
+                <a:solidFill>
+                  <a:srgbClr val="CC7832"/>
+                </a:solidFill>
+                <a:effectLst/>
+                <a:latin typeface="JetBrains Mono"/>
+              </a:rPr>
+              <a:t>void </a:t>
+            </a:r>
+            <a:r>
+              <a:rPr kumimoji="0" lang="en-US" altLang="en-US" sz="1200" b="0" i="0" u="none" strike="noStrike" cap="none" normalizeH="0" baseline="0" dirty="0" err="1">
+                <a:ln>
+                  <a:noFill/>
+                </a:ln>
+                <a:solidFill>
+                  <a:srgbClr val="FFC66D"/>
+                </a:solidFill>
+                <a:effectLst/>
+                <a:latin typeface="JetBrains Mono"/>
+              </a:rPr>
+              <a:t>check_global_return</a:t>
+            </a:r>
+            <a:r>
+              <a:rPr kumimoji="0" lang="en-US" altLang="en-US" sz="1200" b="0" i="0" u="none" strike="noStrike" cap="none" normalizeH="0" baseline="0" dirty="0">
+                <a:ln>
+                  <a:noFill/>
+                </a:ln>
+                <a:effectLst/>
+                <a:latin typeface="JetBrains Mono"/>
+              </a:rPr>
+              <a:t>(element </a:t>
+            </a:r>
+            <a:r>
+              <a:rPr kumimoji="0" lang="en-US" altLang="en-US" sz="1200" b="0" i="0" u="none" strike="noStrike" cap="none" normalizeH="0" baseline="0" dirty="0" err="1">
+                <a:ln>
+                  <a:noFill/>
+                </a:ln>
+                <a:effectLst/>
+                <a:latin typeface="JetBrains Mono"/>
+              </a:rPr>
+              <a:t>ret_e</a:t>
+            </a:r>
+            <a:r>
+              <a:rPr kumimoji="0" lang="en-US" altLang="en-US" sz="1200" b="0" i="0" u="none" strike="noStrike" cap="none" normalizeH="0" baseline="0" dirty="0">
+                <a:ln>
+                  <a:noFill/>
+                </a:ln>
+                <a:effectLst/>
+                <a:latin typeface="JetBrains Mono"/>
+              </a:rPr>
+              <a:t>)</a:t>
+            </a:r>
+            <a:r>
+              <a:rPr kumimoji="0" lang="en-US" altLang="en-US" sz="1200" b="0" i="0" u="none" strike="noStrike" cap="none" normalizeH="0" baseline="0" dirty="0">
+                <a:ln>
+                  <a:noFill/>
+                </a:ln>
+                <a:solidFill>
+                  <a:srgbClr val="CC7832"/>
+                </a:solidFill>
+                <a:effectLst/>
+                <a:latin typeface="JetBrains Mono"/>
+              </a:rPr>
+              <a:t>;</a:t>
+            </a:r>
+            <a:br>
+              <a:rPr kumimoji="0" lang="en-US" altLang="en-US" sz="1200" b="0" i="0" u="none" strike="noStrike" cap="none" normalizeH="0" baseline="0" dirty="0">
+                <a:ln>
+                  <a:noFill/>
+                </a:ln>
+                <a:solidFill>
+                  <a:srgbClr val="CC7832"/>
+                </a:solidFill>
+                <a:effectLst/>
+                <a:latin typeface="JetBrains Mono"/>
+              </a:rPr>
+            </a:br>
+            <a:r>
+              <a:rPr kumimoji="0" lang="en-US" altLang="en-US" sz="1200" b="0" i="0" u="none" strike="noStrike" cap="none" normalizeH="0" baseline="0" dirty="0">
+                <a:ln>
+                  <a:noFill/>
+                </a:ln>
+                <a:solidFill>
+                  <a:srgbClr val="CC7832"/>
+                </a:solidFill>
+                <a:effectLst/>
+                <a:latin typeface="JetBrains Mono"/>
+              </a:rPr>
+              <a:t>void </a:t>
+            </a:r>
+            <a:r>
+              <a:rPr kumimoji="0" lang="en-US" altLang="en-US" sz="1200" b="0" i="0" u="none" strike="noStrike" cap="none" normalizeH="0" baseline="0" dirty="0" err="1">
+                <a:ln>
+                  <a:noFill/>
+                </a:ln>
+                <a:solidFill>
+                  <a:srgbClr val="FFC66D"/>
+                </a:solidFill>
+                <a:effectLst/>
+                <a:latin typeface="JetBrains Mono"/>
+              </a:rPr>
+              <a:t>check_defined_functions</a:t>
+            </a:r>
+            <a:r>
+              <a:rPr kumimoji="0" lang="en-US" altLang="en-US" sz="1200" b="0" i="0" u="none" strike="noStrike" cap="none" normalizeH="0" baseline="0" dirty="0">
+                <a:ln>
+                  <a:noFill/>
+                </a:ln>
+                <a:effectLst/>
+                <a:latin typeface="JetBrains Mono"/>
+              </a:rPr>
+              <a:t>(</a:t>
+            </a:r>
+            <a:r>
+              <a:rPr kumimoji="0" lang="en-US" altLang="en-US" sz="1200" b="0" i="0" u="none" strike="noStrike" cap="none" normalizeH="0" baseline="0" dirty="0" err="1">
+                <a:ln>
+                  <a:noFill/>
+                </a:ln>
+                <a:effectLst/>
+                <a:latin typeface="JetBrains Mono"/>
+              </a:rPr>
+              <a:t>progdata</a:t>
+            </a:r>
+            <a:r>
+              <a:rPr kumimoji="0" lang="en-US" altLang="en-US" sz="1200" b="0" i="0" u="none" strike="noStrike" cap="none" normalizeH="0" baseline="0" dirty="0">
+                <a:ln>
+                  <a:noFill/>
+                </a:ln>
+                <a:effectLst/>
+                <a:latin typeface="JetBrains Mono"/>
+              </a:rPr>
+              <a:t> data</a:t>
+            </a:r>
+            <a:r>
+              <a:rPr kumimoji="0" lang="en-US" altLang="en-US" sz="1200" b="0" i="0" u="none" strike="noStrike" cap="none" normalizeH="0" baseline="0" dirty="0">
+                <a:ln>
+                  <a:noFill/>
+                </a:ln>
+                <a:solidFill>
+                  <a:srgbClr val="CC7832"/>
+                </a:solidFill>
+                <a:effectLst/>
+                <a:latin typeface="JetBrains Mono"/>
+              </a:rPr>
+              <a:t>, char</a:t>
+            </a:r>
+            <a:r>
+              <a:rPr kumimoji="0" lang="en-US" altLang="en-US" sz="1200" b="0" i="0" u="none" strike="noStrike" cap="none" normalizeH="0" baseline="0" dirty="0">
+                <a:ln>
+                  <a:noFill/>
+                </a:ln>
+                <a:effectLst/>
+                <a:latin typeface="JetBrains Mono"/>
+              </a:rPr>
+              <a:t>* name)</a:t>
+            </a:r>
+            <a:r>
+              <a:rPr kumimoji="0" lang="en-US" altLang="en-US" sz="1200" b="0" i="0" u="none" strike="noStrike" cap="none" normalizeH="0" baseline="0" dirty="0">
+                <a:ln>
+                  <a:noFill/>
+                </a:ln>
+                <a:solidFill>
+                  <a:srgbClr val="CC7832"/>
+                </a:solidFill>
+                <a:effectLst/>
+                <a:latin typeface="JetBrains Mono"/>
+              </a:rPr>
+              <a:t>;</a:t>
+            </a:r>
+            <a:br>
+              <a:rPr kumimoji="0" lang="en-US" altLang="en-US" sz="1200" b="0" i="0" u="none" strike="noStrike" cap="none" normalizeH="0" baseline="0" dirty="0">
+                <a:ln>
+                  <a:noFill/>
+                </a:ln>
+                <a:solidFill>
+                  <a:srgbClr val="CC7832"/>
+                </a:solidFill>
+                <a:effectLst/>
+                <a:latin typeface="JetBrains Mono"/>
+              </a:rPr>
+            </a:br>
+            <a:r>
+              <a:rPr kumimoji="0" lang="en-US" altLang="en-US" sz="1200" b="0" i="0" u="none" strike="noStrike" cap="none" normalizeH="0" baseline="0" dirty="0">
+                <a:ln>
+                  <a:noFill/>
+                </a:ln>
+                <a:solidFill>
+                  <a:srgbClr val="CC7832"/>
+                </a:solidFill>
+                <a:effectLst/>
+                <a:latin typeface="JetBrains Mono"/>
+              </a:rPr>
+              <a:t>void </a:t>
+            </a:r>
+            <a:r>
+              <a:rPr kumimoji="0" lang="en-US" altLang="en-US" sz="1200" b="0" i="0" u="none" strike="noStrike" cap="none" normalizeH="0" baseline="0" dirty="0" err="1">
+                <a:ln>
+                  <a:noFill/>
+                </a:ln>
+                <a:solidFill>
+                  <a:srgbClr val="FFC66D"/>
+                </a:solidFill>
+                <a:effectLst/>
+                <a:latin typeface="JetBrains Mono"/>
+              </a:rPr>
+              <a:t>see_call_defined</a:t>
+            </a:r>
+            <a:r>
+              <a:rPr kumimoji="0" lang="en-US" altLang="en-US" sz="1200" b="0" i="0" u="none" strike="noStrike" cap="none" normalizeH="0" baseline="0" dirty="0">
+                <a:ln>
+                  <a:noFill/>
+                </a:ln>
+                <a:effectLst/>
+                <a:latin typeface="JetBrains Mono"/>
+              </a:rPr>
+              <a:t>(</a:t>
+            </a:r>
+            <a:r>
+              <a:rPr kumimoji="0" lang="en-US" altLang="en-US" sz="1200" b="0" i="0" u="none" strike="noStrike" cap="none" normalizeH="0" baseline="0" dirty="0" err="1">
+                <a:ln>
+                  <a:noFill/>
+                </a:ln>
+                <a:effectLst/>
+                <a:latin typeface="JetBrains Mono"/>
+              </a:rPr>
+              <a:t>ht_table_t</a:t>
+            </a:r>
+            <a:r>
+              <a:rPr kumimoji="0" lang="en-US" altLang="en-US" sz="1200" b="0" i="0" u="none" strike="noStrike" cap="none" normalizeH="0" baseline="0" dirty="0">
+                <a:ln>
+                  <a:noFill/>
+                </a:ln>
+                <a:effectLst/>
+                <a:latin typeface="JetBrains Mono"/>
+              </a:rPr>
+              <a:t> *table</a:t>
+            </a:r>
+            <a:r>
+              <a:rPr kumimoji="0" lang="en-US" altLang="en-US" sz="1200" b="0" i="0" u="none" strike="noStrike" cap="none" normalizeH="0" baseline="0" dirty="0">
+                <a:ln>
+                  <a:noFill/>
+                </a:ln>
+                <a:solidFill>
+                  <a:srgbClr val="CC7832"/>
+                </a:solidFill>
+                <a:effectLst/>
+                <a:latin typeface="JetBrains Mono"/>
+              </a:rPr>
+              <a:t>, </a:t>
+            </a:r>
+            <a:r>
+              <a:rPr kumimoji="0" lang="en-US" altLang="en-US" sz="1200" b="0" i="0" u="none" strike="noStrike" cap="none" normalizeH="0" baseline="0" dirty="0">
+                <a:ln>
+                  <a:noFill/>
+                </a:ln>
+                <a:effectLst/>
+                <a:latin typeface="JetBrains Mono"/>
+              </a:rPr>
+              <a:t>element call</a:t>
+            </a:r>
+            <a:r>
+              <a:rPr kumimoji="0" lang="en-US" altLang="en-US" sz="1200" b="0" i="0" u="none" strike="noStrike" cap="none" normalizeH="0" baseline="0" dirty="0">
+                <a:ln>
+                  <a:noFill/>
+                </a:ln>
+                <a:solidFill>
+                  <a:srgbClr val="CC7832"/>
+                </a:solidFill>
+                <a:effectLst/>
+                <a:latin typeface="JetBrains Mono"/>
+              </a:rPr>
+              <a:t>, int </a:t>
+            </a:r>
+            <a:r>
+              <a:rPr kumimoji="0" lang="en-US" altLang="en-US" sz="1200" b="0" i="0" u="none" strike="noStrike" cap="none" normalizeH="0" baseline="0" dirty="0">
+                <a:ln>
+                  <a:noFill/>
+                </a:ln>
+                <a:effectLst/>
+                <a:latin typeface="JetBrains Mono"/>
+              </a:rPr>
+              <a:t>key)</a:t>
+            </a:r>
+            <a:r>
+              <a:rPr kumimoji="0" lang="en-US" altLang="en-US" sz="1200" b="0" i="0" u="none" strike="noStrike" cap="none" normalizeH="0" baseline="0" dirty="0">
+                <a:ln>
+                  <a:noFill/>
+                </a:ln>
+                <a:solidFill>
+                  <a:srgbClr val="CC7832"/>
+                </a:solidFill>
+                <a:effectLst/>
+                <a:latin typeface="JetBrains Mono"/>
+              </a:rPr>
+              <a:t>;</a:t>
+            </a:r>
+            <a:br>
+              <a:rPr kumimoji="0" lang="en-US" altLang="en-US" sz="1200" b="0" i="0" u="none" strike="noStrike" cap="none" normalizeH="0" baseline="0" dirty="0">
+                <a:ln>
+                  <a:noFill/>
+                </a:ln>
+                <a:solidFill>
+                  <a:srgbClr val="CC7832"/>
+                </a:solidFill>
+                <a:effectLst/>
+                <a:latin typeface="JetBrains Mono"/>
+              </a:rPr>
+            </a:br>
+            <a:r>
+              <a:rPr kumimoji="0" lang="en-US" altLang="en-US" sz="1200" b="0" i="0" u="none" strike="noStrike" cap="none" normalizeH="0" baseline="0" dirty="0">
+                <a:ln>
+                  <a:noFill/>
+                </a:ln>
+                <a:solidFill>
+                  <a:srgbClr val="CC7832"/>
+                </a:solidFill>
+                <a:effectLst/>
+                <a:latin typeface="JetBrains Mono"/>
+              </a:rPr>
+              <a:t>void </a:t>
+            </a:r>
+            <a:r>
+              <a:rPr kumimoji="0" lang="en-US" altLang="en-US" sz="1200" b="0" i="0" u="none" strike="noStrike" cap="none" normalizeH="0" baseline="0" dirty="0" err="1">
+                <a:ln>
+                  <a:noFill/>
+                </a:ln>
+                <a:solidFill>
+                  <a:srgbClr val="FFC66D"/>
+                </a:solidFill>
+                <a:effectLst/>
+                <a:latin typeface="JetBrains Mono"/>
+              </a:rPr>
+              <a:t>see_call_arguments</a:t>
+            </a:r>
+            <a:r>
+              <a:rPr kumimoji="0" lang="en-US" altLang="en-US" sz="1200" b="0" i="0" u="none" strike="noStrike" cap="none" normalizeH="0" baseline="0" dirty="0">
+                <a:ln>
+                  <a:noFill/>
+                </a:ln>
+                <a:effectLst/>
+                <a:latin typeface="JetBrains Mono"/>
+              </a:rPr>
+              <a:t>(</a:t>
+            </a:r>
+            <a:r>
+              <a:rPr kumimoji="0" lang="en-US" altLang="en-US" sz="1200" b="0" i="0" u="none" strike="noStrike" cap="none" normalizeH="0" baseline="0" dirty="0" err="1">
+                <a:ln>
+                  <a:noFill/>
+                </a:ln>
+                <a:effectLst/>
+                <a:latin typeface="JetBrains Mono"/>
+              </a:rPr>
+              <a:t>ht_table_t</a:t>
+            </a:r>
+            <a:r>
+              <a:rPr kumimoji="0" lang="en-US" altLang="en-US" sz="1200" b="0" i="0" u="none" strike="noStrike" cap="none" normalizeH="0" baseline="0" dirty="0">
+                <a:ln>
+                  <a:noFill/>
+                </a:ln>
+                <a:effectLst/>
+                <a:latin typeface="JetBrains Mono"/>
+              </a:rPr>
+              <a:t> *table</a:t>
+            </a:r>
+            <a:r>
+              <a:rPr kumimoji="0" lang="en-US" altLang="en-US" sz="1200" b="0" i="0" u="none" strike="noStrike" cap="none" normalizeH="0" baseline="0" dirty="0">
+                <a:ln>
+                  <a:noFill/>
+                </a:ln>
+                <a:solidFill>
+                  <a:srgbClr val="CC7832"/>
+                </a:solidFill>
+                <a:effectLst/>
+                <a:latin typeface="JetBrains Mono"/>
+              </a:rPr>
+              <a:t>, </a:t>
+            </a:r>
+            <a:r>
+              <a:rPr kumimoji="0" lang="en-US" altLang="en-US" sz="1200" b="0" i="0" u="none" strike="noStrike" cap="none" normalizeH="0" baseline="0" dirty="0">
+                <a:ln>
+                  <a:noFill/>
+                </a:ln>
+                <a:effectLst/>
+                <a:latin typeface="JetBrains Mono"/>
+              </a:rPr>
+              <a:t>element </a:t>
+            </a:r>
+            <a:r>
+              <a:rPr kumimoji="0" lang="en-US" altLang="en-US" sz="1200" b="0" i="0" u="none" strike="noStrike" cap="none" normalizeH="0" baseline="0" dirty="0" err="1">
+                <a:ln>
+                  <a:noFill/>
+                </a:ln>
+                <a:effectLst/>
+                <a:latin typeface="JetBrains Mono"/>
+              </a:rPr>
+              <a:t>func</a:t>
+            </a:r>
+            <a:r>
+              <a:rPr kumimoji="0" lang="en-US" altLang="en-US" sz="1200" b="0" i="0" u="none" strike="noStrike" cap="none" normalizeH="0" baseline="0" dirty="0">
+                <a:ln>
+                  <a:noFill/>
+                </a:ln>
+                <a:solidFill>
+                  <a:srgbClr val="CC7832"/>
+                </a:solidFill>
+                <a:effectLst/>
+                <a:latin typeface="JetBrains Mono"/>
+              </a:rPr>
+              <a:t>, </a:t>
+            </a:r>
+            <a:r>
+              <a:rPr kumimoji="0" lang="en-US" altLang="en-US" sz="1200" b="0" i="0" u="none" strike="noStrike" cap="none" normalizeH="0" baseline="0" dirty="0">
+                <a:ln>
+                  <a:noFill/>
+                </a:ln>
+                <a:effectLst/>
+                <a:latin typeface="JetBrains Mono"/>
+              </a:rPr>
+              <a:t>element call</a:t>
+            </a:r>
+            <a:r>
+              <a:rPr kumimoji="0" lang="en-US" altLang="en-US" sz="1200" b="0" i="0" u="none" strike="noStrike" cap="none" normalizeH="0" baseline="0" dirty="0">
+                <a:ln>
+                  <a:noFill/>
+                </a:ln>
+                <a:solidFill>
+                  <a:srgbClr val="CC7832"/>
+                </a:solidFill>
+                <a:effectLst/>
+                <a:latin typeface="JetBrains Mono"/>
+              </a:rPr>
+              <a:t>, int </a:t>
+            </a:r>
+            <a:r>
+              <a:rPr kumimoji="0" lang="en-US" altLang="en-US" sz="1200" b="0" i="0" u="none" strike="noStrike" cap="none" normalizeH="0" baseline="0" dirty="0">
+                <a:ln>
+                  <a:noFill/>
+                </a:ln>
+                <a:effectLst/>
+                <a:latin typeface="JetBrains Mono"/>
+              </a:rPr>
+              <a:t>key)</a:t>
+            </a:r>
+            <a:r>
+              <a:rPr kumimoji="0" lang="en-US" altLang="en-US" sz="1200" b="0" i="0" u="none" strike="noStrike" cap="none" normalizeH="0" baseline="0" dirty="0">
+                <a:ln>
+                  <a:noFill/>
+                </a:ln>
+                <a:solidFill>
+                  <a:srgbClr val="CC7832"/>
+                </a:solidFill>
+                <a:effectLst/>
+                <a:latin typeface="JetBrains Mono"/>
+              </a:rPr>
+              <a:t>;</a:t>
+            </a:r>
+            <a:endParaRPr kumimoji="0" lang="en-US" altLang="en-US" sz="2800" b="0" i="0" u="none" strike="noStrike" cap="none" normalizeH="0" baseline="0" dirty="0">
+              <a:ln>
+                <a:noFill/>
+              </a:ln>
+              <a:effectLst/>
+              <a:latin typeface="Arial" panose="020B0604020202020204" pitchFamily="34" charset="0"/>
+            </a:endParaRPr>
           </a:p>
         </p:txBody>
       </p:sp>
       <p:sp>
         <p:nvSpPr>
-          <p:cNvPr id="5" name="BlokTextu 4"/>
-          <p:cNvSpPr txBox="1"/>
+          <p:cNvPr id="17" name="Rectangle 2">
+            <a:extLst>
+              <a:ext uri="{FF2B5EF4-FFF2-40B4-BE49-F238E27FC236}">
+                <a16:creationId xmlns:a16="http://schemas.microsoft.com/office/drawing/2014/main" id="{63B2997A-7302-ACCD-CD74-1FE854ABC0DA}"/>
+              </a:ext>
+            </a:extLst>
+          </p:cNvPr>
+          <p:cNvSpPr>
+            <a:spLocks noChangeArrowheads="1"/>
+          </p:cNvSpPr>
           <p:nvPr/>
         </p:nvSpPr>
-        <p:spPr>
+        <p:spPr bwMode="auto">
           <a:xfrm>
-            <a:off x="3739581" y="4478116"/>
-            <a:ext cx="2715423" cy="2031325"/>
+            <a:off x="3060070" y="4554567"/>
+            <a:ext cx="4934140" cy="276999"/>
           </a:xfrm>
           <a:prstGeom prst="rect">
             <a:avLst/>
           </a:prstGeom>
           <a:noFill/>
+          <a:ln>
+            <a:noFill/>
+          </a:ln>
+          <a:effectLst/>
         </p:spPr>
         <p:txBody>
-          <a:bodyPr wrap="none" rtlCol="0">
+          <a:bodyPr vert="horz" wrap="square" lIns="91440" tIns="45720" rIns="91440" bIns="45720" numCol="1" anchor="ctr" anchorCtr="0" compatLnSpc="1">
+            <a:prstTxWarp prst="textNoShape">
+              <a:avLst/>
+            </a:prstTxWarp>
             <a:spAutoFit/>
           </a:bodyPr>
           <a:lstStyle/>
           <a:p>
-            <a:r>
-              <a:rPr lang="en-US" dirty="0" err="1"/>
-              <a:t>struct</a:t>
-            </a:r>
-            <a:r>
-              <a:rPr lang="en-US" dirty="0">
-                <a:solidFill>
-                  <a:srgbClr val="D38C50"/>
-                </a:solidFill>
-              </a:rPr>
-              <a:t> functions </a:t>
-            </a:r>
-            <a:r>
-              <a:rPr lang="en-US" dirty="0"/>
-              <a:t>{</a:t>
-            </a:r>
-          </a:p>
-          <a:p>
-            <a:r>
-              <a:rPr lang="en-US" dirty="0"/>
-              <a:t>   char </a:t>
-            </a:r>
-            <a:r>
-              <a:rPr lang="en-US" dirty="0">
-                <a:solidFill>
-                  <a:schemeClr val="tx2">
-                    <a:lumMod val="60000"/>
-                    <a:lumOff val="40000"/>
-                  </a:schemeClr>
-                </a:solidFill>
-              </a:rPr>
-              <a:t>*</a:t>
-            </a:r>
-            <a:r>
-              <a:rPr lang="en-US" dirty="0" err="1">
-                <a:solidFill>
-                  <a:schemeClr val="tx2">
-                    <a:lumMod val="60000"/>
-                    <a:lumOff val="40000"/>
-                  </a:schemeClr>
-                </a:solidFill>
-              </a:rPr>
-              <a:t>fce_name</a:t>
-            </a:r>
-            <a:r>
-              <a:rPr lang="en-US" dirty="0"/>
+            <a:pPr marL="0" marR="0" lvl="0" indent="0" algn="l" defTabSz="914400" rtl="0" eaLnBrk="0" fontAlgn="base" latinLnBrk="0" hangingPunct="0">
+              <a:lnSpc>
+                <a:spcPct val="100000"/>
+              </a:lnSpc>
+              <a:spcBef>
+                <a:spcPct val="0"/>
+              </a:spcBef>
+              <a:spcAft>
+                <a:spcPct val="0"/>
+              </a:spcAft>
+              <a:buClrTx/>
+              <a:buSzTx/>
+              <a:buFontTx/>
+              <a:buNone/>
+              <a:tabLst/>
+            </a:pPr>
+            <a:r>
+              <a:rPr kumimoji="0" lang="en-US" altLang="en-US" sz="1200" b="0" i="0" u="none" strike="noStrike" cap="none" normalizeH="0" baseline="0" dirty="0">
+                <a:ln>
+                  <a:noFill/>
+                </a:ln>
+                <a:effectLst/>
+                <a:latin typeface="JetBrains Mono"/>
+              </a:rPr>
+              <a:t>Token</a:t>
+            </a:r>
+            <a:r>
+              <a:rPr kumimoji="0" lang="en-US" altLang="en-US" sz="1200" b="0" i="0" u="none" strike="noStrike" cap="none" normalizeH="0" baseline="0" dirty="0">
+                <a:ln>
+                  <a:noFill/>
+                </a:ln>
+                <a:solidFill>
+                  <a:srgbClr val="B9BCD1"/>
+                </a:solidFill>
+                <a:effectLst/>
+                <a:latin typeface="JetBrains Mono"/>
+              </a:rPr>
+              <a:t> </a:t>
+            </a:r>
+            <a:r>
+              <a:rPr kumimoji="0" lang="en-US" altLang="en-US" sz="1200" b="0" i="0" u="none" strike="noStrike" cap="none" normalizeH="0" baseline="0" dirty="0" err="1">
+                <a:ln>
+                  <a:noFill/>
+                </a:ln>
+                <a:solidFill>
+                  <a:srgbClr val="FFC66D"/>
+                </a:solidFill>
+                <a:effectLst/>
+                <a:latin typeface="JetBrains Mono"/>
+              </a:rPr>
+              <a:t>get_variable</a:t>
+            </a:r>
+            <a:r>
+              <a:rPr kumimoji="0" lang="en-US" altLang="en-US" sz="1200" b="0" i="0" u="none" strike="noStrike" cap="none" normalizeH="0" baseline="0" dirty="0">
+                <a:ln>
+                  <a:noFill/>
+                </a:ln>
+                <a:effectLst/>
+                <a:latin typeface="JetBrains Mono"/>
+              </a:rPr>
+              <a:t>(</a:t>
+            </a:r>
+            <a:r>
+              <a:rPr kumimoji="0" lang="en-US" altLang="en-US" sz="1200" b="0" i="0" u="none" strike="noStrike" cap="none" normalizeH="0" baseline="0" dirty="0" err="1">
+                <a:ln>
+                  <a:noFill/>
+                </a:ln>
+                <a:effectLst/>
+                <a:latin typeface="JetBrains Mono"/>
+              </a:rPr>
+              <a:t>ht_table_t</a:t>
+            </a:r>
+            <a:r>
+              <a:rPr kumimoji="0" lang="en-US" altLang="en-US" sz="1200" b="0" i="0" u="none" strike="noStrike" cap="none" normalizeH="0" baseline="0" dirty="0">
+                <a:ln>
+                  <a:noFill/>
+                </a:ln>
+                <a:effectLst/>
+                <a:latin typeface="JetBrains Mono"/>
+              </a:rPr>
+              <a:t> *table</a:t>
+            </a:r>
+            <a:r>
+              <a:rPr kumimoji="0" lang="en-US" altLang="en-US" sz="1200" b="0" i="0" u="none" strike="noStrike" cap="none" normalizeH="0" baseline="0" dirty="0">
+                <a:ln>
+                  <a:noFill/>
+                </a:ln>
+                <a:solidFill>
+                  <a:srgbClr val="CC7832"/>
+                </a:solidFill>
+                <a:effectLst/>
+                <a:latin typeface="JetBrains Mono"/>
+              </a:rPr>
+              <a:t>, </a:t>
+            </a:r>
+            <a:r>
+              <a:rPr kumimoji="0" lang="en-US" altLang="en-US" sz="1200" b="0" i="0" u="none" strike="noStrike" cap="none" normalizeH="0" baseline="0" dirty="0">
+                <a:ln>
+                  <a:noFill/>
+                </a:ln>
+                <a:effectLst/>
+                <a:latin typeface="JetBrains Mono"/>
+              </a:rPr>
+              <a:t>element* e</a:t>
+            </a:r>
+            <a:r>
+              <a:rPr kumimoji="0" lang="en-US" altLang="en-US" sz="1200" b="0" i="0" u="none" strike="noStrike" cap="none" normalizeH="0" baseline="0" dirty="0">
+                <a:ln>
+                  <a:noFill/>
+                </a:ln>
+                <a:solidFill>
+                  <a:srgbClr val="CC7832"/>
+                </a:solidFill>
+                <a:effectLst/>
+                <a:latin typeface="JetBrains Mono"/>
+              </a:rPr>
+              <a:t>, </a:t>
+            </a:r>
+            <a:r>
+              <a:rPr kumimoji="0" lang="en-US" altLang="en-US" sz="1200" b="0" i="0" u="none" strike="noStrike" cap="none" normalizeH="0" baseline="0" dirty="0">
+                <a:ln>
+                  <a:noFill/>
+                </a:ln>
+                <a:effectLst/>
+                <a:latin typeface="JetBrains Mono"/>
+              </a:rPr>
+              <a:t>Token var</a:t>
+            </a:r>
+            <a:r>
+              <a:rPr kumimoji="0" lang="en-US" altLang="en-US" sz="1200" b="0" i="0" u="none" strike="noStrike" cap="none" normalizeH="0" baseline="0" dirty="0">
+                <a:ln>
+                  <a:noFill/>
+                </a:ln>
+                <a:solidFill>
+                  <a:srgbClr val="CC7832"/>
+                </a:solidFill>
+                <a:effectLst/>
+                <a:latin typeface="JetBrains Mono"/>
+              </a:rPr>
+              <a:t>, int </a:t>
+            </a:r>
+            <a:r>
+              <a:rPr kumimoji="0" lang="en-US" altLang="en-US" sz="1200" b="0" i="0" u="none" strike="noStrike" cap="none" normalizeH="0" baseline="0" dirty="0">
+                <a:ln>
+                  <a:noFill/>
+                </a:ln>
+                <a:effectLst/>
+                <a:latin typeface="JetBrains Mono"/>
+              </a:rPr>
+              <a:t>key)</a:t>
+            </a:r>
+            <a:r>
+              <a:rPr kumimoji="0" lang="en-US" altLang="en-US" sz="1200" b="0" i="0" u="none" strike="noStrike" cap="none" normalizeH="0" baseline="0" dirty="0">
+                <a:ln>
+                  <a:noFill/>
+                </a:ln>
+                <a:solidFill>
+                  <a:srgbClr val="CC7832"/>
+                </a:solidFill>
+                <a:effectLst/>
+                <a:latin typeface="JetBrains Mono"/>
+              </a:rPr>
               <a:t>;</a:t>
             </a:r>
-          </a:p>
-          <a:p>
-            <a:r>
-              <a:rPr lang="en-US" dirty="0"/>
-              <a:t>   </a:t>
-            </a:r>
-            <a:r>
-              <a:rPr lang="en-US" dirty="0" err="1"/>
-              <a:t>d_list_types</a:t>
-            </a:r>
-            <a:r>
-              <a:rPr lang="en-US" dirty="0"/>
-              <a:t> </a:t>
-            </a:r>
-            <a:r>
-              <a:rPr lang="en-US" dirty="0" err="1">
-                <a:solidFill>
-                  <a:schemeClr val="tx2">
-                    <a:lumMod val="60000"/>
-                    <a:lumOff val="40000"/>
-                  </a:schemeClr>
-                </a:solidFill>
-              </a:rPr>
-              <a:t>return_type</a:t>
-            </a:r>
-            <a:r>
-              <a:rPr lang="en-US" dirty="0"/>
-              <a:t>;</a:t>
-            </a:r>
-          </a:p>
-          <a:p>
-            <a:r>
-              <a:rPr lang="en-US" dirty="0"/>
-              <a:t>   </a:t>
-            </a:r>
-            <a:r>
-              <a:rPr lang="en-US" dirty="0">
-                <a:solidFill>
-                  <a:srgbClr val="D38C50"/>
-                </a:solidFill>
-              </a:rPr>
-              <a:t>bool</a:t>
-            </a:r>
-            <a:r>
-              <a:rPr lang="en-US" dirty="0"/>
-              <a:t> </a:t>
-            </a:r>
-            <a:r>
-              <a:rPr lang="en-US" dirty="0" err="1">
-                <a:solidFill>
-                  <a:schemeClr val="tx2">
-                    <a:lumMod val="60000"/>
-                    <a:lumOff val="40000"/>
-                  </a:schemeClr>
-                </a:solidFill>
-              </a:rPr>
-              <a:t>can_be_null</a:t>
-            </a:r>
-            <a:r>
-              <a:rPr lang="en-US" dirty="0"/>
-              <a:t>;</a:t>
-            </a:r>
-          </a:p>
-          <a:p>
-            <a:r>
-              <a:rPr lang="en-US" dirty="0"/>
-              <a:t>   </a:t>
-            </a:r>
-            <a:r>
-              <a:rPr lang="en-US" dirty="0" err="1"/>
-              <a:t>struct</a:t>
-            </a:r>
-            <a:r>
-              <a:rPr lang="en-US" dirty="0"/>
-              <a:t> functions </a:t>
-            </a:r>
-            <a:r>
-              <a:rPr lang="en-US" dirty="0">
-                <a:solidFill>
-                  <a:schemeClr val="tx2">
-                    <a:lumMod val="60000"/>
-                    <a:lumOff val="40000"/>
-                  </a:schemeClr>
-                </a:solidFill>
-              </a:rPr>
-              <a:t>*next</a:t>
-            </a:r>
-            <a:r>
-              <a:rPr lang="en-US" dirty="0"/>
-              <a:t>;</a:t>
-            </a:r>
-          </a:p>
-          <a:p>
-            <a:r>
-              <a:rPr lang="en-US" dirty="0"/>
-              <a:t>};</a:t>
-            </a:r>
-          </a:p>
-          <a:p>
-            <a:endParaRPr lang="sk-SK" dirty="0"/>
+            <a:endParaRPr kumimoji="0" lang="en-US" altLang="en-US" sz="2800" b="0" i="0" u="none" strike="noStrike" cap="none" normalizeH="0" baseline="0" dirty="0">
+              <a:ln>
+                <a:noFill/>
+              </a:ln>
+              <a:solidFill>
+                <a:schemeClr val="tx1"/>
+              </a:solidFill>
+              <a:effectLst/>
+              <a:latin typeface="Arial" panose="020B0604020202020204" pitchFamily="34" charset="0"/>
+            </a:endParaRPr>
           </a:p>
         </p:txBody>
       </p:sp>
+      <p:pic>
+        <p:nvPicPr>
+          <p:cNvPr id="6" name="Picture 5" descr="Text&#10;&#10;Description automatically generated">
+            <a:extLst>
+              <a:ext uri="{FF2B5EF4-FFF2-40B4-BE49-F238E27FC236}">
+                <a16:creationId xmlns:a16="http://schemas.microsoft.com/office/drawing/2014/main" id="{A6E03C95-4B15-1E89-A712-4006866B5019}"/>
+              </a:ext>
+            </a:extLst>
+          </p:cNvPr>
+          <p:cNvPicPr>
+            <a:picLocks noChangeAspect="1"/>
+          </p:cNvPicPr>
+          <p:nvPr/>
+        </p:nvPicPr>
+        <p:blipFill>
+          <a:blip r:embed="rId2">
+            <a:extLst>
+              <a:ext uri="{28A0092B-C50C-407E-A947-70E740481C1C}">
+                <a14:useLocalDpi xmlns:a14="http://schemas.microsoft.com/office/drawing/2010/main" val="0"/>
+              </a:ext>
+            </a:extLst>
+          </a:blip>
+          <a:stretch>
+            <a:fillRect/>
+          </a:stretch>
+        </p:blipFill>
+        <p:spPr>
+          <a:xfrm>
+            <a:off x="4894082" y="6099048"/>
+            <a:ext cx="2403835" cy="533593"/>
+          </a:xfrm>
+          <a:prstGeom prst="rect">
+            <a:avLst/>
+          </a:prstGeom>
+        </p:spPr>
+      </p:pic>
     </p:spTree>
     <p:extLst>
       <p:ext uri="{BB962C8B-B14F-4D97-AF65-F5344CB8AC3E}">
-        <p14:creationId xmlns:p14="http://schemas.microsoft.com/office/powerpoint/2010/main" val="3992914320"/>
+        <p14:creationId xmlns:p14="http://schemas.microsoft.com/office/powerpoint/2010/main" val="3979064360"/>
       </p:ext>
     </p:extLst>
   </p:cSld>
   <p:clrMapOvr>
     <a:masterClrMapping/>
   </p:clrMapOvr>
+  <p:transition spd="slow">
+    <p:push dir="u"/>
+  </p:transition>
+  <p:timing>
+    <p:tnLst>
+      <p:par>
+        <p:cTn id="1" dur="indefinite" restart="never" nodeType="tmRoot">
+          <p:childTnLst>
+            <p:seq concurrent="1" nextAc="seek">
+              <p:cTn id="2" dur="indefinite" nodeType="mainSeq">
+                <p:childTnLst>
+                  <p:par>
+                    <p:cTn id="3" fill="hold">
+                      <p:stCondLst>
+                        <p:cond delay="indefinite"/>
+                      </p:stCondLst>
+                      <p:childTnLst>
+                        <p:par>
+                          <p:cTn id="4" fill="hold">
+                            <p:stCondLst>
+                              <p:cond delay="0"/>
+                            </p:stCondLst>
+                            <p:childTnLst>
+                              <p:par>
+                                <p:cTn id="5" presetID="10" presetClass="entr" presetSubtype="0" fill="hold" grpId="0" nodeType="clickEffect">
+                                  <p:stCondLst>
+                                    <p:cond delay="0"/>
+                                  </p:stCondLst>
+                                  <p:childTnLst>
+                                    <p:set>
+                                      <p:cBhvr>
+                                        <p:cTn id="6" dur="1" fill="hold">
+                                          <p:stCondLst>
+                                            <p:cond delay="0"/>
+                                          </p:stCondLst>
+                                        </p:cTn>
+                                        <p:tgtEl>
+                                          <p:spTgt spid="16"/>
+                                        </p:tgtEl>
+                                        <p:attrNameLst>
+                                          <p:attrName>style.visibility</p:attrName>
+                                        </p:attrNameLst>
+                                      </p:cBhvr>
+                                      <p:to>
+                                        <p:strVal val="visible"/>
+                                      </p:to>
+                                    </p:set>
+                                    <p:animEffect transition="in" filter="fade">
+                                      <p:cBhvr>
+                                        <p:cTn id="7" dur="500"/>
+                                        <p:tgtEl>
+                                          <p:spTgt spid="16"/>
+                                        </p:tgtEl>
+                                      </p:cBhvr>
+                                    </p:animEffect>
+                                  </p:childTnLst>
+                                </p:cTn>
+                              </p:par>
+                            </p:childTnLst>
+                          </p:cTn>
+                        </p:par>
+                      </p:childTnLst>
+                    </p:cTn>
+                  </p:par>
+                  <p:par>
+                    <p:cTn id="8" fill="hold">
+                      <p:stCondLst>
+                        <p:cond delay="indefinite"/>
+                      </p:stCondLst>
+                      <p:childTnLst>
+                        <p:par>
+                          <p:cTn id="9" fill="hold">
+                            <p:stCondLst>
+                              <p:cond delay="0"/>
+                            </p:stCondLst>
+                            <p:childTnLst>
+                              <p:par>
+                                <p:cTn id="10" presetID="10" presetClass="entr" presetSubtype="0" fill="hold" nodeType="clickEffect">
+                                  <p:stCondLst>
+                                    <p:cond delay="0"/>
+                                  </p:stCondLst>
+                                  <p:childTnLst>
+                                    <p:set>
+                                      <p:cBhvr>
+                                        <p:cTn id="11" dur="1" fill="hold">
+                                          <p:stCondLst>
+                                            <p:cond delay="0"/>
+                                          </p:stCondLst>
+                                        </p:cTn>
+                                        <p:tgtEl>
+                                          <p:spTgt spid="3">
+                                            <p:txEl>
+                                              <p:pRg st="5" end="5"/>
+                                            </p:txEl>
+                                          </p:spTgt>
+                                        </p:tgtEl>
+                                        <p:attrNameLst>
+                                          <p:attrName>style.visibility</p:attrName>
+                                        </p:attrNameLst>
+                                      </p:cBhvr>
+                                      <p:to>
+                                        <p:strVal val="visible"/>
+                                      </p:to>
+                                    </p:set>
+                                    <p:animEffect transition="in" filter="fade">
+                                      <p:cBhvr>
+                                        <p:cTn id="12" dur="500"/>
+                                        <p:tgtEl>
+                                          <p:spTgt spid="3">
+                                            <p:txEl>
+                                              <p:pRg st="5" end="5"/>
+                                            </p:txEl>
+                                          </p:spTgt>
+                                        </p:tgtEl>
+                                      </p:cBhvr>
+                                    </p:animEffect>
+                                  </p:childTnLst>
+                                </p:cTn>
+                              </p:par>
+                              <p:par>
+                                <p:cTn id="13" presetID="10" presetClass="entr" presetSubtype="0" fill="hold" grpId="0" nodeType="withEffect">
+                                  <p:stCondLst>
+                                    <p:cond delay="0"/>
+                                  </p:stCondLst>
+                                  <p:childTnLst>
+                                    <p:set>
+                                      <p:cBhvr>
+                                        <p:cTn id="14" dur="1" fill="hold">
+                                          <p:stCondLst>
+                                            <p:cond delay="0"/>
+                                          </p:stCondLst>
+                                        </p:cTn>
+                                        <p:tgtEl>
+                                          <p:spTgt spid="17"/>
+                                        </p:tgtEl>
+                                        <p:attrNameLst>
+                                          <p:attrName>style.visibility</p:attrName>
+                                        </p:attrNameLst>
+                                      </p:cBhvr>
+                                      <p:to>
+                                        <p:strVal val="visible"/>
+                                      </p:to>
+                                    </p:set>
+                                    <p:animEffect transition="in" filter="fade">
+                                      <p:cBhvr>
+                                        <p:cTn id="15" dur="500"/>
+                                        <p:tgtEl>
+                                          <p:spTgt spid="17"/>
+                                        </p:tgtEl>
+                                      </p:cBhvr>
+                                    </p:animEffect>
+                                  </p:childTnLst>
+                                </p:cTn>
+                              </p:par>
+                            </p:childTnLst>
+                          </p:cTn>
+                        </p:par>
+                      </p:childTnLst>
+                    </p:cTn>
+                  </p:par>
+                </p:childTnLst>
+              </p:cTn>
+              <p:prevCondLst>
+                <p:cond evt="onPrev" delay="0">
+                  <p:tgtEl>
+                    <p:sldTgt/>
+                  </p:tgtEl>
+                </p:cond>
+              </p:prevCondLst>
+              <p:nextCondLst>
+                <p:cond evt="onNext" delay="0">
+                  <p:tgtEl>
+                    <p:sldTgt/>
+                  </p:tgtEl>
+                </p:cond>
+              </p:nextCondLst>
+            </p:seq>
+          </p:childTnLst>
+        </p:cTn>
+      </p:par>
+    </p:tnLst>
+    <p:bldLst>
+      <p:bldP spid="16" grpId="0"/>
+      <p:bldP spid="17" grpId="0"/>
+    </p:bldLst>
+  </p:timing>
 </p:sld>
 </file>
 
@@ -4559,10 +5764,2282 @@
       </p:grpSpPr>
       <p:sp>
         <p:nvSpPr>
+          <p:cNvPr id="2" name="Nadpis 1"/>
+          <p:cNvSpPr>
+            <a:spLocks noGrp="1"/>
+          </p:cNvSpPr>
+          <p:nvPr>
+            <p:ph type="title"/>
+          </p:nvPr>
+        </p:nvSpPr>
+        <p:spPr/>
+        <p:txBody>
+          <a:bodyPr/>
+          <a:lstStyle/>
+          <a:p>
+            <a:r>
+              <a:rPr lang="sk-SK" dirty="0"/>
+              <a:t>Výrazy –</a:t>
+            </a:r>
+            <a:r>
+              <a:rPr lang="en-US" dirty="0"/>
+              <a:t> </a:t>
+            </a:r>
+            <a:r>
+              <a:rPr lang="en-US" dirty="0" err="1"/>
+              <a:t>sémantická</a:t>
+            </a:r>
+            <a:r>
+              <a:rPr lang="en-US" dirty="0"/>
+              <a:t> </a:t>
+            </a:r>
+            <a:r>
+              <a:rPr lang="en-US" dirty="0" err="1"/>
+              <a:t>časť</a:t>
+            </a:r>
+            <a:endParaRPr lang="sk-SK" dirty="0"/>
+          </a:p>
+        </p:txBody>
+      </p:sp>
+      <p:sp>
+        <p:nvSpPr>
+          <p:cNvPr id="3" name="Zástupný symbol obsahu 2"/>
+          <p:cNvSpPr>
+            <a:spLocks noGrp="1"/>
+          </p:cNvSpPr>
+          <p:nvPr>
+            <p:ph idx="1"/>
+          </p:nvPr>
+        </p:nvSpPr>
+        <p:spPr>
+          <a:xfrm>
+            <a:off x="1072056" y="1826816"/>
+            <a:ext cx="9503453" cy="2732572"/>
+          </a:xfrm>
+        </p:spPr>
+        <p:txBody>
+          <a:bodyPr>
+            <a:normAutofit/>
+          </a:bodyPr>
+          <a:lstStyle/>
+          <a:p>
+            <a:pPr>
+              <a:buFont typeface="Arial" panose="020B0604020202020204" pitchFamily="34" charset="0"/>
+              <a:buChar char="•"/>
+            </a:pPr>
+            <a:r>
+              <a:rPr lang="en-US" dirty="0"/>
+              <a:t> </a:t>
+            </a:r>
+            <a:r>
+              <a:rPr lang="sk-SK" dirty="0"/>
+              <a:t>Sémantická kontrola výrazov </a:t>
+            </a:r>
+            <a:r>
+              <a:rPr lang="sk-SK" dirty="0" err="1"/>
+              <a:t>priebieha</a:t>
+            </a:r>
+            <a:r>
+              <a:rPr lang="sk-SK" dirty="0"/>
+              <a:t> v </a:t>
+            </a:r>
+            <a:r>
+              <a:rPr lang="sk-SK" i="1" dirty="0" err="1"/>
+              <a:t>expr</a:t>
+            </a:r>
+            <a:r>
+              <a:rPr lang="en-US" i="1" dirty="0"/>
+              <a:t>.c</a:t>
+            </a:r>
+            <a:endParaRPr lang="sk-SK" i="1" dirty="0"/>
+          </a:p>
+          <a:p>
+            <a:pPr>
+              <a:buFont typeface="Arial" panose="020B0604020202020204" pitchFamily="34" charset="0"/>
+              <a:buChar char="•"/>
+            </a:pPr>
+            <a:r>
+              <a:rPr lang="en-US" dirty="0"/>
+              <a:t> </a:t>
+            </a:r>
+            <a:r>
+              <a:rPr lang="en-US" dirty="0" err="1"/>
+              <a:t>Používané</a:t>
+            </a:r>
+            <a:r>
+              <a:rPr lang="en-US" dirty="0"/>
+              <a:t> </a:t>
+            </a:r>
+            <a:r>
+              <a:rPr lang="en-US" dirty="0" err="1"/>
+              <a:t>funkciami</a:t>
+            </a:r>
+            <a:r>
+              <a:rPr lang="sk-SK" dirty="0"/>
+              <a:t>:</a:t>
+            </a:r>
+          </a:p>
+          <a:p>
+            <a:pPr>
+              <a:spcBef>
+                <a:spcPts val="600"/>
+              </a:spcBef>
+              <a:spcAft>
+                <a:spcPts val="0"/>
+              </a:spcAft>
+            </a:pPr>
+            <a:r>
+              <a:rPr lang="en-US" sz="1500" dirty="0"/>
+              <a:t> </a:t>
+            </a:r>
+            <a:r>
+              <a:rPr lang="sk-SK" sz="1500" dirty="0"/>
+              <a:t>Token </a:t>
+            </a:r>
+            <a:r>
+              <a:rPr lang="sk-SK" sz="1500" dirty="0" err="1">
+                <a:solidFill>
+                  <a:srgbClr val="D38C50"/>
+                </a:solidFill>
+              </a:rPr>
+              <a:t>exp_sem_var</a:t>
+            </a:r>
+            <a:r>
+              <a:rPr lang="sk-SK" sz="1500" dirty="0"/>
+              <a:t>(element *e, </a:t>
+            </a:r>
+            <a:r>
+              <a:rPr lang="sk-SK" sz="1500" dirty="0" err="1"/>
+              <a:t>bool</a:t>
+            </a:r>
+            <a:r>
+              <a:rPr lang="sk-SK" sz="1500" dirty="0"/>
+              <a:t> </a:t>
+            </a:r>
+            <a:r>
+              <a:rPr lang="sk-SK" sz="1500" dirty="0" err="1"/>
+              <a:t>in_func</a:t>
+            </a:r>
+            <a:r>
+              <a:rPr lang="sk-SK" sz="1500" dirty="0"/>
+              <a:t>);</a:t>
+            </a:r>
+          </a:p>
+          <a:p>
+            <a:pPr>
+              <a:spcBef>
+                <a:spcPts val="600"/>
+              </a:spcBef>
+              <a:spcAft>
+                <a:spcPts val="0"/>
+              </a:spcAft>
+            </a:pPr>
+            <a:r>
+              <a:rPr lang="en-US" sz="1500" dirty="0"/>
+              <a:t> </a:t>
+            </a:r>
+            <a:r>
+              <a:rPr lang="sk-SK" sz="1500" dirty="0"/>
+              <a:t>Token </a:t>
+            </a:r>
+            <a:r>
+              <a:rPr lang="sk-SK" sz="1500" dirty="0" err="1">
+                <a:solidFill>
+                  <a:srgbClr val="D38C50"/>
+                </a:solidFill>
+              </a:rPr>
+              <a:t>exp_sem_return</a:t>
+            </a:r>
+            <a:r>
+              <a:rPr lang="sk-SK" sz="1500" dirty="0"/>
+              <a:t>(element *e, </a:t>
+            </a:r>
+            <a:r>
+              <a:rPr lang="sk-SK" sz="1500" dirty="0" err="1"/>
+              <a:t>bool</a:t>
+            </a:r>
+            <a:r>
+              <a:rPr lang="sk-SK" sz="1500" dirty="0"/>
+              <a:t> </a:t>
+            </a:r>
+            <a:r>
+              <a:rPr lang="sk-SK" sz="1500" dirty="0" err="1"/>
+              <a:t>in_func</a:t>
+            </a:r>
+            <a:r>
+              <a:rPr lang="sk-SK" sz="1500" dirty="0"/>
+              <a:t>);</a:t>
+            </a:r>
+          </a:p>
+          <a:p>
+            <a:pPr>
+              <a:spcBef>
+                <a:spcPts val="600"/>
+              </a:spcBef>
+              <a:spcAft>
+                <a:spcPts val="0"/>
+              </a:spcAft>
+            </a:pPr>
+            <a:r>
+              <a:rPr lang="en-US" sz="1500" dirty="0"/>
+              <a:t> </a:t>
+            </a:r>
+            <a:r>
+              <a:rPr lang="sk-SK" sz="1500" dirty="0"/>
+              <a:t>Token </a:t>
+            </a:r>
+            <a:r>
+              <a:rPr lang="sk-SK" sz="1500" dirty="0" err="1">
+                <a:solidFill>
+                  <a:srgbClr val="D38C50"/>
+                </a:solidFill>
+              </a:rPr>
+              <a:t>exp_sem_ifwhile</a:t>
+            </a:r>
+            <a:r>
+              <a:rPr lang="sk-SK" sz="1500" dirty="0"/>
+              <a:t>(element *e, </a:t>
+            </a:r>
+            <a:r>
+              <a:rPr lang="sk-SK" sz="1500" dirty="0" err="1"/>
+              <a:t>bool</a:t>
+            </a:r>
+            <a:r>
+              <a:rPr lang="sk-SK" sz="1500" dirty="0"/>
+              <a:t> </a:t>
+            </a:r>
+            <a:r>
+              <a:rPr lang="sk-SK" sz="1500" dirty="0" err="1"/>
+              <a:t>in_func</a:t>
+            </a:r>
+            <a:r>
+              <a:rPr lang="sk-SK" sz="1500" dirty="0"/>
+              <a:t>); </a:t>
+            </a:r>
+            <a:endParaRPr lang="en-US" sz="1500" dirty="0"/>
+          </a:p>
+          <a:p>
+            <a:pPr>
+              <a:buFont typeface="Arial" panose="020B0604020202020204" pitchFamily="34" charset="0"/>
+              <a:buChar char="•"/>
+            </a:pPr>
+            <a:r>
+              <a:rPr lang="en-US" dirty="0"/>
+              <a:t> </a:t>
+            </a:r>
+            <a:r>
+              <a:rPr lang="sk-SK" dirty="0"/>
+              <a:t>Vracajú token obsahujúci výsledný typ výrazu</a:t>
+            </a:r>
+          </a:p>
+          <a:p>
+            <a:pPr>
+              <a:buFont typeface="Arial" panose="020B0604020202020204" pitchFamily="34" charset="0"/>
+              <a:buChar char="•"/>
+            </a:pPr>
+            <a:r>
+              <a:rPr lang="en-US" dirty="0"/>
+              <a:t> </a:t>
+            </a:r>
+            <a:r>
+              <a:rPr lang="sk-SK" dirty="0"/>
+              <a:t>Na uloženie </a:t>
+            </a:r>
+            <a:r>
+              <a:rPr lang="en-US" dirty="0" err="1"/>
+              <a:t>aktívnych</a:t>
+            </a:r>
+            <a:r>
+              <a:rPr lang="sk-SK" dirty="0"/>
+              <a:t> premenných a funkcií je </a:t>
+            </a:r>
+            <a:r>
+              <a:rPr lang="sk-SK" dirty="0" err="1"/>
+              <a:t>implemetovaný</a:t>
+            </a:r>
+            <a:r>
+              <a:rPr lang="sk-SK" dirty="0"/>
+              <a:t> </a:t>
+            </a:r>
+            <a:r>
+              <a:rPr lang="en-US" dirty="0" err="1"/>
+              <a:t>viazaný</a:t>
+            </a:r>
+            <a:r>
+              <a:rPr lang="en-US" dirty="0"/>
+              <a:t> </a:t>
+            </a:r>
+            <a:r>
+              <a:rPr lang="en-US" dirty="0" err="1"/>
+              <a:t>zoznam</a:t>
+            </a:r>
+            <a:endParaRPr lang="sk-SK" dirty="0"/>
+          </a:p>
+          <a:p>
+            <a:pPr>
+              <a:buFont typeface="Arial" panose="020B0604020202020204" pitchFamily="34" charset="0"/>
+              <a:buChar char="•"/>
+            </a:pPr>
+            <a:endParaRPr lang="sk-SK" dirty="0"/>
+          </a:p>
+        </p:txBody>
+      </p:sp>
+      <p:sp>
+        <p:nvSpPr>
+          <p:cNvPr id="4" name="BlokTextu 3"/>
+          <p:cNvSpPr txBox="1"/>
+          <p:nvPr/>
+        </p:nvSpPr>
+        <p:spPr>
+          <a:xfrm>
+            <a:off x="1325843" y="4503341"/>
+            <a:ext cx="1920334" cy="1384995"/>
+          </a:xfrm>
+          <a:prstGeom prst="rect">
+            <a:avLst/>
+          </a:prstGeom>
+          <a:noFill/>
+        </p:spPr>
+        <p:txBody>
+          <a:bodyPr wrap="none" rtlCol="0">
+            <a:spAutoFit/>
+          </a:bodyPr>
+          <a:lstStyle/>
+          <a:p>
+            <a:r>
+              <a:rPr lang="en-US" sz="1400" dirty="0" err="1"/>
+              <a:t>struct</a:t>
+            </a:r>
+            <a:r>
+              <a:rPr lang="en-US" sz="1400" dirty="0"/>
+              <a:t> </a:t>
+            </a:r>
+            <a:r>
+              <a:rPr lang="en-US" sz="1400" dirty="0">
+                <a:solidFill>
+                  <a:srgbClr val="D38C50"/>
+                </a:solidFill>
+              </a:rPr>
+              <a:t>variables</a:t>
+            </a:r>
+            <a:r>
+              <a:rPr lang="en-US" sz="1400" dirty="0"/>
+              <a:t> {</a:t>
+            </a:r>
+          </a:p>
+          <a:p>
+            <a:r>
+              <a:rPr lang="en-US" sz="1400" dirty="0"/>
+              <a:t>   char </a:t>
+            </a:r>
+            <a:r>
+              <a:rPr lang="en-US" sz="1400" dirty="0">
+                <a:solidFill>
+                  <a:schemeClr val="tx2">
+                    <a:lumMod val="60000"/>
+                    <a:lumOff val="40000"/>
+                  </a:schemeClr>
+                </a:solidFill>
+              </a:rPr>
+              <a:t>*data</a:t>
+            </a:r>
+            <a:r>
+              <a:rPr lang="en-US" sz="1400" dirty="0"/>
+              <a:t>;</a:t>
+            </a:r>
+          </a:p>
+          <a:p>
+            <a:r>
+              <a:rPr lang="en-US" sz="1400" dirty="0"/>
+              <a:t>   </a:t>
+            </a:r>
+            <a:r>
+              <a:rPr lang="en-US" sz="1400" dirty="0" err="1"/>
+              <a:t>d_list_types</a:t>
+            </a:r>
+            <a:r>
+              <a:rPr lang="en-US" sz="1400" dirty="0"/>
+              <a:t> </a:t>
+            </a:r>
+            <a:r>
+              <a:rPr lang="en-US" sz="1400" dirty="0">
+                <a:solidFill>
+                  <a:schemeClr val="tx2">
+                    <a:lumMod val="60000"/>
+                    <a:lumOff val="40000"/>
+                  </a:schemeClr>
+                </a:solidFill>
+              </a:rPr>
+              <a:t>type</a:t>
+            </a:r>
+            <a:r>
+              <a:rPr lang="en-US" sz="1400" dirty="0"/>
+              <a:t>;</a:t>
+            </a:r>
+          </a:p>
+          <a:p>
+            <a:r>
+              <a:rPr lang="en-US" sz="1400" dirty="0"/>
+              <a:t>   </a:t>
+            </a:r>
+            <a:r>
+              <a:rPr lang="en-US" sz="1400" dirty="0" err="1"/>
+              <a:t>struct</a:t>
+            </a:r>
+            <a:r>
+              <a:rPr lang="en-US" sz="1400" dirty="0"/>
+              <a:t> variables </a:t>
+            </a:r>
+            <a:r>
+              <a:rPr lang="en-US" sz="1400" dirty="0">
+                <a:solidFill>
+                  <a:schemeClr val="tx2">
+                    <a:lumMod val="60000"/>
+                    <a:lumOff val="40000"/>
+                  </a:schemeClr>
+                </a:solidFill>
+              </a:rPr>
+              <a:t>*next</a:t>
+            </a:r>
+            <a:r>
+              <a:rPr lang="en-US" sz="1400" dirty="0"/>
+              <a:t>;</a:t>
+            </a:r>
+          </a:p>
+          <a:p>
+            <a:r>
+              <a:rPr lang="en-US" sz="1400" dirty="0"/>
+              <a:t>};</a:t>
+            </a:r>
+          </a:p>
+          <a:p>
+            <a:endParaRPr lang="sk-SK" sz="1400" dirty="0"/>
+          </a:p>
+        </p:txBody>
+      </p:sp>
+      <p:sp>
+        <p:nvSpPr>
+          <p:cNvPr id="5" name="BlokTextu 4"/>
+          <p:cNvSpPr txBox="1"/>
+          <p:nvPr/>
+        </p:nvSpPr>
+        <p:spPr>
+          <a:xfrm>
+            <a:off x="3739581" y="4478116"/>
+            <a:ext cx="2155847" cy="1600438"/>
+          </a:xfrm>
+          <a:prstGeom prst="rect">
+            <a:avLst/>
+          </a:prstGeom>
+          <a:noFill/>
+        </p:spPr>
+        <p:txBody>
+          <a:bodyPr wrap="none" rtlCol="0">
+            <a:spAutoFit/>
+          </a:bodyPr>
+          <a:lstStyle/>
+          <a:p>
+            <a:r>
+              <a:rPr lang="en-US" sz="1400" dirty="0" err="1"/>
+              <a:t>struct</a:t>
+            </a:r>
+            <a:r>
+              <a:rPr lang="en-US" sz="1400" dirty="0">
+                <a:solidFill>
+                  <a:srgbClr val="D38C50"/>
+                </a:solidFill>
+              </a:rPr>
+              <a:t> functions </a:t>
+            </a:r>
+            <a:r>
+              <a:rPr lang="en-US" sz="1400" dirty="0"/>
+              <a:t>{</a:t>
+            </a:r>
+          </a:p>
+          <a:p>
+            <a:r>
+              <a:rPr lang="en-US" sz="1400" dirty="0"/>
+              <a:t>   char </a:t>
+            </a:r>
+            <a:r>
+              <a:rPr lang="en-US" sz="1400" dirty="0">
+                <a:solidFill>
+                  <a:schemeClr val="tx2">
+                    <a:lumMod val="60000"/>
+                    <a:lumOff val="40000"/>
+                  </a:schemeClr>
+                </a:solidFill>
+              </a:rPr>
+              <a:t>*</a:t>
+            </a:r>
+            <a:r>
+              <a:rPr lang="en-US" sz="1400" dirty="0" err="1">
+                <a:solidFill>
+                  <a:schemeClr val="tx2">
+                    <a:lumMod val="60000"/>
+                    <a:lumOff val="40000"/>
+                  </a:schemeClr>
+                </a:solidFill>
+              </a:rPr>
+              <a:t>fce_name</a:t>
+            </a:r>
+            <a:r>
+              <a:rPr lang="en-US" sz="1400" dirty="0"/>
+              <a:t>;</a:t>
+            </a:r>
+          </a:p>
+          <a:p>
+            <a:r>
+              <a:rPr lang="en-US" sz="1400" dirty="0"/>
+              <a:t>   </a:t>
+            </a:r>
+            <a:r>
+              <a:rPr lang="en-US" sz="1400" dirty="0" err="1"/>
+              <a:t>d_list_types</a:t>
+            </a:r>
+            <a:r>
+              <a:rPr lang="en-US" sz="1400" dirty="0"/>
+              <a:t> </a:t>
+            </a:r>
+            <a:r>
+              <a:rPr lang="en-US" sz="1400" dirty="0" err="1">
+                <a:solidFill>
+                  <a:schemeClr val="tx2">
+                    <a:lumMod val="60000"/>
+                    <a:lumOff val="40000"/>
+                  </a:schemeClr>
+                </a:solidFill>
+              </a:rPr>
+              <a:t>return_type</a:t>
+            </a:r>
+            <a:r>
+              <a:rPr lang="en-US" sz="1400" dirty="0"/>
+              <a:t>;</a:t>
+            </a:r>
+          </a:p>
+          <a:p>
+            <a:r>
+              <a:rPr lang="en-US" sz="1400" dirty="0"/>
+              <a:t>   </a:t>
+            </a:r>
+            <a:r>
+              <a:rPr lang="en-US" sz="1400" dirty="0">
+                <a:solidFill>
+                  <a:srgbClr val="D38C50"/>
+                </a:solidFill>
+              </a:rPr>
+              <a:t>bool</a:t>
+            </a:r>
+            <a:r>
+              <a:rPr lang="en-US" sz="1400" dirty="0"/>
+              <a:t> </a:t>
+            </a:r>
+            <a:r>
+              <a:rPr lang="en-US" sz="1400" dirty="0" err="1">
+                <a:solidFill>
+                  <a:schemeClr val="tx2">
+                    <a:lumMod val="60000"/>
+                    <a:lumOff val="40000"/>
+                  </a:schemeClr>
+                </a:solidFill>
+              </a:rPr>
+              <a:t>can_be_null</a:t>
+            </a:r>
+            <a:r>
+              <a:rPr lang="en-US" sz="1400" dirty="0"/>
+              <a:t>;</a:t>
+            </a:r>
+          </a:p>
+          <a:p>
+            <a:r>
+              <a:rPr lang="en-US" sz="1400" dirty="0"/>
+              <a:t>   </a:t>
+            </a:r>
+            <a:r>
+              <a:rPr lang="en-US" sz="1400" dirty="0" err="1"/>
+              <a:t>struct</a:t>
+            </a:r>
+            <a:r>
+              <a:rPr lang="en-US" sz="1400" dirty="0"/>
+              <a:t> functions </a:t>
+            </a:r>
+            <a:r>
+              <a:rPr lang="en-US" sz="1400" dirty="0">
+                <a:solidFill>
+                  <a:schemeClr val="tx2">
+                    <a:lumMod val="60000"/>
+                    <a:lumOff val="40000"/>
+                  </a:schemeClr>
+                </a:solidFill>
+              </a:rPr>
+              <a:t>*next</a:t>
+            </a:r>
+            <a:r>
+              <a:rPr lang="en-US" sz="1400" dirty="0"/>
+              <a:t>;</a:t>
+            </a:r>
+          </a:p>
+          <a:p>
+            <a:r>
+              <a:rPr lang="en-US" sz="1400" dirty="0"/>
+              <a:t>};</a:t>
+            </a:r>
+          </a:p>
+          <a:p>
+            <a:endParaRPr lang="sk-SK" sz="1400" dirty="0"/>
+          </a:p>
+        </p:txBody>
+      </p:sp>
+      <p:pic>
+        <p:nvPicPr>
+          <p:cNvPr id="6" name="Picture 5" descr="Text&#10;&#10;Description automatically generated">
+            <a:extLst>
+              <a:ext uri="{FF2B5EF4-FFF2-40B4-BE49-F238E27FC236}">
+                <a16:creationId xmlns:a16="http://schemas.microsoft.com/office/drawing/2014/main" id="{A116616B-D2DA-CBB4-449A-D800FDC9D6A8}"/>
+              </a:ext>
+            </a:extLst>
+          </p:cNvPr>
+          <p:cNvPicPr>
+            <a:picLocks noChangeAspect="1"/>
+          </p:cNvPicPr>
+          <p:nvPr/>
+        </p:nvPicPr>
+        <p:blipFill>
+          <a:blip r:embed="rId2">
+            <a:extLst>
+              <a:ext uri="{28A0092B-C50C-407E-A947-70E740481C1C}">
+                <a14:useLocalDpi xmlns:a14="http://schemas.microsoft.com/office/drawing/2010/main" val="0"/>
+              </a:ext>
+            </a:extLst>
+          </a:blip>
+          <a:stretch>
+            <a:fillRect/>
+          </a:stretch>
+        </p:blipFill>
+        <p:spPr>
+          <a:xfrm>
+            <a:off x="4894082" y="6099048"/>
+            <a:ext cx="2403835" cy="533593"/>
+          </a:xfrm>
+          <a:prstGeom prst="rect">
+            <a:avLst/>
+          </a:prstGeom>
+        </p:spPr>
+      </p:pic>
+    </p:spTree>
+    <p:extLst>
+      <p:ext uri="{BB962C8B-B14F-4D97-AF65-F5344CB8AC3E}">
+        <p14:creationId xmlns:p14="http://schemas.microsoft.com/office/powerpoint/2010/main" val="3992914320"/>
+      </p:ext>
+    </p:extLst>
+  </p:cSld>
+  <p:clrMapOvr>
+    <a:masterClrMapping/>
+  </p:clrMapOvr>
+  <mc:AlternateContent xmlns:mc="http://schemas.openxmlformats.org/markup-compatibility/2006">
+    <mc:Choice xmlns:p14="http://schemas.microsoft.com/office/powerpoint/2010/main" Requires="p14">
+      <p:transition spd="med" p14:dur="700">
+        <p:fade/>
+      </p:transition>
+    </mc:Choice>
+    <mc:Fallback>
+      <p:transition spd="med">
+        <p:fade/>
+      </p:transition>
+    </mc:Fallback>
+  </mc:AlternateContent>
+</p:sld>
+</file>
+
+<file path=ppt/slides/slide12.xml><?xml version="1.0" encoding="utf-8"?>
+<p:sld xmlns:a="http://schemas.openxmlformats.org/drawingml/2006/main" xmlns:r="http://schemas.openxmlformats.org/officeDocument/2006/relationships" xmlns:p="http://schemas.openxmlformats.org/presentationml/2006/main">
+  <p:cSld>
+    <p:spTree>
+      <p:nvGrpSpPr>
+        <p:cNvPr id="1" name=""/>
+        <p:cNvGrpSpPr/>
+        <p:nvPr/>
+      </p:nvGrpSpPr>
+      <p:grpSpPr>
+        <a:xfrm>
+          <a:off x="0" y="0"/>
+          <a:ext cx="0" cy="0"/>
+          <a:chOff x="0" y="0"/>
+          <a:chExt cx="0" cy="0"/>
+        </a:xfrm>
+      </p:grpSpPr>
+      <p:sp>
+        <p:nvSpPr>
           <p:cNvPr id="2" name="Title 1">
             <a:extLst>
               <a:ext uri="{FF2B5EF4-FFF2-40B4-BE49-F238E27FC236}">
-                <a16:creationId xmlns:a16="http://schemas.microsoft.com/office/drawing/2014/main" xmlns="" id="{2CB9EED8-1E93-6A72-5DDB-7A4D2C33E6DC}"/>
+                <a16:creationId xmlns:a16="http://schemas.microsoft.com/office/drawing/2014/main" id="{DAC88135-4E2C-2B3D-5800-C6137FCC9255}"/>
+              </a:ext>
+            </a:extLst>
+          </p:cNvPr>
+          <p:cNvSpPr>
+            <a:spLocks noGrp="1"/>
+          </p:cNvSpPr>
+          <p:nvPr>
+            <p:ph type="title"/>
+          </p:nvPr>
+        </p:nvSpPr>
+        <p:spPr>
+          <a:xfrm>
+            <a:off x="2942378" y="286603"/>
+            <a:ext cx="8213302" cy="1450757"/>
+          </a:xfrm>
+        </p:spPr>
+        <p:txBody>
+          <a:bodyPr/>
+          <a:lstStyle/>
+          <a:p>
+            <a:r>
+              <a:rPr lang="en-US" dirty="0" err="1"/>
+              <a:t>Sémantická</a:t>
+            </a:r>
+            <a:r>
+              <a:rPr lang="en-US" dirty="0"/>
+              <a:t> </a:t>
+            </a:r>
+            <a:r>
+              <a:rPr lang="en-US" dirty="0" err="1"/>
+              <a:t>analýza</a:t>
+            </a:r>
+            <a:endParaRPr lang="en-US" dirty="0"/>
+          </a:p>
+        </p:txBody>
+      </p:sp>
+      <p:sp>
+        <p:nvSpPr>
+          <p:cNvPr id="3" name="Content Placeholder 2">
+            <a:extLst>
+              <a:ext uri="{FF2B5EF4-FFF2-40B4-BE49-F238E27FC236}">
+                <a16:creationId xmlns:a16="http://schemas.microsoft.com/office/drawing/2014/main" id="{CEF10E60-1972-8373-0966-0C63323D82F4}"/>
+              </a:ext>
+            </a:extLst>
+          </p:cNvPr>
+          <p:cNvSpPr>
+            <a:spLocks noGrp="1"/>
+          </p:cNvSpPr>
+          <p:nvPr>
+            <p:ph idx="1"/>
+          </p:nvPr>
+        </p:nvSpPr>
+        <p:spPr>
+          <a:xfrm>
+            <a:off x="2942378" y="1845734"/>
+            <a:ext cx="8213301" cy="4023360"/>
+          </a:xfrm>
+        </p:spPr>
+        <p:txBody>
+          <a:bodyPr/>
+          <a:lstStyle/>
+          <a:p>
+            <a:pPr>
+              <a:buFont typeface="Arial" panose="020B0604020202020204" pitchFamily="34" charset="0"/>
+              <a:buChar char="•"/>
+            </a:pPr>
+            <a:r>
+              <a:rPr lang="en-US" dirty="0"/>
+              <a:t> Z TRP </a:t>
+            </a:r>
+            <a:r>
+              <a:rPr lang="en-US" dirty="0" err="1"/>
+              <a:t>berieme</a:t>
+            </a:r>
+            <a:r>
+              <a:rPr lang="en-US" dirty="0"/>
+              <a:t> element a </a:t>
+            </a:r>
+            <a:r>
+              <a:rPr lang="en-US" dirty="0" err="1"/>
+              <a:t>robíme</a:t>
+            </a:r>
+            <a:r>
+              <a:rPr lang="en-US" dirty="0"/>
+              <a:t> </a:t>
+            </a:r>
+            <a:r>
+              <a:rPr lang="en-US" dirty="0" err="1"/>
+              <a:t>sémantikcú</a:t>
+            </a:r>
+            <a:r>
+              <a:rPr lang="en-US" dirty="0"/>
+              <a:t> </a:t>
+            </a:r>
+            <a:r>
+              <a:rPr lang="en-US" dirty="0" err="1"/>
+              <a:t>analýzu</a:t>
+            </a:r>
+            <a:r>
+              <a:rPr lang="en-US" dirty="0"/>
+              <a:t> </a:t>
+            </a:r>
+            <a:r>
+              <a:rPr lang="en-US" dirty="0" err="1"/>
+              <a:t>na</a:t>
+            </a:r>
+            <a:r>
+              <a:rPr lang="en-US" dirty="0"/>
+              <a:t> </a:t>
+            </a:r>
+            <a:r>
+              <a:rPr lang="en-US" dirty="0" err="1"/>
+              <a:t>každú</a:t>
+            </a:r>
+            <a:r>
+              <a:rPr lang="en-US" dirty="0"/>
+              <a:t> </a:t>
+            </a:r>
+            <a:r>
+              <a:rPr lang="en-US" dirty="0" err="1"/>
+              <a:t>jeho</a:t>
+            </a:r>
+            <a:r>
+              <a:rPr lang="en-US" dirty="0"/>
+              <a:t> </a:t>
+            </a:r>
+            <a:r>
+              <a:rPr lang="en-US" dirty="0" err="1"/>
+              <a:t>časť</a:t>
+            </a:r>
+            <a:endParaRPr lang="en-US" dirty="0"/>
+          </a:p>
+          <a:p>
+            <a:pPr>
+              <a:buFont typeface="Arial" panose="020B0604020202020204" pitchFamily="34" charset="0"/>
+              <a:buChar char="•"/>
+            </a:pPr>
+            <a:endParaRPr lang="en-US" dirty="0"/>
+          </a:p>
+          <a:p>
+            <a:pPr>
+              <a:buFont typeface="Arial" panose="020B0604020202020204" pitchFamily="34" charset="0"/>
+              <a:buChar char="•"/>
+            </a:pPr>
+            <a:endParaRPr lang="en-US" dirty="0"/>
+          </a:p>
+          <a:p>
+            <a:pPr>
+              <a:buFont typeface="Arial" panose="020B0604020202020204" pitchFamily="34" charset="0"/>
+              <a:buChar char="•"/>
+            </a:pPr>
+            <a:endParaRPr lang="en-US" dirty="0"/>
+          </a:p>
+          <a:p>
+            <a:pPr>
+              <a:buFont typeface="Arial" panose="020B0604020202020204" pitchFamily="34" charset="0"/>
+              <a:buChar char="•"/>
+            </a:pPr>
+            <a:endParaRPr lang="en-US" dirty="0"/>
+          </a:p>
+          <a:p>
+            <a:pPr>
+              <a:buFont typeface="Arial" panose="020B0604020202020204" pitchFamily="34" charset="0"/>
+              <a:buChar char="•"/>
+            </a:pPr>
+            <a:r>
+              <a:rPr lang="en-US" dirty="0"/>
+              <a:t> V </a:t>
+            </a:r>
+            <a:r>
+              <a:rPr lang="en-US" dirty="0" err="1"/>
+              <a:t>prípade</a:t>
+            </a:r>
+            <a:r>
+              <a:rPr lang="en-US" dirty="0"/>
+              <a:t> </a:t>
+            </a:r>
+            <a:r>
+              <a:rPr lang="en-US" dirty="0" err="1"/>
+              <a:t>potreby</a:t>
+            </a:r>
+            <a:r>
+              <a:rPr lang="en-US" dirty="0"/>
+              <a:t> </a:t>
+            </a:r>
+            <a:r>
+              <a:rPr lang="en-US" dirty="0" err="1"/>
+              <a:t>používame</a:t>
+            </a:r>
+            <a:r>
+              <a:rPr lang="en-US" dirty="0"/>
+              <a:t> </a:t>
+            </a:r>
+            <a:r>
+              <a:rPr lang="en-US" dirty="0" err="1"/>
+              <a:t>pomocné</a:t>
+            </a:r>
+            <a:r>
+              <a:rPr lang="en-US" dirty="0"/>
+              <a:t> </a:t>
+            </a:r>
+            <a:r>
+              <a:rPr lang="en-US" dirty="0" err="1"/>
+              <a:t>funkcie</a:t>
+            </a:r>
+            <a:endParaRPr lang="en-US" dirty="0"/>
+          </a:p>
+        </p:txBody>
+      </p:sp>
+      <p:cxnSp>
+        <p:nvCxnSpPr>
+          <p:cNvPr id="4" name="Straight Arrow Connector 3">
+            <a:extLst>
+              <a:ext uri="{FF2B5EF4-FFF2-40B4-BE49-F238E27FC236}">
+                <a16:creationId xmlns:a16="http://schemas.microsoft.com/office/drawing/2014/main" id="{DAB6F210-A74D-FCA9-9374-05BFF4295FA5}"/>
+              </a:ext>
+            </a:extLst>
+          </p:cNvPr>
+          <p:cNvCxnSpPr>
+            <a:cxnSpLocks/>
+            <a:endCxn id="5" idx="0"/>
+          </p:cNvCxnSpPr>
+          <p:nvPr/>
+        </p:nvCxnSpPr>
+        <p:spPr>
+          <a:xfrm>
+            <a:off x="1734485" y="0"/>
+            <a:ext cx="0" cy="2158086"/>
+          </a:xfrm>
+          <a:prstGeom prst="straightConnector1">
+            <a:avLst/>
+          </a:prstGeom>
+          <a:ln w="76200">
+            <a:tailEnd type="triangle"/>
+          </a:ln>
+        </p:spPr>
+        <p:style>
+          <a:lnRef idx="3">
+            <a:schemeClr val="dk1"/>
+          </a:lnRef>
+          <a:fillRef idx="0">
+            <a:schemeClr val="dk1"/>
+          </a:fillRef>
+          <a:effectRef idx="2">
+            <a:schemeClr val="dk1"/>
+          </a:effectRef>
+          <a:fontRef idx="minor">
+            <a:schemeClr val="tx1"/>
+          </a:fontRef>
+        </p:style>
+      </p:cxnSp>
+      <p:sp>
+        <p:nvSpPr>
+          <p:cNvPr id="5" name="Flowchart: Decision 4">
+            <a:extLst>
+              <a:ext uri="{FF2B5EF4-FFF2-40B4-BE49-F238E27FC236}">
+                <a16:creationId xmlns:a16="http://schemas.microsoft.com/office/drawing/2014/main" id="{9035F389-FBCA-7C3F-9485-4800DDBD67C4}"/>
+              </a:ext>
+            </a:extLst>
+          </p:cNvPr>
+          <p:cNvSpPr/>
+          <p:nvPr/>
+        </p:nvSpPr>
+        <p:spPr>
+          <a:xfrm>
+            <a:off x="582859" y="2158086"/>
+            <a:ext cx="2303252" cy="1948088"/>
+          </a:xfrm>
+          <a:prstGeom prst="flowChartDecision">
+            <a:avLst/>
+          </a:prstGeom>
+        </p:spPr>
+        <p:style>
+          <a:lnRef idx="2">
+            <a:schemeClr val="accent1">
+              <a:shade val="50000"/>
+            </a:schemeClr>
+          </a:lnRef>
+          <a:fillRef idx="1">
+            <a:schemeClr val="accent1"/>
+          </a:fillRef>
+          <a:effectRef idx="0">
+            <a:schemeClr val="accent1"/>
+          </a:effectRef>
+          <a:fontRef idx="minor">
+            <a:schemeClr val="lt1"/>
+          </a:fontRef>
+        </p:style>
+        <p:txBody>
+          <a:bodyPr rtlCol="0" anchor="ctr"/>
+          <a:lstStyle/>
+          <a:p>
+            <a:pPr algn="ctr"/>
+            <a:r>
+              <a:rPr lang="en-US" sz="1400" dirty="0"/>
+              <a:t>SÉMANTICKÁ ANALÝZA</a:t>
+            </a:r>
+          </a:p>
+        </p:txBody>
+      </p:sp>
+      <p:cxnSp>
+        <p:nvCxnSpPr>
+          <p:cNvPr id="13" name="Straight Connector 12">
+            <a:extLst>
+              <a:ext uri="{FF2B5EF4-FFF2-40B4-BE49-F238E27FC236}">
+                <a16:creationId xmlns:a16="http://schemas.microsoft.com/office/drawing/2014/main" id="{2ADD085C-2AD1-3647-0FEE-04A6798A8758}"/>
+              </a:ext>
+            </a:extLst>
+          </p:cNvPr>
+          <p:cNvCxnSpPr>
+            <a:cxnSpLocks/>
+          </p:cNvCxnSpPr>
+          <p:nvPr/>
+        </p:nvCxnSpPr>
+        <p:spPr>
+          <a:xfrm>
+            <a:off x="1734485" y="4106174"/>
+            <a:ext cx="0" cy="2751826"/>
+          </a:xfrm>
+          <a:prstGeom prst="line">
+            <a:avLst/>
+          </a:prstGeom>
+          <a:ln w="76200"/>
+        </p:spPr>
+        <p:style>
+          <a:lnRef idx="1">
+            <a:schemeClr val="dk1"/>
+          </a:lnRef>
+          <a:fillRef idx="0">
+            <a:schemeClr val="dk1"/>
+          </a:fillRef>
+          <a:effectRef idx="0">
+            <a:schemeClr val="dk1"/>
+          </a:effectRef>
+          <a:fontRef idx="minor">
+            <a:schemeClr val="tx1"/>
+          </a:fontRef>
+        </p:style>
+      </p:cxnSp>
+      <p:sp>
+        <p:nvSpPr>
+          <p:cNvPr id="16" name="Rectangle 1">
+            <a:extLst>
+              <a:ext uri="{FF2B5EF4-FFF2-40B4-BE49-F238E27FC236}">
+                <a16:creationId xmlns:a16="http://schemas.microsoft.com/office/drawing/2014/main" id="{5CC5A937-B23E-29C5-0B29-79267BA6F84B}"/>
+              </a:ext>
+            </a:extLst>
+          </p:cNvPr>
+          <p:cNvSpPr>
+            <a:spLocks noChangeArrowheads="1"/>
+          </p:cNvSpPr>
+          <p:nvPr/>
+        </p:nvSpPr>
+        <p:spPr bwMode="auto">
+          <a:xfrm>
+            <a:off x="3060070" y="2224379"/>
+            <a:ext cx="5450185" cy="1569660"/>
+          </a:xfrm>
+          <a:prstGeom prst="rect">
+            <a:avLst/>
+          </a:prstGeom>
+          <a:noFill/>
+          <a:ln>
+            <a:noFill/>
+          </a:ln>
+          <a:effectLst/>
+        </p:spPr>
+        <p:txBody>
+          <a:bodyPr vert="horz" wrap="square" lIns="91440" tIns="45720" rIns="91440" bIns="45720" numCol="1" anchor="ctr" anchorCtr="0" compatLnSpc="1">
+            <a:prstTxWarp prst="textNoShape">
+              <a:avLst/>
+            </a:prstTxWarp>
+            <a:spAutoFit/>
+          </a:bodyPr>
+          <a:lstStyle/>
+          <a:p>
+            <a:pPr marL="0" marR="0" lvl="0" indent="0" algn="l" defTabSz="914400" rtl="0" eaLnBrk="0" fontAlgn="base" latinLnBrk="0" hangingPunct="0">
+              <a:lnSpc>
+                <a:spcPct val="100000"/>
+              </a:lnSpc>
+              <a:spcBef>
+                <a:spcPct val="0"/>
+              </a:spcBef>
+              <a:spcAft>
+                <a:spcPct val="0"/>
+              </a:spcAft>
+              <a:buClrTx/>
+              <a:buSzTx/>
+              <a:buFontTx/>
+              <a:buNone/>
+              <a:tabLst/>
+            </a:pPr>
+            <a:r>
+              <a:rPr kumimoji="0" lang="en-US" altLang="en-US" sz="1200" b="0" i="0" u="none" strike="noStrike" cap="none" normalizeH="0" baseline="0" dirty="0">
+                <a:ln>
+                  <a:noFill/>
+                </a:ln>
+                <a:solidFill>
+                  <a:srgbClr val="CC7832"/>
+                </a:solidFill>
+                <a:effectLst/>
+                <a:latin typeface="JetBrains Mono"/>
+              </a:rPr>
+              <a:t>void </a:t>
+            </a:r>
+            <a:r>
+              <a:rPr kumimoji="0" lang="en-US" altLang="en-US" sz="1200" b="0" i="0" u="none" strike="noStrike" cap="none" normalizeH="0" baseline="0" dirty="0" err="1">
+                <a:ln>
+                  <a:noFill/>
+                </a:ln>
+                <a:solidFill>
+                  <a:srgbClr val="FFC66D"/>
+                </a:solidFill>
+                <a:effectLst/>
+                <a:latin typeface="JetBrains Mono"/>
+              </a:rPr>
+              <a:t>check_var_calls</a:t>
+            </a:r>
+            <a:r>
+              <a:rPr kumimoji="0" lang="en-US" altLang="en-US" sz="1200" b="0" i="0" u="none" strike="noStrike" cap="none" normalizeH="0" baseline="0" dirty="0">
+                <a:ln>
+                  <a:noFill/>
+                </a:ln>
+                <a:effectLst/>
+                <a:latin typeface="JetBrains Mono"/>
+              </a:rPr>
+              <a:t>(</a:t>
+            </a:r>
+            <a:r>
+              <a:rPr kumimoji="0" lang="en-US" altLang="en-US" sz="1200" b="0" i="0" u="none" strike="noStrike" cap="none" normalizeH="0" baseline="0" dirty="0" err="1">
+                <a:ln>
+                  <a:noFill/>
+                </a:ln>
+                <a:effectLst/>
+                <a:latin typeface="JetBrains Mono"/>
+              </a:rPr>
+              <a:t>ht_table_t</a:t>
+            </a:r>
+            <a:r>
+              <a:rPr kumimoji="0" lang="en-US" altLang="en-US" sz="1200" b="0" i="0" u="none" strike="noStrike" cap="none" normalizeH="0" baseline="0" dirty="0">
+                <a:ln>
+                  <a:noFill/>
+                </a:ln>
+                <a:effectLst/>
+                <a:latin typeface="JetBrains Mono"/>
+              </a:rPr>
+              <a:t> *table</a:t>
+            </a:r>
+            <a:r>
+              <a:rPr kumimoji="0" lang="en-US" altLang="en-US" sz="1200" b="0" i="0" u="none" strike="noStrike" cap="none" normalizeH="0" baseline="0" dirty="0">
+                <a:ln>
+                  <a:noFill/>
+                </a:ln>
+                <a:solidFill>
+                  <a:srgbClr val="CC7832"/>
+                </a:solidFill>
+                <a:effectLst/>
+                <a:latin typeface="JetBrains Mono"/>
+              </a:rPr>
+              <a:t>, </a:t>
+            </a:r>
+            <a:r>
+              <a:rPr kumimoji="0" lang="en-US" altLang="en-US" sz="1200" b="0" i="0" u="none" strike="noStrike" cap="none" normalizeH="0" baseline="0" dirty="0">
+                <a:ln>
+                  <a:noFill/>
+                </a:ln>
+                <a:effectLst/>
+                <a:latin typeface="JetBrains Mono"/>
+              </a:rPr>
+              <a:t>element e</a:t>
+            </a:r>
+            <a:r>
+              <a:rPr kumimoji="0" lang="en-US" altLang="en-US" sz="1200" b="0" i="0" u="none" strike="noStrike" cap="none" normalizeH="0" baseline="0" dirty="0">
+                <a:ln>
+                  <a:noFill/>
+                </a:ln>
+                <a:solidFill>
+                  <a:srgbClr val="CC7832"/>
+                </a:solidFill>
+                <a:effectLst/>
+                <a:latin typeface="JetBrains Mono"/>
+              </a:rPr>
+              <a:t>, int </a:t>
+            </a:r>
+            <a:r>
+              <a:rPr kumimoji="0" lang="en-US" altLang="en-US" sz="1200" b="0" i="0" u="none" strike="noStrike" cap="none" normalizeH="0" baseline="0" dirty="0">
+                <a:ln>
+                  <a:noFill/>
+                </a:ln>
+                <a:effectLst/>
+                <a:latin typeface="JetBrains Mono"/>
+              </a:rPr>
+              <a:t>key)</a:t>
+            </a:r>
+            <a:r>
+              <a:rPr kumimoji="0" lang="en-US" altLang="en-US" sz="1200" b="0" i="0" u="none" strike="noStrike" cap="none" normalizeH="0" baseline="0" dirty="0">
+                <a:ln>
+                  <a:noFill/>
+                </a:ln>
+                <a:solidFill>
+                  <a:srgbClr val="CC7832"/>
+                </a:solidFill>
+                <a:effectLst/>
+                <a:latin typeface="JetBrains Mono"/>
+              </a:rPr>
+              <a:t>;</a:t>
+            </a:r>
+            <a:br>
+              <a:rPr kumimoji="0" lang="en-US" altLang="en-US" sz="1200" b="0" i="0" u="none" strike="noStrike" cap="none" normalizeH="0" baseline="0" dirty="0">
+                <a:ln>
+                  <a:noFill/>
+                </a:ln>
+                <a:solidFill>
+                  <a:srgbClr val="CC7832"/>
+                </a:solidFill>
+                <a:effectLst/>
+                <a:latin typeface="JetBrains Mono"/>
+              </a:rPr>
+            </a:br>
+            <a:r>
+              <a:rPr kumimoji="0" lang="en-US" altLang="en-US" sz="1200" b="0" i="0" u="none" strike="noStrike" cap="none" normalizeH="0" baseline="0" dirty="0">
+                <a:ln>
+                  <a:noFill/>
+                </a:ln>
+                <a:solidFill>
+                  <a:srgbClr val="CC7832"/>
+                </a:solidFill>
+                <a:effectLst/>
+                <a:latin typeface="JetBrains Mono"/>
+              </a:rPr>
+              <a:t>void </a:t>
+            </a:r>
+            <a:r>
+              <a:rPr kumimoji="0" lang="en-US" altLang="en-US" sz="1200" b="0" i="0" u="none" strike="noStrike" cap="none" normalizeH="0" baseline="0" dirty="0" err="1">
+                <a:ln>
+                  <a:noFill/>
+                </a:ln>
+                <a:solidFill>
+                  <a:srgbClr val="FFC66D"/>
+                </a:solidFill>
+                <a:effectLst/>
+                <a:latin typeface="JetBrains Mono"/>
+              </a:rPr>
+              <a:t>check_args_name</a:t>
+            </a:r>
+            <a:r>
+              <a:rPr kumimoji="0" lang="en-US" altLang="en-US" sz="1200" b="0" i="0" u="none" strike="noStrike" cap="none" normalizeH="0" baseline="0" dirty="0">
+                <a:ln>
+                  <a:noFill/>
+                </a:ln>
+                <a:effectLst/>
+                <a:latin typeface="JetBrains Mono"/>
+              </a:rPr>
+              <a:t>(element e)</a:t>
+            </a:r>
+            <a:r>
+              <a:rPr kumimoji="0" lang="en-US" altLang="en-US" sz="1200" b="0" i="0" u="none" strike="noStrike" cap="none" normalizeH="0" baseline="0" dirty="0">
+                <a:ln>
+                  <a:noFill/>
+                </a:ln>
+                <a:solidFill>
+                  <a:srgbClr val="CC7832"/>
+                </a:solidFill>
+                <a:effectLst/>
+                <a:latin typeface="JetBrains Mono"/>
+              </a:rPr>
+              <a:t>;</a:t>
+            </a:r>
+            <a:br>
+              <a:rPr kumimoji="0" lang="en-US" altLang="en-US" sz="1200" b="0" i="0" u="none" strike="noStrike" cap="none" normalizeH="0" baseline="0" dirty="0">
+                <a:ln>
+                  <a:noFill/>
+                </a:ln>
+                <a:solidFill>
+                  <a:srgbClr val="CC7832"/>
+                </a:solidFill>
+                <a:effectLst/>
+                <a:latin typeface="JetBrains Mono"/>
+              </a:rPr>
+            </a:br>
+            <a:r>
+              <a:rPr kumimoji="0" lang="en-US" altLang="en-US" sz="1200" b="0" i="0" u="none" strike="noStrike" cap="none" normalizeH="0" baseline="0" dirty="0">
+                <a:ln>
+                  <a:noFill/>
+                </a:ln>
+                <a:solidFill>
+                  <a:srgbClr val="CC7832"/>
+                </a:solidFill>
+                <a:effectLst/>
+                <a:latin typeface="JetBrains Mono"/>
+              </a:rPr>
+              <a:t>void </a:t>
+            </a:r>
+            <a:r>
+              <a:rPr kumimoji="0" lang="en-US" altLang="en-US" sz="1200" b="0" i="0" u="none" strike="noStrike" cap="none" normalizeH="0" baseline="0" dirty="0" err="1">
+                <a:ln>
+                  <a:noFill/>
+                </a:ln>
+                <a:solidFill>
+                  <a:srgbClr val="FFC66D"/>
+                </a:solidFill>
+                <a:effectLst/>
+                <a:latin typeface="JetBrains Mono"/>
+              </a:rPr>
+              <a:t>semControl</a:t>
+            </a:r>
+            <a:r>
+              <a:rPr kumimoji="0" lang="en-US" altLang="en-US" sz="1200" b="0" i="0" u="none" strike="noStrike" cap="none" normalizeH="0" baseline="0" dirty="0">
+                <a:ln>
+                  <a:noFill/>
+                </a:ln>
+                <a:effectLst/>
+                <a:latin typeface="JetBrains Mono"/>
+              </a:rPr>
+              <a:t>(</a:t>
+            </a:r>
+            <a:r>
+              <a:rPr kumimoji="0" lang="en-US" altLang="en-US" sz="1200" b="0" i="0" u="none" strike="noStrike" cap="none" normalizeH="0" baseline="0" dirty="0" err="1">
+                <a:ln>
+                  <a:noFill/>
+                </a:ln>
+                <a:effectLst/>
+                <a:latin typeface="JetBrains Mono"/>
+              </a:rPr>
+              <a:t>ht_table_t</a:t>
+            </a:r>
+            <a:r>
+              <a:rPr kumimoji="0" lang="en-US" altLang="en-US" sz="1200" b="0" i="0" u="none" strike="noStrike" cap="none" normalizeH="0" baseline="0" dirty="0">
+                <a:ln>
+                  <a:noFill/>
+                </a:ln>
+                <a:effectLst/>
+                <a:latin typeface="JetBrains Mono"/>
+              </a:rPr>
+              <a:t> *table</a:t>
+            </a:r>
+            <a:r>
+              <a:rPr kumimoji="0" lang="en-US" altLang="en-US" sz="1200" b="0" i="0" u="none" strike="noStrike" cap="none" normalizeH="0" baseline="0" dirty="0">
+                <a:ln>
+                  <a:noFill/>
+                </a:ln>
+                <a:solidFill>
+                  <a:srgbClr val="CC7832"/>
+                </a:solidFill>
+                <a:effectLst/>
+                <a:latin typeface="JetBrains Mono"/>
+              </a:rPr>
+              <a:t>, int </a:t>
+            </a:r>
+            <a:r>
+              <a:rPr kumimoji="0" lang="en-US" altLang="en-US" sz="1200" b="0" i="0" u="none" strike="noStrike" cap="none" normalizeH="0" baseline="0" dirty="0">
+                <a:ln>
+                  <a:noFill/>
+                </a:ln>
+                <a:effectLst/>
+                <a:latin typeface="JetBrains Mono"/>
+              </a:rPr>
+              <a:t>key)</a:t>
+            </a:r>
+            <a:r>
+              <a:rPr kumimoji="0" lang="en-US" altLang="en-US" sz="1200" b="0" i="0" u="none" strike="noStrike" cap="none" normalizeH="0" baseline="0" dirty="0">
+                <a:ln>
+                  <a:noFill/>
+                </a:ln>
+                <a:solidFill>
+                  <a:srgbClr val="CC7832"/>
+                </a:solidFill>
+                <a:effectLst/>
+                <a:latin typeface="JetBrains Mono"/>
+              </a:rPr>
+              <a:t>;</a:t>
+            </a:r>
+            <a:br>
+              <a:rPr kumimoji="0" lang="en-US" altLang="en-US" sz="1200" b="0" i="0" u="none" strike="noStrike" cap="none" normalizeH="0" baseline="0" dirty="0">
+                <a:ln>
+                  <a:noFill/>
+                </a:ln>
+                <a:solidFill>
+                  <a:srgbClr val="CC7832"/>
+                </a:solidFill>
+                <a:effectLst/>
+                <a:latin typeface="JetBrains Mono"/>
+              </a:rPr>
+            </a:br>
+            <a:r>
+              <a:rPr kumimoji="0" lang="en-US" altLang="en-US" sz="1200" b="0" i="0" u="none" strike="noStrike" cap="none" normalizeH="0" baseline="0" dirty="0">
+                <a:ln>
+                  <a:noFill/>
+                </a:ln>
+                <a:solidFill>
+                  <a:srgbClr val="CC7832"/>
+                </a:solidFill>
+                <a:effectLst/>
+                <a:latin typeface="JetBrains Mono"/>
+              </a:rPr>
+              <a:t>void </a:t>
+            </a:r>
+            <a:r>
+              <a:rPr kumimoji="0" lang="en-US" altLang="en-US" sz="1200" b="0" i="0" u="none" strike="noStrike" cap="none" normalizeH="0" baseline="0" dirty="0" err="1">
+                <a:ln>
+                  <a:noFill/>
+                </a:ln>
+                <a:solidFill>
+                  <a:srgbClr val="FFC66D"/>
+                </a:solidFill>
+                <a:effectLst/>
+                <a:latin typeface="JetBrains Mono"/>
+              </a:rPr>
+              <a:t>check_sem_return</a:t>
+            </a:r>
+            <a:r>
+              <a:rPr kumimoji="0" lang="en-US" altLang="en-US" sz="1200" b="0" i="0" u="none" strike="noStrike" cap="none" normalizeH="0" baseline="0" dirty="0">
+                <a:ln>
+                  <a:noFill/>
+                </a:ln>
+                <a:effectLst/>
+                <a:latin typeface="JetBrains Mono"/>
+              </a:rPr>
+              <a:t>(element </a:t>
+            </a:r>
+            <a:r>
+              <a:rPr kumimoji="0" lang="en-US" altLang="en-US" sz="1200" b="0" i="0" u="none" strike="noStrike" cap="none" normalizeH="0" baseline="0" dirty="0" err="1">
+                <a:ln>
+                  <a:noFill/>
+                </a:ln>
+                <a:effectLst/>
+                <a:latin typeface="JetBrains Mono"/>
+              </a:rPr>
+              <a:t>func_e</a:t>
+            </a:r>
+            <a:r>
+              <a:rPr kumimoji="0" lang="en-US" altLang="en-US" sz="1200" b="0" i="0" u="none" strike="noStrike" cap="none" normalizeH="0" baseline="0" dirty="0">
+                <a:ln>
+                  <a:noFill/>
+                </a:ln>
+                <a:solidFill>
+                  <a:srgbClr val="CC7832"/>
+                </a:solidFill>
+                <a:effectLst/>
+                <a:latin typeface="JetBrains Mono"/>
+              </a:rPr>
+              <a:t>, </a:t>
+            </a:r>
+            <a:r>
+              <a:rPr kumimoji="0" lang="en-US" altLang="en-US" sz="1200" b="0" i="0" u="none" strike="noStrike" cap="none" normalizeH="0" baseline="0" dirty="0">
+                <a:ln>
+                  <a:noFill/>
+                </a:ln>
+                <a:effectLst/>
+                <a:latin typeface="JetBrains Mono"/>
+              </a:rPr>
+              <a:t>element </a:t>
+            </a:r>
+            <a:r>
+              <a:rPr kumimoji="0" lang="en-US" altLang="en-US" sz="1200" b="0" i="0" u="none" strike="noStrike" cap="none" normalizeH="0" baseline="0" dirty="0" err="1">
+                <a:ln>
+                  <a:noFill/>
+                </a:ln>
+                <a:effectLst/>
+                <a:latin typeface="JetBrains Mono"/>
+              </a:rPr>
+              <a:t>ret_e</a:t>
+            </a:r>
+            <a:r>
+              <a:rPr kumimoji="0" lang="en-US" altLang="en-US" sz="1200" b="0" i="0" u="none" strike="noStrike" cap="none" normalizeH="0" baseline="0" dirty="0">
+                <a:ln>
+                  <a:noFill/>
+                </a:ln>
+                <a:effectLst/>
+                <a:latin typeface="JetBrains Mono"/>
+              </a:rPr>
+              <a:t>)</a:t>
+            </a:r>
+            <a:r>
+              <a:rPr kumimoji="0" lang="en-US" altLang="en-US" sz="1200" b="0" i="0" u="none" strike="noStrike" cap="none" normalizeH="0" baseline="0" dirty="0">
+                <a:ln>
+                  <a:noFill/>
+                </a:ln>
+                <a:solidFill>
+                  <a:srgbClr val="CC7832"/>
+                </a:solidFill>
+                <a:effectLst/>
+                <a:latin typeface="JetBrains Mono"/>
+              </a:rPr>
+              <a:t>;</a:t>
+            </a:r>
+            <a:br>
+              <a:rPr kumimoji="0" lang="en-US" altLang="en-US" sz="1200" b="0" i="0" u="none" strike="noStrike" cap="none" normalizeH="0" baseline="0" dirty="0">
+                <a:ln>
+                  <a:noFill/>
+                </a:ln>
+                <a:solidFill>
+                  <a:srgbClr val="CC7832"/>
+                </a:solidFill>
+                <a:effectLst/>
+                <a:latin typeface="JetBrains Mono"/>
+              </a:rPr>
+            </a:br>
+            <a:r>
+              <a:rPr kumimoji="0" lang="en-US" altLang="en-US" sz="1200" b="0" i="0" u="none" strike="noStrike" cap="none" normalizeH="0" baseline="0" dirty="0">
+                <a:ln>
+                  <a:noFill/>
+                </a:ln>
+                <a:solidFill>
+                  <a:srgbClr val="CC7832"/>
+                </a:solidFill>
+                <a:effectLst/>
+                <a:latin typeface="JetBrains Mono"/>
+              </a:rPr>
+              <a:t>void </a:t>
+            </a:r>
+            <a:r>
+              <a:rPr kumimoji="0" lang="en-US" altLang="en-US" sz="1200" b="0" i="0" u="none" strike="noStrike" cap="none" normalizeH="0" baseline="0" dirty="0" err="1">
+                <a:ln>
+                  <a:noFill/>
+                </a:ln>
+                <a:solidFill>
+                  <a:srgbClr val="FFC66D"/>
+                </a:solidFill>
+                <a:effectLst/>
+                <a:latin typeface="JetBrains Mono"/>
+              </a:rPr>
+              <a:t>check_global_return</a:t>
+            </a:r>
+            <a:r>
+              <a:rPr kumimoji="0" lang="en-US" altLang="en-US" sz="1200" b="0" i="0" u="none" strike="noStrike" cap="none" normalizeH="0" baseline="0" dirty="0">
+                <a:ln>
+                  <a:noFill/>
+                </a:ln>
+                <a:effectLst/>
+                <a:latin typeface="JetBrains Mono"/>
+              </a:rPr>
+              <a:t>(element </a:t>
+            </a:r>
+            <a:r>
+              <a:rPr kumimoji="0" lang="en-US" altLang="en-US" sz="1200" b="0" i="0" u="none" strike="noStrike" cap="none" normalizeH="0" baseline="0" dirty="0" err="1">
+                <a:ln>
+                  <a:noFill/>
+                </a:ln>
+                <a:effectLst/>
+                <a:latin typeface="JetBrains Mono"/>
+              </a:rPr>
+              <a:t>ret_e</a:t>
+            </a:r>
+            <a:r>
+              <a:rPr kumimoji="0" lang="en-US" altLang="en-US" sz="1200" b="0" i="0" u="none" strike="noStrike" cap="none" normalizeH="0" baseline="0" dirty="0">
+                <a:ln>
+                  <a:noFill/>
+                </a:ln>
+                <a:effectLst/>
+                <a:latin typeface="JetBrains Mono"/>
+              </a:rPr>
+              <a:t>)</a:t>
+            </a:r>
+            <a:r>
+              <a:rPr kumimoji="0" lang="en-US" altLang="en-US" sz="1200" b="0" i="0" u="none" strike="noStrike" cap="none" normalizeH="0" baseline="0" dirty="0">
+                <a:ln>
+                  <a:noFill/>
+                </a:ln>
+                <a:solidFill>
+                  <a:srgbClr val="CC7832"/>
+                </a:solidFill>
+                <a:effectLst/>
+                <a:latin typeface="JetBrains Mono"/>
+              </a:rPr>
+              <a:t>;</a:t>
+            </a:r>
+            <a:br>
+              <a:rPr kumimoji="0" lang="en-US" altLang="en-US" sz="1200" b="0" i="0" u="none" strike="noStrike" cap="none" normalizeH="0" baseline="0" dirty="0">
+                <a:ln>
+                  <a:noFill/>
+                </a:ln>
+                <a:solidFill>
+                  <a:srgbClr val="CC7832"/>
+                </a:solidFill>
+                <a:effectLst/>
+                <a:latin typeface="JetBrains Mono"/>
+              </a:rPr>
+            </a:br>
+            <a:r>
+              <a:rPr kumimoji="0" lang="en-US" altLang="en-US" sz="1200" b="0" i="0" u="none" strike="noStrike" cap="none" normalizeH="0" baseline="0" dirty="0">
+                <a:ln>
+                  <a:noFill/>
+                </a:ln>
+                <a:solidFill>
+                  <a:srgbClr val="CC7832"/>
+                </a:solidFill>
+                <a:effectLst/>
+                <a:latin typeface="JetBrains Mono"/>
+              </a:rPr>
+              <a:t>void </a:t>
+            </a:r>
+            <a:r>
+              <a:rPr kumimoji="0" lang="en-US" altLang="en-US" sz="1200" b="0" i="0" u="none" strike="noStrike" cap="none" normalizeH="0" baseline="0" dirty="0" err="1">
+                <a:ln>
+                  <a:noFill/>
+                </a:ln>
+                <a:solidFill>
+                  <a:srgbClr val="FFC66D"/>
+                </a:solidFill>
+                <a:effectLst/>
+                <a:latin typeface="JetBrains Mono"/>
+              </a:rPr>
+              <a:t>check_defined_functions</a:t>
+            </a:r>
+            <a:r>
+              <a:rPr kumimoji="0" lang="en-US" altLang="en-US" sz="1200" b="0" i="0" u="none" strike="noStrike" cap="none" normalizeH="0" baseline="0" dirty="0">
+                <a:ln>
+                  <a:noFill/>
+                </a:ln>
+                <a:effectLst/>
+                <a:latin typeface="JetBrains Mono"/>
+              </a:rPr>
+              <a:t>(</a:t>
+            </a:r>
+            <a:r>
+              <a:rPr kumimoji="0" lang="en-US" altLang="en-US" sz="1200" b="0" i="0" u="none" strike="noStrike" cap="none" normalizeH="0" baseline="0" dirty="0" err="1">
+                <a:ln>
+                  <a:noFill/>
+                </a:ln>
+                <a:effectLst/>
+                <a:latin typeface="JetBrains Mono"/>
+              </a:rPr>
+              <a:t>progdata</a:t>
+            </a:r>
+            <a:r>
+              <a:rPr kumimoji="0" lang="en-US" altLang="en-US" sz="1200" b="0" i="0" u="none" strike="noStrike" cap="none" normalizeH="0" baseline="0" dirty="0">
+                <a:ln>
+                  <a:noFill/>
+                </a:ln>
+                <a:effectLst/>
+                <a:latin typeface="JetBrains Mono"/>
+              </a:rPr>
+              <a:t> data</a:t>
+            </a:r>
+            <a:r>
+              <a:rPr kumimoji="0" lang="en-US" altLang="en-US" sz="1200" b="0" i="0" u="none" strike="noStrike" cap="none" normalizeH="0" baseline="0" dirty="0">
+                <a:ln>
+                  <a:noFill/>
+                </a:ln>
+                <a:solidFill>
+                  <a:srgbClr val="CC7832"/>
+                </a:solidFill>
+                <a:effectLst/>
+                <a:latin typeface="JetBrains Mono"/>
+              </a:rPr>
+              <a:t>, char</a:t>
+            </a:r>
+            <a:r>
+              <a:rPr kumimoji="0" lang="en-US" altLang="en-US" sz="1200" b="0" i="0" u="none" strike="noStrike" cap="none" normalizeH="0" baseline="0" dirty="0">
+                <a:ln>
+                  <a:noFill/>
+                </a:ln>
+                <a:effectLst/>
+                <a:latin typeface="JetBrains Mono"/>
+              </a:rPr>
+              <a:t>* name)</a:t>
+            </a:r>
+            <a:r>
+              <a:rPr kumimoji="0" lang="en-US" altLang="en-US" sz="1200" b="0" i="0" u="none" strike="noStrike" cap="none" normalizeH="0" baseline="0" dirty="0">
+                <a:ln>
+                  <a:noFill/>
+                </a:ln>
+                <a:solidFill>
+                  <a:srgbClr val="CC7832"/>
+                </a:solidFill>
+                <a:effectLst/>
+                <a:latin typeface="JetBrains Mono"/>
+              </a:rPr>
+              <a:t>;</a:t>
+            </a:r>
+            <a:br>
+              <a:rPr kumimoji="0" lang="en-US" altLang="en-US" sz="1200" b="0" i="0" u="none" strike="noStrike" cap="none" normalizeH="0" baseline="0" dirty="0">
+                <a:ln>
+                  <a:noFill/>
+                </a:ln>
+                <a:solidFill>
+                  <a:srgbClr val="CC7832"/>
+                </a:solidFill>
+                <a:effectLst/>
+                <a:latin typeface="JetBrains Mono"/>
+              </a:rPr>
+            </a:br>
+            <a:r>
+              <a:rPr kumimoji="0" lang="en-US" altLang="en-US" sz="1200" b="0" i="0" u="none" strike="noStrike" cap="none" normalizeH="0" baseline="0" dirty="0">
+                <a:ln>
+                  <a:noFill/>
+                </a:ln>
+                <a:solidFill>
+                  <a:srgbClr val="CC7832"/>
+                </a:solidFill>
+                <a:effectLst/>
+                <a:latin typeface="JetBrains Mono"/>
+              </a:rPr>
+              <a:t>void </a:t>
+            </a:r>
+            <a:r>
+              <a:rPr kumimoji="0" lang="en-US" altLang="en-US" sz="1200" b="0" i="0" u="none" strike="noStrike" cap="none" normalizeH="0" baseline="0" dirty="0" err="1">
+                <a:ln>
+                  <a:noFill/>
+                </a:ln>
+                <a:solidFill>
+                  <a:srgbClr val="FFC66D"/>
+                </a:solidFill>
+                <a:effectLst/>
+                <a:latin typeface="JetBrains Mono"/>
+              </a:rPr>
+              <a:t>see_call_defined</a:t>
+            </a:r>
+            <a:r>
+              <a:rPr kumimoji="0" lang="en-US" altLang="en-US" sz="1200" b="0" i="0" u="none" strike="noStrike" cap="none" normalizeH="0" baseline="0" dirty="0">
+                <a:ln>
+                  <a:noFill/>
+                </a:ln>
+                <a:effectLst/>
+                <a:latin typeface="JetBrains Mono"/>
+              </a:rPr>
+              <a:t>(</a:t>
+            </a:r>
+            <a:r>
+              <a:rPr kumimoji="0" lang="en-US" altLang="en-US" sz="1200" b="0" i="0" u="none" strike="noStrike" cap="none" normalizeH="0" baseline="0" dirty="0" err="1">
+                <a:ln>
+                  <a:noFill/>
+                </a:ln>
+                <a:effectLst/>
+                <a:latin typeface="JetBrains Mono"/>
+              </a:rPr>
+              <a:t>ht_table_t</a:t>
+            </a:r>
+            <a:r>
+              <a:rPr kumimoji="0" lang="en-US" altLang="en-US" sz="1200" b="0" i="0" u="none" strike="noStrike" cap="none" normalizeH="0" baseline="0" dirty="0">
+                <a:ln>
+                  <a:noFill/>
+                </a:ln>
+                <a:effectLst/>
+                <a:latin typeface="JetBrains Mono"/>
+              </a:rPr>
+              <a:t> *table</a:t>
+            </a:r>
+            <a:r>
+              <a:rPr kumimoji="0" lang="en-US" altLang="en-US" sz="1200" b="0" i="0" u="none" strike="noStrike" cap="none" normalizeH="0" baseline="0" dirty="0">
+                <a:ln>
+                  <a:noFill/>
+                </a:ln>
+                <a:solidFill>
+                  <a:srgbClr val="CC7832"/>
+                </a:solidFill>
+                <a:effectLst/>
+                <a:latin typeface="JetBrains Mono"/>
+              </a:rPr>
+              <a:t>, </a:t>
+            </a:r>
+            <a:r>
+              <a:rPr kumimoji="0" lang="en-US" altLang="en-US" sz="1200" b="0" i="0" u="none" strike="noStrike" cap="none" normalizeH="0" baseline="0" dirty="0">
+                <a:ln>
+                  <a:noFill/>
+                </a:ln>
+                <a:effectLst/>
+                <a:latin typeface="JetBrains Mono"/>
+              </a:rPr>
+              <a:t>element call</a:t>
+            </a:r>
+            <a:r>
+              <a:rPr kumimoji="0" lang="en-US" altLang="en-US" sz="1200" b="0" i="0" u="none" strike="noStrike" cap="none" normalizeH="0" baseline="0" dirty="0">
+                <a:ln>
+                  <a:noFill/>
+                </a:ln>
+                <a:solidFill>
+                  <a:srgbClr val="CC7832"/>
+                </a:solidFill>
+                <a:effectLst/>
+                <a:latin typeface="JetBrains Mono"/>
+              </a:rPr>
+              <a:t>, int </a:t>
+            </a:r>
+            <a:r>
+              <a:rPr kumimoji="0" lang="en-US" altLang="en-US" sz="1200" b="0" i="0" u="none" strike="noStrike" cap="none" normalizeH="0" baseline="0" dirty="0">
+                <a:ln>
+                  <a:noFill/>
+                </a:ln>
+                <a:effectLst/>
+                <a:latin typeface="JetBrains Mono"/>
+              </a:rPr>
+              <a:t>key)</a:t>
+            </a:r>
+            <a:r>
+              <a:rPr kumimoji="0" lang="en-US" altLang="en-US" sz="1200" b="0" i="0" u="none" strike="noStrike" cap="none" normalizeH="0" baseline="0" dirty="0">
+                <a:ln>
+                  <a:noFill/>
+                </a:ln>
+                <a:solidFill>
+                  <a:srgbClr val="CC7832"/>
+                </a:solidFill>
+                <a:effectLst/>
+                <a:latin typeface="JetBrains Mono"/>
+              </a:rPr>
+              <a:t>;</a:t>
+            </a:r>
+            <a:br>
+              <a:rPr kumimoji="0" lang="en-US" altLang="en-US" sz="1200" b="0" i="0" u="none" strike="noStrike" cap="none" normalizeH="0" baseline="0" dirty="0">
+                <a:ln>
+                  <a:noFill/>
+                </a:ln>
+                <a:solidFill>
+                  <a:srgbClr val="CC7832"/>
+                </a:solidFill>
+                <a:effectLst/>
+                <a:latin typeface="JetBrains Mono"/>
+              </a:rPr>
+            </a:br>
+            <a:r>
+              <a:rPr kumimoji="0" lang="en-US" altLang="en-US" sz="1200" b="0" i="0" u="none" strike="noStrike" cap="none" normalizeH="0" baseline="0" dirty="0">
+                <a:ln>
+                  <a:noFill/>
+                </a:ln>
+                <a:solidFill>
+                  <a:srgbClr val="CC7832"/>
+                </a:solidFill>
+                <a:effectLst/>
+                <a:latin typeface="JetBrains Mono"/>
+              </a:rPr>
+              <a:t>void </a:t>
+            </a:r>
+            <a:r>
+              <a:rPr kumimoji="0" lang="en-US" altLang="en-US" sz="1200" b="0" i="0" u="none" strike="noStrike" cap="none" normalizeH="0" baseline="0" dirty="0" err="1">
+                <a:ln>
+                  <a:noFill/>
+                </a:ln>
+                <a:solidFill>
+                  <a:srgbClr val="FFC66D"/>
+                </a:solidFill>
+                <a:effectLst/>
+                <a:latin typeface="JetBrains Mono"/>
+              </a:rPr>
+              <a:t>see_call_arguments</a:t>
+            </a:r>
+            <a:r>
+              <a:rPr kumimoji="0" lang="en-US" altLang="en-US" sz="1200" b="0" i="0" u="none" strike="noStrike" cap="none" normalizeH="0" baseline="0" dirty="0">
+                <a:ln>
+                  <a:noFill/>
+                </a:ln>
+                <a:effectLst/>
+                <a:latin typeface="JetBrains Mono"/>
+              </a:rPr>
+              <a:t>(</a:t>
+            </a:r>
+            <a:r>
+              <a:rPr kumimoji="0" lang="en-US" altLang="en-US" sz="1200" b="0" i="0" u="none" strike="noStrike" cap="none" normalizeH="0" baseline="0" dirty="0" err="1">
+                <a:ln>
+                  <a:noFill/>
+                </a:ln>
+                <a:effectLst/>
+                <a:latin typeface="JetBrains Mono"/>
+              </a:rPr>
+              <a:t>ht_table_t</a:t>
+            </a:r>
+            <a:r>
+              <a:rPr kumimoji="0" lang="en-US" altLang="en-US" sz="1200" b="0" i="0" u="none" strike="noStrike" cap="none" normalizeH="0" baseline="0" dirty="0">
+                <a:ln>
+                  <a:noFill/>
+                </a:ln>
+                <a:effectLst/>
+                <a:latin typeface="JetBrains Mono"/>
+              </a:rPr>
+              <a:t> *table</a:t>
+            </a:r>
+            <a:r>
+              <a:rPr kumimoji="0" lang="en-US" altLang="en-US" sz="1200" b="0" i="0" u="none" strike="noStrike" cap="none" normalizeH="0" baseline="0" dirty="0">
+                <a:ln>
+                  <a:noFill/>
+                </a:ln>
+                <a:solidFill>
+                  <a:srgbClr val="CC7832"/>
+                </a:solidFill>
+                <a:effectLst/>
+                <a:latin typeface="JetBrains Mono"/>
+              </a:rPr>
+              <a:t>, </a:t>
+            </a:r>
+            <a:r>
+              <a:rPr kumimoji="0" lang="en-US" altLang="en-US" sz="1200" b="0" i="0" u="none" strike="noStrike" cap="none" normalizeH="0" baseline="0" dirty="0">
+                <a:ln>
+                  <a:noFill/>
+                </a:ln>
+                <a:effectLst/>
+                <a:latin typeface="JetBrains Mono"/>
+              </a:rPr>
+              <a:t>element </a:t>
+            </a:r>
+            <a:r>
+              <a:rPr kumimoji="0" lang="en-US" altLang="en-US" sz="1200" b="0" i="0" u="none" strike="noStrike" cap="none" normalizeH="0" baseline="0" dirty="0" err="1">
+                <a:ln>
+                  <a:noFill/>
+                </a:ln>
+                <a:effectLst/>
+                <a:latin typeface="JetBrains Mono"/>
+              </a:rPr>
+              <a:t>func</a:t>
+            </a:r>
+            <a:r>
+              <a:rPr kumimoji="0" lang="en-US" altLang="en-US" sz="1200" b="0" i="0" u="none" strike="noStrike" cap="none" normalizeH="0" baseline="0" dirty="0">
+                <a:ln>
+                  <a:noFill/>
+                </a:ln>
+                <a:solidFill>
+                  <a:srgbClr val="CC7832"/>
+                </a:solidFill>
+                <a:effectLst/>
+                <a:latin typeface="JetBrains Mono"/>
+              </a:rPr>
+              <a:t>, </a:t>
+            </a:r>
+            <a:r>
+              <a:rPr kumimoji="0" lang="en-US" altLang="en-US" sz="1200" b="0" i="0" u="none" strike="noStrike" cap="none" normalizeH="0" baseline="0" dirty="0">
+                <a:ln>
+                  <a:noFill/>
+                </a:ln>
+                <a:effectLst/>
+                <a:latin typeface="JetBrains Mono"/>
+              </a:rPr>
+              <a:t>element call</a:t>
+            </a:r>
+            <a:r>
+              <a:rPr kumimoji="0" lang="en-US" altLang="en-US" sz="1200" b="0" i="0" u="none" strike="noStrike" cap="none" normalizeH="0" baseline="0" dirty="0">
+                <a:ln>
+                  <a:noFill/>
+                </a:ln>
+                <a:solidFill>
+                  <a:srgbClr val="CC7832"/>
+                </a:solidFill>
+                <a:effectLst/>
+                <a:latin typeface="JetBrains Mono"/>
+              </a:rPr>
+              <a:t>, int </a:t>
+            </a:r>
+            <a:r>
+              <a:rPr kumimoji="0" lang="en-US" altLang="en-US" sz="1200" b="0" i="0" u="none" strike="noStrike" cap="none" normalizeH="0" baseline="0" dirty="0">
+                <a:ln>
+                  <a:noFill/>
+                </a:ln>
+                <a:effectLst/>
+                <a:latin typeface="JetBrains Mono"/>
+              </a:rPr>
+              <a:t>key)</a:t>
+            </a:r>
+            <a:r>
+              <a:rPr kumimoji="0" lang="en-US" altLang="en-US" sz="1200" b="0" i="0" u="none" strike="noStrike" cap="none" normalizeH="0" baseline="0" dirty="0">
+                <a:ln>
+                  <a:noFill/>
+                </a:ln>
+                <a:solidFill>
+                  <a:srgbClr val="CC7832"/>
+                </a:solidFill>
+                <a:effectLst/>
+                <a:latin typeface="JetBrains Mono"/>
+              </a:rPr>
+              <a:t>;</a:t>
+            </a:r>
+            <a:endParaRPr kumimoji="0" lang="en-US" altLang="en-US" sz="2800" b="0" i="0" u="none" strike="noStrike" cap="none" normalizeH="0" baseline="0" dirty="0">
+              <a:ln>
+                <a:noFill/>
+              </a:ln>
+              <a:effectLst/>
+              <a:latin typeface="Arial" panose="020B0604020202020204" pitchFamily="34" charset="0"/>
+            </a:endParaRPr>
+          </a:p>
+        </p:txBody>
+      </p:sp>
+      <p:sp>
+        <p:nvSpPr>
+          <p:cNvPr id="17" name="Rectangle 2">
+            <a:extLst>
+              <a:ext uri="{FF2B5EF4-FFF2-40B4-BE49-F238E27FC236}">
+                <a16:creationId xmlns:a16="http://schemas.microsoft.com/office/drawing/2014/main" id="{63B2997A-7302-ACCD-CD74-1FE854ABC0DA}"/>
+              </a:ext>
+            </a:extLst>
+          </p:cNvPr>
+          <p:cNvSpPr>
+            <a:spLocks noChangeArrowheads="1"/>
+          </p:cNvSpPr>
+          <p:nvPr/>
+        </p:nvSpPr>
+        <p:spPr bwMode="auto">
+          <a:xfrm>
+            <a:off x="3060070" y="4554567"/>
+            <a:ext cx="4934140" cy="276999"/>
+          </a:xfrm>
+          <a:prstGeom prst="rect">
+            <a:avLst/>
+          </a:prstGeom>
+          <a:noFill/>
+          <a:ln>
+            <a:noFill/>
+          </a:ln>
+          <a:effectLst/>
+        </p:spPr>
+        <p:txBody>
+          <a:bodyPr vert="horz" wrap="square" lIns="91440" tIns="45720" rIns="91440" bIns="45720" numCol="1" anchor="ctr" anchorCtr="0" compatLnSpc="1">
+            <a:prstTxWarp prst="textNoShape">
+              <a:avLst/>
+            </a:prstTxWarp>
+            <a:spAutoFit/>
+          </a:bodyPr>
+          <a:lstStyle/>
+          <a:p>
+            <a:pPr marL="0" marR="0" lvl="0" indent="0" algn="l" defTabSz="914400" rtl="0" eaLnBrk="0" fontAlgn="base" latinLnBrk="0" hangingPunct="0">
+              <a:lnSpc>
+                <a:spcPct val="100000"/>
+              </a:lnSpc>
+              <a:spcBef>
+                <a:spcPct val="0"/>
+              </a:spcBef>
+              <a:spcAft>
+                <a:spcPct val="0"/>
+              </a:spcAft>
+              <a:buClrTx/>
+              <a:buSzTx/>
+              <a:buFontTx/>
+              <a:buNone/>
+              <a:tabLst/>
+            </a:pPr>
+            <a:r>
+              <a:rPr kumimoji="0" lang="en-US" altLang="en-US" sz="1200" b="0" i="0" u="none" strike="noStrike" cap="none" normalizeH="0" baseline="0" dirty="0">
+                <a:ln>
+                  <a:noFill/>
+                </a:ln>
+                <a:effectLst/>
+                <a:latin typeface="JetBrains Mono"/>
+              </a:rPr>
+              <a:t>Token</a:t>
+            </a:r>
+            <a:r>
+              <a:rPr kumimoji="0" lang="en-US" altLang="en-US" sz="1200" b="0" i="0" u="none" strike="noStrike" cap="none" normalizeH="0" baseline="0" dirty="0">
+                <a:ln>
+                  <a:noFill/>
+                </a:ln>
+                <a:solidFill>
+                  <a:srgbClr val="B9BCD1"/>
+                </a:solidFill>
+                <a:effectLst/>
+                <a:latin typeface="JetBrains Mono"/>
+              </a:rPr>
+              <a:t> </a:t>
+            </a:r>
+            <a:r>
+              <a:rPr kumimoji="0" lang="en-US" altLang="en-US" sz="1200" b="0" i="0" u="none" strike="noStrike" cap="none" normalizeH="0" baseline="0" dirty="0" err="1">
+                <a:ln>
+                  <a:noFill/>
+                </a:ln>
+                <a:solidFill>
+                  <a:srgbClr val="FFC66D"/>
+                </a:solidFill>
+                <a:effectLst/>
+                <a:latin typeface="JetBrains Mono"/>
+              </a:rPr>
+              <a:t>get_variable</a:t>
+            </a:r>
+            <a:r>
+              <a:rPr kumimoji="0" lang="en-US" altLang="en-US" sz="1200" b="0" i="0" u="none" strike="noStrike" cap="none" normalizeH="0" baseline="0" dirty="0">
+                <a:ln>
+                  <a:noFill/>
+                </a:ln>
+                <a:effectLst/>
+                <a:latin typeface="JetBrains Mono"/>
+              </a:rPr>
+              <a:t>(</a:t>
+            </a:r>
+            <a:r>
+              <a:rPr kumimoji="0" lang="en-US" altLang="en-US" sz="1200" b="0" i="0" u="none" strike="noStrike" cap="none" normalizeH="0" baseline="0" dirty="0" err="1">
+                <a:ln>
+                  <a:noFill/>
+                </a:ln>
+                <a:effectLst/>
+                <a:latin typeface="JetBrains Mono"/>
+              </a:rPr>
+              <a:t>ht_table_t</a:t>
+            </a:r>
+            <a:r>
+              <a:rPr kumimoji="0" lang="en-US" altLang="en-US" sz="1200" b="0" i="0" u="none" strike="noStrike" cap="none" normalizeH="0" baseline="0" dirty="0">
+                <a:ln>
+                  <a:noFill/>
+                </a:ln>
+                <a:effectLst/>
+                <a:latin typeface="JetBrains Mono"/>
+              </a:rPr>
+              <a:t> *table</a:t>
+            </a:r>
+            <a:r>
+              <a:rPr kumimoji="0" lang="en-US" altLang="en-US" sz="1200" b="0" i="0" u="none" strike="noStrike" cap="none" normalizeH="0" baseline="0" dirty="0">
+                <a:ln>
+                  <a:noFill/>
+                </a:ln>
+                <a:solidFill>
+                  <a:srgbClr val="CC7832"/>
+                </a:solidFill>
+                <a:effectLst/>
+                <a:latin typeface="JetBrains Mono"/>
+              </a:rPr>
+              <a:t>, </a:t>
+            </a:r>
+            <a:r>
+              <a:rPr kumimoji="0" lang="en-US" altLang="en-US" sz="1200" b="0" i="0" u="none" strike="noStrike" cap="none" normalizeH="0" baseline="0" dirty="0">
+                <a:ln>
+                  <a:noFill/>
+                </a:ln>
+                <a:effectLst/>
+                <a:latin typeface="JetBrains Mono"/>
+              </a:rPr>
+              <a:t>element* e</a:t>
+            </a:r>
+            <a:r>
+              <a:rPr kumimoji="0" lang="en-US" altLang="en-US" sz="1200" b="0" i="0" u="none" strike="noStrike" cap="none" normalizeH="0" baseline="0" dirty="0">
+                <a:ln>
+                  <a:noFill/>
+                </a:ln>
+                <a:solidFill>
+                  <a:srgbClr val="CC7832"/>
+                </a:solidFill>
+                <a:effectLst/>
+                <a:latin typeface="JetBrains Mono"/>
+              </a:rPr>
+              <a:t>, </a:t>
+            </a:r>
+            <a:r>
+              <a:rPr kumimoji="0" lang="en-US" altLang="en-US" sz="1200" b="0" i="0" u="none" strike="noStrike" cap="none" normalizeH="0" baseline="0" dirty="0">
+                <a:ln>
+                  <a:noFill/>
+                </a:ln>
+                <a:effectLst/>
+                <a:latin typeface="JetBrains Mono"/>
+              </a:rPr>
+              <a:t>Token var</a:t>
+            </a:r>
+            <a:r>
+              <a:rPr kumimoji="0" lang="en-US" altLang="en-US" sz="1200" b="0" i="0" u="none" strike="noStrike" cap="none" normalizeH="0" baseline="0" dirty="0">
+                <a:ln>
+                  <a:noFill/>
+                </a:ln>
+                <a:solidFill>
+                  <a:srgbClr val="CC7832"/>
+                </a:solidFill>
+                <a:effectLst/>
+                <a:latin typeface="JetBrains Mono"/>
+              </a:rPr>
+              <a:t>, int </a:t>
+            </a:r>
+            <a:r>
+              <a:rPr kumimoji="0" lang="en-US" altLang="en-US" sz="1200" b="0" i="0" u="none" strike="noStrike" cap="none" normalizeH="0" baseline="0" dirty="0">
+                <a:ln>
+                  <a:noFill/>
+                </a:ln>
+                <a:effectLst/>
+                <a:latin typeface="JetBrains Mono"/>
+              </a:rPr>
+              <a:t>key)</a:t>
+            </a:r>
+            <a:r>
+              <a:rPr kumimoji="0" lang="en-US" altLang="en-US" sz="1200" b="0" i="0" u="none" strike="noStrike" cap="none" normalizeH="0" baseline="0" dirty="0">
+                <a:ln>
+                  <a:noFill/>
+                </a:ln>
+                <a:solidFill>
+                  <a:srgbClr val="CC7832"/>
+                </a:solidFill>
+                <a:effectLst/>
+                <a:latin typeface="JetBrains Mono"/>
+              </a:rPr>
+              <a:t>;</a:t>
+            </a:r>
+            <a:endParaRPr kumimoji="0" lang="en-US" altLang="en-US" sz="2800" b="0" i="0" u="none" strike="noStrike" cap="none" normalizeH="0" baseline="0" dirty="0">
+              <a:ln>
+                <a:noFill/>
+              </a:ln>
+              <a:solidFill>
+                <a:schemeClr val="tx1"/>
+              </a:solidFill>
+              <a:effectLst/>
+              <a:latin typeface="Arial" panose="020B0604020202020204" pitchFamily="34" charset="0"/>
+            </a:endParaRPr>
+          </a:p>
+        </p:txBody>
+      </p:sp>
+      <p:pic>
+        <p:nvPicPr>
+          <p:cNvPr id="6" name="Picture 5" descr="Text&#10;&#10;Description automatically generated">
+            <a:extLst>
+              <a:ext uri="{FF2B5EF4-FFF2-40B4-BE49-F238E27FC236}">
+                <a16:creationId xmlns:a16="http://schemas.microsoft.com/office/drawing/2014/main" id="{D5953F21-D285-7BE7-3486-37F4D5555E35}"/>
+              </a:ext>
+            </a:extLst>
+          </p:cNvPr>
+          <p:cNvPicPr>
+            <a:picLocks noChangeAspect="1"/>
+          </p:cNvPicPr>
+          <p:nvPr/>
+        </p:nvPicPr>
+        <p:blipFill>
+          <a:blip r:embed="rId2">
+            <a:extLst>
+              <a:ext uri="{28A0092B-C50C-407E-A947-70E740481C1C}">
+                <a14:useLocalDpi xmlns:a14="http://schemas.microsoft.com/office/drawing/2010/main" val="0"/>
+              </a:ext>
+            </a:extLst>
+          </a:blip>
+          <a:stretch>
+            <a:fillRect/>
+          </a:stretch>
+        </p:blipFill>
+        <p:spPr>
+          <a:xfrm>
+            <a:off x="4894082" y="6099048"/>
+            <a:ext cx="2403835" cy="533593"/>
+          </a:xfrm>
+          <a:prstGeom prst="rect">
+            <a:avLst/>
+          </a:prstGeom>
+        </p:spPr>
+      </p:pic>
+    </p:spTree>
+    <p:extLst>
+      <p:ext uri="{BB962C8B-B14F-4D97-AF65-F5344CB8AC3E}">
+        <p14:creationId xmlns:p14="http://schemas.microsoft.com/office/powerpoint/2010/main" val="1111082741"/>
+      </p:ext>
+    </p:extLst>
+  </p:cSld>
+  <p:clrMapOvr>
+    <a:masterClrMapping/>
+  </p:clrMapOvr>
+  <mc:AlternateContent xmlns:mc="http://schemas.openxmlformats.org/markup-compatibility/2006">
+    <mc:Choice xmlns:p14="http://schemas.microsoft.com/office/powerpoint/2010/main" Requires="p14">
+      <p:transition spd="med" p14:dur="700">
+        <p:fade/>
+      </p:transition>
+    </mc:Choice>
+    <mc:Fallback>
+      <p:transition spd="med">
+        <p:fade/>
+      </p:transition>
+    </mc:Fallback>
+  </mc:AlternateContent>
+</p:sld>
+</file>
+
+<file path=ppt/slides/slide13.xml><?xml version="1.0" encoding="utf-8"?>
+<p:sld xmlns:a="http://schemas.openxmlformats.org/drawingml/2006/main" xmlns:r="http://schemas.openxmlformats.org/officeDocument/2006/relationships" xmlns:p="http://schemas.openxmlformats.org/presentationml/2006/main">
+  <p:cSld>
+    <p:spTree>
+      <p:nvGrpSpPr>
+        <p:cNvPr id="1" name=""/>
+        <p:cNvGrpSpPr/>
+        <p:nvPr/>
+      </p:nvGrpSpPr>
+      <p:grpSpPr>
+        <a:xfrm>
+          <a:off x="0" y="0"/>
+          <a:ext cx="0" cy="0"/>
+          <a:chOff x="0" y="0"/>
+          <a:chExt cx="0" cy="0"/>
+        </a:xfrm>
+      </p:grpSpPr>
+      <p:sp>
+        <p:nvSpPr>
+          <p:cNvPr id="2" name="Title 1">
+            <a:extLst>
+              <a:ext uri="{FF2B5EF4-FFF2-40B4-BE49-F238E27FC236}">
+                <a16:creationId xmlns:a16="http://schemas.microsoft.com/office/drawing/2014/main" id="{2CB9EED8-1E93-6A72-5DDB-7A4D2C33E6DC}"/>
               </a:ext>
             </a:extLst>
           </p:cNvPr>
@@ -4604,7 +8081,7 @@
           <p:cNvPr id="3" name="Content Placeholder 2">
             <a:extLst>
               <a:ext uri="{FF2B5EF4-FFF2-40B4-BE49-F238E27FC236}">
-                <a16:creationId xmlns:a16="http://schemas.microsoft.com/office/drawing/2014/main" xmlns="" id="{53CCB7A1-E299-6307-08C6-665ACD5CD359}"/>
+                <a16:creationId xmlns:a16="http://schemas.microsoft.com/office/drawing/2014/main" id="{53CCB7A1-E299-6307-08C6-665ACD5CD359}"/>
               </a:ext>
             </a:extLst>
           </p:cNvPr>
@@ -4701,7 +8178,7 @@
           <p:cNvPr id="7" name="Straight Arrow Connector 6">
             <a:extLst>
               <a:ext uri="{FF2B5EF4-FFF2-40B4-BE49-F238E27FC236}">
-                <a16:creationId xmlns:a16="http://schemas.microsoft.com/office/drawing/2014/main" xmlns="" id="{6CEF8A04-9F6B-C1C1-DFB7-80A0C43A59FB}"/>
+                <a16:creationId xmlns:a16="http://schemas.microsoft.com/office/drawing/2014/main" id="{6CEF8A04-9F6B-C1C1-DFB7-80A0C43A59FB}"/>
               </a:ext>
             </a:extLst>
           </p:cNvPr>
@@ -4742,7 +8219,7 @@
           <p:cNvPr id="8" name="Flowchart: Decision 7">
             <a:extLst>
               <a:ext uri="{FF2B5EF4-FFF2-40B4-BE49-F238E27FC236}">
-                <a16:creationId xmlns:a16="http://schemas.microsoft.com/office/drawing/2014/main" xmlns="" id="{7303A2D1-9EB0-B24C-B8B0-00A3D563E6D4}"/>
+                <a16:creationId xmlns:a16="http://schemas.microsoft.com/office/drawing/2014/main" id="{7303A2D1-9EB0-B24C-B8B0-00A3D563E6D4}"/>
               </a:ext>
             </a:extLst>
           </p:cNvPr>
@@ -4791,7 +8268,7 @@
           <p:cNvPr id="9" name="Rectangle: Rounded Corners 8">
             <a:extLst>
               <a:ext uri="{FF2B5EF4-FFF2-40B4-BE49-F238E27FC236}">
-                <a16:creationId xmlns:a16="http://schemas.microsoft.com/office/drawing/2014/main" xmlns="" id="{4FB36C7D-46FA-003F-1C15-065D5CAD1127}"/>
+                <a16:creationId xmlns:a16="http://schemas.microsoft.com/office/drawing/2014/main" id="{4FB36C7D-46FA-003F-1C15-065D5CAD1127}"/>
               </a:ext>
             </a:extLst>
           </p:cNvPr>
@@ -4852,7 +8329,7 @@
           <p:cNvPr id="10" name="Straight Arrow Connector 9">
             <a:extLst>
               <a:ext uri="{FF2B5EF4-FFF2-40B4-BE49-F238E27FC236}">
-                <a16:creationId xmlns:a16="http://schemas.microsoft.com/office/drawing/2014/main" xmlns="" id="{4B98877C-E560-30A7-38DE-DE76ABC6A7F4}"/>
+                <a16:creationId xmlns:a16="http://schemas.microsoft.com/office/drawing/2014/main" id="{4B98877C-E560-30A7-38DE-DE76ABC6A7F4}"/>
               </a:ext>
             </a:extLst>
           </p:cNvPr>
@@ -4894,7 +8371,7 @@
           <p:cNvPr id="12" name="Rectangle 1">
             <a:extLst>
               <a:ext uri="{FF2B5EF4-FFF2-40B4-BE49-F238E27FC236}">
-                <a16:creationId xmlns:a16="http://schemas.microsoft.com/office/drawing/2014/main" xmlns="" id="{4D3C2D79-2485-7106-B2B4-52D6C8D7C93C}"/>
+                <a16:creationId xmlns:a16="http://schemas.microsoft.com/office/drawing/2014/main" id="{4D3C2D79-2485-7106-B2B4-52D6C8D7C93C}"/>
               </a:ext>
             </a:extLst>
           </p:cNvPr>
@@ -5083,16 +8560,6 @@
               </a:rPr>
               <a:t>;</a:t>
             </a:r>
-            <a:r>
-              <a:rPr kumimoji="0" lang="en-US" altLang="en-US" sz="1400" b="0" i="0" u="none" strike="noStrike" cap="none" normalizeH="0" baseline="0" dirty="0">
-                <a:ln>
-                  <a:noFill/>
-                </a:ln>
-                <a:effectLst/>
-                <a:latin typeface="JetBrains Mono"/>
-              </a:rPr>
-              <a:t/>
-            </a:r>
             <a:br>
               <a:rPr kumimoji="0" lang="en-US" altLang="en-US" sz="1400" b="0" i="0" u="none" strike="noStrike" cap="none" normalizeH="0" baseline="0" dirty="0">
                 <a:ln>
@@ -5165,16 +8632,6 @@
               </a:rPr>
               <a:t>;</a:t>
             </a:r>
-            <a:r>
-              <a:rPr kumimoji="0" lang="en-US" altLang="en-US" sz="1400" b="0" i="0" u="none" strike="noStrike" cap="none" normalizeH="0" baseline="0" dirty="0">
-                <a:ln>
-                  <a:noFill/>
-                </a:ln>
-                <a:effectLst/>
-                <a:latin typeface="JetBrains Mono"/>
-              </a:rPr>
-              <a:t/>
-            </a:r>
             <a:br>
               <a:rPr kumimoji="0" lang="en-US" altLang="en-US" sz="1400" b="0" i="0" u="none" strike="noStrike" cap="none" normalizeH="0" baseline="0" dirty="0">
                 <a:ln>
@@ -5227,16 +8684,6 @@
               </a:rPr>
               <a:t>;</a:t>
             </a:r>
-            <a:r>
-              <a:rPr kumimoji="0" lang="en-US" altLang="en-US" sz="1400" b="0" i="0" u="none" strike="noStrike" cap="none" normalizeH="0" baseline="0" dirty="0">
-                <a:ln>
-                  <a:noFill/>
-                </a:ln>
-                <a:effectLst/>
-                <a:latin typeface="JetBrains Mono"/>
-              </a:rPr>
-              <a:t/>
-            </a:r>
             <a:br>
               <a:rPr kumimoji="0" lang="en-US" altLang="en-US" sz="1400" b="0" i="0" u="none" strike="noStrike" cap="none" normalizeH="0" baseline="0" dirty="0">
                 <a:ln>
@@ -5308,16 +8755,6 @@
                 <a:latin typeface="JetBrains Mono"/>
               </a:rPr>
               <a:t>;</a:t>
-            </a:r>
-            <a:r>
-              <a:rPr kumimoji="0" lang="en-US" altLang="en-US" sz="1400" b="0" i="0" u="none" strike="noStrike" cap="none" normalizeH="0" baseline="0" dirty="0">
-                <a:ln>
-                  <a:noFill/>
-                </a:ln>
-                <a:effectLst/>
-                <a:latin typeface="JetBrains Mono"/>
-              </a:rPr>
-              <a:t/>
             </a:r>
             <a:br>
               <a:rPr kumimoji="0" lang="en-US" altLang="en-US" sz="1400" b="0" i="0" u="none" strike="noStrike" cap="none" normalizeH="0" baseline="0" dirty="0">
@@ -5353,7 +8790,7 @@
           <p:cNvPr id="13" name="Rectangle 2">
             <a:extLst>
               <a:ext uri="{FF2B5EF4-FFF2-40B4-BE49-F238E27FC236}">
-                <a16:creationId xmlns:a16="http://schemas.microsoft.com/office/drawing/2014/main" xmlns="" id="{809600B0-8027-5AB5-1013-97C5EA239257}"/>
+                <a16:creationId xmlns:a16="http://schemas.microsoft.com/office/drawing/2014/main" id="{809600B0-8027-5AB5-1013-97C5EA239257}"/>
               </a:ext>
             </a:extLst>
           </p:cNvPr>
@@ -5480,19 +8917,6 @@
               </a:rPr>
               <a:t>;</a:t>
             </a:r>
-            <a:r>
-              <a:rPr kumimoji="0" lang="en-US" altLang="en-US" sz="1400" b="0" i="0" u="none" strike="noStrike" cap="none" normalizeH="0" baseline="0" dirty="0">
-                <a:ln>
-                  <a:noFill/>
-                </a:ln>
-                <a:solidFill>
-                  <a:srgbClr val="808080"/>
-                </a:solidFill>
-                <a:effectLst/>
-                <a:latin typeface="JetBrains Mono"/>
-              </a:rPr>
-              <a:t/>
-            </a:r>
             <a:br>
               <a:rPr kumimoji="0" lang="en-US" altLang="en-US" sz="1400" b="0" i="0" u="none" strike="noStrike" cap="none" normalizeH="0" baseline="0" dirty="0">
                 <a:ln>
@@ -5616,6 +9040,42 @@
           </a:p>
         </p:txBody>
       </p:sp>
+      <p:pic>
+        <p:nvPicPr>
+          <p:cNvPr id="4" name="Picture 3" descr="Text&#10;&#10;Description automatically generated">
+            <a:extLst>
+              <a:ext uri="{FF2B5EF4-FFF2-40B4-BE49-F238E27FC236}">
+                <a16:creationId xmlns:a16="http://schemas.microsoft.com/office/drawing/2014/main" id="{FF908DDD-6E19-E9CB-A417-6509817F3077}"/>
+              </a:ext>
+            </a:extLst>
+          </p:cNvPr>
+          <p:cNvPicPr>
+            <a:picLocks noChangeAspect="1"/>
+          </p:cNvPicPr>
+          <p:nvPr/>
+        </p:nvPicPr>
+        <p:blipFill>
+          <a:blip r:embed="rId2">
+            <a:extLst>
+              <a:ext uri="{28A0092B-C50C-407E-A947-70E740481C1C}">
+                <a14:useLocalDpi xmlns:a14="http://schemas.microsoft.com/office/drawing/2010/main" val="0"/>
+              </a:ext>
+            </a:extLst>
+          </a:blip>
+          <a:stretch>
+            <a:fillRect/>
+          </a:stretch>
+        </p:blipFill>
+        <p:spPr>
+          <a:xfrm>
+            <a:off x="4894082" y="6099048"/>
+            <a:ext cx="2403835" cy="533593"/>
+          </a:xfrm>
+          <a:prstGeom prst="rect">
+            <a:avLst/>
+          </a:prstGeom>
+        </p:spPr>
+      </p:pic>
     </p:spTree>
     <p:extLst>
       <p:ext uri="{BB962C8B-B14F-4D97-AF65-F5344CB8AC3E}">
@@ -5822,7 +9282,7 @@
 </p:sld>
 </file>
 
-<file path=ppt/slides/slide12.xml><?xml version="1.0" encoding="utf-8"?>
+<file path=ppt/slides/slide14.xml><?xml version="1.0" encoding="utf-8"?>
 <p:sld xmlns:a="http://schemas.openxmlformats.org/drawingml/2006/main" xmlns:r="http://schemas.openxmlformats.org/officeDocument/2006/relationships" xmlns:p="http://schemas.openxmlformats.org/presentationml/2006/main">
   <p:cSld>
     <p:spTree>
@@ -5844,7 +9304,7 @@
           <p:cNvPr id="2" name="Title 1">
             <a:extLst>
               <a:ext uri="{FF2B5EF4-FFF2-40B4-BE49-F238E27FC236}">
-                <a16:creationId xmlns:a16="http://schemas.microsoft.com/office/drawing/2014/main" xmlns="" id="{164B8AAF-6427-927F-E634-9D054010C21E}"/>
+                <a16:creationId xmlns:a16="http://schemas.microsoft.com/office/drawing/2014/main" id="{164B8AAF-6427-927F-E634-9D054010C21E}"/>
               </a:ext>
             </a:extLst>
           </p:cNvPr>
@@ -5860,6 +9320,26 @@
           <a:bodyPr/>
           <a:lstStyle/>
           <a:p>
+            <a:r>
+              <a:rPr lang="en-US" dirty="0" err="1"/>
+              <a:t>Priestor</a:t>
+            </a:r>
+            <a:r>
+              <a:rPr lang="en-US" dirty="0"/>
+              <a:t> </a:t>
+            </a:r>
+            <a:r>
+              <a:rPr lang="en-US" dirty="0" err="1"/>
+              <a:t>na</a:t>
+            </a:r>
+            <a:r>
+              <a:rPr lang="en-US" dirty="0"/>
+              <a:t> </a:t>
+            </a:r>
+            <a:r>
+              <a:rPr lang="en-US" dirty="0" err="1"/>
+              <a:t>otázky</a:t>
+            </a:r>
             <a:endParaRPr lang="en-US" dirty="0"/>
           </a:p>
         </p:txBody>
@@ -5869,7 +9349,7 @@
           <p:cNvPr id="3" name="Content Placeholder 2">
             <a:extLst>
               <a:ext uri="{FF2B5EF4-FFF2-40B4-BE49-F238E27FC236}">
-                <a16:creationId xmlns:a16="http://schemas.microsoft.com/office/drawing/2014/main" xmlns="" id="{C8527C0E-9B4F-A94B-BAAD-A8C6DCAC1A8E}"/>
+                <a16:creationId xmlns:a16="http://schemas.microsoft.com/office/drawing/2014/main" id="{C8527C0E-9B4F-A94B-BAAD-A8C6DCAC1A8E}"/>
               </a:ext>
             </a:extLst>
           </p:cNvPr>
@@ -5889,6 +9369,42 @@
           </a:p>
         </p:txBody>
       </p:sp>
+      <p:pic>
+        <p:nvPicPr>
+          <p:cNvPr id="4" name="Picture 3" descr="Text&#10;&#10;Description automatically generated">
+            <a:extLst>
+              <a:ext uri="{FF2B5EF4-FFF2-40B4-BE49-F238E27FC236}">
+                <a16:creationId xmlns:a16="http://schemas.microsoft.com/office/drawing/2014/main" id="{C45CBE1E-D4D0-4CF3-872E-7BEEFF8EEE3A}"/>
+              </a:ext>
+            </a:extLst>
+          </p:cNvPr>
+          <p:cNvPicPr>
+            <a:picLocks noChangeAspect="1"/>
+          </p:cNvPicPr>
+          <p:nvPr/>
+        </p:nvPicPr>
+        <p:blipFill>
+          <a:blip r:embed="rId2">
+            <a:extLst>
+              <a:ext uri="{28A0092B-C50C-407E-A947-70E740481C1C}">
+                <a14:useLocalDpi xmlns:a14="http://schemas.microsoft.com/office/drawing/2010/main" val="0"/>
+              </a:ext>
+            </a:extLst>
+          </a:blip>
+          <a:stretch>
+            <a:fillRect/>
+          </a:stretch>
+        </p:blipFill>
+        <p:spPr>
+          <a:xfrm>
+            <a:off x="4894082" y="6099048"/>
+            <a:ext cx="2403835" cy="533593"/>
+          </a:xfrm>
+          <a:prstGeom prst="rect">
+            <a:avLst/>
+          </a:prstGeom>
+        </p:spPr>
+      </p:pic>
     </p:spTree>
     <p:extLst>
       <p:ext uri="{BB962C8B-B14F-4D97-AF65-F5344CB8AC3E}">
@@ -5936,7 +9452,7 @@
           <p:cNvPr id="2" name="Title 1">
             <a:extLst>
               <a:ext uri="{FF2B5EF4-FFF2-40B4-BE49-F238E27FC236}">
-                <a16:creationId xmlns:a16="http://schemas.microsoft.com/office/drawing/2014/main" xmlns="" id="{3B5E0CA4-2D97-E1BE-D7F7-FC983FDAE5C1}"/>
+                <a16:creationId xmlns:a16="http://schemas.microsoft.com/office/drawing/2014/main" id="{3B5E0CA4-2D97-E1BE-D7F7-FC983FDAE5C1}"/>
               </a:ext>
             </a:extLst>
           </p:cNvPr>
@@ -5978,7 +9494,7 @@
           <p:cNvPr id="3" name="Content Placeholder 2">
             <a:extLst>
               <a:ext uri="{FF2B5EF4-FFF2-40B4-BE49-F238E27FC236}">
-                <a16:creationId xmlns:a16="http://schemas.microsoft.com/office/drawing/2014/main" xmlns="" id="{FB06730D-8CC9-388E-88EB-F1F4CE8A03AC}"/>
+                <a16:creationId xmlns:a16="http://schemas.microsoft.com/office/drawing/2014/main" id="{FB06730D-8CC9-388E-88EB-F1F4CE8A03AC}"/>
               </a:ext>
             </a:extLst>
           </p:cNvPr>
@@ -6120,7 +9636,7 @@
           <p:cNvPr id="4" name="Rectangle: Rounded Corners 3">
             <a:extLst>
               <a:ext uri="{FF2B5EF4-FFF2-40B4-BE49-F238E27FC236}">
-                <a16:creationId xmlns:a16="http://schemas.microsoft.com/office/drawing/2014/main" xmlns="" id="{8A2A3425-C473-89EC-D20F-0408C3889558}"/>
+                <a16:creationId xmlns:a16="http://schemas.microsoft.com/office/drawing/2014/main" id="{8A2A3425-C473-89EC-D20F-0408C3889558}"/>
               </a:ext>
             </a:extLst>
           </p:cNvPr>
@@ -6169,7 +9685,7 @@
           <p:cNvPr id="6" name="Straight Arrow Connector 5">
             <a:extLst>
               <a:ext uri="{FF2B5EF4-FFF2-40B4-BE49-F238E27FC236}">
-                <a16:creationId xmlns:a16="http://schemas.microsoft.com/office/drawing/2014/main" xmlns="" id="{54D93DA3-6F63-87A4-1BB9-BF445D0ACFD3}"/>
+                <a16:creationId xmlns:a16="http://schemas.microsoft.com/office/drawing/2014/main" id="{54D93DA3-6F63-87A4-1BB9-BF445D0ACFD3}"/>
               </a:ext>
             </a:extLst>
           </p:cNvPr>
@@ -6210,7 +9726,7 @@
           <p:cNvPr id="19" name="Rectangle: Rounded Corners 18">
             <a:extLst>
               <a:ext uri="{FF2B5EF4-FFF2-40B4-BE49-F238E27FC236}">
-                <a16:creationId xmlns:a16="http://schemas.microsoft.com/office/drawing/2014/main" xmlns="" id="{A6988993-F084-6273-014E-A664414573CE}"/>
+                <a16:creationId xmlns:a16="http://schemas.microsoft.com/office/drawing/2014/main" id="{A6988993-F084-6273-014E-A664414573CE}"/>
               </a:ext>
             </a:extLst>
           </p:cNvPr>
@@ -6271,7 +9787,7 @@
           <p:cNvPr id="21" name="Straight Connector 20">
             <a:extLst>
               <a:ext uri="{FF2B5EF4-FFF2-40B4-BE49-F238E27FC236}">
-                <a16:creationId xmlns:a16="http://schemas.microsoft.com/office/drawing/2014/main" xmlns="" id="{5A735618-7ED7-CAC8-F70E-25F4F794B31F}"/>
+                <a16:creationId xmlns:a16="http://schemas.microsoft.com/office/drawing/2014/main" id="{5A735618-7ED7-CAC8-F70E-25F4F794B31F}"/>
               </a:ext>
             </a:extLst>
           </p:cNvPr>
@@ -6311,7 +9827,7 @@
           <p:cNvPr id="23" name="Straight Connector 22">
             <a:extLst>
               <a:ext uri="{FF2B5EF4-FFF2-40B4-BE49-F238E27FC236}">
-                <a16:creationId xmlns:a16="http://schemas.microsoft.com/office/drawing/2014/main" xmlns="" id="{2BDB3D8C-86A4-0F02-3EAE-BDAFC92B08FD}"/>
+                <a16:creationId xmlns:a16="http://schemas.microsoft.com/office/drawing/2014/main" id="{2BDB3D8C-86A4-0F02-3EAE-BDAFC92B08FD}"/>
               </a:ext>
             </a:extLst>
           </p:cNvPr>
@@ -6345,6 +9861,42 @@
           </a:fontRef>
         </p:style>
       </p:cxnSp>
+      <p:pic>
+        <p:nvPicPr>
+          <p:cNvPr id="5" name="Picture 4" descr="Text&#10;&#10;Description automatically generated">
+            <a:extLst>
+              <a:ext uri="{FF2B5EF4-FFF2-40B4-BE49-F238E27FC236}">
+                <a16:creationId xmlns:a16="http://schemas.microsoft.com/office/drawing/2014/main" id="{D9D977ED-3F74-866A-D681-B09EB01EE8B0}"/>
+              </a:ext>
+            </a:extLst>
+          </p:cNvPr>
+          <p:cNvPicPr>
+            <a:picLocks noChangeAspect="1"/>
+          </p:cNvPicPr>
+          <p:nvPr/>
+        </p:nvPicPr>
+        <p:blipFill>
+          <a:blip r:embed="rId2">
+            <a:extLst>
+              <a:ext uri="{28A0092B-C50C-407E-A947-70E740481C1C}">
+                <a14:useLocalDpi xmlns:a14="http://schemas.microsoft.com/office/drawing/2010/main" val="0"/>
+              </a:ext>
+            </a:extLst>
+          </a:blip>
+          <a:stretch>
+            <a:fillRect/>
+          </a:stretch>
+        </p:blipFill>
+        <p:spPr>
+          <a:xfrm>
+            <a:off x="4894082" y="6099048"/>
+            <a:ext cx="2403835" cy="533593"/>
+          </a:xfrm>
+          <a:prstGeom prst="rect">
+            <a:avLst/>
+          </a:prstGeom>
+        </p:spPr>
+      </p:pic>
     </p:spTree>
     <p:extLst>
       <p:ext uri="{BB962C8B-B14F-4D97-AF65-F5344CB8AC3E}">
@@ -6383,7 +9935,7 @@
           <p:cNvPr id="2" name="Title 1">
             <a:extLst>
               <a:ext uri="{FF2B5EF4-FFF2-40B4-BE49-F238E27FC236}">
-                <a16:creationId xmlns:a16="http://schemas.microsoft.com/office/drawing/2014/main" xmlns="" id="{E774624B-4E7E-96D5-2952-0D73E5DC3EE7}"/>
+                <a16:creationId xmlns:a16="http://schemas.microsoft.com/office/drawing/2014/main" id="{E774624B-4E7E-96D5-2952-0D73E5DC3EE7}"/>
               </a:ext>
             </a:extLst>
           </p:cNvPr>
@@ -6425,7 +9977,7 @@
           <p:cNvPr id="3" name="Content Placeholder 2">
             <a:extLst>
               <a:ext uri="{FF2B5EF4-FFF2-40B4-BE49-F238E27FC236}">
-                <a16:creationId xmlns:a16="http://schemas.microsoft.com/office/drawing/2014/main" xmlns="" id="{0C7477BB-DED7-ABD3-6AF6-978EBE779447}"/>
+                <a16:creationId xmlns:a16="http://schemas.microsoft.com/office/drawing/2014/main" id="{0C7477BB-DED7-ABD3-6AF6-978EBE779447}"/>
               </a:ext>
             </a:extLst>
           </p:cNvPr>
@@ -6717,7 +10269,7 @@
           <p:cNvPr id="5" name="Straight Arrow Connector 4">
             <a:extLst>
               <a:ext uri="{FF2B5EF4-FFF2-40B4-BE49-F238E27FC236}">
-                <a16:creationId xmlns:a16="http://schemas.microsoft.com/office/drawing/2014/main" xmlns="" id="{E14133DD-FD04-CA5A-686C-43C19B0B3329}"/>
+                <a16:creationId xmlns:a16="http://schemas.microsoft.com/office/drawing/2014/main" id="{E14133DD-FD04-CA5A-686C-43C19B0B3329}"/>
               </a:ext>
             </a:extLst>
           </p:cNvPr>
@@ -6758,7 +10310,7 @@
           <p:cNvPr id="8" name="Flowchart: Decision 7">
             <a:extLst>
               <a:ext uri="{FF2B5EF4-FFF2-40B4-BE49-F238E27FC236}">
-                <a16:creationId xmlns:a16="http://schemas.microsoft.com/office/drawing/2014/main" xmlns="" id="{FA121755-1C86-3A6F-D51E-18F3B83BFCF5}"/>
+                <a16:creationId xmlns:a16="http://schemas.microsoft.com/office/drawing/2014/main" id="{FA121755-1C86-3A6F-D51E-18F3B83BFCF5}"/>
               </a:ext>
             </a:extLst>
           </p:cNvPr>
@@ -6807,7 +10359,7 @@
           <p:cNvPr id="10" name="Straight Arrow Connector 9">
             <a:extLst>
               <a:ext uri="{FF2B5EF4-FFF2-40B4-BE49-F238E27FC236}">
-                <a16:creationId xmlns:a16="http://schemas.microsoft.com/office/drawing/2014/main" xmlns="" id="{AC895D26-C022-AFFD-2D5A-6417E8172527}"/>
+                <a16:creationId xmlns:a16="http://schemas.microsoft.com/office/drawing/2014/main" id="{AC895D26-C022-AFFD-2D5A-6417E8172527}"/>
               </a:ext>
             </a:extLst>
           </p:cNvPr>
@@ -6849,7 +10401,7 @@
           <p:cNvPr id="13" name="Rectangle: Rounded Corners 12">
             <a:extLst>
               <a:ext uri="{FF2B5EF4-FFF2-40B4-BE49-F238E27FC236}">
-                <a16:creationId xmlns:a16="http://schemas.microsoft.com/office/drawing/2014/main" xmlns="" id="{7AA0EC1B-9812-6382-687A-A45E128F1843}"/>
+                <a16:creationId xmlns:a16="http://schemas.microsoft.com/office/drawing/2014/main" id="{7AA0EC1B-9812-6382-687A-A45E128F1843}"/>
               </a:ext>
             </a:extLst>
           </p:cNvPr>
@@ -6910,7 +10462,7 @@
           <p:cNvPr id="19" name="Rectangle 1">
             <a:extLst>
               <a:ext uri="{FF2B5EF4-FFF2-40B4-BE49-F238E27FC236}">
-                <a16:creationId xmlns:a16="http://schemas.microsoft.com/office/drawing/2014/main" xmlns="" id="{8D16478A-1DE7-1A97-AD91-E735A05EDE04}"/>
+                <a16:creationId xmlns:a16="http://schemas.microsoft.com/office/drawing/2014/main" id="{8D16478A-1DE7-1A97-AD91-E735A05EDE04}"/>
               </a:ext>
             </a:extLst>
           </p:cNvPr>
@@ -6981,19 +10533,6 @@
               </a:rPr>
               <a:t> {</a:t>
             </a:r>
-            <a:r>
-              <a:rPr kumimoji="0" lang="en-US" altLang="en-US" sz="1400" b="0" i="0" u="none" strike="noStrike" cap="none" normalizeH="0" baseline="0" dirty="0">
-                <a:ln>
-                  <a:noFill/>
-                </a:ln>
-                <a:solidFill>
-                  <a:srgbClr val="A9B7C6"/>
-                </a:solidFill>
-                <a:effectLst/>
-                <a:latin typeface="JetBrains Mono"/>
-              </a:rPr>
-              <a:t/>
-            </a:r>
             <a:br>
               <a:rPr kumimoji="0" lang="en-US" altLang="en-US" sz="1400" b="0" i="0" u="none" strike="noStrike" cap="none" normalizeH="0" baseline="0" dirty="0">
                 <a:ln>
@@ -7055,19 +10594,6 @@
               </a:rPr>
               <a:t>{</a:t>
             </a:r>
-            <a:r>
-              <a:rPr kumimoji="0" lang="en-US" altLang="en-US" sz="1400" b="0" i="0" u="none" strike="noStrike" cap="none" normalizeH="0" baseline="0" dirty="0">
-                <a:ln>
-                  <a:noFill/>
-                </a:ln>
-                <a:solidFill>
-                  <a:srgbClr val="A9B7C6"/>
-                </a:solidFill>
-                <a:effectLst/>
-                <a:latin typeface="JetBrains Mono"/>
-              </a:rPr>
-              <a:t/>
-            </a:r>
             <a:br>
               <a:rPr kumimoji="0" lang="en-US" altLang="en-US" sz="1400" b="0" i="0" u="none" strike="noStrike" cap="none" normalizeH="0" baseline="0" dirty="0">
                 <a:ln>
@@ -7153,19 +10679,6 @@
                 <a:latin typeface="JetBrains Mono"/>
               </a:rPr>
               <a:t>…</a:t>
-            </a:r>
-            <a:r>
-              <a:rPr kumimoji="0" lang="en-US" altLang="en-US" sz="1400" b="0" i="0" u="none" strike="noStrike" cap="none" normalizeH="0" baseline="0" dirty="0">
-                <a:ln>
-                  <a:noFill/>
-                </a:ln>
-                <a:solidFill>
-                  <a:srgbClr val="CC7832"/>
-                </a:solidFill>
-                <a:effectLst/>
-                <a:latin typeface="JetBrains Mono"/>
-              </a:rPr>
-              <a:t/>
             </a:r>
             <a:br>
               <a:rPr kumimoji="0" lang="en-US" altLang="en-US" sz="1400" b="0" i="0" u="none" strike="noStrike" cap="none" normalizeH="0" baseline="0" dirty="0">
@@ -7564,6 +11077,42 @@
           </a:p>
         </p:txBody>
       </p:sp>
+      <p:pic>
+        <p:nvPicPr>
+          <p:cNvPr id="4" name="Picture 3" descr="Text&#10;&#10;Description automatically generated">
+            <a:extLst>
+              <a:ext uri="{FF2B5EF4-FFF2-40B4-BE49-F238E27FC236}">
+                <a16:creationId xmlns:a16="http://schemas.microsoft.com/office/drawing/2014/main" id="{C5BD1495-2294-07F2-14FB-D1FCEC3609C6}"/>
+              </a:ext>
+            </a:extLst>
+          </p:cNvPr>
+          <p:cNvPicPr>
+            <a:picLocks noChangeAspect="1"/>
+          </p:cNvPicPr>
+          <p:nvPr/>
+        </p:nvPicPr>
+        <p:blipFill>
+          <a:blip r:embed="rId2">
+            <a:extLst>
+              <a:ext uri="{28A0092B-C50C-407E-A947-70E740481C1C}">
+                <a14:useLocalDpi xmlns:a14="http://schemas.microsoft.com/office/drawing/2010/main" val="0"/>
+              </a:ext>
+            </a:extLst>
+          </a:blip>
+          <a:stretch>
+            <a:fillRect/>
+          </a:stretch>
+        </p:blipFill>
+        <p:spPr>
+          <a:xfrm>
+            <a:off x="4894082" y="6099048"/>
+            <a:ext cx="2403835" cy="533593"/>
+          </a:xfrm>
+          <a:prstGeom prst="rect">
+            <a:avLst/>
+          </a:prstGeom>
+        </p:spPr>
+      </p:pic>
     </p:spTree>
     <p:extLst>
       <p:ext uri="{BB962C8B-B14F-4D97-AF65-F5344CB8AC3E}">
@@ -7688,7 +11237,7 @@
           <p:cNvPr id="2" name="Title 1">
             <a:extLst>
               <a:ext uri="{FF2B5EF4-FFF2-40B4-BE49-F238E27FC236}">
-                <a16:creationId xmlns:a16="http://schemas.microsoft.com/office/drawing/2014/main" xmlns="" id="{3B5E0CA4-2D97-E1BE-D7F7-FC983FDAE5C1}"/>
+                <a16:creationId xmlns:a16="http://schemas.microsoft.com/office/drawing/2014/main" id="{3B5E0CA4-2D97-E1BE-D7F7-FC983FDAE5C1}"/>
               </a:ext>
             </a:extLst>
           </p:cNvPr>
@@ -7730,7 +11279,7 @@
           <p:cNvPr id="3" name="Content Placeholder 2">
             <a:extLst>
               <a:ext uri="{FF2B5EF4-FFF2-40B4-BE49-F238E27FC236}">
-                <a16:creationId xmlns:a16="http://schemas.microsoft.com/office/drawing/2014/main" xmlns="" id="{FB06730D-8CC9-388E-88EB-F1F4CE8A03AC}"/>
+                <a16:creationId xmlns:a16="http://schemas.microsoft.com/office/drawing/2014/main" id="{FB06730D-8CC9-388E-88EB-F1F4CE8A03AC}"/>
               </a:ext>
             </a:extLst>
           </p:cNvPr>
@@ -7878,7 +11427,7 @@
           <p:cNvPr id="4" name="Rectangle: Rounded Corners 3">
             <a:extLst>
               <a:ext uri="{FF2B5EF4-FFF2-40B4-BE49-F238E27FC236}">
-                <a16:creationId xmlns:a16="http://schemas.microsoft.com/office/drawing/2014/main" xmlns="" id="{8A2A3425-C473-89EC-D20F-0408C3889558}"/>
+                <a16:creationId xmlns:a16="http://schemas.microsoft.com/office/drawing/2014/main" id="{8A2A3425-C473-89EC-D20F-0408C3889558}"/>
               </a:ext>
             </a:extLst>
           </p:cNvPr>
@@ -7927,7 +11476,7 @@
           <p:cNvPr id="6" name="Straight Arrow Connector 5">
             <a:extLst>
               <a:ext uri="{FF2B5EF4-FFF2-40B4-BE49-F238E27FC236}">
-                <a16:creationId xmlns:a16="http://schemas.microsoft.com/office/drawing/2014/main" xmlns="" id="{54D93DA3-6F63-87A4-1BB9-BF445D0ACFD3}"/>
+                <a16:creationId xmlns:a16="http://schemas.microsoft.com/office/drawing/2014/main" id="{54D93DA3-6F63-87A4-1BB9-BF445D0ACFD3}"/>
               </a:ext>
             </a:extLst>
           </p:cNvPr>
@@ -7968,7 +11517,7 @@
           <p:cNvPr id="19" name="Rectangle: Rounded Corners 18">
             <a:extLst>
               <a:ext uri="{FF2B5EF4-FFF2-40B4-BE49-F238E27FC236}">
-                <a16:creationId xmlns:a16="http://schemas.microsoft.com/office/drawing/2014/main" xmlns="" id="{A6988993-F084-6273-014E-A664414573CE}"/>
+                <a16:creationId xmlns:a16="http://schemas.microsoft.com/office/drawing/2014/main" id="{A6988993-F084-6273-014E-A664414573CE}"/>
               </a:ext>
             </a:extLst>
           </p:cNvPr>
@@ -8029,7 +11578,7 @@
           <p:cNvPr id="21" name="Straight Connector 20">
             <a:extLst>
               <a:ext uri="{FF2B5EF4-FFF2-40B4-BE49-F238E27FC236}">
-                <a16:creationId xmlns:a16="http://schemas.microsoft.com/office/drawing/2014/main" xmlns="" id="{5A735618-7ED7-CAC8-F70E-25F4F794B31F}"/>
+                <a16:creationId xmlns:a16="http://schemas.microsoft.com/office/drawing/2014/main" id="{5A735618-7ED7-CAC8-F70E-25F4F794B31F}"/>
               </a:ext>
             </a:extLst>
           </p:cNvPr>
@@ -8069,7 +11618,7 @@
           <p:cNvPr id="5" name="Straight Connector 4">
             <a:extLst>
               <a:ext uri="{FF2B5EF4-FFF2-40B4-BE49-F238E27FC236}">
-                <a16:creationId xmlns:a16="http://schemas.microsoft.com/office/drawing/2014/main" xmlns="" id="{7E47B41F-6F8B-23B9-E5E2-927EE3DBC326}"/>
+                <a16:creationId xmlns:a16="http://schemas.microsoft.com/office/drawing/2014/main" id="{7E47B41F-6F8B-23B9-E5E2-927EE3DBC326}"/>
               </a:ext>
             </a:extLst>
           </p:cNvPr>
@@ -8109,7 +11658,7 @@
           <p:cNvPr id="11" name="TextBox 10">
             <a:extLst>
               <a:ext uri="{FF2B5EF4-FFF2-40B4-BE49-F238E27FC236}">
-                <a16:creationId xmlns:a16="http://schemas.microsoft.com/office/drawing/2014/main" xmlns="" id="{6B6822BD-5475-95B9-F84B-98DFA9643A91}"/>
+                <a16:creationId xmlns:a16="http://schemas.microsoft.com/office/drawing/2014/main" id="{6B6822BD-5475-95B9-F84B-98DFA9643A91}"/>
               </a:ext>
             </a:extLst>
           </p:cNvPr>
@@ -8194,19 +11743,6 @@
               </a:rPr>
               <a:t>{</a:t>
             </a:r>
-            <a:r>
-              <a:rPr kumimoji="0" lang="en-US" altLang="en-US" b="0" i="0" u="none" strike="noStrike" cap="none" normalizeH="0" baseline="0" dirty="0">
-                <a:ln>
-                  <a:noFill/>
-                </a:ln>
-                <a:solidFill>
-                  <a:srgbClr val="A9B7C6"/>
-                </a:solidFill>
-                <a:effectLst/>
-                <a:latin typeface="JetBrains Mono"/>
-              </a:rPr>
-              <a:t/>
-            </a:r>
             <a:br>
               <a:rPr kumimoji="0" lang="en-US" altLang="en-US" b="0" i="0" u="none" strike="noStrike" cap="none" normalizeH="0" baseline="0" dirty="0">
                 <a:ln>
@@ -8441,6 +11977,42 @@
           </a:p>
         </p:txBody>
       </p:sp>
+      <p:pic>
+        <p:nvPicPr>
+          <p:cNvPr id="7" name="Picture 6" descr="Text&#10;&#10;Description automatically generated">
+            <a:extLst>
+              <a:ext uri="{FF2B5EF4-FFF2-40B4-BE49-F238E27FC236}">
+                <a16:creationId xmlns:a16="http://schemas.microsoft.com/office/drawing/2014/main" id="{68EEA20F-14FA-3DF1-A06A-51056F45AB0B}"/>
+              </a:ext>
+            </a:extLst>
+          </p:cNvPr>
+          <p:cNvPicPr>
+            <a:picLocks noChangeAspect="1"/>
+          </p:cNvPicPr>
+          <p:nvPr/>
+        </p:nvPicPr>
+        <p:blipFill>
+          <a:blip r:embed="rId2">
+            <a:extLst>
+              <a:ext uri="{28A0092B-C50C-407E-A947-70E740481C1C}">
+                <a14:useLocalDpi xmlns:a14="http://schemas.microsoft.com/office/drawing/2010/main" val="0"/>
+              </a:ext>
+            </a:extLst>
+          </a:blip>
+          <a:stretch>
+            <a:fillRect/>
+          </a:stretch>
+        </p:blipFill>
+        <p:spPr>
+          <a:xfrm>
+            <a:off x="4894082" y="6099048"/>
+            <a:ext cx="2403835" cy="533593"/>
+          </a:xfrm>
+          <a:prstGeom prst="rect">
+            <a:avLst/>
+          </a:prstGeom>
+        </p:spPr>
+      </p:pic>
     </p:spTree>
     <p:extLst>
       <p:ext uri="{BB962C8B-B14F-4D97-AF65-F5344CB8AC3E}">
@@ -8626,7 +12198,7 @@
           <p:cNvPr id="2" name="Title 1">
             <a:extLst>
               <a:ext uri="{FF2B5EF4-FFF2-40B4-BE49-F238E27FC236}">
-                <a16:creationId xmlns:a16="http://schemas.microsoft.com/office/drawing/2014/main" xmlns="" id="{8EBF5D99-5F02-7852-515A-305FFEAE9484}"/>
+                <a16:creationId xmlns:a16="http://schemas.microsoft.com/office/drawing/2014/main" id="{8EBF5D99-5F02-7852-515A-305FFEAE9484}"/>
               </a:ext>
             </a:extLst>
           </p:cNvPr>
@@ -8663,7 +12235,7 @@
           <p:cNvPr id="3" name="Content Placeholder 2">
             <a:extLst>
               <a:ext uri="{FF2B5EF4-FFF2-40B4-BE49-F238E27FC236}">
-                <a16:creationId xmlns:a16="http://schemas.microsoft.com/office/drawing/2014/main" xmlns="" id="{3FA3624D-5A74-CDAE-C9F2-0210556207B8}"/>
+                <a16:creationId xmlns:a16="http://schemas.microsoft.com/office/drawing/2014/main" id="{3FA3624D-5A74-CDAE-C9F2-0210556207B8}"/>
               </a:ext>
             </a:extLst>
           </p:cNvPr>
@@ -8886,7 +12458,7 @@
           <p:cNvPr id="4" name="Straight Arrow Connector 3">
             <a:extLst>
               <a:ext uri="{FF2B5EF4-FFF2-40B4-BE49-F238E27FC236}">
-                <a16:creationId xmlns:a16="http://schemas.microsoft.com/office/drawing/2014/main" xmlns="" id="{7D6CF85A-D2B2-5D62-B9D7-91E4E58E8E56}"/>
+                <a16:creationId xmlns:a16="http://schemas.microsoft.com/office/drawing/2014/main" id="{7D6CF85A-D2B2-5D62-B9D7-91E4E58E8E56}"/>
               </a:ext>
             </a:extLst>
           </p:cNvPr>
@@ -8928,7 +12500,7 @@
           <p:cNvPr id="7" name="Flowchart: Decision 6">
             <a:extLst>
               <a:ext uri="{FF2B5EF4-FFF2-40B4-BE49-F238E27FC236}">
-                <a16:creationId xmlns:a16="http://schemas.microsoft.com/office/drawing/2014/main" xmlns="" id="{29DE240B-F992-A6C1-08B7-20BC5715CDB9}"/>
+                <a16:creationId xmlns:a16="http://schemas.microsoft.com/office/drawing/2014/main" id="{29DE240B-F992-A6C1-08B7-20BC5715CDB9}"/>
               </a:ext>
             </a:extLst>
           </p:cNvPr>
@@ -8977,7 +12549,7 @@
           <p:cNvPr id="9" name="Straight Connector 8">
             <a:extLst>
               <a:ext uri="{FF2B5EF4-FFF2-40B4-BE49-F238E27FC236}">
-                <a16:creationId xmlns:a16="http://schemas.microsoft.com/office/drawing/2014/main" xmlns="" id="{96A120E1-45CF-3445-9C2E-683FC7F28AF4}"/>
+                <a16:creationId xmlns:a16="http://schemas.microsoft.com/office/drawing/2014/main" id="{96A120E1-45CF-3445-9C2E-683FC7F28AF4}"/>
               </a:ext>
             </a:extLst>
           </p:cNvPr>
@@ -9016,7 +12588,7 @@
           <p:cNvPr id="15" name="Rectangle 3">
             <a:extLst>
               <a:ext uri="{FF2B5EF4-FFF2-40B4-BE49-F238E27FC236}">
-                <a16:creationId xmlns:a16="http://schemas.microsoft.com/office/drawing/2014/main" xmlns="" id="{ADD13721-56B1-46A5-60B9-6A2D67847DD6}"/>
+                <a16:creationId xmlns:a16="http://schemas.microsoft.com/office/drawing/2014/main" id="{ADD13721-56B1-46A5-60B9-6A2D67847DD6}"/>
               </a:ext>
             </a:extLst>
           </p:cNvPr>
@@ -9342,6 +12914,42 @@
           </a:p>
         </p:txBody>
       </p:sp>
+      <p:pic>
+        <p:nvPicPr>
+          <p:cNvPr id="5" name="Picture 4" descr="Text&#10;&#10;Description automatically generated">
+            <a:extLst>
+              <a:ext uri="{FF2B5EF4-FFF2-40B4-BE49-F238E27FC236}">
+                <a16:creationId xmlns:a16="http://schemas.microsoft.com/office/drawing/2014/main" id="{5F31F6B6-8697-0B47-EFBB-A7ABC3FE03D6}"/>
+              </a:ext>
+            </a:extLst>
+          </p:cNvPr>
+          <p:cNvPicPr>
+            <a:picLocks noChangeAspect="1"/>
+          </p:cNvPicPr>
+          <p:nvPr/>
+        </p:nvPicPr>
+        <p:blipFill>
+          <a:blip r:embed="rId2">
+            <a:extLst>
+              <a:ext uri="{28A0092B-C50C-407E-A947-70E740481C1C}">
+                <a14:useLocalDpi xmlns:a14="http://schemas.microsoft.com/office/drawing/2010/main" val="0"/>
+              </a:ext>
+            </a:extLst>
+          </a:blip>
+          <a:stretch>
+            <a:fillRect/>
+          </a:stretch>
+        </p:blipFill>
+        <p:spPr>
+          <a:xfrm>
+            <a:off x="4894082" y="6099048"/>
+            <a:ext cx="2403835" cy="533593"/>
+          </a:xfrm>
+          <a:prstGeom prst="rect">
+            <a:avLst/>
+          </a:prstGeom>
+        </p:spPr>
+      </p:pic>
     </p:spTree>
     <p:extLst>
       <p:ext uri="{BB962C8B-B14F-4D97-AF65-F5344CB8AC3E}">
@@ -9466,7 +13074,7 @@
           <p:cNvPr id="2" name="Title 1">
             <a:extLst>
               <a:ext uri="{FF2B5EF4-FFF2-40B4-BE49-F238E27FC236}">
-                <a16:creationId xmlns:a16="http://schemas.microsoft.com/office/drawing/2014/main" xmlns="" id="{DCC036FE-E0BA-0693-2425-92DEEE631C90}"/>
+                <a16:creationId xmlns:a16="http://schemas.microsoft.com/office/drawing/2014/main" id="{DCC036FE-E0BA-0693-2425-92DEEE631C90}"/>
               </a:ext>
             </a:extLst>
           </p:cNvPr>
@@ -9479,7 +13087,7 @@
         </p:nvSpPr>
         <p:spPr>
           <a:xfrm>
-            <a:off x="1046830" y="119818"/>
+            <a:off x="1160341" y="889362"/>
             <a:ext cx="10058400" cy="829266"/>
           </a:xfrm>
         </p:spPr>
@@ -9490,6 +13098,22 @@
             <a:r>
               <a:rPr lang="en-US" dirty="0" err="1"/>
               <a:t>Výrazy</a:t>
+            </a:r>
+            <a:r>
+              <a:rPr lang="en-US" dirty="0"/>
+              <a:t> – </a:t>
+            </a:r>
+            <a:r>
+              <a:rPr lang="en-US" dirty="0" err="1"/>
+              <a:t>syntaktická</a:t>
+            </a:r>
+            <a:r>
+              <a:rPr lang="en-US" dirty="0"/>
+              <a:t> </a:t>
+            </a:r>
+            <a:r>
+              <a:rPr lang="en-US" dirty="0" err="1"/>
+              <a:t>časť</a:t>
             </a:r>
             <a:endParaRPr lang="en-US" dirty="0"/>
           </a:p>
@@ -9500,7 +13124,7 @@
           <p:cNvPr id="3" name="Content Placeholder 2">
             <a:extLst>
               <a:ext uri="{FF2B5EF4-FFF2-40B4-BE49-F238E27FC236}">
-                <a16:creationId xmlns:a16="http://schemas.microsoft.com/office/drawing/2014/main" xmlns="" id="{C0EBEC67-21B1-751A-D373-39E7E5D33B2A}"/>
+                <a16:creationId xmlns:a16="http://schemas.microsoft.com/office/drawing/2014/main" id="{C0EBEC67-21B1-751A-D373-39E7E5D33B2A}"/>
               </a:ext>
             </a:extLst>
           </p:cNvPr>
@@ -9513,8 +13137,8 @@
         </p:nvSpPr>
         <p:spPr>
           <a:xfrm>
-            <a:off x="390985" y="1038538"/>
-            <a:ext cx="10827757" cy="5103707"/>
+            <a:off x="1160340" y="1837853"/>
+            <a:ext cx="10058401" cy="4304392"/>
           </a:xfrm>
         </p:spPr>
         <p:txBody>
@@ -9528,25 +13152,30 @@
               <a:buChar char="•"/>
             </a:pPr>
             <a:r>
-              <a:rPr lang="sk-SK" dirty="0" smtClean="0"/>
-              <a:t>Kontrola postupnosti </a:t>
-            </a:r>
-            <a:r>
-              <a:rPr lang="sk-SK" dirty="0" err="1" smtClean="0"/>
-              <a:t>tokenov</a:t>
-            </a:r>
-            <a:r>
-              <a:rPr lang="sk-SK" dirty="0" smtClean="0"/>
-              <a:t> vo výraze kontroluje osobitný modul </a:t>
-            </a:r>
-            <a:r>
-              <a:rPr lang="sk-SK" dirty="0" err="1" smtClean="0"/>
+              <a:rPr lang="en-US" sz="1800" dirty="0"/>
+              <a:t> </a:t>
+            </a:r>
+            <a:r>
+              <a:rPr lang="sk-SK" sz="1800" dirty="0"/>
+              <a:t>Kontrola postupnosti tokenov vo výraze </a:t>
+            </a:r>
+            <a:r>
+              <a:rPr lang="sk-SK" sz="1800" dirty="0" err="1"/>
+              <a:t>priebieha</a:t>
+            </a:r>
+            <a:r>
+              <a:rPr lang="sk-SK" sz="1800" dirty="0"/>
+              <a:t> v </a:t>
+            </a:r>
+            <a:r>
+              <a:rPr lang="sk-SK" sz="1800" i="1" dirty="0" err="1"/>
               <a:t>expr</a:t>
             </a:r>
             <a:r>
-              <a:rPr lang="sk-SK" dirty="0" smtClean="0"/>
-              <a:t>.</a:t>
-            </a:r>
+              <a:rPr lang="en-US" sz="1800" i="1" dirty="0"/>
+              <a:t>.c</a:t>
+            </a:r>
+            <a:endParaRPr lang="sk-SK" sz="1800" i="1" dirty="0"/>
           </a:p>
           <a:p>
             <a:pPr>
@@ -9554,17 +13183,22 @@
               <a:buChar char="•"/>
             </a:pPr>
             <a:r>
-              <a:rPr lang="sk-SK" dirty="0" smtClean="0"/>
+              <a:rPr lang="en-US" sz="1800" dirty="0"/>
+              <a:t> </a:t>
+            </a:r>
+            <a:r>
+              <a:rPr lang="sk-SK" sz="1800" dirty="0"/>
               <a:t>Funkcia </a:t>
             </a:r>
             <a:r>
-              <a:rPr lang="sk-SK" dirty="0" err="1" smtClean="0"/>
+              <a:rPr lang="sk-SK" sz="1800" dirty="0" err="1"/>
               <a:t>expression</a:t>
             </a:r>
             <a:r>
-              <a:rPr lang="sk-SK" dirty="0" smtClean="0"/>
+              <a:rPr lang="sk-SK" sz="1800" dirty="0"/>
               <a:t>() spúšťa celý proces kontroly</a:t>
             </a:r>
+            <a:endParaRPr lang="en-US" sz="1800" dirty="0"/>
           </a:p>
           <a:p>
             <a:pPr>
@@ -9572,18 +13206,105 @@
               <a:buChar char="•"/>
             </a:pPr>
             <a:r>
-              <a:rPr lang="sk-SK" dirty="0" smtClean="0"/>
-              <a:t>Zásobník pre ukladanie spracovaných </a:t>
-            </a:r>
-            <a:r>
-              <a:rPr lang="sk-SK" dirty="0" err="1" smtClean="0"/>
-              <a:t>tokenov</a:t>
-            </a:r>
-            <a:endParaRPr lang="sk-SK" dirty="0" smtClean="0"/>
-          </a:p>
-          <a:p>
-            <a:r>
-              <a:rPr lang="sk-SK" sz="1600" dirty="0" err="1">
+              <a:rPr lang="en-US" sz="1800" dirty="0"/>
+              <a:t> </a:t>
+            </a:r>
+            <a:r>
+              <a:rPr lang="en-US" sz="1800" dirty="0" err="1"/>
+              <a:t>Tabuľka</a:t>
+            </a:r>
+            <a:r>
+              <a:rPr lang="en-US" sz="1800" dirty="0"/>
+              <a:t> pre </a:t>
+            </a:r>
+            <a:r>
+              <a:rPr lang="en-US" sz="1800" dirty="0" err="1"/>
+              <a:t>vyhodnotenie</a:t>
+            </a:r>
+            <a:r>
+              <a:rPr lang="en-US" sz="1800" dirty="0"/>
+              <a:t> </a:t>
+            </a:r>
+            <a:r>
+              <a:rPr lang="en-US" sz="1800" i="1" dirty="0"/>
+              <a:t>(</a:t>
+            </a:r>
+            <a:r>
+              <a:rPr lang="en-US" sz="1800" i="1" dirty="0" err="1"/>
+              <a:t>Dokumentácia</a:t>
+            </a:r>
+            <a:r>
+              <a:rPr lang="en-US" sz="1800" i="1" dirty="0"/>
+              <a:t>, </a:t>
+            </a:r>
+            <a:r>
+              <a:rPr lang="en-US" sz="1800" i="1" dirty="0" err="1"/>
+              <a:t>Strana</a:t>
+            </a:r>
+            <a:r>
+              <a:rPr lang="en-US" sz="1800" i="1" dirty="0"/>
+              <a:t> 8, </a:t>
+            </a:r>
+            <a:r>
+              <a:rPr lang="en-US" sz="1800" i="1" dirty="0" err="1"/>
+              <a:t>Príloha</a:t>
+            </a:r>
+            <a:r>
+              <a:rPr lang="en-US" sz="1800" i="1" dirty="0"/>
+              <a:t> 5.4) </a:t>
+            </a:r>
+            <a:endParaRPr lang="sk-SK" sz="1800" dirty="0"/>
+          </a:p>
+          <a:p>
+            <a:pPr>
+              <a:buFont typeface="Arial" panose="020B0604020202020204" pitchFamily="34" charset="0"/>
+              <a:buChar char="•"/>
+            </a:pPr>
+            <a:r>
+              <a:rPr lang="en-US" sz="1800" dirty="0"/>
+              <a:t> Z</a:t>
+            </a:r>
+            <a:r>
+              <a:rPr lang="sk-SK" sz="1800" dirty="0" err="1"/>
+              <a:t>ásobník</a:t>
+            </a:r>
+            <a:r>
+              <a:rPr lang="sk-SK" sz="1800" dirty="0"/>
+              <a:t> pre ukladanie spracovaných tokenov</a:t>
+            </a:r>
+          </a:p>
+        </p:txBody>
+      </p:sp>
+      <p:sp>
+        <p:nvSpPr>
+          <p:cNvPr id="5" name="TextBox 4">
+            <a:extLst>
+              <a:ext uri="{FF2B5EF4-FFF2-40B4-BE49-F238E27FC236}">
+                <a16:creationId xmlns:a16="http://schemas.microsoft.com/office/drawing/2014/main" id="{0620A58A-C37E-D0E4-CFB2-C4DF9A040960}"/>
+              </a:ext>
+            </a:extLst>
+          </p:cNvPr>
+          <p:cNvSpPr txBox="1"/>
+          <p:nvPr/>
+        </p:nvSpPr>
+        <p:spPr>
+          <a:xfrm>
+            <a:off x="1160340" y="3557298"/>
+            <a:ext cx="6097508" cy="2246769"/>
+          </a:xfrm>
+          <a:prstGeom prst="rect">
+            <a:avLst/>
+          </a:prstGeom>
+          <a:noFill/>
+        </p:spPr>
+        <p:txBody>
+          <a:bodyPr wrap="square">
+            <a:spAutoFit/>
+          </a:bodyPr>
+          <a:lstStyle/>
+          <a:p>
+            <a:r>
+              <a:rPr lang="sk-SK" sz="1400" dirty="0" err="1">
                 <a:solidFill>
                   <a:schemeClr val="tx1"/>
                 </a:solidFill>
@@ -9591,7 +13312,7 @@
               <a:t>typedef</a:t>
             </a:r>
             <a:r>
-              <a:rPr lang="sk-SK" sz="1600" dirty="0">
+              <a:rPr lang="sk-SK" sz="1400" dirty="0">
                 <a:solidFill>
                   <a:schemeClr val="tx1"/>
                 </a:solidFill>
@@ -9599,7 +13320,7 @@
               <a:t> </a:t>
             </a:r>
             <a:r>
-              <a:rPr lang="sk-SK" sz="1600" dirty="0" err="1">
+              <a:rPr lang="sk-SK" sz="1400" dirty="0" err="1">
                 <a:solidFill>
                   <a:srgbClr val="D38C50"/>
                 </a:solidFill>
@@ -9607,7 +13328,7 @@
               <a:t>struct</a:t>
             </a:r>
             <a:r>
-              <a:rPr lang="sk-SK" sz="1600" dirty="0">
+              <a:rPr lang="sk-SK" sz="1400" dirty="0">
                 <a:solidFill>
                   <a:srgbClr val="D38C50"/>
                 </a:solidFill>
@@ -9615,7 +13336,7 @@
               <a:t> </a:t>
             </a:r>
             <a:r>
-              <a:rPr lang="sk-SK" sz="1600" dirty="0" err="1">
+              <a:rPr lang="sk-SK" sz="1400" dirty="0" err="1">
                 <a:solidFill>
                   <a:srgbClr val="D38C50"/>
                 </a:solidFill>
@@ -9623,7 +13344,7 @@
               <a:t>stack_item</a:t>
             </a:r>
             <a:r>
-              <a:rPr lang="sk-SK" sz="1600" dirty="0">
+              <a:rPr lang="sk-SK" sz="1400" dirty="0">
                 <a:solidFill>
                   <a:schemeClr val="tx1"/>
                 </a:solidFill>
@@ -9633,31 +13354,15 @@
           </a:p>
           <a:p>
             <a:r>
-              <a:rPr lang="sk-SK" sz="1600" dirty="0">
+              <a:rPr lang="sk-SK" sz="1400" dirty="0">
                 <a:solidFill>
                   <a:schemeClr val="tx1"/>
                 </a:solidFill>
               </a:rPr>
-              <a:t>    </a:t>
-            </a:r>
-            <a:r>
-              <a:rPr lang="sk-SK" sz="1600" dirty="0" err="1">
-                <a:solidFill>
-                  <a:schemeClr val="tx1"/>
-                </a:solidFill>
-              </a:rPr>
-              <a:t>Token</a:t>
-            </a:r>
-            <a:r>
-              <a:rPr lang="sk-SK" sz="1600" dirty="0">
-                <a:solidFill>
-                  <a:schemeClr val="tx1"/>
-                </a:solidFill>
-              </a:rPr>
-              <a:t> </a:t>
-            </a:r>
-            <a:r>
-              <a:rPr lang="sk-SK" sz="1600" dirty="0" err="1">
+              <a:t>    Token </a:t>
+            </a:r>
+            <a:r>
+              <a:rPr lang="sk-SK" sz="1400" dirty="0" err="1">
                 <a:solidFill>
                   <a:schemeClr val="tx2">
                     <a:lumMod val="60000"/>
@@ -9668,7 +13373,7 @@
               <a:t>token</a:t>
             </a:r>
             <a:r>
-              <a:rPr lang="sk-SK" sz="1600" dirty="0">
+              <a:rPr lang="sk-SK" sz="1400" dirty="0">
                 <a:solidFill>
                   <a:schemeClr val="tx1"/>
                 </a:solidFill>
@@ -9678,7 +13383,7 @@
           </a:p>
           <a:p>
             <a:r>
-              <a:rPr lang="sk-SK" sz="1600" dirty="0">
+              <a:rPr lang="sk-SK" sz="1400" dirty="0">
                 <a:solidFill>
                   <a:schemeClr val="tx1"/>
                 </a:solidFill>
@@ -9686,7 +13391,7 @@
               <a:t>    </a:t>
             </a:r>
             <a:r>
-              <a:rPr lang="sk-SK" sz="1600" dirty="0" err="1">
+              <a:rPr lang="sk-SK" sz="1400" dirty="0" err="1">
                 <a:solidFill>
                   <a:schemeClr val="tx1"/>
                 </a:solidFill>
@@ -9694,7 +13399,7 @@
               <a:t>expr_symb</a:t>
             </a:r>
             <a:r>
-              <a:rPr lang="sk-SK" sz="1600" dirty="0">
+              <a:rPr lang="sk-SK" sz="1400" dirty="0">
                 <a:solidFill>
                   <a:schemeClr val="tx1"/>
                 </a:solidFill>
@@ -9702,7 +13407,7 @@
               <a:t> </a:t>
             </a:r>
             <a:r>
-              <a:rPr lang="sk-SK" sz="1600" dirty="0">
+              <a:rPr lang="sk-SK" sz="1400" dirty="0">
                 <a:solidFill>
                   <a:schemeClr val="tx2">
                     <a:lumMod val="60000"/>
@@ -9713,7 +13418,7 @@
               <a:t>symbol</a:t>
             </a:r>
             <a:r>
-              <a:rPr lang="sk-SK" sz="1600" dirty="0">
+              <a:rPr lang="sk-SK" sz="1400" dirty="0">
                 <a:solidFill>
                   <a:schemeClr val="tx1"/>
                 </a:solidFill>
@@ -9723,7 +13428,7 @@
           </a:p>
           <a:p>
             <a:r>
-              <a:rPr lang="sk-SK" sz="1600" dirty="0">
+              <a:rPr lang="sk-SK" sz="1400" dirty="0">
                 <a:solidFill>
                   <a:schemeClr val="tx1"/>
                 </a:solidFill>
@@ -9731,7 +13436,7 @@
               <a:t>    </a:t>
             </a:r>
             <a:r>
-              <a:rPr lang="sk-SK" sz="1600" dirty="0" err="1">
+              <a:rPr lang="sk-SK" sz="1400" dirty="0" err="1">
                 <a:solidFill>
                   <a:schemeClr val="tx1"/>
                 </a:solidFill>
@@ -9739,7 +13444,7 @@
               <a:t>struct</a:t>
             </a:r>
             <a:r>
-              <a:rPr lang="sk-SK" sz="1600" dirty="0">
+              <a:rPr lang="sk-SK" sz="1400" dirty="0">
                 <a:solidFill>
                   <a:schemeClr val="tx1"/>
                 </a:solidFill>
@@ -9747,7 +13452,7 @@
               <a:t> </a:t>
             </a:r>
             <a:r>
-              <a:rPr lang="sk-SK" sz="1600" dirty="0" err="1">
+              <a:rPr lang="sk-SK" sz="1400" dirty="0" err="1">
                 <a:solidFill>
                   <a:schemeClr val="tx1"/>
                 </a:solidFill>
@@ -9755,7 +13460,7 @@
               <a:t>stack_item</a:t>
             </a:r>
             <a:r>
-              <a:rPr lang="sk-SK" sz="1600" dirty="0">
+              <a:rPr lang="sk-SK" sz="1400" dirty="0">
                 <a:solidFill>
                   <a:schemeClr val="tx1"/>
                 </a:solidFill>
@@ -9763,7 +13468,7 @@
               <a:t> </a:t>
             </a:r>
             <a:r>
-              <a:rPr lang="sk-SK" sz="1600" dirty="0">
+              <a:rPr lang="sk-SK" sz="1400" dirty="0">
                 <a:solidFill>
                   <a:schemeClr val="tx2">
                     <a:lumMod val="60000"/>
@@ -9774,7 +13479,7 @@
               <a:t>*</a:t>
             </a:r>
             <a:r>
-              <a:rPr lang="sk-SK" sz="1600" dirty="0" err="1">
+              <a:rPr lang="sk-SK" sz="1400" dirty="0" err="1">
                 <a:solidFill>
                   <a:schemeClr val="tx2">
                     <a:lumMod val="60000"/>
@@ -9785,7 +13490,7 @@
               <a:t>next</a:t>
             </a:r>
             <a:r>
-              <a:rPr lang="sk-SK" sz="1600" dirty="0">
+              <a:rPr lang="sk-SK" sz="1400" dirty="0">
                 <a:solidFill>
                   <a:schemeClr val="tx1"/>
                 </a:solidFill>
@@ -9795,7 +13500,7 @@
           </a:p>
           <a:p>
             <a:r>
-              <a:rPr lang="sk-SK" sz="1600" dirty="0">
+              <a:rPr lang="sk-SK" sz="1400" dirty="0">
                 <a:solidFill>
                   <a:schemeClr val="tx1"/>
                 </a:solidFill>
@@ -9803,7 +13508,7 @@
               <a:t>} </a:t>
             </a:r>
             <a:r>
-              <a:rPr lang="sk-SK" sz="1600" dirty="0" err="1">
+              <a:rPr lang="sk-SK" sz="1400" dirty="0" err="1">
                 <a:solidFill>
                   <a:schemeClr val="tx1"/>
                 </a:solidFill>
@@ -9811,7 +13516,7 @@
               <a:t>stack_item_t</a:t>
             </a:r>
             <a:r>
-              <a:rPr lang="sk-SK" sz="1600" dirty="0">
+              <a:rPr lang="sk-SK" sz="1400" dirty="0">
                 <a:solidFill>
                   <a:schemeClr val="tx1"/>
                 </a:solidFill>
@@ -9820,81 +13525,73 @@
             </a:r>
           </a:p>
           <a:p>
-            <a:r>
-              <a:rPr lang="sk-SK" sz="1600" dirty="0">
+            <a:br>
+              <a:rPr lang="sk-SK" sz="1400" dirty="0">
                 <a:solidFill>
                   <a:schemeClr val="tx1"/>
                 </a:solidFill>
               </a:rPr>
-              <a:t/>
-            </a:r>
-            <a:br>
-              <a:rPr lang="sk-SK" sz="1600" dirty="0">
+            </a:br>
+            <a:r>
+              <a:rPr lang="sk-SK" sz="1400" dirty="0" err="1">
                 <a:solidFill>
                   <a:schemeClr val="tx1"/>
                 </a:solidFill>
               </a:rPr>
-            </a:br>
-            <a:r>
-              <a:rPr lang="sk-SK" sz="1600" dirty="0" err="1">
+              <a:t>struct</a:t>
+            </a:r>
+            <a:r>
+              <a:rPr lang="sk-SK" sz="1400" dirty="0">
                 <a:solidFill>
                   <a:schemeClr val="tx1"/>
                 </a:solidFill>
               </a:rPr>
-              <a:t>struct</a:t>
-            </a:r>
-            <a:r>
-              <a:rPr lang="sk-SK" sz="1600" dirty="0">
+              <a:t> </a:t>
+            </a:r>
+            <a:r>
+              <a:rPr lang="sk-SK" sz="1400" dirty="0" err="1">
+                <a:solidFill>
+                  <a:srgbClr val="D38C50"/>
+                </a:solidFill>
+              </a:rPr>
+              <a:t>stack_t</a:t>
+            </a:r>
+            <a:r>
+              <a:rPr lang="sk-SK" sz="1400" dirty="0">
                 <a:solidFill>
                   <a:schemeClr val="tx1"/>
                 </a:solidFill>
               </a:rPr>
+              <a:t> {</a:t>
+            </a:r>
+          </a:p>
+          <a:p>
+            <a:r>
+              <a:rPr lang="sk-SK" sz="1400" dirty="0">
+                <a:solidFill>
+                  <a:schemeClr val="tx1"/>
+                </a:solidFill>
+              </a:rPr>
+              <a:t>    </a:t>
+            </a:r>
+            <a:r>
+              <a:rPr lang="sk-SK" sz="1400" dirty="0" err="1">
+                <a:solidFill>
+                  <a:schemeClr val="tx1"/>
+                </a:solidFill>
+              </a:rPr>
+              <a:t>stack_item_t</a:t>
+            </a:r>
+            <a:r>
+              <a:rPr lang="sk-SK" sz="1400" dirty="0">
+                <a:solidFill>
+                  <a:schemeClr val="tx1"/>
+                </a:solidFill>
+              </a:rPr>
               <a:t> </a:t>
             </a:r>
             <a:r>
-              <a:rPr lang="sk-SK" sz="1600" dirty="0" err="1">
-                <a:solidFill>
-                  <a:srgbClr val="D38C50"/>
-                </a:solidFill>
-              </a:rPr>
-              <a:t>stack_t</a:t>
-            </a:r>
-            <a:r>
-              <a:rPr lang="sk-SK" sz="1600" dirty="0">
-                <a:solidFill>
-                  <a:schemeClr val="tx1"/>
-                </a:solidFill>
-              </a:rPr>
-              <a:t> {</a:t>
-            </a:r>
-          </a:p>
-          <a:p>
-            <a:r>
-              <a:rPr lang="sk-SK" sz="1600" dirty="0">
-                <a:solidFill>
-                  <a:schemeClr val="tx1"/>
-                </a:solidFill>
-              </a:rPr>
-              <a:t>    </a:t>
-            </a:r>
-            <a:r>
-              <a:rPr lang="sk-SK" sz="1600" dirty="0" err="1">
-                <a:solidFill>
-                  <a:schemeClr val="tx1"/>
-                </a:solidFill>
-              </a:rPr>
-              <a:t>stack_item_t</a:t>
-            </a:r>
-            <a:r>
-              <a:rPr lang="sk-SK" sz="1600" dirty="0">
-                <a:solidFill>
-                  <a:schemeClr val="tx1"/>
-                </a:solidFill>
-              </a:rPr>
-              <a:t> </a:t>
-            </a:r>
-            <a:r>
-              <a:rPr lang="sk-SK" sz="1600" dirty="0">
+              <a:rPr lang="sk-SK" sz="1400" dirty="0">
                 <a:solidFill>
                   <a:schemeClr val="tx2">
                     <a:lumMod val="60000"/>
@@ -9905,7 +13602,7 @@
               <a:t>*</a:t>
             </a:r>
             <a:r>
-              <a:rPr lang="sk-SK" sz="1600" dirty="0" err="1">
+              <a:rPr lang="sk-SK" sz="1400" dirty="0" err="1">
                 <a:solidFill>
                   <a:schemeClr val="tx2">
                     <a:lumMod val="60000"/>
@@ -9916,7 +13613,7 @@
               <a:t>head</a:t>
             </a:r>
             <a:r>
-              <a:rPr lang="sk-SK" sz="1600" dirty="0">
+              <a:rPr lang="sk-SK" sz="1400" dirty="0">
                 <a:solidFill>
                   <a:schemeClr val="tx1"/>
                 </a:solidFill>
@@ -9926,7 +13623,7 @@
           </a:p>
           <a:p>
             <a:r>
-              <a:rPr lang="sk-SK" sz="1600" dirty="0">
+              <a:rPr lang="sk-SK" sz="1400" dirty="0">
                 <a:solidFill>
                   <a:schemeClr val="tx1"/>
                 </a:solidFill>
@@ -9934,7 +13631,7 @@
               <a:t>    </a:t>
             </a:r>
             <a:r>
-              <a:rPr lang="sk-SK" sz="1600" dirty="0" err="1">
+              <a:rPr lang="sk-SK" sz="1400" dirty="0" err="1">
                 <a:solidFill>
                   <a:schemeClr val="tx1"/>
                 </a:solidFill>
@@ -9942,7 +13639,7 @@
               <a:t>size_t</a:t>
             </a:r>
             <a:r>
-              <a:rPr lang="sk-SK" sz="1600" dirty="0">
+              <a:rPr lang="sk-SK" sz="1400" dirty="0">
                 <a:solidFill>
                   <a:schemeClr val="tx1"/>
                 </a:solidFill>
@@ -9950,7 +13647,7 @@
               <a:t> </a:t>
             </a:r>
             <a:r>
-              <a:rPr lang="sk-SK" sz="1600" dirty="0" err="1">
+              <a:rPr lang="sk-SK" sz="1400" dirty="0" err="1">
                 <a:solidFill>
                   <a:schemeClr val="tx2">
                     <a:lumMod val="60000"/>
@@ -9961,7 +13658,7 @@
               <a:t>stack_size</a:t>
             </a:r>
             <a:r>
-              <a:rPr lang="sk-SK" sz="1600" dirty="0">
+              <a:rPr lang="sk-SK" sz="1400" dirty="0">
                 <a:solidFill>
                   <a:schemeClr val="tx1"/>
                 </a:solidFill>
@@ -9971,23 +13668,52 @@
           </a:p>
           <a:p>
             <a:r>
-              <a:rPr lang="sk-SK" sz="1600" dirty="0">
+              <a:rPr lang="sk-SK" sz="1400" dirty="0">
                 <a:solidFill>
                   <a:schemeClr val="tx1"/>
                 </a:solidFill>
               </a:rPr>
               <a:t>};</a:t>
             </a:r>
-          </a:p>
-          <a:p>
-            <a:pPr>
-              <a:buFont typeface="Arial" panose="020B0604020202020204" pitchFamily="34" charset="0"/>
-              <a:buChar char="•"/>
-            </a:pPr>
-            <a:endParaRPr lang="sk-SK" dirty="0"/>
           </a:p>
         </p:txBody>
       </p:sp>
+      <p:pic>
+        <p:nvPicPr>
+          <p:cNvPr id="6" name="Picture 5" descr="Text&#10;&#10;Description automatically generated">
+            <a:extLst>
+              <a:ext uri="{FF2B5EF4-FFF2-40B4-BE49-F238E27FC236}">
+                <a16:creationId xmlns:a16="http://schemas.microsoft.com/office/drawing/2014/main" id="{6AFF7449-E5E0-74E5-2E0C-9CD630FE0932}"/>
+              </a:ext>
+            </a:extLst>
+          </p:cNvPr>
+          <p:cNvPicPr>
+            <a:picLocks noChangeAspect="1"/>
+          </p:cNvPicPr>
+          <p:nvPr/>
+        </p:nvPicPr>
+        <p:blipFill>
+          <a:blip r:embed="rId2">
+            <a:extLst>
+              <a:ext uri="{28A0092B-C50C-407E-A947-70E740481C1C}">
+                <a14:useLocalDpi xmlns:a14="http://schemas.microsoft.com/office/drawing/2010/main" val="0"/>
+              </a:ext>
+            </a:extLst>
+          </a:blip>
+          <a:stretch>
+            <a:fillRect/>
+          </a:stretch>
+        </p:blipFill>
+        <p:spPr>
+          <a:xfrm>
+            <a:off x="4894082" y="6099048"/>
+            <a:ext cx="2403835" cy="533593"/>
+          </a:xfrm>
+          <a:prstGeom prst="rect">
+            <a:avLst/>
+          </a:prstGeom>
+        </p:spPr>
+      </p:pic>
     </p:spTree>
     <p:extLst>
       <p:ext uri="{BB962C8B-B14F-4D97-AF65-F5344CB8AC3E}">
@@ -10010,6 +13736,92 @@
       </p:transition>
     </mc:Fallback>
   </mc:AlternateContent>
+  <p:timing>
+    <p:tnLst>
+      <p:par>
+        <p:cTn id="1" dur="indefinite" restart="never" nodeType="tmRoot">
+          <p:childTnLst>
+            <p:seq concurrent="1" nextAc="seek">
+              <p:cTn id="2" dur="indefinite" nodeType="mainSeq">
+                <p:childTnLst>
+                  <p:par>
+                    <p:cTn id="3" fill="hold">
+                      <p:stCondLst>
+                        <p:cond delay="indefinite"/>
+                      </p:stCondLst>
+                      <p:childTnLst>
+                        <p:par>
+                          <p:cTn id="4" fill="hold">
+                            <p:stCondLst>
+                              <p:cond delay="0"/>
+                            </p:stCondLst>
+                            <p:childTnLst>
+                              <p:par>
+                                <p:cTn id="5" presetID="10" presetClass="entr" presetSubtype="0" fill="hold" grpId="0" nodeType="clickEffect">
+                                  <p:stCondLst>
+                                    <p:cond delay="0"/>
+                                  </p:stCondLst>
+                                  <p:childTnLst>
+                                    <p:set>
+                                      <p:cBhvr>
+                                        <p:cTn id="6" dur="1" fill="hold">
+                                          <p:stCondLst>
+                                            <p:cond delay="0"/>
+                                          </p:stCondLst>
+                                        </p:cTn>
+                                        <p:tgtEl>
+                                          <p:spTgt spid="5"/>
+                                        </p:tgtEl>
+                                        <p:attrNameLst>
+                                          <p:attrName>style.visibility</p:attrName>
+                                        </p:attrNameLst>
+                                      </p:cBhvr>
+                                      <p:to>
+                                        <p:strVal val="visible"/>
+                                      </p:to>
+                                    </p:set>
+                                    <p:animEffect transition="in" filter="fade">
+                                      <p:cBhvr>
+                                        <p:cTn id="7" dur="500"/>
+                                        <p:tgtEl>
+                                          <p:spTgt spid="5"/>
+                                        </p:tgtEl>
+                                      </p:cBhvr>
+                                    </p:animEffect>
+                                  </p:childTnLst>
+                                </p:cTn>
+                              </p:par>
+                            </p:childTnLst>
+                          </p:cTn>
+                        </p:par>
+                      </p:childTnLst>
+                    </p:cTn>
+                  </p:par>
+                </p:childTnLst>
+              </p:cTn>
+              <p:prevCondLst>
+                <p:cond evt="onPrev" delay="0">
+                  <p:tgtEl>
+                    <p:sldTgt/>
+                  </p:tgtEl>
+                </p:cond>
+              </p:prevCondLst>
+              <p:nextCondLst>
+                <p:cond evt="onNext" delay="0">
+                  <p:tgtEl>
+                    <p:sldTgt/>
+                  </p:tgtEl>
+                </p:cond>
+              </p:nextCondLst>
+            </p:seq>
+          </p:childTnLst>
+        </p:cTn>
+      </p:par>
+    </p:tnLst>
+    <p:bldLst>
+      <p:bldP spid="5" grpId="0"/>
+    </p:bldLst>
+  </p:timing>
 </p:sld>
 </file>
 
@@ -10035,7 +13847,806 @@
           <p:cNvPr id="2" name="Title 1">
             <a:extLst>
               <a:ext uri="{FF2B5EF4-FFF2-40B4-BE49-F238E27FC236}">
-                <a16:creationId xmlns:a16="http://schemas.microsoft.com/office/drawing/2014/main" xmlns="" id="{81E21040-7B6B-FDC1-FEA3-92A9394E98F3}"/>
+                <a16:creationId xmlns:a16="http://schemas.microsoft.com/office/drawing/2014/main" id="{8EBF5D99-5F02-7852-515A-305FFEAE9484}"/>
+              </a:ext>
+            </a:extLst>
+          </p:cNvPr>
+          <p:cNvSpPr>
+            <a:spLocks noGrp="1"/>
+          </p:cNvSpPr>
+          <p:nvPr>
+            <p:ph type="title"/>
+          </p:nvPr>
+        </p:nvSpPr>
+        <p:spPr/>
+        <p:txBody>
+          <a:bodyPr/>
+          <a:lstStyle/>
+          <a:p>
+            <a:r>
+              <a:rPr lang="en-US" dirty="0" err="1"/>
+              <a:t>Syntaktická</a:t>
+            </a:r>
+            <a:r>
+              <a:rPr lang="en-US" dirty="0"/>
+              <a:t> </a:t>
+            </a:r>
+            <a:r>
+              <a:rPr lang="en-US" dirty="0" err="1"/>
+              <a:t>analýza</a:t>
+            </a:r>
+            <a:endParaRPr lang="en-US" dirty="0"/>
+          </a:p>
+        </p:txBody>
+      </p:sp>
+      <p:sp>
+        <p:nvSpPr>
+          <p:cNvPr id="3" name="Content Placeholder 2">
+            <a:extLst>
+              <a:ext uri="{FF2B5EF4-FFF2-40B4-BE49-F238E27FC236}">
+                <a16:creationId xmlns:a16="http://schemas.microsoft.com/office/drawing/2014/main" id="{3FA3624D-5A74-CDAE-C9F2-0210556207B8}"/>
+              </a:ext>
+            </a:extLst>
+          </p:cNvPr>
+          <p:cNvSpPr>
+            <a:spLocks noGrp="1"/>
+          </p:cNvSpPr>
+          <p:nvPr>
+            <p:ph idx="1"/>
+          </p:nvPr>
+        </p:nvSpPr>
+        <p:spPr>
+          <a:xfrm>
+            <a:off x="1097280" y="1845734"/>
+            <a:ext cx="8064826" cy="4023360"/>
+          </a:xfrm>
+        </p:spPr>
+        <p:txBody>
+          <a:bodyPr/>
+          <a:lstStyle/>
+          <a:p>
+            <a:pPr>
+              <a:buFont typeface="Arial" panose="020B0604020202020204" pitchFamily="34" charset="0"/>
+              <a:buChar char="•"/>
+            </a:pPr>
+            <a:r>
+              <a:rPr lang="en-US" dirty="0"/>
+              <a:t> </a:t>
+            </a:r>
+            <a:r>
+              <a:rPr lang="en-US" dirty="0" err="1"/>
+              <a:t>Podľa</a:t>
+            </a:r>
+            <a:r>
+              <a:rPr lang="en-US" dirty="0"/>
+              <a:t> </a:t>
+            </a:r>
+            <a:r>
+              <a:rPr lang="en-US" dirty="0" err="1"/>
+              <a:t>pravidiel</a:t>
+            </a:r>
+            <a:r>
+              <a:rPr lang="en-US" dirty="0"/>
+              <a:t> </a:t>
+            </a:r>
+            <a:r>
+              <a:rPr lang="en-US" dirty="0" err="1"/>
+              <a:t>nami</a:t>
+            </a:r>
+            <a:r>
+              <a:rPr lang="en-US" dirty="0"/>
+              <a:t> </a:t>
+            </a:r>
+            <a:r>
+              <a:rPr lang="en-US" dirty="0" err="1"/>
+              <a:t>navrhnutej</a:t>
+            </a:r>
+            <a:r>
+              <a:rPr lang="en-US" dirty="0"/>
+              <a:t> </a:t>
+            </a:r>
+            <a:r>
+              <a:rPr lang="en-US" dirty="0" err="1"/>
+              <a:t>gramatiky</a:t>
+            </a:r>
+            <a:r>
+              <a:rPr lang="en-US" dirty="0"/>
+              <a:t> </a:t>
+            </a:r>
+            <a:r>
+              <a:rPr lang="en-US" sz="2000" i="1" dirty="0"/>
+              <a:t>(</a:t>
+            </a:r>
+            <a:r>
+              <a:rPr lang="en-US" sz="2000" i="1" dirty="0" err="1"/>
+              <a:t>Dokumentácia</a:t>
+            </a:r>
+            <a:r>
+              <a:rPr lang="en-US" sz="2000" i="1" dirty="0"/>
+              <a:t>, </a:t>
+            </a:r>
+            <a:r>
+              <a:rPr lang="en-US" sz="2000" i="1" dirty="0" err="1"/>
+              <a:t>Strana</a:t>
+            </a:r>
+            <a:r>
+              <a:rPr lang="en-US" sz="2000" i="1" dirty="0"/>
+              <a:t> 6, </a:t>
+            </a:r>
+            <a:r>
+              <a:rPr lang="en-US" sz="2000" i="1" dirty="0" err="1"/>
+              <a:t>Príloha</a:t>
+            </a:r>
+            <a:r>
+              <a:rPr lang="en-US" sz="2000" i="1" dirty="0"/>
+              <a:t> 5.2)</a:t>
+            </a:r>
+            <a:r>
+              <a:rPr lang="en-US" dirty="0"/>
+              <a:t> </a:t>
+            </a:r>
+            <a:r>
+              <a:rPr lang="en-US" dirty="0" err="1"/>
+              <a:t>postupne</a:t>
+            </a:r>
+            <a:r>
+              <a:rPr lang="en-US" dirty="0"/>
+              <a:t> </a:t>
+            </a:r>
+            <a:r>
+              <a:rPr lang="en-US" dirty="0" err="1"/>
+              <a:t>vyhodnocujeme</a:t>
+            </a:r>
+            <a:r>
+              <a:rPr lang="en-US" dirty="0"/>
+              <a:t> </a:t>
+            </a:r>
+            <a:r>
+              <a:rPr lang="en-US" dirty="0" err="1"/>
+              <a:t>syntaktickú</a:t>
+            </a:r>
+            <a:r>
+              <a:rPr lang="en-US" dirty="0"/>
+              <a:t> </a:t>
+            </a:r>
+            <a:r>
+              <a:rPr lang="en-US" dirty="0" err="1"/>
+              <a:t>pravdivosť</a:t>
+            </a:r>
+            <a:endParaRPr lang="en-US" dirty="0"/>
+          </a:p>
+          <a:p>
+            <a:pPr>
+              <a:buFont typeface="Arial" panose="020B0604020202020204" pitchFamily="34" charset="0"/>
+              <a:buChar char="•"/>
+            </a:pPr>
+            <a:r>
+              <a:rPr lang="en-US" dirty="0"/>
+              <a:t> </a:t>
+            </a:r>
+            <a:r>
+              <a:rPr lang="en-US" dirty="0" err="1"/>
+              <a:t>Tokeny</a:t>
+            </a:r>
+            <a:r>
+              <a:rPr lang="en-US" dirty="0"/>
+              <a:t> </a:t>
+            </a:r>
+            <a:r>
+              <a:rPr lang="en-US" dirty="0" err="1"/>
+              <a:t>si</a:t>
+            </a:r>
+            <a:r>
+              <a:rPr lang="en-US" dirty="0"/>
+              <a:t> </a:t>
+            </a:r>
+            <a:r>
+              <a:rPr lang="en-US" dirty="0" err="1"/>
+              <a:t>voláme</a:t>
+            </a:r>
+            <a:r>
+              <a:rPr lang="en-US" dirty="0"/>
+              <a:t> zo </a:t>
+            </a:r>
+            <a:r>
+              <a:rPr lang="en-US" dirty="0" err="1"/>
+              <a:t>zoznamu</a:t>
+            </a:r>
+            <a:r>
+              <a:rPr lang="en-US" dirty="0"/>
+              <a:t> </a:t>
+            </a:r>
+            <a:r>
+              <a:rPr lang="en-US" dirty="0" err="1"/>
+              <a:t>všetkých</a:t>
+            </a:r>
+            <a:r>
+              <a:rPr lang="en-US" dirty="0"/>
+              <a:t> </a:t>
+            </a:r>
+            <a:r>
+              <a:rPr lang="en-US" dirty="0" err="1"/>
+              <a:t>tokenov</a:t>
+            </a:r>
+            <a:r>
+              <a:rPr lang="en-US" dirty="0"/>
+              <a:t> po </a:t>
+            </a:r>
+            <a:r>
+              <a:rPr lang="en-US" dirty="0" err="1"/>
+              <a:t>jednom</a:t>
+            </a:r>
+            <a:r>
+              <a:rPr lang="en-US" dirty="0"/>
+              <a:t> </a:t>
+            </a:r>
+            <a:r>
+              <a:rPr lang="en-US" dirty="0" err="1"/>
+              <a:t>pomocou</a:t>
+            </a:r>
+            <a:r>
+              <a:rPr lang="en-US" dirty="0"/>
+              <a:t> </a:t>
+            </a:r>
+            <a:r>
+              <a:rPr lang="en-US" dirty="0" err="1"/>
+              <a:t>funkcií</a:t>
+            </a:r>
+            <a:endParaRPr lang="en-US" dirty="0"/>
+          </a:p>
+          <a:p>
+            <a:pPr marL="0" indent="0">
+              <a:buNone/>
+            </a:pPr>
+            <a:endParaRPr lang="en-US" dirty="0"/>
+          </a:p>
+        </p:txBody>
+      </p:sp>
+      <p:cxnSp>
+        <p:nvCxnSpPr>
+          <p:cNvPr id="4" name="Straight Arrow Connector 3">
+            <a:extLst>
+              <a:ext uri="{FF2B5EF4-FFF2-40B4-BE49-F238E27FC236}">
+                <a16:creationId xmlns:a16="http://schemas.microsoft.com/office/drawing/2014/main" id="{7D6CF85A-D2B2-5D62-B9D7-91E4E58E8E56}"/>
+              </a:ext>
+            </a:extLst>
+          </p:cNvPr>
+          <p:cNvCxnSpPr>
+            <a:cxnSpLocks/>
+            <a:endCxn id="7" idx="0"/>
+          </p:cNvCxnSpPr>
+          <p:nvPr/>
+        </p:nvCxnSpPr>
+        <p:spPr>
+          <a:xfrm>
+            <a:off x="10395406" y="0"/>
+            <a:ext cx="0" cy="2406770"/>
+          </a:xfrm>
+          <a:prstGeom prst="straightConnector1">
+            <a:avLst/>
+          </a:prstGeom>
+          <a:ln w="76200">
+            <a:tailEnd type="triangle"/>
+          </a:ln>
+        </p:spPr>
+        <p:style>
+          <a:lnRef idx="3">
+            <a:schemeClr val="dk1"/>
+          </a:lnRef>
+          <a:fillRef idx="0">
+            <a:schemeClr val="dk1"/>
+          </a:fillRef>
+          <a:effectRef idx="2">
+            <a:schemeClr val="dk1"/>
+          </a:effectRef>
+          <a:fontRef idx="minor">
+            <a:schemeClr val="tx1"/>
+          </a:fontRef>
+        </p:style>
+      </p:cxnSp>
+      <p:sp>
+        <p:nvSpPr>
+          <p:cNvPr id="7" name="Flowchart: Decision 6">
+            <a:extLst>
+              <a:ext uri="{FF2B5EF4-FFF2-40B4-BE49-F238E27FC236}">
+                <a16:creationId xmlns:a16="http://schemas.microsoft.com/office/drawing/2014/main" id="{29DE240B-F992-A6C1-08B7-20BC5715CDB9}"/>
+              </a:ext>
+            </a:extLst>
+          </p:cNvPr>
+          <p:cNvSpPr/>
+          <p:nvPr/>
+        </p:nvSpPr>
+        <p:spPr>
+          <a:xfrm>
+            <a:off x="9232350" y="2406770"/>
+            <a:ext cx="2326112" cy="2019897"/>
+          </a:xfrm>
+          <a:prstGeom prst="flowChartDecision">
+            <a:avLst/>
+          </a:prstGeom>
+        </p:spPr>
+        <p:style>
+          <a:lnRef idx="2">
+            <a:schemeClr val="accent1">
+              <a:shade val="50000"/>
+            </a:schemeClr>
+          </a:lnRef>
+          <a:fillRef idx="1">
+            <a:schemeClr val="accent1"/>
+          </a:fillRef>
+          <a:effectRef idx="0">
+            <a:schemeClr val="accent1"/>
+          </a:effectRef>
+          <a:fontRef idx="minor">
+            <a:schemeClr val="lt1"/>
+          </a:fontRef>
+        </p:style>
+        <p:txBody>
+          <a:bodyPr rtlCol="0" anchor="ctr"/>
+          <a:lstStyle/>
+          <a:p>
+            <a:pPr algn="ctr"/>
+            <a:r>
+              <a:rPr lang="en-US" sz="1400" dirty="0"/>
+              <a:t>SYNTAKTICKÁ ANALÝZA</a:t>
+            </a:r>
+          </a:p>
+        </p:txBody>
+      </p:sp>
+      <p:cxnSp>
+        <p:nvCxnSpPr>
+          <p:cNvPr id="9" name="Straight Connector 8">
+            <a:extLst>
+              <a:ext uri="{FF2B5EF4-FFF2-40B4-BE49-F238E27FC236}">
+                <a16:creationId xmlns:a16="http://schemas.microsoft.com/office/drawing/2014/main" id="{96A120E1-45CF-3445-9C2E-683FC7F28AF4}"/>
+              </a:ext>
+            </a:extLst>
+          </p:cNvPr>
+          <p:cNvCxnSpPr>
+            <a:cxnSpLocks/>
+          </p:cNvCxnSpPr>
+          <p:nvPr/>
+        </p:nvCxnSpPr>
+        <p:spPr>
+          <a:xfrm>
+            <a:off x="10395406" y="4426667"/>
+            <a:ext cx="0" cy="2431333"/>
+          </a:xfrm>
+          <a:prstGeom prst="line">
+            <a:avLst/>
+          </a:prstGeom>
+          <a:ln w="76200"/>
+        </p:spPr>
+        <p:style>
+          <a:lnRef idx="1">
+            <a:schemeClr val="dk1"/>
+          </a:lnRef>
+          <a:fillRef idx="0">
+            <a:schemeClr val="dk1"/>
+          </a:fillRef>
+          <a:effectRef idx="0">
+            <a:schemeClr val="dk1"/>
+          </a:effectRef>
+          <a:fontRef idx="minor">
+            <a:schemeClr val="tx1"/>
+          </a:fontRef>
+        </p:style>
+      </p:cxnSp>
+      <p:sp>
+        <p:nvSpPr>
+          <p:cNvPr id="15" name="Rectangle 3">
+            <a:extLst>
+              <a:ext uri="{FF2B5EF4-FFF2-40B4-BE49-F238E27FC236}">
+                <a16:creationId xmlns:a16="http://schemas.microsoft.com/office/drawing/2014/main" id="{ADD13721-56B1-46A5-60B9-6A2D67847DD6}"/>
+              </a:ext>
+            </a:extLst>
+          </p:cNvPr>
+          <p:cNvSpPr>
+            <a:spLocks noChangeArrowheads="1"/>
+          </p:cNvSpPr>
+          <p:nvPr/>
+        </p:nvSpPr>
+        <p:spPr bwMode="auto">
+          <a:xfrm>
+            <a:off x="1204111" y="2945857"/>
+            <a:ext cx="2679825" cy="1169551"/>
+          </a:xfrm>
+          <a:prstGeom prst="rect">
+            <a:avLst/>
+          </a:prstGeom>
+          <a:noFill/>
+          <a:ln>
+            <a:noFill/>
+          </a:ln>
+          <a:effectLst/>
+        </p:spPr>
+        <p:txBody>
+          <a:bodyPr vert="horz" wrap="square" lIns="91440" tIns="45720" rIns="91440" bIns="45720" numCol="1" anchor="ctr" anchorCtr="0" compatLnSpc="1">
+            <a:prstTxWarp prst="textNoShape">
+              <a:avLst/>
+            </a:prstTxWarp>
+            <a:spAutoFit/>
+          </a:bodyPr>
+          <a:lstStyle/>
+          <a:p>
+            <a:pPr marL="0" marR="0" lvl="0" indent="0" algn="l" defTabSz="914400" rtl="0" eaLnBrk="0" fontAlgn="base" latinLnBrk="0" hangingPunct="0">
+              <a:lnSpc>
+                <a:spcPct val="100000"/>
+              </a:lnSpc>
+              <a:spcBef>
+                <a:spcPct val="0"/>
+              </a:spcBef>
+              <a:spcAft>
+                <a:spcPct val="0"/>
+              </a:spcAft>
+              <a:buClrTx/>
+              <a:buSzTx/>
+              <a:buFontTx/>
+              <a:buNone/>
+              <a:tabLst/>
+            </a:pPr>
+            <a:r>
+              <a:rPr kumimoji="0" lang="en-US" altLang="en-US" sz="1400" b="0" i="0" u="none" strike="noStrike" cap="none" normalizeH="0" baseline="0" dirty="0">
+                <a:ln>
+                  <a:noFill/>
+                </a:ln>
+                <a:effectLst/>
+                <a:latin typeface="JetBrains Mono"/>
+              </a:rPr>
+              <a:t>Token</a:t>
+            </a:r>
+            <a:r>
+              <a:rPr kumimoji="0" lang="en-US" altLang="en-US" sz="1400" b="0" i="0" u="none" strike="noStrike" cap="none" normalizeH="0" baseline="0" dirty="0">
+                <a:ln>
+                  <a:noFill/>
+                </a:ln>
+                <a:solidFill>
+                  <a:srgbClr val="B9BCD1"/>
+                </a:solidFill>
+                <a:effectLst/>
+                <a:latin typeface="JetBrains Mono"/>
+              </a:rPr>
+              <a:t> </a:t>
+            </a:r>
+            <a:r>
+              <a:rPr kumimoji="0" lang="en-US" altLang="en-US" sz="1400" b="0" i="0" u="none" strike="noStrike" cap="none" normalizeH="0" baseline="0" dirty="0" err="1">
+                <a:ln>
+                  <a:noFill/>
+                </a:ln>
+                <a:solidFill>
+                  <a:srgbClr val="FFC66D"/>
+                </a:solidFill>
+                <a:effectLst/>
+                <a:latin typeface="JetBrains Mono"/>
+              </a:rPr>
+              <a:t>getTokenFromList</a:t>
+            </a:r>
+            <a:r>
+              <a:rPr kumimoji="0" lang="en-US" altLang="en-US" sz="1400" b="0" i="0" u="none" strike="noStrike" cap="none" normalizeH="0" baseline="0" dirty="0">
+                <a:ln>
+                  <a:noFill/>
+                </a:ln>
+                <a:effectLst/>
+                <a:latin typeface="JetBrains Mono"/>
+              </a:rPr>
+              <a:t>()</a:t>
+            </a:r>
+            <a:r>
+              <a:rPr kumimoji="0" lang="en-US" altLang="en-US" sz="1400" b="0" i="0" u="none" strike="noStrike" cap="none" normalizeH="0" baseline="0" dirty="0">
+                <a:ln>
+                  <a:noFill/>
+                </a:ln>
+                <a:solidFill>
+                  <a:srgbClr val="CC7832"/>
+                </a:solidFill>
+                <a:effectLst/>
+                <a:latin typeface="JetBrains Mono"/>
+              </a:rPr>
+              <a:t>;</a:t>
+            </a:r>
+            <a:br>
+              <a:rPr kumimoji="0" lang="en-US" altLang="en-US" sz="1400" b="0" i="0" u="none" strike="noStrike" cap="none" normalizeH="0" baseline="0" dirty="0">
+                <a:ln>
+                  <a:noFill/>
+                </a:ln>
+                <a:solidFill>
+                  <a:srgbClr val="CC7832"/>
+                </a:solidFill>
+                <a:effectLst/>
+                <a:latin typeface="JetBrains Mono"/>
+              </a:rPr>
+            </a:br>
+            <a:r>
+              <a:rPr kumimoji="0" lang="en-US" altLang="en-US" sz="1400" b="0" i="0" u="none" strike="noStrike" cap="none" normalizeH="0" baseline="0" dirty="0">
+                <a:ln>
+                  <a:noFill/>
+                </a:ln>
+                <a:solidFill>
+                  <a:srgbClr val="CC7832"/>
+                </a:solidFill>
+                <a:effectLst/>
+                <a:latin typeface="JetBrains Mono"/>
+              </a:rPr>
+              <a:t>int </a:t>
+            </a:r>
+            <a:r>
+              <a:rPr kumimoji="0" lang="en-US" altLang="en-US" sz="1400" b="0" i="0" u="none" strike="noStrike" cap="none" normalizeH="0" baseline="0" dirty="0" err="1">
+                <a:ln>
+                  <a:noFill/>
+                </a:ln>
+                <a:solidFill>
+                  <a:srgbClr val="FFC66D"/>
+                </a:solidFill>
+                <a:effectLst/>
+                <a:latin typeface="JetBrains Mono"/>
+              </a:rPr>
+              <a:t>getListIndex</a:t>
+            </a:r>
+            <a:r>
+              <a:rPr kumimoji="0" lang="en-US" altLang="en-US" sz="1400" b="0" i="0" u="none" strike="noStrike" cap="none" normalizeH="0" baseline="0" dirty="0">
+                <a:ln>
+                  <a:noFill/>
+                </a:ln>
+                <a:effectLst/>
+                <a:latin typeface="JetBrains Mono"/>
+              </a:rPr>
+              <a:t>()</a:t>
+            </a:r>
+            <a:r>
+              <a:rPr kumimoji="0" lang="en-US" altLang="en-US" sz="1400" b="0" i="0" u="none" strike="noStrike" cap="none" normalizeH="0" baseline="0" dirty="0">
+                <a:ln>
+                  <a:noFill/>
+                </a:ln>
+                <a:solidFill>
+                  <a:srgbClr val="CC7832"/>
+                </a:solidFill>
+                <a:effectLst/>
+                <a:latin typeface="JetBrains Mono"/>
+              </a:rPr>
+              <a:t>;</a:t>
+            </a:r>
+            <a:br>
+              <a:rPr kumimoji="0" lang="en-US" altLang="en-US" sz="1400" b="0" i="0" u="none" strike="noStrike" cap="none" normalizeH="0" baseline="0" dirty="0">
+                <a:ln>
+                  <a:noFill/>
+                </a:ln>
+                <a:solidFill>
+                  <a:srgbClr val="CC7832"/>
+                </a:solidFill>
+                <a:effectLst/>
+                <a:latin typeface="JetBrains Mono"/>
+              </a:rPr>
+            </a:br>
+            <a:r>
+              <a:rPr kumimoji="0" lang="en-US" altLang="en-US" sz="1400" b="0" i="0" u="none" strike="noStrike" cap="none" normalizeH="0" baseline="0" dirty="0">
+                <a:ln>
+                  <a:noFill/>
+                </a:ln>
+                <a:solidFill>
+                  <a:srgbClr val="CC7832"/>
+                </a:solidFill>
+                <a:effectLst/>
+                <a:latin typeface="JetBrains Mono"/>
+              </a:rPr>
+              <a:t>void </a:t>
+            </a:r>
+            <a:r>
+              <a:rPr kumimoji="0" lang="en-US" altLang="en-US" sz="1400" b="0" i="0" u="none" strike="noStrike" cap="none" normalizeH="0" baseline="0" dirty="0" err="1">
+                <a:ln>
+                  <a:noFill/>
+                </a:ln>
+                <a:solidFill>
+                  <a:srgbClr val="FFC66D"/>
+                </a:solidFill>
+                <a:effectLst/>
+                <a:latin typeface="JetBrains Mono"/>
+              </a:rPr>
+              <a:t>changeTokenListIndex</a:t>
+            </a:r>
+            <a:r>
+              <a:rPr kumimoji="0" lang="en-US" altLang="en-US" sz="1400" b="0" i="0" u="none" strike="noStrike" cap="none" normalizeH="0" baseline="0" dirty="0">
+                <a:ln>
+                  <a:noFill/>
+                </a:ln>
+                <a:effectLst/>
+                <a:latin typeface="JetBrains Mono"/>
+              </a:rPr>
+              <a:t>(</a:t>
+            </a:r>
+            <a:r>
+              <a:rPr kumimoji="0" lang="en-US" altLang="en-US" sz="1400" b="0" i="0" u="none" strike="noStrike" cap="none" normalizeH="0" baseline="0" dirty="0">
+                <a:ln>
+                  <a:noFill/>
+                </a:ln>
+                <a:solidFill>
+                  <a:srgbClr val="CC7832"/>
+                </a:solidFill>
+                <a:effectLst/>
+                <a:latin typeface="JetBrains Mono"/>
+              </a:rPr>
+              <a:t>int </a:t>
+            </a:r>
+            <a:r>
+              <a:rPr kumimoji="0" lang="en-US" altLang="en-US" sz="1400" b="0" i="0" u="none" strike="noStrike" cap="none" normalizeH="0" baseline="0" dirty="0">
+                <a:ln>
+                  <a:noFill/>
+                </a:ln>
+                <a:effectLst/>
+                <a:latin typeface="JetBrains Mono"/>
+              </a:rPr>
+              <a:t>index)</a:t>
+            </a:r>
+            <a:r>
+              <a:rPr kumimoji="0" lang="en-US" altLang="en-US" sz="1400" b="0" i="0" u="none" strike="noStrike" cap="none" normalizeH="0" baseline="0" dirty="0">
+                <a:ln>
+                  <a:noFill/>
+                </a:ln>
+                <a:solidFill>
+                  <a:srgbClr val="CC7832"/>
+                </a:solidFill>
+                <a:effectLst/>
+                <a:latin typeface="JetBrains Mono"/>
+              </a:rPr>
+              <a:t>;</a:t>
+            </a:r>
+            <a:br>
+              <a:rPr kumimoji="0" lang="en-US" altLang="en-US" sz="1400" b="0" i="0" u="none" strike="noStrike" cap="none" normalizeH="0" baseline="0" dirty="0">
+                <a:ln>
+                  <a:noFill/>
+                </a:ln>
+                <a:solidFill>
+                  <a:srgbClr val="CC7832"/>
+                </a:solidFill>
+                <a:effectLst/>
+                <a:latin typeface="JetBrains Mono"/>
+              </a:rPr>
+            </a:br>
+            <a:r>
+              <a:rPr kumimoji="0" lang="en-US" altLang="en-US" sz="1400" b="0" i="0" u="none" strike="noStrike" cap="none" normalizeH="0" baseline="0" dirty="0">
+                <a:ln>
+                  <a:noFill/>
+                </a:ln>
+                <a:solidFill>
+                  <a:srgbClr val="CC7832"/>
+                </a:solidFill>
+                <a:effectLst/>
+                <a:latin typeface="JetBrains Mono"/>
+              </a:rPr>
+              <a:t>void </a:t>
+            </a:r>
+            <a:r>
+              <a:rPr kumimoji="0" lang="en-US" altLang="en-US" sz="1400" b="0" i="0" u="none" strike="noStrike" cap="none" normalizeH="0" baseline="0" dirty="0" err="1">
+                <a:ln>
+                  <a:noFill/>
+                </a:ln>
+                <a:solidFill>
+                  <a:srgbClr val="FFC66D"/>
+                </a:solidFill>
+                <a:effectLst/>
+                <a:latin typeface="JetBrains Mono"/>
+              </a:rPr>
+              <a:t>previousTokenListIndex</a:t>
+            </a:r>
+            <a:r>
+              <a:rPr kumimoji="0" lang="en-US" altLang="en-US" sz="1400" b="0" i="0" u="none" strike="noStrike" cap="none" normalizeH="0" baseline="0" dirty="0">
+                <a:ln>
+                  <a:noFill/>
+                </a:ln>
+                <a:effectLst/>
+                <a:latin typeface="JetBrains Mono"/>
+              </a:rPr>
+              <a:t>()</a:t>
+            </a:r>
+            <a:r>
+              <a:rPr kumimoji="0" lang="en-US" altLang="en-US" sz="1400" b="0" i="0" u="none" strike="noStrike" cap="none" normalizeH="0" baseline="0" dirty="0">
+                <a:ln>
+                  <a:noFill/>
+                </a:ln>
+                <a:solidFill>
+                  <a:srgbClr val="CC7832"/>
+                </a:solidFill>
+                <a:effectLst/>
+                <a:latin typeface="JetBrains Mono"/>
+              </a:rPr>
+              <a:t>;</a:t>
+            </a:r>
+            <a:endParaRPr kumimoji="0" lang="en-US" altLang="en-US" sz="3200" b="0" i="0" u="none" strike="noStrike" cap="none" normalizeH="0" baseline="0" dirty="0">
+              <a:ln>
+                <a:noFill/>
+              </a:ln>
+              <a:solidFill>
+                <a:schemeClr val="tx1"/>
+              </a:solidFill>
+              <a:effectLst/>
+              <a:latin typeface="Arial" panose="020B0604020202020204" pitchFamily="34" charset="0"/>
+            </a:endParaRPr>
+          </a:p>
+        </p:txBody>
+      </p:sp>
+      <p:pic>
+        <p:nvPicPr>
+          <p:cNvPr id="5" name="Picture 4" descr="Text&#10;&#10;Description automatically generated">
+            <a:extLst>
+              <a:ext uri="{FF2B5EF4-FFF2-40B4-BE49-F238E27FC236}">
+                <a16:creationId xmlns:a16="http://schemas.microsoft.com/office/drawing/2014/main" id="{021BC90B-7798-78C7-B0A2-3D2A53104B89}"/>
+              </a:ext>
+            </a:extLst>
+          </p:cNvPr>
+          <p:cNvPicPr>
+            <a:picLocks noChangeAspect="1"/>
+          </p:cNvPicPr>
+          <p:nvPr/>
+        </p:nvPicPr>
+        <p:blipFill>
+          <a:blip r:embed="rId2">
+            <a:extLst>
+              <a:ext uri="{28A0092B-C50C-407E-A947-70E740481C1C}">
+                <a14:useLocalDpi xmlns:a14="http://schemas.microsoft.com/office/drawing/2010/main" val="0"/>
+              </a:ext>
+            </a:extLst>
+          </a:blip>
+          <a:stretch>
+            <a:fillRect/>
+          </a:stretch>
+        </p:blipFill>
+        <p:spPr>
+          <a:xfrm>
+            <a:off x="4894082" y="6099048"/>
+            <a:ext cx="2403835" cy="533593"/>
+          </a:xfrm>
+          <a:prstGeom prst="rect">
+            <a:avLst/>
+          </a:prstGeom>
+        </p:spPr>
+      </p:pic>
+    </p:spTree>
+    <p:extLst>
+      <p:ext uri="{BB962C8B-B14F-4D97-AF65-F5344CB8AC3E}">
+        <p14:creationId xmlns:p14="http://schemas.microsoft.com/office/powerpoint/2010/main" val="3321907384"/>
+      </p:ext>
+    </p:extLst>
+  </p:cSld>
+  <p:clrMapOvr>
+    <a:masterClrMapping/>
+  </p:clrMapOvr>
+  <mc:AlternateContent xmlns:mc="http://schemas.openxmlformats.org/markup-compatibility/2006">
+    <mc:Choice xmlns:p14="http://schemas.microsoft.com/office/powerpoint/2010/main" Requires="p14">
+      <p:transition spd="med" p14:dur="700">
+        <p:fade/>
+      </p:transition>
+    </mc:Choice>
+    <mc:Fallback>
+      <p:transition spd="med">
+        <p:fade/>
+      </p:transition>
+    </mc:Fallback>
+  </mc:AlternateContent>
+</p:sld>
+</file>
+
+<file path=ppt/slides/slide8.xml><?xml version="1.0" encoding="utf-8"?>
+<p:sld xmlns:a="http://schemas.openxmlformats.org/drawingml/2006/main" xmlns:r="http://schemas.openxmlformats.org/officeDocument/2006/relationships" xmlns:p="http://schemas.openxmlformats.org/presentationml/2006/main">
+  <p:cSld>
+    <p:spTree>
+      <p:nvGrpSpPr>
+        <p:cNvPr id="1" name=""/>
+        <p:cNvGrpSpPr/>
+        <p:nvPr/>
+      </p:nvGrpSpPr>
+      <p:grpSpPr>
+        <a:xfrm>
+          <a:off x="0" y="0"/>
+          <a:ext cx="0" cy="0"/>
+          <a:chOff x="0" y="0"/>
+          <a:chExt cx="0" cy="0"/>
+        </a:xfrm>
+      </p:grpSpPr>
+      <p:sp>
+        <p:nvSpPr>
+          <p:cNvPr id="2" name="Title 1">
+            <a:extLst>
+              <a:ext uri="{FF2B5EF4-FFF2-40B4-BE49-F238E27FC236}">
+                <a16:creationId xmlns:a16="http://schemas.microsoft.com/office/drawing/2014/main" id="{81E21040-7B6B-FDC1-FEA3-92A9394E98F3}"/>
               </a:ext>
             </a:extLst>
           </p:cNvPr>
@@ -10077,7 +14688,7 @@
           <p:cNvPr id="3" name="Content Placeholder 2">
             <a:extLst>
               <a:ext uri="{FF2B5EF4-FFF2-40B4-BE49-F238E27FC236}">
-                <a16:creationId xmlns:a16="http://schemas.microsoft.com/office/drawing/2014/main" xmlns="" id="{A2A6C9FE-2961-A1CC-41E8-91623E2D3540}"/>
+                <a16:creationId xmlns:a16="http://schemas.microsoft.com/office/drawing/2014/main" id="{A2A6C9FE-2961-A1CC-41E8-91623E2D3540}"/>
               </a:ext>
             </a:extLst>
           </p:cNvPr>
@@ -10187,7 +14798,7 @@
           <p:cNvPr id="4" name="Straight Arrow Connector 3">
             <a:extLst>
               <a:ext uri="{FF2B5EF4-FFF2-40B4-BE49-F238E27FC236}">
-                <a16:creationId xmlns:a16="http://schemas.microsoft.com/office/drawing/2014/main" xmlns="" id="{06A22AB0-017B-AB7A-BB15-AE016D6B1607}"/>
+                <a16:creationId xmlns:a16="http://schemas.microsoft.com/office/drawing/2014/main" id="{06A22AB0-017B-AB7A-BB15-AE016D6B1607}"/>
               </a:ext>
             </a:extLst>
           </p:cNvPr>
@@ -10229,7 +14840,7 @@
           <p:cNvPr id="5" name="Rectangle: Rounded Corners 4">
             <a:extLst>
               <a:ext uri="{FF2B5EF4-FFF2-40B4-BE49-F238E27FC236}">
-                <a16:creationId xmlns:a16="http://schemas.microsoft.com/office/drawing/2014/main" xmlns="" id="{B00BF04B-39A6-B2DC-1C67-BC7D9940876C}"/>
+                <a16:creationId xmlns:a16="http://schemas.microsoft.com/office/drawing/2014/main" id="{B00BF04B-39A6-B2DC-1C67-BC7D9940876C}"/>
               </a:ext>
             </a:extLst>
           </p:cNvPr>
@@ -10278,7 +14889,7 @@
           <p:cNvPr id="7" name="Straight Connector 6">
             <a:extLst>
               <a:ext uri="{FF2B5EF4-FFF2-40B4-BE49-F238E27FC236}">
-                <a16:creationId xmlns:a16="http://schemas.microsoft.com/office/drawing/2014/main" xmlns="" id="{57ADB25A-6683-E90F-0F66-16E933837C48}"/>
+                <a16:creationId xmlns:a16="http://schemas.microsoft.com/office/drawing/2014/main" id="{57ADB25A-6683-E90F-0F66-16E933837C48}"/>
               </a:ext>
             </a:extLst>
           </p:cNvPr>
@@ -10317,7 +14928,7 @@
           <p:cNvPr id="8" name="Rectangle 1">
             <a:extLst>
               <a:ext uri="{FF2B5EF4-FFF2-40B4-BE49-F238E27FC236}">
-                <a16:creationId xmlns:a16="http://schemas.microsoft.com/office/drawing/2014/main" xmlns="" id="{CD485443-55A2-7B47-3F02-29792DDB8210}"/>
+                <a16:creationId xmlns:a16="http://schemas.microsoft.com/office/drawing/2014/main" id="{CD485443-55A2-7B47-3F02-29792DDB8210}"/>
               </a:ext>
             </a:extLst>
           </p:cNvPr>
@@ -10892,7 +15503,7 @@
           <p:cNvPr id="9" name="Rectangle 2">
             <a:extLst>
               <a:ext uri="{FF2B5EF4-FFF2-40B4-BE49-F238E27FC236}">
-                <a16:creationId xmlns:a16="http://schemas.microsoft.com/office/drawing/2014/main" xmlns="" id="{0A514573-5007-73C6-0E77-308A84067623}"/>
+                <a16:creationId xmlns:a16="http://schemas.microsoft.com/office/drawing/2014/main" id="{0A514573-5007-73C6-0E77-308A84067623}"/>
               </a:ext>
             </a:extLst>
           </p:cNvPr>
@@ -10963,19 +15574,6 @@
               </a:rPr>
               <a:t>element{</a:t>
             </a:r>
-            <a:r>
-              <a:rPr kumimoji="0" lang="en-US" altLang="en-US" sz="1200" b="0" i="0" u="none" strike="noStrike" cap="none" normalizeH="0" baseline="0" dirty="0">
-                <a:ln>
-                  <a:noFill/>
-                </a:ln>
-                <a:solidFill>
-                  <a:srgbClr val="A9B7C6"/>
-                </a:solidFill>
-                <a:effectLst/>
-                <a:latin typeface="JetBrains Mono"/>
-              </a:rPr>
-              <a:t/>
-            </a:r>
             <a:br>
               <a:rPr kumimoji="0" lang="en-US" altLang="en-US" sz="1200" b="0" i="0" u="none" strike="noStrike" cap="none" normalizeH="0" baseline="0" dirty="0">
                 <a:ln>
@@ -11386,7 +15984,7 @@
           <p:cNvPr id="10" name="Rectangle 3">
             <a:extLst>
               <a:ext uri="{FF2B5EF4-FFF2-40B4-BE49-F238E27FC236}">
-                <a16:creationId xmlns:a16="http://schemas.microsoft.com/office/drawing/2014/main" xmlns="" id="{5D0ED91C-C8DF-85C5-1B1E-2354185CFEC7}"/>
+                <a16:creationId xmlns:a16="http://schemas.microsoft.com/office/drawing/2014/main" id="{5D0ED91C-C8DF-85C5-1B1E-2354185CFEC7}"/>
               </a:ext>
             </a:extLst>
           </p:cNvPr>
@@ -11662,7 +16260,7 @@
           <p:cNvPr id="11" name="Rectangle 4">
             <a:extLst>
               <a:ext uri="{FF2B5EF4-FFF2-40B4-BE49-F238E27FC236}">
-                <a16:creationId xmlns:a16="http://schemas.microsoft.com/office/drawing/2014/main" xmlns="" id="{6F690265-0DF5-ABFA-F2EF-7F4304C35C91}"/>
+                <a16:creationId xmlns:a16="http://schemas.microsoft.com/office/drawing/2014/main" id="{6F690265-0DF5-ABFA-F2EF-7F4304C35C91}"/>
               </a:ext>
             </a:extLst>
           </p:cNvPr>
@@ -11743,19 +16341,6 @@
               </a:rPr>
               <a:t>{</a:t>
             </a:r>
-            <a:r>
-              <a:rPr kumimoji="0" lang="en-US" altLang="en-US" sz="1200" b="0" i="0" u="none" strike="noStrike" cap="none" normalizeH="0" baseline="0" dirty="0">
-                <a:ln>
-                  <a:noFill/>
-                </a:ln>
-                <a:solidFill>
-                  <a:srgbClr val="A9B7C6"/>
-                </a:solidFill>
-                <a:effectLst/>
-                <a:latin typeface="JetBrains Mono"/>
-              </a:rPr>
-              <a:t/>
-            </a:r>
             <a:br>
               <a:rPr kumimoji="0" lang="en-US" altLang="en-US" sz="1200" b="0" i="0" u="none" strike="noStrike" cap="none" normalizeH="0" baseline="0" dirty="0">
                 <a:ln>
@@ -11962,6 +16547,42 @@
           </a:p>
         </p:txBody>
       </p:sp>
+      <p:pic>
+        <p:nvPicPr>
+          <p:cNvPr id="6" name="Picture 5" descr="Text&#10;&#10;Description automatically generated">
+            <a:extLst>
+              <a:ext uri="{FF2B5EF4-FFF2-40B4-BE49-F238E27FC236}">
+                <a16:creationId xmlns:a16="http://schemas.microsoft.com/office/drawing/2014/main" id="{5765153C-2F08-5835-59D3-DC6203AAF47B}"/>
+              </a:ext>
+            </a:extLst>
+          </p:cNvPr>
+          <p:cNvPicPr>
+            <a:picLocks noChangeAspect="1"/>
+          </p:cNvPicPr>
+          <p:nvPr/>
+        </p:nvPicPr>
+        <p:blipFill>
+          <a:blip r:embed="rId2">
+            <a:extLst>
+              <a:ext uri="{28A0092B-C50C-407E-A947-70E740481C1C}">
+                <a14:useLocalDpi xmlns:a14="http://schemas.microsoft.com/office/drawing/2010/main" val="0"/>
+              </a:ext>
+            </a:extLst>
+          </a:blip>
+          <a:stretch>
+            <a:fillRect/>
+          </a:stretch>
+        </p:blipFill>
+        <p:spPr>
+          <a:xfrm>
+            <a:off x="4894082" y="6099048"/>
+            <a:ext cx="2403835" cy="533593"/>
+          </a:xfrm>
+          <a:prstGeom prst="rect">
+            <a:avLst/>
+          </a:prstGeom>
+        </p:spPr>
+      </p:pic>
     </p:spTree>
     <p:extLst>
       <p:ext uri="{BB962C8B-B14F-4D97-AF65-F5344CB8AC3E}">
@@ -12233,7 +16854,7 @@
 </p:sld>
 </file>
 
-<file path=ppt/slides/slide8.xml><?xml version="1.0" encoding="utf-8"?>
+<file path=ppt/slides/slide9.xml><?xml version="1.0" encoding="utf-8"?>
 <p:sld xmlns:a="http://schemas.openxmlformats.org/drawingml/2006/main" xmlns:r="http://schemas.openxmlformats.org/officeDocument/2006/relationships" xmlns:p="http://schemas.openxmlformats.org/presentationml/2006/main">
   <p:cSld>
     <p:spTree>
@@ -12255,7 +16876,7 @@
           <p:cNvPr id="2" name="Title 1">
             <a:extLst>
               <a:ext uri="{FF2B5EF4-FFF2-40B4-BE49-F238E27FC236}">
-                <a16:creationId xmlns:a16="http://schemas.microsoft.com/office/drawing/2014/main" xmlns="" id="{044969AA-B4A2-5E53-CFB6-920CB9C630C7}"/>
+                <a16:creationId xmlns:a16="http://schemas.microsoft.com/office/drawing/2014/main" id="{044969AA-B4A2-5E53-CFB6-920CB9C630C7}"/>
               </a:ext>
             </a:extLst>
           </p:cNvPr>
@@ -12292,7 +16913,7 @@
           <p:cNvPr id="3" name="Content Placeholder 2">
             <a:extLst>
               <a:ext uri="{FF2B5EF4-FFF2-40B4-BE49-F238E27FC236}">
-                <a16:creationId xmlns:a16="http://schemas.microsoft.com/office/drawing/2014/main" xmlns="" id="{974581DF-EB3B-6A12-91AB-A1E43297C12B}"/>
+                <a16:creationId xmlns:a16="http://schemas.microsoft.com/office/drawing/2014/main" id="{974581DF-EB3B-6A12-91AB-A1E43297C12B}"/>
               </a:ext>
             </a:extLst>
           </p:cNvPr>
@@ -12413,7 +17034,7 @@
           <p:cNvPr id="4" name="Straight Arrow Connector 3">
             <a:extLst>
               <a:ext uri="{FF2B5EF4-FFF2-40B4-BE49-F238E27FC236}">
-                <a16:creationId xmlns:a16="http://schemas.microsoft.com/office/drawing/2014/main" xmlns="" id="{D87F243F-F39B-AF2D-A320-5415C01BBABA}"/>
+                <a16:creationId xmlns:a16="http://schemas.microsoft.com/office/drawing/2014/main" id="{D87F243F-F39B-AF2D-A320-5415C01BBABA}"/>
               </a:ext>
             </a:extLst>
           </p:cNvPr>
@@ -12454,7 +17075,7 @@
           <p:cNvPr id="5" name="Rectangle: Rounded Corners 4">
             <a:extLst>
               <a:ext uri="{FF2B5EF4-FFF2-40B4-BE49-F238E27FC236}">
-                <a16:creationId xmlns:a16="http://schemas.microsoft.com/office/drawing/2014/main" xmlns="" id="{3AE20852-F46F-86B9-DEA7-1FED905130B2}"/>
+                <a16:creationId xmlns:a16="http://schemas.microsoft.com/office/drawing/2014/main" id="{3AE20852-F46F-86B9-DEA7-1FED905130B2}"/>
               </a:ext>
             </a:extLst>
           </p:cNvPr>
@@ -12503,7 +17124,7 @@
           <p:cNvPr id="6" name="Straight Connector 5">
             <a:extLst>
               <a:ext uri="{FF2B5EF4-FFF2-40B4-BE49-F238E27FC236}">
-                <a16:creationId xmlns:a16="http://schemas.microsoft.com/office/drawing/2014/main" xmlns="" id="{0FB16E30-E0FC-CB58-3A3D-CC5A1CF2A8CA}"/>
+                <a16:creationId xmlns:a16="http://schemas.microsoft.com/office/drawing/2014/main" id="{0FB16E30-E0FC-CB58-3A3D-CC5A1CF2A8CA}"/>
               </a:ext>
             </a:extLst>
           </p:cNvPr>
@@ -12543,7 +17164,7 @@
           <p:cNvPr id="9" name="Rectangle 1">
             <a:extLst>
               <a:ext uri="{FF2B5EF4-FFF2-40B4-BE49-F238E27FC236}">
-                <a16:creationId xmlns:a16="http://schemas.microsoft.com/office/drawing/2014/main" xmlns="" id="{EF2D3D1E-800F-DA8A-7081-DBD64A37D173}"/>
+                <a16:creationId xmlns:a16="http://schemas.microsoft.com/office/drawing/2014/main" id="{EF2D3D1E-800F-DA8A-7081-DBD64A37D173}"/>
               </a:ext>
             </a:extLst>
           </p:cNvPr>
@@ -12817,6 +17438,42 @@
           </a:p>
         </p:txBody>
       </p:sp>
+      <p:pic>
+        <p:nvPicPr>
+          <p:cNvPr id="7" name="Picture 6" descr="Text&#10;&#10;Description automatically generated">
+            <a:extLst>
+              <a:ext uri="{FF2B5EF4-FFF2-40B4-BE49-F238E27FC236}">
+                <a16:creationId xmlns:a16="http://schemas.microsoft.com/office/drawing/2014/main" id="{FD16D36F-F210-2AF0-E672-4020B925BE4A}"/>
+              </a:ext>
+            </a:extLst>
+          </p:cNvPr>
+          <p:cNvPicPr>
+            <a:picLocks noChangeAspect="1"/>
+          </p:cNvPicPr>
+          <p:nvPr/>
+        </p:nvPicPr>
+        <p:blipFill>
+          <a:blip r:embed="rId2">
+            <a:extLst>
+              <a:ext uri="{28A0092B-C50C-407E-A947-70E740481C1C}">
+                <a14:useLocalDpi xmlns:a14="http://schemas.microsoft.com/office/drawing/2010/main" val="0"/>
+              </a:ext>
+            </a:extLst>
+          </a:blip>
+          <a:stretch>
+            <a:fillRect/>
+          </a:stretch>
+        </p:blipFill>
+        <p:spPr>
+          <a:xfrm>
+            <a:off x="4894082" y="6099048"/>
+            <a:ext cx="2403835" cy="533593"/>
+          </a:xfrm>
+          <a:prstGeom prst="rect">
+            <a:avLst/>
+          </a:prstGeom>
+        </p:spPr>
+      </p:pic>
     </p:spTree>
     <p:extLst>
       <p:ext uri="{BB962C8B-B14F-4D97-AF65-F5344CB8AC3E}">
@@ -12914,1710 +17571,6 @@
     </p:tnLst>
     <p:bldLst>
       <p:bldP spid="9" grpId="0"/>
-    </p:bldLst>
-  </p:timing>
-</p:sld>
-</file>
-
-<file path=ppt/slides/slide9.xml><?xml version="1.0" encoding="utf-8"?>
-<p:sld xmlns:a="http://schemas.openxmlformats.org/drawingml/2006/main" xmlns:r="http://schemas.openxmlformats.org/officeDocument/2006/relationships" xmlns:p="http://schemas.openxmlformats.org/presentationml/2006/main">
-  <p:cSld>
-    <p:spTree>
-      <p:nvGrpSpPr>
-        <p:cNvPr id="1" name=""/>
-        <p:cNvGrpSpPr/>
-        <p:nvPr/>
-      </p:nvGrpSpPr>
-      <p:grpSpPr>
-        <a:xfrm>
-          <a:off x="0" y="0"/>
-          <a:ext cx="0" cy="0"/>
-          <a:chOff x="0" y="0"/>
-          <a:chExt cx="0" cy="0"/>
-        </a:xfrm>
-      </p:grpSpPr>
-      <p:sp>
-        <p:nvSpPr>
-          <p:cNvPr id="2" name="Title 1">
-            <a:extLst>
-              <a:ext uri="{FF2B5EF4-FFF2-40B4-BE49-F238E27FC236}">
-                <a16:creationId xmlns:a16="http://schemas.microsoft.com/office/drawing/2014/main" xmlns="" id="{DAC88135-4E2C-2B3D-5800-C6137FCC9255}"/>
-              </a:ext>
-            </a:extLst>
-          </p:cNvPr>
-          <p:cNvSpPr>
-            <a:spLocks noGrp="1"/>
-          </p:cNvSpPr>
-          <p:nvPr>
-            <p:ph type="title"/>
-          </p:nvPr>
-        </p:nvSpPr>
-        <p:spPr>
-          <a:xfrm>
-            <a:off x="2942378" y="286603"/>
-            <a:ext cx="8213302" cy="1450757"/>
-          </a:xfrm>
-        </p:spPr>
-        <p:txBody>
-          <a:bodyPr/>
-          <a:lstStyle/>
-          <a:p>
-            <a:r>
-              <a:rPr lang="en-US" dirty="0" err="1"/>
-              <a:t>Sémantická</a:t>
-            </a:r>
-            <a:r>
-              <a:rPr lang="en-US" dirty="0"/>
-              <a:t> </a:t>
-            </a:r>
-            <a:r>
-              <a:rPr lang="en-US" dirty="0" err="1"/>
-              <a:t>analýza</a:t>
-            </a:r>
-            <a:endParaRPr lang="en-US" dirty="0"/>
-          </a:p>
-        </p:txBody>
-      </p:sp>
-      <p:sp>
-        <p:nvSpPr>
-          <p:cNvPr id="3" name="Content Placeholder 2">
-            <a:extLst>
-              <a:ext uri="{FF2B5EF4-FFF2-40B4-BE49-F238E27FC236}">
-                <a16:creationId xmlns:a16="http://schemas.microsoft.com/office/drawing/2014/main" xmlns="" id="{CEF10E60-1972-8373-0966-0C63323D82F4}"/>
-              </a:ext>
-            </a:extLst>
-          </p:cNvPr>
-          <p:cNvSpPr>
-            <a:spLocks noGrp="1"/>
-          </p:cNvSpPr>
-          <p:nvPr>
-            <p:ph idx="1"/>
-          </p:nvPr>
-        </p:nvSpPr>
-        <p:spPr>
-          <a:xfrm>
-            <a:off x="2942378" y="1845734"/>
-            <a:ext cx="8213301" cy="4023360"/>
-          </a:xfrm>
-        </p:spPr>
-        <p:txBody>
-          <a:bodyPr/>
-          <a:lstStyle/>
-          <a:p>
-            <a:pPr>
-              <a:buFont typeface="Arial" panose="020B0604020202020204" pitchFamily="34" charset="0"/>
-              <a:buChar char="•"/>
-            </a:pPr>
-            <a:r>
-              <a:rPr lang="en-US" dirty="0"/>
-              <a:t> Z TRP </a:t>
-            </a:r>
-            <a:r>
-              <a:rPr lang="en-US" dirty="0" err="1"/>
-              <a:t>berieme</a:t>
-            </a:r>
-            <a:r>
-              <a:rPr lang="en-US" dirty="0"/>
-              <a:t> element a </a:t>
-            </a:r>
-            <a:r>
-              <a:rPr lang="en-US" dirty="0" err="1"/>
-              <a:t>robíme</a:t>
-            </a:r>
-            <a:r>
-              <a:rPr lang="en-US" dirty="0"/>
-              <a:t> </a:t>
-            </a:r>
-            <a:r>
-              <a:rPr lang="en-US" dirty="0" err="1"/>
-              <a:t>sémantikcú</a:t>
-            </a:r>
-            <a:r>
-              <a:rPr lang="en-US" dirty="0"/>
-              <a:t> </a:t>
-            </a:r>
-            <a:r>
-              <a:rPr lang="en-US" dirty="0" err="1"/>
-              <a:t>analýzu</a:t>
-            </a:r>
-            <a:r>
-              <a:rPr lang="en-US" dirty="0"/>
-              <a:t> </a:t>
-            </a:r>
-            <a:r>
-              <a:rPr lang="en-US" dirty="0" err="1"/>
-              <a:t>na</a:t>
-            </a:r>
-            <a:r>
-              <a:rPr lang="en-US" dirty="0"/>
-              <a:t> </a:t>
-            </a:r>
-            <a:r>
-              <a:rPr lang="en-US" dirty="0" err="1"/>
-              <a:t>každú</a:t>
-            </a:r>
-            <a:r>
-              <a:rPr lang="en-US" dirty="0"/>
-              <a:t> </a:t>
-            </a:r>
-            <a:r>
-              <a:rPr lang="en-US" dirty="0" err="1"/>
-              <a:t>jeho</a:t>
-            </a:r>
-            <a:r>
-              <a:rPr lang="en-US" dirty="0"/>
-              <a:t> </a:t>
-            </a:r>
-            <a:r>
-              <a:rPr lang="en-US" dirty="0" err="1"/>
-              <a:t>časť</a:t>
-            </a:r>
-            <a:endParaRPr lang="en-US" dirty="0"/>
-          </a:p>
-          <a:p>
-            <a:pPr>
-              <a:buFont typeface="Arial" panose="020B0604020202020204" pitchFamily="34" charset="0"/>
-              <a:buChar char="•"/>
-            </a:pPr>
-            <a:endParaRPr lang="en-US" dirty="0"/>
-          </a:p>
-          <a:p>
-            <a:pPr>
-              <a:buFont typeface="Arial" panose="020B0604020202020204" pitchFamily="34" charset="0"/>
-              <a:buChar char="•"/>
-            </a:pPr>
-            <a:endParaRPr lang="en-US" dirty="0"/>
-          </a:p>
-          <a:p>
-            <a:pPr>
-              <a:buFont typeface="Arial" panose="020B0604020202020204" pitchFamily="34" charset="0"/>
-              <a:buChar char="•"/>
-            </a:pPr>
-            <a:endParaRPr lang="en-US" dirty="0"/>
-          </a:p>
-          <a:p>
-            <a:pPr>
-              <a:buFont typeface="Arial" panose="020B0604020202020204" pitchFamily="34" charset="0"/>
-              <a:buChar char="•"/>
-            </a:pPr>
-            <a:endParaRPr lang="en-US" dirty="0"/>
-          </a:p>
-          <a:p>
-            <a:pPr>
-              <a:buFont typeface="Arial" panose="020B0604020202020204" pitchFamily="34" charset="0"/>
-              <a:buChar char="•"/>
-            </a:pPr>
-            <a:r>
-              <a:rPr lang="en-US" dirty="0"/>
-              <a:t> V </a:t>
-            </a:r>
-            <a:r>
-              <a:rPr lang="en-US" dirty="0" err="1"/>
-              <a:t>prípade</a:t>
-            </a:r>
-            <a:r>
-              <a:rPr lang="en-US" dirty="0"/>
-              <a:t> </a:t>
-            </a:r>
-            <a:r>
-              <a:rPr lang="en-US" dirty="0" err="1"/>
-              <a:t>potreby</a:t>
-            </a:r>
-            <a:r>
-              <a:rPr lang="en-US" dirty="0"/>
-              <a:t> </a:t>
-            </a:r>
-            <a:r>
-              <a:rPr lang="en-US" dirty="0" err="1"/>
-              <a:t>používame</a:t>
-            </a:r>
-            <a:r>
-              <a:rPr lang="en-US" dirty="0"/>
-              <a:t> </a:t>
-            </a:r>
-            <a:r>
-              <a:rPr lang="en-US" dirty="0" err="1"/>
-              <a:t>pomocné</a:t>
-            </a:r>
-            <a:r>
-              <a:rPr lang="en-US" dirty="0"/>
-              <a:t> </a:t>
-            </a:r>
-            <a:r>
-              <a:rPr lang="en-US" dirty="0" err="1"/>
-              <a:t>funkcie</a:t>
-            </a:r>
-            <a:endParaRPr lang="en-US" dirty="0"/>
-          </a:p>
-        </p:txBody>
-      </p:sp>
-      <p:cxnSp>
-        <p:nvCxnSpPr>
-          <p:cNvPr id="4" name="Straight Arrow Connector 3">
-            <a:extLst>
-              <a:ext uri="{FF2B5EF4-FFF2-40B4-BE49-F238E27FC236}">
-                <a16:creationId xmlns:a16="http://schemas.microsoft.com/office/drawing/2014/main" xmlns="" id="{DAB6F210-A74D-FCA9-9374-05BFF4295FA5}"/>
-              </a:ext>
-            </a:extLst>
-          </p:cNvPr>
-          <p:cNvCxnSpPr>
-            <a:cxnSpLocks/>
-            <a:endCxn id="5" idx="0"/>
-          </p:cNvCxnSpPr>
-          <p:nvPr/>
-        </p:nvCxnSpPr>
-        <p:spPr>
-          <a:xfrm>
-            <a:off x="1734485" y="0"/>
-            <a:ext cx="0" cy="2158086"/>
-          </a:xfrm>
-          <a:prstGeom prst="straightConnector1">
-            <a:avLst/>
-          </a:prstGeom>
-          <a:ln w="76200">
-            <a:tailEnd type="triangle"/>
-          </a:ln>
-        </p:spPr>
-        <p:style>
-          <a:lnRef idx="3">
-            <a:schemeClr val="dk1"/>
-          </a:lnRef>
-          <a:fillRef idx="0">
-            <a:schemeClr val="dk1"/>
-          </a:fillRef>
-          <a:effectRef idx="2">
-            <a:schemeClr val="dk1"/>
-          </a:effectRef>
-          <a:fontRef idx="minor">
-            <a:schemeClr val="tx1"/>
-          </a:fontRef>
-        </p:style>
-      </p:cxnSp>
-      <p:sp>
-        <p:nvSpPr>
-          <p:cNvPr id="5" name="Flowchart: Decision 4">
-            <a:extLst>
-              <a:ext uri="{FF2B5EF4-FFF2-40B4-BE49-F238E27FC236}">
-                <a16:creationId xmlns:a16="http://schemas.microsoft.com/office/drawing/2014/main" xmlns="" id="{9035F389-FBCA-7C3F-9485-4800DDBD67C4}"/>
-              </a:ext>
-            </a:extLst>
-          </p:cNvPr>
-          <p:cNvSpPr/>
-          <p:nvPr/>
-        </p:nvSpPr>
-        <p:spPr>
-          <a:xfrm>
-            <a:off x="582859" y="2158086"/>
-            <a:ext cx="2303252" cy="1948088"/>
-          </a:xfrm>
-          <a:prstGeom prst="flowChartDecision">
-            <a:avLst/>
-          </a:prstGeom>
-        </p:spPr>
-        <p:style>
-          <a:lnRef idx="2">
-            <a:schemeClr val="accent1">
-              <a:shade val="50000"/>
-            </a:schemeClr>
-          </a:lnRef>
-          <a:fillRef idx="1">
-            <a:schemeClr val="accent1"/>
-          </a:fillRef>
-          <a:effectRef idx="0">
-            <a:schemeClr val="accent1"/>
-          </a:effectRef>
-          <a:fontRef idx="minor">
-            <a:schemeClr val="lt1"/>
-          </a:fontRef>
-        </p:style>
-        <p:txBody>
-          <a:bodyPr rtlCol="0" anchor="ctr"/>
-          <a:lstStyle/>
-          <a:p>
-            <a:pPr algn="ctr"/>
-            <a:r>
-              <a:rPr lang="en-US" sz="1400" dirty="0"/>
-              <a:t>SÉMANTICKÁ ANALÝZA</a:t>
-            </a:r>
-          </a:p>
-        </p:txBody>
-      </p:sp>
-      <p:cxnSp>
-        <p:nvCxnSpPr>
-          <p:cNvPr id="13" name="Straight Connector 12">
-            <a:extLst>
-              <a:ext uri="{FF2B5EF4-FFF2-40B4-BE49-F238E27FC236}">
-                <a16:creationId xmlns:a16="http://schemas.microsoft.com/office/drawing/2014/main" xmlns="" id="{2ADD085C-2AD1-3647-0FEE-04A6798A8758}"/>
-              </a:ext>
-            </a:extLst>
-          </p:cNvPr>
-          <p:cNvCxnSpPr>
-            <a:cxnSpLocks/>
-          </p:cNvCxnSpPr>
-          <p:nvPr/>
-        </p:nvCxnSpPr>
-        <p:spPr>
-          <a:xfrm>
-            <a:off x="1734485" y="4106174"/>
-            <a:ext cx="0" cy="2751826"/>
-          </a:xfrm>
-          <a:prstGeom prst="line">
-            <a:avLst/>
-          </a:prstGeom>
-          <a:ln w="76200"/>
-        </p:spPr>
-        <p:style>
-          <a:lnRef idx="1">
-            <a:schemeClr val="dk1"/>
-          </a:lnRef>
-          <a:fillRef idx="0">
-            <a:schemeClr val="dk1"/>
-          </a:fillRef>
-          <a:effectRef idx="0">
-            <a:schemeClr val="dk1"/>
-          </a:effectRef>
-          <a:fontRef idx="minor">
-            <a:schemeClr val="tx1"/>
-          </a:fontRef>
-        </p:style>
-      </p:cxnSp>
-      <p:sp>
-        <p:nvSpPr>
-          <p:cNvPr id="16" name="Rectangle 1">
-            <a:extLst>
-              <a:ext uri="{FF2B5EF4-FFF2-40B4-BE49-F238E27FC236}">
-                <a16:creationId xmlns:a16="http://schemas.microsoft.com/office/drawing/2014/main" xmlns="" id="{5CC5A937-B23E-29C5-0B29-79267BA6F84B}"/>
-              </a:ext>
-            </a:extLst>
-          </p:cNvPr>
-          <p:cNvSpPr>
-            <a:spLocks noChangeArrowheads="1"/>
-          </p:cNvSpPr>
-          <p:nvPr/>
-        </p:nvSpPr>
-        <p:spPr bwMode="auto">
-          <a:xfrm>
-            <a:off x="3060070" y="2224379"/>
-            <a:ext cx="5450185" cy="1569660"/>
-          </a:xfrm>
-          <a:prstGeom prst="rect">
-            <a:avLst/>
-          </a:prstGeom>
-          <a:noFill/>
-          <a:ln>
-            <a:noFill/>
-          </a:ln>
-          <a:effectLst/>
-        </p:spPr>
-        <p:txBody>
-          <a:bodyPr vert="horz" wrap="square" lIns="91440" tIns="45720" rIns="91440" bIns="45720" numCol="1" anchor="ctr" anchorCtr="0" compatLnSpc="1">
-            <a:prstTxWarp prst="textNoShape">
-              <a:avLst/>
-            </a:prstTxWarp>
-            <a:spAutoFit/>
-          </a:bodyPr>
-          <a:lstStyle/>
-          <a:p>
-            <a:pPr marL="0" marR="0" lvl="0" indent="0" algn="l" defTabSz="914400" rtl="0" eaLnBrk="0" fontAlgn="base" latinLnBrk="0" hangingPunct="0">
-              <a:lnSpc>
-                <a:spcPct val="100000"/>
-              </a:lnSpc>
-              <a:spcBef>
-                <a:spcPct val="0"/>
-              </a:spcBef>
-              <a:spcAft>
-                <a:spcPct val="0"/>
-              </a:spcAft>
-              <a:buClrTx/>
-              <a:buSzTx/>
-              <a:buFontTx/>
-              <a:buNone/>
-              <a:tabLst/>
-            </a:pPr>
-            <a:r>
-              <a:rPr kumimoji="0" lang="en-US" altLang="en-US" sz="1200" b="0" i="0" u="none" strike="noStrike" cap="none" normalizeH="0" baseline="0" dirty="0">
-                <a:ln>
-                  <a:noFill/>
-                </a:ln>
-                <a:solidFill>
-                  <a:srgbClr val="CC7832"/>
-                </a:solidFill>
-                <a:effectLst/>
-                <a:latin typeface="JetBrains Mono"/>
-              </a:rPr>
-              <a:t>void </a:t>
-            </a:r>
-            <a:r>
-              <a:rPr kumimoji="0" lang="en-US" altLang="en-US" sz="1200" b="0" i="0" u="none" strike="noStrike" cap="none" normalizeH="0" baseline="0" dirty="0" err="1">
-                <a:ln>
-                  <a:noFill/>
-                </a:ln>
-                <a:solidFill>
-                  <a:srgbClr val="FFC66D"/>
-                </a:solidFill>
-                <a:effectLst/>
-                <a:latin typeface="JetBrains Mono"/>
-              </a:rPr>
-              <a:t>check_var_calls</a:t>
-            </a:r>
-            <a:r>
-              <a:rPr kumimoji="0" lang="en-US" altLang="en-US" sz="1200" b="0" i="0" u="none" strike="noStrike" cap="none" normalizeH="0" baseline="0" dirty="0">
-                <a:ln>
-                  <a:noFill/>
-                </a:ln>
-                <a:effectLst/>
-                <a:latin typeface="JetBrains Mono"/>
-              </a:rPr>
-              <a:t>(</a:t>
-            </a:r>
-            <a:r>
-              <a:rPr kumimoji="0" lang="en-US" altLang="en-US" sz="1200" b="0" i="0" u="none" strike="noStrike" cap="none" normalizeH="0" baseline="0" dirty="0" err="1">
-                <a:ln>
-                  <a:noFill/>
-                </a:ln>
-                <a:effectLst/>
-                <a:latin typeface="JetBrains Mono"/>
-              </a:rPr>
-              <a:t>ht_table_t</a:t>
-            </a:r>
-            <a:r>
-              <a:rPr kumimoji="0" lang="en-US" altLang="en-US" sz="1200" b="0" i="0" u="none" strike="noStrike" cap="none" normalizeH="0" baseline="0" dirty="0">
-                <a:ln>
-                  <a:noFill/>
-                </a:ln>
-                <a:effectLst/>
-                <a:latin typeface="JetBrains Mono"/>
-              </a:rPr>
-              <a:t> *table</a:t>
-            </a:r>
-            <a:r>
-              <a:rPr kumimoji="0" lang="en-US" altLang="en-US" sz="1200" b="0" i="0" u="none" strike="noStrike" cap="none" normalizeH="0" baseline="0" dirty="0">
-                <a:ln>
-                  <a:noFill/>
-                </a:ln>
-                <a:solidFill>
-                  <a:srgbClr val="CC7832"/>
-                </a:solidFill>
-                <a:effectLst/>
-                <a:latin typeface="JetBrains Mono"/>
-              </a:rPr>
-              <a:t>, </a:t>
-            </a:r>
-            <a:r>
-              <a:rPr kumimoji="0" lang="en-US" altLang="en-US" sz="1200" b="0" i="0" u="none" strike="noStrike" cap="none" normalizeH="0" baseline="0" dirty="0">
-                <a:ln>
-                  <a:noFill/>
-                </a:ln>
-                <a:effectLst/>
-                <a:latin typeface="JetBrains Mono"/>
-              </a:rPr>
-              <a:t>element e</a:t>
-            </a:r>
-            <a:r>
-              <a:rPr kumimoji="0" lang="en-US" altLang="en-US" sz="1200" b="0" i="0" u="none" strike="noStrike" cap="none" normalizeH="0" baseline="0" dirty="0">
-                <a:ln>
-                  <a:noFill/>
-                </a:ln>
-                <a:solidFill>
-                  <a:srgbClr val="CC7832"/>
-                </a:solidFill>
-                <a:effectLst/>
-                <a:latin typeface="JetBrains Mono"/>
-              </a:rPr>
-              <a:t>, int </a:t>
-            </a:r>
-            <a:r>
-              <a:rPr kumimoji="0" lang="en-US" altLang="en-US" sz="1200" b="0" i="0" u="none" strike="noStrike" cap="none" normalizeH="0" baseline="0" dirty="0">
-                <a:ln>
-                  <a:noFill/>
-                </a:ln>
-                <a:effectLst/>
-                <a:latin typeface="JetBrains Mono"/>
-              </a:rPr>
-              <a:t>key)</a:t>
-            </a:r>
-            <a:r>
-              <a:rPr kumimoji="0" lang="en-US" altLang="en-US" sz="1200" b="0" i="0" u="none" strike="noStrike" cap="none" normalizeH="0" baseline="0" dirty="0">
-                <a:ln>
-                  <a:noFill/>
-                </a:ln>
-                <a:solidFill>
-                  <a:srgbClr val="CC7832"/>
-                </a:solidFill>
-                <a:effectLst/>
-                <a:latin typeface="JetBrains Mono"/>
-              </a:rPr>
-              <a:t>;</a:t>
-            </a:r>
-            <a:br>
-              <a:rPr kumimoji="0" lang="en-US" altLang="en-US" sz="1200" b="0" i="0" u="none" strike="noStrike" cap="none" normalizeH="0" baseline="0" dirty="0">
-                <a:ln>
-                  <a:noFill/>
-                </a:ln>
-                <a:solidFill>
-                  <a:srgbClr val="CC7832"/>
-                </a:solidFill>
-                <a:effectLst/>
-                <a:latin typeface="JetBrains Mono"/>
-              </a:rPr>
-            </a:br>
-            <a:r>
-              <a:rPr kumimoji="0" lang="en-US" altLang="en-US" sz="1200" b="0" i="0" u="none" strike="noStrike" cap="none" normalizeH="0" baseline="0" dirty="0">
-                <a:ln>
-                  <a:noFill/>
-                </a:ln>
-                <a:solidFill>
-                  <a:srgbClr val="CC7832"/>
-                </a:solidFill>
-                <a:effectLst/>
-                <a:latin typeface="JetBrains Mono"/>
-              </a:rPr>
-              <a:t>void </a:t>
-            </a:r>
-            <a:r>
-              <a:rPr kumimoji="0" lang="en-US" altLang="en-US" sz="1200" b="0" i="0" u="none" strike="noStrike" cap="none" normalizeH="0" baseline="0" dirty="0" err="1">
-                <a:ln>
-                  <a:noFill/>
-                </a:ln>
-                <a:solidFill>
-                  <a:srgbClr val="FFC66D"/>
-                </a:solidFill>
-                <a:effectLst/>
-                <a:latin typeface="JetBrains Mono"/>
-              </a:rPr>
-              <a:t>check_args_name</a:t>
-            </a:r>
-            <a:r>
-              <a:rPr kumimoji="0" lang="en-US" altLang="en-US" sz="1200" b="0" i="0" u="none" strike="noStrike" cap="none" normalizeH="0" baseline="0" dirty="0">
-                <a:ln>
-                  <a:noFill/>
-                </a:ln>
-                <a:effectLst/>
-                <a:latin typeface="JetBrains Mono"/>
-              </a:rPr>
-              <a:t>(element e)</a:t>
-            </a:r>
-            <a:r>
-              <a:rPr kumimoji="0" lang="en-US" altLang="en-US" sz="1200" b="0" i="0" u="none" strike="noStrike" cap="none" normalizeH="0" baseline="0" dirty="0">
-                <a:ln>
-                  <a:noFill/>
-                </a:ln>
-                <a:solidFill>
-                  <a:srgbClr val="CC7832"/>
-                </a:solidFill>
-                <a:effectLst/>
-                <a:latin typeface="JetBrains Mono"/>
-              </a:rPr>
-              <a:t>;</a:t>
-            </a:r>
-            <a:br>
-              <a:rPr kumimoji="0" lang="en-US" altLang="en-US" sz="1200" b="0" i="0" u="none" strike="noStrike" cap="none" normalizeH="0" baseline="0" dirty="0">
-                <a:ln>
-                  <a:noFill/>
-                </a:ln>
-                <a:solidFill>
-                  <a:srgbClr val="CC7832"/>
-                </a:solidFill>
-                <a:effectLst/>
-                <a:latin typeface="JetBrains Mono"/>
-              </a:rPr>
-            </a:br>
-            <a:r>
-              <a:rPr kumimoji="0" lang="en-US" altLang="en-US" sz="1200" b="0" i="0" u="none" strike="noStrike" cap="none" normalizeH="0" baseline="0" dirty="0">
-                <a:ln>
-                  <a:noFill/>
-                </a:ln>
-                <a:solidFill>
-                  <a:srgbClr val="CC7832"/>
-                </a:solidFill>
-                <a:effectLst/>
-                <a:latin typeface="JetBrains Mono"/>
-              </a:rPr>
-              <a:t>void </a:t>
-            </a:r>
-            <a:r>
-              <a:rPr kumimoji="0" lang="en-US" altLang="en-US" sz="1200" b="0" i="0" u="none" strike="noStrike" cap="none" normalizeH="0" baseline="0" dirty="0" err="1">
-                <a:ln>
-                  <a:noFill/>
-                </a:ln>
-                <a:solidFill>
-                  <a:srgbClr val="FFC66D"/>
-                </a:solidFill>
-                <a:effectLst/>
-                <a:latin typeface="JetBrains Mono"/>
-              </a:rPr>
-              <a:t>semControl</a:t>
-            </a:r>
-            <a:r>
-              <a:rPr kumimoji="0" lang="en-US" altLang="en-US" sz="1200" b="0" i="0" u="none" strike="noStrike" cap="none" normalizeH="0" baseline="0" dirty="0">
-                <a:ln>
-                  <a:noFill/>
-                </a:ln>
-                <a:effectLst/>
-                <a:latin typeface="JetBrains Mono"/>
-              </a:rPr>
-              <a:t>(</a:t>
-            </a:r>
-            <a:r>
-              <a:rPr kumimoji="0" lang="en-US" altLang="en-US" sz="1200" b="0" i="0" u="none" strike="noStrike" cap="none" normalizeH="0" baseline="0" dirty="0" err="1">
-                <a:ln>
-                  <a:noFill/>
-                </a:ln>
-                <a:effectLst/>
-                <a:latin typeface="JetBrains Mono"/>
-              </a:rPr>
-              <a:t>ht_table_t</a:t>
-            </a:r>
-            <a:r>
-              <a:rPr kumimoji="0" lang="en-US" altLang="en-US" sz="1200" b="0" i="0" u="none" strike="noStrike" cap="none" normalizeH="0" baseline="0" dirty="0">
-                <a:ln>
-                  <a:noFill/>
-                </a:ln>
-                <a:effectLst/>
-                <a:latin typeface="JetBrains Mono"/>
-              </a:rPr>
-              <a:t> *table</a:t>
-            </a:r>
-            <a:r>
-              <a:rPr kumimoji="0" lang="en-US" altLang="en-US" sz="1200" b="0" i="0" u="none" strike="noStrike" cap="none" normalizeH="0" baseline="0" dirty="0">
-                <a:ln>
-                  <a:noFill/>
-                </a:ln>
-                <a:solidFill>
-                  <a:srgbClr val="CC7832"/>
-                </a:solidFill>
-                <a:effectLst/>
-                <a:latin typeface="JetBrains Mono"/>
-              </a:rPr>
-              <a:t>, int </a:t>
-            </a:r>
-            <a:r>
-              <a:rPr kumimoji="0" lang="en-US" altLang="en-US" sz="1200" b="0" i="0" u="none" strike="noStrike" cap="none" normalizeH="0" baseline="0" dirty="0">
-                <a:ln>
-                  <a:noFill/>
-                </a:ln>
-                <a:effectLst/>
-                <a:latin typeface="JetBrains Mono"/>
-              </a:rPr>
-              <a:t>key)</a:t>
-            </a:r>
-            <a:r>
-              <a:rPr kumimoji="0" lang="en-US" altLang="en-US" sz="1200" b="0" i="0" u="none" strike="noStrike" cap="none" normalizeH="0" baseline="0" dirty="0">
-                <a:ln>
-                  <a:noFill/>
-                </a:ln>
-                <a:solidFill>
-                  <a:srgbClr val="CC7832"/>
-                </a:solidFill>
-                <a:effectLst/>
-                <a:latin typeface="JetBrains Mono"/>
-              </a:rPr>
-              <a:t>;</a:t>
-            </a:r>
-            <a:br>
-              <a:rPr kumimoji="0" lang="en-US" altLang="en-US" sz="1200" b="0" i="0" u="none" strike="noStrike" cap="none" normalizeH="0" baseline="0" dirty="0">
-                <a:ln>
-                  <a:noFill/>
-                </a:ln>
-                <a:solidFill>
-                  <a:srgbClr val="CC7832"/>
-                </a:solidFill>
-                <a:effectLst/>
-                <a:latin typeface="JetBrains Mono"/>
-              </a:rPr>
-            </a:br>
-            <a:r>
-              <a:rPr kumimoji="0" lang="en-US" altLang="en-US" sz="1200" b="0" i="0" u="none" strike="noStrike" cap="none" normalizeH="0" baseline="0" dirty="0">
-                <a:ln>
-                  <a:noFill/>
-                </a:ln>
-                <a:solidFill>
-                  <a:srgbClr val="CC7832"/>
-                </a:solidFill>
-                <a:effectLst/>
-                <a:latin typeface="JetBrains Mono"/>
-              </a:rPr>
-              <a:t>void </a:t>
-            </a:r>
-            <a:r>
-              <a:rPr kumimoji="0" lang="en-US" altLang="en-US" sz="1200" b="0" i="0" u="none" strike="noStrike" cap="none" normalizeH="0" baseline="0" dirty="0" err="1">
-                <a:ln>
-                  <a:noFill/>
-                </a:ln>
-                <a:solidFill>
-                  <a:srgbClr val="FFC66D"/>
-                </a:solidFill>
-                <a:effectLst/>
-                <a:latin typeface="JetBrains Mono"/>
-              </a:rPr>
-              <a:t>check_sem_return</a:t>
-            </a:r>
-            <a:r>
-              <a:rPr kumimoji="0" lang="en-US" altLang="en-US" sz="1200" b="0" i="0" u="none" strike="noStrike" cap="none" normalizeH="0" baseline="0" dirty="0">
-                <a:ln>
-                  <a:noFill/>
-                </a:ln>
-                <a:effectLst/>
-                <a:latin typeface="JetBrains Mono"/>
-              </a:rPr>
-              <a:t>(element </a:t>
-            </a:r>
-            <a:r>
-              <a:rPr kumimoji="0" lang="en-US" altLang="en-US" sz="1200" b="0" i="0" u="none" strike="noStrike" cap="none" normalizeH="0" baseline="0" dirty="0" err="1">
-                <a:ln>
-                  <a:noFill/>
-                </a:ln>
-                <a:effectLst/>
-                <a:latin typeface="JetBrains Mono"/>
-              </a:rPr>
-              <a:t>func_e</a:t>
-            </a:r>
-            <a:r>
-              <a:rPr kumimoji="0" lang="en-US" altLang="en-US" sz="1200" b="0" i="0" u="none" strike="noStrike" cap="none" normalizeH="0" baseline="0" dirty="0">
-                <a:ln>
-                  <a:noFill/>
-                </a:ln>
-                <a:solidFill>
-                  <a:srgbClr val="CC7832"/>
-                </a:solidFill>
-                <a:effectLst/>
-                <a:latin typeface="JetBrains Mono"/>
-              </a:rPr>
-              <a:t>, </a:t>
-            </a:r>
-            <a:r>
-              <a:rPr kumimoji="0" lang="en-US" altLang="en-US" sz="1200" b="0" i="0" u="none" strike="noStrike" cap="none" normalizeH="0" baseline="0" dirty="0">
-                <a:ln>
-                  <a:noFill/>
-                </a:ln>
-                <a:effectLst/>
-                <a:latin typeface="JetBrains Mono"/>
-              </a:rPr>
-              <a:t>element </a:t>
-            </a:r>
-            <a:r>
-              <a:rPr kumimoji="0" lang="en-US" altLang="en-US" sz="1200" b="0" i="0" u="none" strike="noStrike" cap="none" normalizeH="0" baseline="0" dirty="0" err="1">
-                <a:ln>
-                  <a:noFill/>
-                </a:ln>
-                <a:effectLst/>
-                <a:latin typeface="JetBrains Mono"/>
-              </a:rPr>
-              <a:t>ret_e</a:t>
-            </a:r>
-            <a:r>
-              <a:rPr kumimoji="0" lang="en-US" altLang="en-US" sz="1200" b="0" i="0" u="none" strike="noStrike" cap="none" normalizeH="0" baseline="0" dirty="0">
-                <a:ln>
-                  <a:noFill/>
-                </a:ln>
-                <a:effectLst/>
-                <a:latin typeface="JetBrains Mono"/>
-              </a:rPr>
-              <a:t>)</a:t>
-            </a:r>
-            <a:r>
-              <a:rPr kumimoji="0" lang="en-US" altLang="en-US" sz="1200" b="0" i="0" u="none" strike="noStrike" cap="none" normalizeH="0" baseline="0" dirty="0">
-                <a:ln>
-                  <a:noFill/>
-                </a:ln>
-                <a:solidFill>
-                  <a:srgbClr val="CC7832"/>
-                </a:solidFill>
-                <a:effectLst/>
-                <a:latin typeface="JetBrains Mono"/>
-              </a:rPr>
-              <a:t>;</a:t>
-            </a:r>
-            <a:br>
-              <a:rPr kumimoji="0" lang="en-US" altLang="en-US" sz="1200" b="0" i="0" u="none" strike="noStrike" cap="none" normalizeH="0" baseline="0" dirty="0">
-                <a:ln>
-                  <a:noFill/>
-                </a:ln>
-                <a:solidFill>
-                  <a:srgbClr val="CC7832"/>
-                </a:solidFill>
-                <a:effectLst/>
-                <a:latin typeface="JetBrains Mono"/>
-              </a:rPr>
-            </a:br>
-            <a:r>
-              <a:rPr kumimoji="0" lang="en-US" altLang="en-US" sz="1200" b="0" i="0" u="none" strike="noStrike" cap="none" normalizeH="0" baseline="0" dirty="0">
-                <a:ln>
-                  <a:noFill/>
-                </a:ln>
-                <a:solidFill>
-                  <a:srgbClr val="CC7832"/>
-                </a:solidFill>
-                <a:effectLst/>
-                <a:latin typeface="JetBrains Mono"/>
-              </a:rPr>
-              <a:t>void </a:t>
-            </a:r>
-            <a:r>
-              <a:rPr kumimoji="0" lang="en-US" altLang="en-US" sz="1200" b="0" i="0" u="none" strike="noStrike" cap="none" normalizeH="0" baseline="0" dirty="0" err="1">
-                <a:ln>
-                  <a:noFill/>
-                </a:ln>
-                <a:solidFill>
-                  <a:srgbClr val="FFC66D"/>
-                </a:solidFill>
-                <a:effectLst/>
-                <a:latin typeface="JetBrains Mono"/>
-              </a:rPr>
-              <a:t>check_global_return</a:t>
-            </a:r>
-            <a:r>
-              <a:rPr kumimoji="0" lang="en-US" altLang="en-US" sz="1200" b="0" i="0" u="none" strike="noStrike" cap="none" normalizeH="0" baseline="0" dirty="0">
-                <a:ln>
-                  <a:noFill/>
-                </a:ln>
-                <a:effectLst/>
-                <a:latin typeface="JetBrains Mono"/>
-              </a:rPr>
-              <a:t>(element </a:t>
-            </a:r>
-            <a:r>
-              <a:rPr kumimoji="0" lang="en-US" altLang="en-US" sz="1200" b="0" i="0" u="none" strike="noStrike" cap="none" normalizeH="0" baseline="0" dirty="0" err="1">
-                <a:ln>
-                  <a:noFill/>
-                </a:ln>
-                <a:effectLst/>
-                <a:latin typeface="JetBrains Mono"/>
-              </a:rPr>
-              <a:t>ret_e</a:t>
-            </a:r>
-            <a:r>
-              <a:rPr kumimoji="0" lang="en-US" altLang="en-US" sz="1200" b="0" i="0" u="none" strike="noStrike" cap="none" normalizeH="0" baseline="0" dirty="0">
-                <a:ln>
-                  <a:noFill/>
-                </a:ln>
-                <a:effectLst/>
-                <a:latin typeface="JetBrains Mono"/>
-              </a:rPr>
-              <a:t>)</a:t>
-            </a:r>
-            <a:r>
-              <a:rPr kumimoji="0" lang="en-US" altLang="en-US" sz="1200" b="0" i="0" u="none" strike="noStrike" cap="none" normalizeH="0" baseline="0" dirty="0">
-                <a:ln>
-                  <a:noFill/>
-                </a:ln>
-                <a:solidFill>
-                  <a:srgbClr val="CC7832"/>
-                </a:solidFill>
-                <a:effectLst/>
-                <a:latin typeface="JetBrains Mono"/>
-              </a:rPr>
-              <a:t>;</a:t>
-            </a:r>
-            <a:br>
-              <a:rPr kumimoji="0" lang="en-US" altLang="en-US" sz="1200" b="0" i="0" u="none" strike="noStrike" cap="none" normalizeH="0" baseline="0" dirty="0">
-                <a:ln>
-                  <a:noFill/>
-                </a:ln>
-                <a:solidFill>
-                  <a:srgbClr val="CC7832"/>
-                </a:solidFill>
-                <a:effectLst/>
-                <a:latin typeface="JetBrains Mono"/>
-              </a:rPr>
-            </a:br>
-            <a:r>
-              <a:rPr kumimoji="0" lang="en-US" altLang="en-US" sz="1200" b="0" i="0" u="none" strike="noStrike" cap="none" normalizeH="0" baseline="0" dirty="0">
-                <a:ln>
-                  <a:noFill/>
-                </a:ln>
-                <a:solidFill>
-                  <a:srgbClr val="CC7832"/>
-                </a:solidFill>
-                <a:effectLst/>
-                <a:latin typeface="JetBrains Mono"/>
-              </a:rPr>
-              <a:t>void </a:t>
-            </a:r>
-            <a:r>
-              <a:rPr kumimoji="0" lang="en-US" altLang="en-US" sz="1200" b="0" i="0" u="none" strike="noStrike" cap="none" normalizeH="0" baseline="0" dirty="0" err="1">
-                <a:ln>
-                  <a:noFill/>
-                </a:ln>
-                <a:solidFill>
-                  <a:srgbClr val="FFC66D"/>
-                </a:solidFill>
-                <a:effectLst/>
-                <a:latin typeface="JetBrains Mono"/>
-              </a:rPr>
-              <a:t>check_defined_functions</a:t>
-            </a:r>
-            <a:r>
-              <a:rPr kumimoji="0" lang="en-US" altLang="en-US" sz="1200" b="0" i="0" u="none" strike="noStrike" cap="none" normalizeH="0" baseline="0" dirty="0">
-                <a:ln>
-                  <a:noFill/>
-                </a:ln>
-                <a:effectLst/>
-                <a:latin typeface="JetBrains Mono"/>
-              </a:rPr>
-              <a:t>(</a:t>
-            </a:r>
-            <a:r>
-              <a:rPr kumimoji="0" lang="en-US" altLang="en-US" sz="1200" b="0" i="0" u="none" strike="noStrike" cap="none" normalizeH="0" baseline="0" dirty="0" err="1">
-                <a:ln>
-                  <a:noFill/>
-                </a:ln>
-                <a:effectLst/>
-                <a:latin typeface="JetBrains Mono"/>
-              </a:rPr>
-              <a:t>progdata</a:t>
-            </a:r>
-            <a:r>
-              <a:rPr kumimoji="0" lang="en-US" altLang="en-US" sz="1200" b="0" i="0" u="none" strike="noStrike" cap="none" normalizeH="0" baseline="0" dirty="0">
-                <a:ln>
-                  <a:noFill/>
-                </a:ln>
-                <a:effectLst/>
-                <a:latin typeface="JetBrains Mono"/>
-              </a:rPr>
-              <a:t> data</a:t>
-            </a:r>
-            <a:r>
-              <a:rPr kumimoji="0" lang="en-US" altLang="en-US" sz="1200" b="0" i="0" u="none" strike="noStrike" cap="none" normalizeH="0" baseline="0" dirty="0">
-                <a:ln>
-                  <a:noFill/>
-                </a:ln>
-                <a:solidFill>
-                  <a:srgbClr val="CC7832"/>
-                </a:solidFill>
-                <a:effectLst/>
-                <a:latin typeface="JetBrains Mono"/>
-              </a:rPr>
-              <a:t>, char</a:t>
-            </a:r>
-            <a:r>
-              <a:rPr kumimoji="0" lang="en-US" altLang="en-US" sz="1200" b="0" i="0" u="none" strike="noStrike" cap="none" normalizeH="0" baseline="0" dirty="0">
-                <a:ln>
-                  <a:noFill/>
-                </a:ln>
-                <a:effectLst/>
-                <a:latin typeface="JetBrains Mono"/>
-              </a:rPr>
-              <a:t>* name)</a:t>
-            </a:r>
-            <a:r>
-              <a:rPr kumimoji="0" lang="en-US" altLang="en-US" sz="1200" b="0" i="0" u="none" strike="noStrike" cap="none" normalizeH="0" baseline="0" dirty="0">
-                <a:ln>
-                  <a:noFill/>
-                </a:ln>
-                <a:solidFill>
-                  <a:srgbClr val="CC7832"/>
-                </a:solidFill>
-                <a:effectLst/>
-                <a:latin typeface="JetBrains Mono"/>
-              </a:rPr>
-              <a:t>;</a:t>
-            </a:r>
-            <a:br>
-              <a:rPr kumimoji="0" lang="en-US" altLang="en-US" sz="1200" b="0" i="0" u="none" strike="noStrike" cap="none" normalizeH="0" baseline="0" dirty="0">
-                <a:ln>
-                  <a:noFill/>
-                </a:ln>
-                <a:solidFill>
-                  <a:srgbClr val="CC7832"/>
-                </a:solidFill>
-                <a:effectLst/>
-                <a:latin typeface="JetBrains Mono"/>
-              </a:rPr>
-            </a:br>
-            <a:r>
-              <a:rPr kumimoji="0" lang="en-US" altLang="en-US" sz="1200" b="0" i="0" u="none" strike="noStrike" cap="none" normalizeH="0" baseline="0" dirty="0">
-                <a:ln>
-                  <a:noFill/>
-                </a:ln>
-                <a:solidFill>
-                  <a:srgbClr val="CC7832"/>
-                </a:solidFill>
-                <a:effectLst/>
-                <a:latin typeface="JetBrains Mono"/>
-              </a:rPr>
-              <a:t>void </a:t>
-            </a:r>
-            <a:r>
-              <a:rPr kumimoji="0" lang="en-US" altLang="en-US" sz="1200" b="0" i="0" u="none" strike="noStrike" cap="none" normalizeH="0" baseline="0" dirty="0" err="1">
-                <a:ln>
-                  <a:noFill/>
-                </a:ln>
-                <a:solidFill>
-                  <a:srgbClr val="FFC66D"/>
-                </a:solidFill>
-                <a:effectLst/>
-                <a:latin typeface="JetBrains Mono"/>
-              </a:rPr>
-              <a:t>see_call_defined</a:t>
-            </a:r>
-            <a:r>
-              <a:rPr kumimoji="0" lang="en-US" altLang="en-US" sz="1200" b="0" i="0" u="none" strike="noStrike" cap="none" normalizeH="0" baseline="0" dirty="0">
-                <a:ln>
-                  <a:noFill/>
-                </a:ln>
-                <a:effectLst/>
-                <a:latin typeface="JetBrains Mono"/>
-              </a:rPr>
-              <a:t>(</a:t>
-            </a:r>
-            <a:r>
-              <a:rPr kumimoji="0" lang="en-US" altLang="en-US" sz="1200" b="0" i="0" u="none" strike="noStrike" cap="none" normalizeH="0" baseline="0" dirty="0" err="1">
-                <a:ln>
-                  <a:noFill/>
-                </a:ln>
-                <a:effectLst/>
-                <a:latin typeface="JetBrains Mono"/>
-              </a:rPr>
-              <a:t>ht_table_t</a:t>
-            </a:r>
-            <a:r>
-              <a:rPr kumimoji="0" lang="en-US" altLang="en-US" sz="1200" b="0" i="0" u="none" strike="noStrike" cap="none" normalizeH="0" baseline="0" dirty="0">
-                <a:ln>
-                  <a:noFill/>
-                </a:ln>
-                <a:effectLst/>
-                <a:latin typeface="JetBrains Mono"/>
-              </a:rPr>
-              <a:t> *table</a:t>
-            </a:r>
-            <a:r>
-              <a:rPr kumimoji="0" lang="en-US" altLang="en-US" sz="1200" b="0" i="0" u="none" strike="noStrike" cap="none" normalizeH="0" baseline="0" dirty="0">
-                <a:ln>
-                  <a:noFill/>
-                </a:ln>
-                <a:solidFill>
-                  <a:srgbClr val="CC7832"/>
-                </a:solidFill>
-                <a:effectLst/>
-                <a:latin typeface="JetBrains Mono"/>
-              </a:rPr>
-              <a:t>, </a:t>
-            </a:r>
-            <a:r>
-              <a:rPr kumimoji="0" lang="en-US" altLang="en-US" sz="1200" b="0" i="0" u="none" strike="noStrike" cap="none" normalizeH="0" baseline="0" dirty="0">
-                <a:ln>
-                  <a:noFill/>
-                </a:ln>
-                <a:effectLst/>
-                <a:latin typeface="JetBrains Mono"/>
-              </a:rPr>
-              <a:t>element call</a:t>
-            </a:r>
-            <a:r>
-              <a:rPr kumimoji="0" lang="en-US" altLang="en-US" sz="1200" b="0" i="0" u="none" strike="noStrike" cap="none" normalizeH="0" baseline="0" dirty="0">
-                <a:ln>
-                  <a:noFill/>
-                </a:ln>
-                <a:solidFill>
-                  <a:srgbClr val="CC7832"/>
-                </a:solidFill>
-                <a:effectLst/>
-                <a:latin typeface="JetBrains Mono"/>
-              </a:rPr>
-              <a:t>, int </a:t>
-            </a:r>
-            <a:r>
-              <a:rPr kumimoji="0" lang="en-US" altLang="en-US" sz="1200" b="0" i="0" u="none" strike="noStrike" cap="none" normalizeH="0" baseline="0" dirty="0">
-                <a:ln>
-                  <a:noFill/>
-                </a:ln>
-                <a:effectLst/>
-                <a:latin typeface="JetBrains Mono"/>
-              </a:rPr>
-              <a:t>key)</a:t>
-            </a:r>
-            <a:r>
-              <a:rPr kumimoji="0" lang="en-US" altLang="en-US" sz="1200" b="0" i="0" u="none" strike="noStrike" cap="none" normalizeH="0" baseline="0" dirty="0">
-                <a:ln>
-                  <a:noFill/>
-                </a:ln>
-                <a:solidFill>
-                  <a:srgbClr val="CC7832"/>
-                </a:solidFill>
-                <a:effectLst/>
-                <a:latin typeface="JetBrains Mono"/>
-              </a:rPr>
-              <a:t>;</a:t>
-            </a:r>
-            <a:br>
-              <a:rPr kumimoji="0" lang="en-US" altLang="en-US" sz="1200" b="0" i="0" u="none" strike="noStrike" cap="none" normalizeH="0" baseline="0" dirty="0">
-                <a:ln>
-                  <a:noFill/>
-                </a:ln>
-                <a:solidFill>
-                  <a:srgbClr val="CC7832"/>
-                </a:solidFill>
-                <a:effectLst/>
-                <a:latin typeface="JetBrains Mono"/>
-              </a:rPr>
-            </a:br>
-            <a:r>
-              <a:rPr kumimoji="0" lang="en-US" altLang="en-US" sz="1200" b="0" i="0" u="none" strike="noStrike" cap="none" normalizeH="0" baseline="0" dirty="0">
-                <a:ln>
-                  <a:noFill/>
-                </a:ln>
-                <a:solidFill>
-                  <a:srgbClr val="CC7832"/>
-                </a:solidFill>
-                <a:effectLst/>
-                <a:latin typeface="JetBrains Mono"/>
-              </a:rPr>
-              <a:t>void </a:t>
-            </a:r>
-            <a:r>
-              <a:rPr kumimoji="0" lang="en-US" altLang="en-US" sz="1200" b="0" i="0" u="none" strike="noStrike" cap="none" normalizeH="0" baseline="0" dirty="0" err="1">
-                <a:ln>
-                  <a:noFill/>
-                </a:ln>
-                <a:solidFill>
-                  <a:srgbClr val="FFC66D"/>
-                </a:solidFill>
-                <a:effectLst/>
-                <a:latin typeface="JetBrains Mono"/>
-              </a:rPr>
-              <a:t>see_call_arguments</a:t>
-            </a:r>
-            <a:r>
-              <a:rPr kumimoji="0" lang="en-US" altLang="en-US" sz="1200" b="0" i="0" u="none" strike="noStrike" cap="none" normalizeH="0" baseline="0" dirty="0">
-                <a:ln>
-                  <a:noFill/>
-                </a:ln>
-                <a:effectLst/>
-                <a:latin typeface="JetBrains Mono"/>
-              </a:rPr>
-              <a:t>(</a:t>
-            </a:r>
-            <a:r>
-              <a:rPr kumimoji="0" lang="en-US" altLang="en-US" sz="1200" b="0" i="0" u="none" strike="noStrike" cap="none" normalizeH="0" baseline="0" dirty="0" err="1">
-                <a:ln>
-                  <a:noFill/>
-                </a:ln>
-                <a:effectLst/>
-                <a:latin typeface="JetBrains Mono"/>
-              </a:rPr>
-              <a:t>ht_table_t</a:t>
-            </a:r>
-            <a:r>
-              <a:rPr kumimoji="0" lang="en-US" altLang="en-US" sz="1200" b="0" i="0" u="none" strike="noStrike" cap="none" normalizeH="0" baseline="0" dirty="0">
-                <a:ln>
-                  <a:noFill/>
-                </a:ln>
-                <a:effectLst/>
-                <a:latin typeface="JetBrains Mono"/>
-              </a:rPr>
-              <a:t> *table</a:t>
-            </a:r>
-            <a:r>
-              <a:rPr kumimoji="0" lang="en-US" altLang="en-US" sz="1200" b="0" i="0" u="none" strike="noStrike" cap="none" normalizeH="0" baseline="0" dirty="0">
-                <a:ln>
-                  <a:noFill/>
-                </a:ln>
-                <a:solidFill>
-                  <a:srgbClr val="CC7832"/>
-                </a:solidFill>
-                <a:effectLst/>
-                <a:latin typeface="JetBrains Mono"/>
-              </a:rPr>
-              <a:t>, </a:t>
-            </a:r>
-            <a:r>
-              <a:rPr kumimoji="0" lang="en-US" altLang="en-US" sz="1200" b="0" i="0" u="none" strike="noStrike" cap="none" normalizeH="0" baseline="0" dirty="0">
-                <a:ln>
-                  <a:noFill/>
-                </a:ln>
-                <a:effectLst/>
-                <a:latin typeface="JetBrains Mono"/>
-              </a:rPr>
-              <a:t>element </a:t>
-            </a:r>
-            <a:r>
-              <a:rPr kumimoji="0" lang="en-US" altLang="en-US" sz="1200" b="0" i="0" u="none" strike="noStrike" cap="none" normalizeH="0" baseline="0" dirty="0" err="1">
-                <a:ln>
-                  <a:noFill/>
-                </a:ln>
-                <a:effectLst/>
-                <a:latin typeface="JetBrains Mono"/>
-              </a:rPr>
-              <a:t>func</a:t>
-            </a:r>
-            <a:r>
-              <a:rPr kumimoji="0" lang="en-US" altLang="en-US" sz="1200" b="0" i="0" u="none" strike="noStrike" cap="none" normalizeH="0" baseline="0" dirty="0">
-                <a:ln>
-                  <a:noFill/>
-                </a:ln>
-                <a:solidFill>
-                  <a:srgbClr val="CC7832"/>
-                </a:solidFill>
-                <a:effectLst/>
-                <a:latin typeface="JetBrains Mono"/>
-              </a:rPr>
-              <a:t>, </a:t>
-            </a:r>
-            <a:r>
-              <a:rPr kumimoji="0" lang="en-US" altLang="en-US" sz="1200" b="0" i="0" u="none" strike="noStrike" cap="none" normalizeH="0" baseline="0" dirty="0">
-                <a:ln>
-                  <a:noFill/>
-                </a:ln>
-                <a:effectLst/>
-                <a:latin typeface="JetBrains Mono"/>
-              </a:rPr>
-              <a:t>element call</a:t>
-            </a:r>
-            <a:r>
-              <a:rPr kumimoji="0" lang="en-US" altLang="en-US" sz="1200" b="0" i="0" u="none" strike="noStrike" cap="none" normalizeH="0" baseline="0" dirty="0">
-                <a:ln>
-                  <a:noFill/>
-                </a:ln>
-                <a:solidFill>
-                  <a:srgbClr val="CC7832"/>
-                </a:solidFill>
-                <a:effectLst/>
-                <a:latin typeface="JetBrains Mono"/>
-              </a:rPr>
-              <a:t>, int </a:t>
-            </a:r>
-            <a:r>
-              <a:rPr kumimoji="0" lang="en-US" altLang="en-US" sz="1200" b="0" i="0" u="none" strike="noStrike" cap="none" normalizeH="0" baseline="0" dirty="0">
-                <a:ln>
-                  <a:noFill/>
-                </a:ln>
-                <a:effectLst/>
-                <a:latin typeface="JetBrains Mono"/>
-              </a:rPr>
-              <a:t>key)</a:t>
-            </a:r>
-            <a:r>
-              <a:rPr kumimoji="0" lang="en-US" altLang="en-US" sz="1200" b="0" i="0" u="none" strike="noStrike" cap="none" normalizeH="0" baseline="0" dirty="0">
-                <a:ln>
-                  <a:noFill/>
-                </a:ln>
-                <a:solidFill>
-                  <a:srgbClr val="CC7832"/>
-                </a:solidFill>
-                <a:effectLst/>
-                <a:latin typeface="JetBrains Mono"/>
-              </a:rPr>
-              <a:t>;</a:t>
-            </a:r>
-            <a:endParaRPr kumimoji="0" lang="en-US" altLang="en-US" sz="2800" b="0" i="0" u="none" strike="noStrike" cap="none" normalizeH="0" baseline="0" dirty="0">
-              <a:ln>
-                <a:noFill/>
-              </a:ln>
-              <a:effectLst/>
-              <a:latin typeface="Arial" panose="020B0604020202020204" pitchFamily="34" charset="0"/>
-            </a:endParaRPr>
-          </a:p>
-        </p:txBody>
-      </p:sp>
-      <p:sp>
-        <p:nvSpPr>
-          <p:cNvPr id="17" name="Rectangle 2">
-            <a:extLst>
-              <a:ext uri="{FF2B5EF4-FFF2-40B4-BE49-F238E27FC236}">
-                <a16:creationId xmlns:a16="http://schemas.microsoft.com/office/drawing/2014/main" xmlns="" id="{63B2997A-7302-ACCD-CD74-1FE854ABC0DA}"/>
-              </a:ext>
-            </a:extLst>
-          </p:cNvPr>
-          <p:cNvSpPr>
-            <a:spLocks noChangeArrowheads="1"/>
-          </p:cNvSpPr>
-          <p:nvPr/>
-        </p:nvSpPr>
-        <p:spPr bwMode="auto">
-          <a:xfrm>
-            <a:off x="3060070" y="4554567"/>
-            <a:ext cx="4934140" cy="276999"/>
-          </a:xfrm>
-          <a:prstGeom prst="rect">
-            <a:avLst/>
-          </a:prstGeom>
-          <a:noFill/>
-          <a:ln>
-            <a:noFill/>
-          </a:ln>
-          <a:effectLst/>
-        </p:spPr>
-        <p:txBody>
-          <a:bodyPr vert="horz" wrap="square" lIns="91440" tIns="45720" rIns="91440" bIns="45720" numCol="1" anchor="ctr" anchorCtr="0" compatLnSpc="1">
-            <a:prstTxWarp prst="textNoShape">
-              <a:avLst/>
-            </a:prstTxWarp>
-            <a:spAutoFit/>
-          </a:bodyPr>
-          <a:lstStyle/>
-          <a:p>
-            <a:pPr marL="0" marR="0" lvl="0" indent="0" algn="l" defTabSz="914400" rtl="0" eaLnBrk="0" fontAlgn="base" latinLnBrk="0" hangingPunct="0">
-              <a:lnSpc>
-                <a:spcPct val="100000"/>
-              </a:lnSpc>
-              <a:spcBef>
-                <a:spcPct val="0"/>
-              </a:spcBef>
-              <a:spcAft>
-                <a:spcPct val="0"/>
-              </a:spcAft>
-              <a:buClrTx/>
-              <a:buSzTx/>
-              <a:buFontTx/>
-              <a:buNone/>
-              <a:tabLst/>
-            </a:pPr>
-            <a:r>
-              <a:rPr kumimoji="0" lang="en-US" altLang="en-US" sz="1200" b="0" i="0" u="none" strike="noStrike" cap="none" normalizeH="0" baseline="0" dirty="0">
-                <a:ln>
-                  <a:noFill/>
-                </a:ln>
-                <a:effectLst/>
-                <a:latin typeface="JetBrains Mono"/>
-              </a:rPr>
-              <a:t>Token</a:t>
-            </a:r>
-            <a:r>
-              <a:rPr kumimoji="0" lang="en-US" altLang="en-US" sz="1200" b="0" i="0" u="none" strike="noStrike" cap="none" normalizeH="0" baseline="0" dirty="0">
-                <a:ln>
-                  <a:noFill/>
-                </a:ln>
-                <a:solidFill>
-                  <a:srgbClr val="B9BCD1"/>
-                </a:solidFill>
-                <a:effectLst/>
-                <a:latin typeface="JetBrains Mono"/>
-              </a:rPr>
-              <a:t> </a:t>
-            </a:r>
-            <a:r>
-              <a:rPr kumimoji="0" lang="en-US" altLang="en-US" sz="1200" b="0" i="0" u="none" strike="noStrike" cap="none" normalizeH="0" baseline="0" dirty="0" err="1">
-                <a:ln>
-                  <a:noFill/>
-                </a:ln>
-                <a:solidFill>
-                  <a:srgbClr val="FFC66D"/>
-                </a:solidFill>
-                <a:effectLst/>
-                <a:latin typeface="JetBrains Mono"/>
-              </a:rPr>
-              <a:t>get_variable</a:t>
-            </a:r>
-            <a:r>
-              <a:rPr kumimoji="0" lang="en-US" altLang="en-US" sz="1200" b="0" i="0" u="none" strike="noStrike" cap="none" normalizeH="0" baseline="0" dirty="0">
-                <a:ln>
-                  <a:noFill/>
-                </a:ln>
-                <a:effectLst/>
-                <a:latin typeface="JetBrains Mono"/>
-              </a:rPr>
-              <a:t>(</a:t>
-            </a:r>
-            <a:r>
-              <a:rPr kumimoji="0" lang="en-US" altLang="en-US" sz="1200" b="0" i="0" u="none" strike="noStrike" cap="none" normalizeH="0" baseline="0" dirty="0" err="1">
-                <a:ln>
-                  <a:noFill/>
-                </a:ln>
-                <a:effectLst/>
-                <a:latin typeface="JetBrains Mono"/>
-              </a:rPr>
-              <a:t>ht_table_t</a:t>
-            </a:r>
-            <a:r>
-              <a:rPr kumimoji="0" lang="en-US" altLang="en-US" sz="1200" b="0" i="0" u="none" strike="noStrike" cap="none" normalizeH="0" baseline="0" dirty="0">
-                <a:ln>
-                  <a:noFill/>
-                </a:ln>
-                <a:effectLst/>
-                <a:latin typeface="JetBrains Mono"/>
-              </a:rPr>
-              <a:t> *table</a:t>
-            </a:r>
-            <a:r>
-              <a:rPr kumimoji="0" lang="en-US" altLang="en-US" sz="1200" b="0" i="0" u="none" strike="noStrike" cap="none" normalizeH="0" baseline="0" dirty="0">
-                <a:ln>
-                  <a:noFill/>
-                </a:ln>
-                <a:solidFill>
-                  <a:srgbClr val="CC7832"/>
-                </a:solidFill>
-                <a:effectLst/>
-                <a:latin typeface="JetBrains Mono"/>
-              </a:rPr>
-              <a:t>, </a:t>
-            </a:r>
-            <a:r>
-              <a:rPr kumimoji="0" lang="en-US" altLang="en-US" sz="1200" b="0" i="0" u="none" strike="noStrike" cap="none" normalizeH="0" baseline="0" dirty="0">
-                <a:ln>
-                  <a:noFill/>
-                </a:ln>
-                <a:effectLst/>
-                <a:latin typeface="JetBrains Mono"/>
-              </a:rPr>
-              <a:t>element* e</a:t>
-            </a:r>
-            <a:r>
-              <a:rPr kumimoji="0" lang="en-US" altLang="en-US" sz="1200" b="0" i="0" u="none" strike="noStrike" cap="none" normalizeH="0" baseline="0" dirty="0">
-                <a:ln>
-                  <a:noFill/>
-                </a:ln>
-                <a:solidFill>
-                  <a:srgbClr val="CC7832"/>
-                </a:solidFill>
-                <a:effectLst/>
-                <a:latin typeface="JetBrains Mono"/>
-              </a:rPr>
-              <a:t>, </a:t>
-            </a:r>
-            <a:r>
-              <a:rPr kumimoji="0" lang="en-US" altLang="en-US" sz="1200" b="0" i="0" u="none" strike="noStrike" cap="none" normalizeH="0" baseline="0" dirty="0">
-                <a:ln>
-                  <a:noFill/>
-                </a:ln>
-                <a:effectLst/>
-                <a:latin typeface="JetBrains Mono"/>
-              </a:rPr>
-              <a:t>Token var</a:t>
-            </a:r>
-            <a:r>
-              <a:rPr kumimoji="0" lang="en-US" altLang="en-US" sz="1200" b="0" i="0" u="none" strike="noStrike" cap="none" normalizeH="0" baseline="0" dirty="0">
-                <a:ln>
-                  <a:noFill/>
-                </a:ln>
-                <a:solidFill>
-                  <a:srgbClr val="CC7832"/>
-                </a:solidFill>
-                <a:effectLst/>
-                <a:latin typeface="JetBrains Mono"/>
-              </a:rPr>
-              <a:t>, int </a:t>
-            </a:r>
-            <a:r>
-              <a:rPr kumimoji="0" lang="en-US" altLang="en-US" sz="1200" b="0" i="0" u="none" strike="noStrike" cap="none" normalizeH="0" baseline="0" dirty="0">
-                <a:ln>
-                  <a:noFill/>
-                </a:ln>
-                <a:effectLst/>
-                <a:latin typeface="JetBrains Mono"/>
-              </a:rPr>
-              <a:t>key)</a:t>
-            </a:r>
-            <a:r>
-              <a:rPr kumimoji="0" lang="en-US" altLang="en-US" sz="1200" b="0" i="0" u="none" strike="noStrike" cap="none" normalizeH="0" baseline="0" dirty="0">
-                <a:ln>
-                  <a:noFill/>
-                </a:ln>
-                <a:solidFill>
-                  <a:srgbClr val="CC7832"/>
-                </a:solidFill>
-                <a:effectLst/>
-                <a:latin typeface="JetBrains Mono"/>
-              </a:rPr>
-              <a:t>;</a:t>
-            </a:r>
-            <a:endParaRPr kumimoji="0" lang="en-US" altLang="en-US" sz="2800" b="0" i="0" u="none" strike="noStrike" cap="none" normalizeH="0" baseline="0" dirty="0">
-              <a:ln>
-                <a:noFill/>
-              </a:ln>
-              <a:solidFill>
-                <a:schemeClr val="tx1"/>
-              </a:solidFill>
-              <a:effectLst/>
-              <a:latin typeface="Arial" panose="020B0604020202020204" pitchFamily="34" charset="0"/>
-            </a:endParaRPr>
-          </a:p>
-        </p:txBody>
-      </p:sp>
-    </p:spTree>
-    <p:extLst>
-      <p:ext uri="{BB962C8B-B14F-4D97-AF65-F5344CB8AC3E}">
-        <p14:creationId xmlns:p14="http://schemas.microsoft.com/office/powerpoint/2010/main" val="3979064360"/>
-      </p:ext>
-    </p:extLst>
-  </p:cSld>
-  <p:clrMapOvr>
-    <a:masterClrMapping/>
-  </p:clrMapOvr>
-  <p:transition spd="slow">
-    <p:push dir="u"/>
-  </p:transition>
-  <p:timing>
-    <p:tnLst>
-      <p:par>
-        <p:cTn id="1" dur="indefinite" restart="never" nodeType="tmRoot">
-          <p:childTnLst>
-            <p:seq concurrent="1" nextAc="seek">
-              <p:cTn id="2" dur="indefinite" nodeType="mainSeq">
-                <p:childTnLst>
-                  <p:par>
-                    <p:cTn id="3" fill="hold">
-                      <p:stCondLst>
-                        <p:cond delay="indefinite"/>
-                      </p:stCondLst>
-                      <p:childTnLst>
-                        <p:par>
-                          <p:cTn id="4" fill="hold">
-                            <p:stCondLst>
-                              <p:cond delay="0"/>
-                            </p:stCondLst>
-                            <p:childTnLst>
-                              <p:par>
-                                <p:cTn id="5" presetID="10" presetClass="entr" presetSubtype="0" fill="hold" grpId="0" nodeType="clickEffect">
-                                  <p:stCondLst>
-                                    <p:cond delay="0"/>
-                                  </p:stCondLst>
-                                  <p:childTnLst>
-                                    <p:set>
-                                      <p:cBhvr>
-                                        <p:cTn id="6" dur="1" fill="hold">
-                                          <p:stCondLst>
-                                            <p:cond delay="0"/>
-                                          </p:stCondLst>
-                                        </p:cTn>
-                                        <p:tgtEl>
-                                          <p:spTgt spid="16"/>
-                                        </p:tgtEl>
-                                        <p:attrNameLst>
-                                          <p:attrName>style.visibility</p:attrName>
-                                        </p:attrNameLst>
-                                      </p:cBhvr>
-                                      <p:to>
-                                        <p:strVal val="visible"/>
-                                      </p:to>
-                                    </p:set>
-                                    <p:animEffect transition="in" filter="fade">
-                                      <p:cBhvr>
-                                        <p:cTn id="7" dur="500"/>
-                                        <p:tgtEl>
-                                          <p:spTgt spid="16"/>
-                                        </p:tgtEl>
-                                      </p:cBhvr>
-                                    </p:animEffect>
-                                  </p:childTnLst>
-                                </p:cTn>
-                              </p:par>
-                            </p:childTnLst>
-                          </p:cTn>
-                        </p:par>
-                      </p:childTnLst>
-                    </p:cTn>
-                  </p:par>
-                  <p:par>
-                    <p:cTn id="8" fill="hold">
-                      <p:stCondLst>
-                        <p:cond delay="indefinite"/>
-                      </p:stCondLst>
-                      <p:childTnLst>
-                        <p:par>
-                          <p:cTn id="9" fill="hold">
-                            <p:stCondLst>
-                              <p:cond delay="0"/>
-                            </p:stCondLst>
-                            <p:childTnLst>
-                              <p:par>
-                                <p:cTn id="10" presetID="10" presetClass="entr" presetSubtype="0" fill="hold" nodeType="clickEffect">
-                                  <p:stCondLst>
-                                    <p:cond delay="0"/>
-                                  </p:stCondLst>
-                                  <p:childTnLst>
-                                    <p:set>
-                                      <p:cBhvr>
-                                        <p:cTn id="11" dur="1" fill="hold">
-                                          <p:stCondLst>
-                                            <p:cond delay="0"/>
-                                          </p:stCondLst>
-                                        </p:cTn>
-                                        <p:tgtEl>
-                                          <p:spTgt spid="3">
-                                            <p:txEl>
-                                              <p:pRg st="5" end="5"/>
-                                            </p:txEl>
-                                          </p:spTgt>
-                                        </p:tgtEl>
-                                        <p:attrNameLst>
-                                          <p:attrName>style.visibility</p:attrName>
-                                        </p:attrNameLst>
-                                      </p:cBhvr>
-                                      <p:to>
-                                        <p:strVal val="visible"/>
-                                      </p:to>
-                                    </p:set>
-                                    <p:animEffect transition="in" filter="fade">
-                                      <p:cBhvr>
-                                        <p:cTn id="12" dur="500"/>
-                                        <p:tgtEl>
-                                          <p:spTgt spid="3">
-                                            <p:txEl>
-                                              <p:pRg st="5" end="5"/>
-                                            </p:txEl>
-                                          </p:spTgt>
-                                        </p:tgtEl>
-                                      </p:cBhvr>
-                                    </p:animEffect>
-                                  </p:childTnLst>
-                                </p:cTn>
-                              </p:par>
-                              <p:par>
-                                <p:cTn id="13" presetID="10" presetClass="entr" presetSubtype="0" fill="hold" grpId="0" nodeType="withEffect">
-                                  <p:stCondLst>
-                                    <p:cond delay="0"/>
-                                  </p:stCondLst>
-                                  <p:childTnLst>
-                                    <p:set>
-                                      <p:cBhvr>
-                                        <p:cTn id="14" dur="1" fill="hold">
-                                          <p:stCondLst>
-                                            <p:cond delay="0"/>
-                                          </p:stCondLst>
-                                        </p:cTn>
-                                        <p:tgtEl>
-                                          <p:spTgt spid="17"/>
-                                        </p:tgtEl>
-                                        <p:attrNameLst>
-                                          <p:attrName>style.visibility</p:attrName>
-                                        </p:attrNameLst>
-                                      </p:cBhvr>
-                                      <p:to>
-                                        <p:strVal val="visible"/>
-                                      </p:to>
-                                    </p:set>
-                                    <p:animEffect transition="in" filter="fade">
-                                      <p:cBhvr>
-                                        <p:cTn id="15" dur="500"/>
-                                        <p:tgtEl>
-                                          <p:spTgt spid="17"/>
-                                        </p:tgtEl>
-                                      </p:cBhvr>
-                                    </p:animEffect>
-                                  </p:childTnLst>
-                                </p:cTn>
-                              </p:par>
-                            </p:childTnLst>
-                          </p:cTn>
-                        </p:par>
-                      </p:childTnLst>
-                    </p:cTn>
-                  </p:par>
-                </p:childTnLst>
-              </p:cTn>
-              <p:prevCondLst>
-                <p:cond evt="onPrev" delay="0">
-                  <p:tgtEl>
-                    <p:sldTgt/>
-                  </p:tgtEl>
-                </p:cond>
-              </p:prevCondLst>
-              <p:nextCondLst>
-                <p:cond evt="onNext" delay="0">
-                  <p:tgtEl>
-                    <p:sldTgt/>
-                  </p:tgtEl>
-                </p:cond>
-              </p:nextCondLst>
-            </p:seq>
-          </p:childTnLst>
-        </p:cTn>
-      </p:par>
-    </p:tnLst>
-    <p:bldLst>
-      <p:bldP spid="16" grpId="0"/>
-      <p:bldP spid="17" grpId="0"/>
     </p:bldLst>
   </p:timing>
 </p:sld>
@@ -14900,7 +17853,7 @@
   <a:extraClrSchemeLst/>
   <a:extLst>
     <a:ext uri="{05A4C25C-085E-4340-85A3-A5531E510DB2}">
-      <thm15:themeFamily xmlns:thm15="http://schemas.microsoft.com/office/thememl/2012/main" xmlns="" name="Retrospect" id="{5F128B03-DCCA-4EEB-AB3B-CF2899314A46}" vid="{9CC26709-368C-4D72-9060-94E5B3FF3CD6}"/>
+      <thm15:themeFamily xmlns:thm15="http://schemas.microsoft.com/office/thememl/2012/main" name="Retrospect" id="{5F128B03-DCCA-4EEB-AB3B-CF2899314A46}" vid="{9CC26709-368C-4D72-9060-94E5B3FF3CD6}"/>
     </a:ext>
   </a:extLst>
 </a:theme>

--- a/docs/IFJ PROJEKT - VARIANTA TRP.pptx
+++ b/docs/IFJ PROJEKT - VARIANTA TRP.pptx
@@ -4439,7 +4439,7 @@
                   <a:noFill/>
                 </a:ln>
                 <a:solidFill>
-                  <a:srgbClr val="FFC66D"/>
+                  <a:srgbClr val="E4002B"/>
                 </a:solidFill>
                 <a:effectLst/>
                 <a:latin typeface="JetBrains Mono"/>
@@ -4566,7 +4566,7 @@
                   <a:noFill/>
                 </a:ln>
                 <a:solidFill>
-                  <a:srgbClr val="FFC66D"/>
+                  <a:srgbClr val="E4002B"/>
                 </a:solidFill>
                 <a:effectLst/>
                 <a:latin typeface="JetBrains Mono"/>
@@ -4627,7 +4627,7 @@
                   <a:noFill/>
                 </a:ln>
                 <a:solidFill>
-                  <a:srgbClr val="FFC66D"/>
+                  <a:srgbClr val="E4002B"/>
                 </a:solidFill>
                 <a:effectLst/>
                 <a:latin typeface="JetBrains Mono"/>
@@ -4731,7 +4731,7 @@
                   <a:noFill/>
                 </a:ln>
                 <a:solidFill>
-                  <a:srgbClr val="FFC66D"/>
+                  <a:srgbClr val="E4002B"/>
                 </a:solidFill>
                 <a:effectLst/>
                 <a:latin typeface="JetBrains Mono"/>
@@ -4845,7 +4845,7 @@
                   <a:noFill/>
                 </a:ln>
                 <a:solidFill>
-                  <a:srgbClr val="FFC66D"/>
+                  <a:srgbClr val="E4002B"/>
                 </a:solidFill>
                 <a:effectLst/>
                 <a:latin typeface="JetBrains Mono"/>
@@ -4926,7 +4926,7 @@
                   <a:noFill/>
                 </a:ln>
                 <a:solidFill>
-                  <a:srgbClr val="FFC66D"/>
+                  <a:srgbClr val="E4002B"/>
                 </a:solidFill>
                 <a:effectLst/>
                 <a:latin typeface="JetBrains Mono"/>
@@ -5030,7 +5030,7 @@
                   <a:noFill/>
                 </a:ln>
                 <a:solidFill>
-                  <a:srgbClr val="FFC66D"/>
+                  <a:srgbClr val="E4002B"/>
                 </a:solidFill>
                 <a:effectLst/>
                 <a:latin typeface="JetBrains Mono"/>
@@ -5157,7 +5157,7 @@
                   <a:noFill/>
                 </a:ln>
                 <a:solidFill>
-                  <a:srgbClr val="FFC66D"/>
+                  <a:srgbClr val="E4002B"/>
                 </a:solidFill>
                 <a:effectLst/>
                 <a:latin typeface="JetBrains Mono"/>
@@ -5378,7 +5378,7 @@
                   <a:noFill/>
                 </a:ln>
                 <a:solidFill>
-                  <a:srgbClr val="FFC66D"/>
+                  <a:srgbClr val="E4002B"/>
                 </a:solidFill>
                 <a:effectLst/>
                 <a:latin typeface="JetBrains Mono"/>
@@ -5899,7 +5899,7 @@
             <a:r>
               <a:rPr lang="sk-SK" sz="1500" dirty="0" err="1">
                 <a:solidFill>
-                  <a:srgbClr val="D38C50"/>
+                  <a:srgbClr val="E4002B"/>
                 </a:solidFill>
               </a:rPr>
               <a:t>exp_sem_var</a:t>
@@ -5945,7 +5945,7 @@
             <a:r>
               <a:rPr lang="sk-SK" sz="1500" dirty="0" err="1">
                 <a:solidFill>
-                  <a:srgbClr val="D38C50"/>
+                  <a:srgbClr val="E4002B"/>
                 </a:solidFill>
               </a:rPr>
               <a:t>exp_sem_return</a:t>
@@ -5991,7 +5991,7 @@
             <a:r>
               <a:rPr lang="sk-SK" sz="1500" dirty="0" err="1">
                 <a:solidFill>
-                  <a:srgbClr val="D38C50"/>
+                  <a:srgbClr val="E4002B"/>
                 </a:solidFill>
               </a:rPr>
               <a:t>exp_sem_ifwhile</a:t>
@@ -6436,13 +6436,13 @@
   <p:clrMapOvr>
     <a:masterClrMapping/>
   </p:clrMapOvr>
-  <mc:AlternateContent xmlns:mc="http://schemas.openxmlformats.org/markup-compatibility/2006">
-    <mc:Choice xmlns:p14="http://schemas.microsoft.com/office/powerpoint/2010/main" Requires="p14">
+  <mc:AlternateContent xmlns:mc="http://schemas.openxmlformats.org/markup-compatibility/2006" xmlns:p14="http://schemas.microsoft.com/office/powerpoint/2010/main">
+    <mc:Choice Requires="p14">
       <p:transition spd="med" p14:dur="700">
         <p:fade/>
       </p:transition>
     </mc:Choice>
-    <mc:Fallback>
+    <mc:Fallback xmlns="">
       <p:transition spd="med">
         <p:fade/>
       </p:transition>
@@ -6885,7 +6885,7 @@
                   <a:noFill/>
                 </a:ln>
                 <a:solidFill>
-                  <a:srgbClr val="FFC66D"/>
+                  <a:srgbClr val="E4002B"/>
                 </a:solidFill>
                 <a:effectLst/>
                 <a:latin typeface="JetBrains Mono"/>
@@ -7012,7 +7012,7 @@
                   <a:noFill/>
                 </a:ln>
                 <a:solidFill>
-                  <a:srgbClr val="FFC66D"/>
+                  <a:srgbClr val="E4002B"/>
                 </a:solidFill>
                 <a:effectLst/>
                 <a:latin typeface="JetBrains Mono"/>
@@ -7073,7 +7073,7 @@
                   <a:noFill/>
                 </a:ln>
                 <a:solidFill>
-                  <a:srgbClr val="FFC66D"/>
+                  <a:srgbClr val="E4002B"/>
                 </a:solidFill>
                 <a:effectLst/>
                 <a:latin typeface="JetBrains Mono"/>
@@ -7177,7 +7177,7 @@
                   <a:noFill/>
                 </a:ln>
                 <a:solidFill>
-                  <a:srgbClr val="FFC66D"/>
+                  <a:srgbClr val="E4002B"/>
                 </a:solidFill>
                 <a:effectLst/>
                 <a:latin typeface="JetBrains Mono"/>
@@ -7291,7 +7291,7 @@
                   <a:noFill/>
                 </a:ln>
                 <a:solidFill>
-                  <a:srgbClr val="FFC66D"/>
+                  <a:srgbClr val="E4002B"/>
                 </a:solidFill>
                 <a:effectLst/>
                 <a:latin typeface="JetBrains Mono"/>
@@ -7372,7 +7372,7 @@
                   <a:noFill/>
                 </a:ln>
                 <a:solidFill>
-                  <a:srgbClr val="FFC66D"/>
+                  <a:srgbClr val="E4002B"/>
                 </a:solidFill>
                 <a:effectLst/>
                 <a:latin typeface="JetBrains Mono"/>
@@ -7476,7 +7476,7 @@
                   <a:noFill/>
                 </a:ln>
                 <a:solidFill>
-                  <a:srgbClr val="FFC66D"/>
+                  <a:srgbClr val="E4002B"/>
                 </a:solidFill>
                 <a:effectLst/>
                 <a:latin typeface="JetBrains Mono"/>
@@ -7603,7 +7603,7 @@
                   <a:noFill/>
                 </a:ln>
                 <a:solidFill>
-                  <a:srgbClr val="FFC66D"/>
+                  <a:srgbClr val="E4002B"/>
                 </a:solidFill>
                 <a:effectLst/>
                 <a:latin typeface="JetBrains Mono"/>
@@ -7824,7 +7824,7 @@
                   <a:noFill/>
                 </a:ln>
                 <a:solidFill>
-                  <a:srgbClr val="FFC66D"/>
+                  <a:srgbClr val="E4002B"/>
                 </a:solidFill>
                 <a:effectLst/>
                 <a:latin typeface="JetBrains Mono"/>
@@ -8002,13 +8002,13 @@
   <p:clrMapOvr>
     <a:masterClrMapping/>
   </p:clrMapOvr>
-  <mc:AlternateContent xmlns:mc="http://schemas.openxmlformats.org/markup-compatibility/2006">
-    <mc:Choice xmlns:p14="http://schemas.microsoft.com/office/powerpoint/2010/main" Requires="p14">
+  <mc:AlternateContent xmlns:mc="http://schemas.openxmlformats.org/markup-compatibility/2006" xmlns:p14="http://schemas.microsoft.com/office/powerpoint/2010/main">
+    <mc:Choice Requires="p14">
       <p:transition spd="med" p14:dur="700">
         <p:fade/>
       </p:transition>
     </mc:Choice>
-    <mc:Fallback>
+    <mc:Fallback xmlns="">
       <p:transition spd="med">
         <p:fade/>
       </p:transition>
@@ -8438,7 +8438,7 @@
                   <a:noFill/>
                 </a:ln>
                 <a:solidFill>
-                  <a:srgbClr val="FFC66D"/>
+                  <a:srgbClr val="E4002B"/>
                 </a:solidFill>
                 <a:effectLst/>
                 <a:latin typeface="JetBrains Mono"/>
@@ -8867,7 +8867,7 @@
                   <a:noFill/>
                 </a:ln>
                 <a:solidFill>
-                  <a:srgbClr val="FFC66D"/>
+                  <a:srgbClr val="E4002B"/>
                 </a:solidFill>
                 <a:effectLst/>
                 <a:latin typeface="JetBrains Mono"/>
@@ -8974,7 +8974,7 @@
                   <a:noFill/>
                 </a:ln>
                 <a:solidFill>
-                  <a:srgbClr val="FFC66D"/>
+                  <a:srgbClr val="E4002B"/>
                 </a:solidFill>
                 <a:effectLst/>
                 <a:latin typeface="JetBrains Mono"/>
@@ -12583,337 +12583,6 @@
           </a:fontRef>
         </p:style>
       </p:cxnSp>
-      <p:sp>
-        <p:nvSpPr>
-          <p:cNvPr id="15" name="Rectangle 3">
-            <a:extLst>
-              <a:ext uri="{FF2B5EF4-FFF2-40B4-BE49-F238E27FC236}">
-                <a16:creationId xmlns:a16="http://schemas.microsoft.com/office/drawing/2014/main" id="{ADD13721-56B1-46A5-60B9-6A2D67847DD6}"/>
-              </a:ext>
-            </a:extLst>
-          </p:cNvPr>
-          <p:cNvSpPr>
-            <a:spLocks noChangeArrowheads="1"/>
-          </p:cNvSpPr>
-          <p:nvPr/>
-        </p:nvSpPr>
-        <p:spPr bwMode="auto">
-          <a:xfrm>
-            <a:off x="1204111" y="2945857"/>
-            <a:ext cx="2679825" cy="1169551"/>
-          </a:xfrm>
-          <a:prstGeom prst="rect">
-            <a:avLst/>
-          </a:prstGeom>
-          <a:noFill/>
-          <a:ln>
-            <a:noFill/>
-          </a:ln>
-          <a:effectLst/>
-        </p:spPr>
-        <p:txBody>
-          <a:bodyPr vert="horz" wrap="square" lIns="91440" tIns="45720" rIns="91440" bIns="45720" numCol="1" anchor="ctr" anchorCtr="0" compatLnSpc="1">
-            <a:prstTxWarp prst="textNoShape">
-              <a:avLst/>
-            </a:prstTxWarp>
-            <a:spAutoFit/>
-          </a:bodyPr>
-          <a:lstStyle/>
-          <a:p>
-            <a:pPr marL="0" marR="0" lvl="0" indent="0" algn="l" defTabSz="914400" rtl="0" eaLnBrk="0" fontAlgn="base" latinLnBrk="0" hangingPunct="0">
-              <a:lnSpc>
-                <a:spcPct val="100000"/>
-              </a:lnSpc>
-              <a:spcBef>
-                <a:spcPct val="0"/>
-              </a:spcBef>
-              <a:spcAft>
-                <a:spcPct val="0"/>
-              </a:spcAft>
-              <a:buClrTx/>
-              <a:buSzTx/>
-              <a:buFontTx/>
-              <a:buNone/>
-              <a:tabLst/>
-            </a:pPr>
-            <a:r>
-              <a:rPr kumimoji="0" lang="en-US" altLang="en-US" sz="1400" b="0" i="0" u="none" strike="noStrike" cap="none" normalizeH="0" baseline="0" dirty="0">
-                <a:ln>
-                  <a:noFill/>
-                </a:ln>
-                <a:effectLst/>
-                <a:latin typeface="JetBrains Mono"/>
-              </a:rPr>
-              <a:t>Token</a:t>
-            </a:r>
-            <a:r>
-              <a:rPr kumimoji="0" lang="en-US" altLang="en-US" sz="1400" b="0" i="0" u="none" strike="noStrike" cap="none" normalizeH="0" baseline="0" dirty="0">
-                <a:ln>
-                  <a:noFill/>
-                </a:ln>
-                <a:solidFill>
-                  <a:srgbClr val="B9BCD1"/>
-                </a:solidFill>
-                <a:effectLst/>
-                <a:latin typeface="JetBrains Mono"/>
-              </a:rPr>
-              <a:t> </a:t>
-            </a:r>
-            <a:r>
-              <a:rPr kumimoji="0" lang="en-US" altLang="en-US" sz="1400" b="0" i="0" u="none" strike="noStrike" cap="none" normalizeH="0" baseline="0" dirty="0" err="1">
-                <a:ln>
-                  <a:noFill/>
-                </a:ln>
-                <a:solidFill>
-                  <a:srgbClr val="FFC66D"/>
-                </a:solidFill>
-                <a:effectLst/>
-                <a:latin typeface="JetBrains Mono"/>
-              </a:rPr>
-              <a:t>getTokenFromList</a:t>
-            </a:r>
-            <a:r>
-              <a:rPr kumimoji="0" lang="en-US" altLang="en-US" sz="1400" b="0" i="0" u="none" strike="noStrike" cap="none" normalizeH="0" baseline="0" dirty="0">
-                <a:ln>
-                  <a:noFill/>
-                </a:ln>
-                <a:effectLst/>
-                <a:latin typeface="JetBrains Mono"/>
-              </a:rPr>
-              <a:t>()</a:t>
-            </a:r>
-            <a:r>
-              <a:rPr kumimoji="0" lang="en-US" altLang="en-US" sz="1400" b="0" i="0" u="none" strike="noStrike" cap="none" normalizeH="0" baseline="0" dirty="0">
-                <a:ln>
-                  <a:noFill/>
-                </a:ln>
-                <a:solidFill>
-                  <a:srgbClr val="CC7832"/>
-                </a:solidFill>
-                <a:effectLst/>
-                <a:latin typeface="JetBrains Mono"/>
-              </a:rPr>
-              <a:t>;</a:t>
-            </a:r>
-            <a:br>
-              <a:rPr kumimoji="0" lang="en-US" altLang="en-US" sz="1400" b="0" i="0" u="none" strike="noStrike" cap="none" normalizeH="0" baseline="0" dirty="0">
-                <a:ln>
-                  <a:noFill/>
-                </a:ln>
-                <a:solidFill>
-                  <a:srgbClr val="CC7832"/>
-                </a:solidFill>
-                <a:effectLst/>
-                <a:latin typeface="JetBrains Mono"/>
-              </a:rPr>
-            </a:br>
-            <a:r>
-              <a:rPr kumimoji="0" lang="en-US" altLang="en-US" sz="1400" b="0" i="0" u="none" strike="noStrike" cap="none" normalizeH="0" baseline="0" dirty="0">
-                <a:ln>
-                  <a:noFill/>
-                </a:ln>
-                <a:solidFill>
-                  <a:srgbClr val="CC7832"/>
-                </a:solidFill>
-                <a:effectLst/>
-                <a:latin typeface="JetBrains Mono"/>
-              </a:rPr>
-              <a:t>int </a:t>
-            </a:r>
-            <a:r>
-              <a:rPr kumimoji="0" lang="en-US" altLang="en-US" sz="1400" b="0" i="0" u="none" strike="noStrike" cap="none" normalizeH="0" baseline="0" dirty="0" err="1">
-                <a:ln>
-                  <a:noFill/>
-                </a:ln>
-                <a:solidFill>
-                  <a:srgbClr val="FFC66D"/>
-                </a:solidFill>
-                <a:effectLst/>
-                <a:latin typeface="JetBrains Mono"/>
-              </a:rPr>
-              <a:t>getListIndex</a:t>
-            </a:r>
-            <a:r>
-              <a:rPr kumimoji="0" lang="en-US" altLang="en-US" sz="1400" b="0" i="0" u="none" strike="noStrike" cap="none" normalizeH="0" baseline="0" dirty="0">
-                <a:ln>
-                  <a:noFill/>
-                </a:ln>
-                <a:effectLst/>
-                <a:latin typeface="JetBrains Mono"/>
-              </a:rPr>
-              <a:t>()</a:t>
-            </a:r>
-            <a:r>
-              <a:rPr kumimoji="0" lang="en-US" altLang="en-US" sz="1400" b="0" i="0" u="none" strike="noStrike" cap="none" normalizeH="0" baseline="0" dirty="0">
-                <a:ln>
-                  <a:noFill/>
-                </a:ln>
-                <a:solidFill>
-                  <a:srgbClr val="CC7832"/>
-                </a:solidFill>
-                <a:effectLst/>
-                <a:latin typeface="JetBrains Mono"/>
-              </a:rPr>
-              <a:t>;</a:t>
-            </a:r>
-            <a:br>
-              <a:rPr kumimoji="0" lang="en-US" altLang="en-US" sz="1400" b="0" i="0" u="none" strike="noStrike" cap="none" normalizeH="0" baseline="0" dirty="0">
-                <a:ln>
-                  <a:noFill/>
-                </a:ln>
-                <a:solidFill>
-                  <a:srgbClr val="CC7832"/>
-                </a:solidFill>
-                <a:effectLst/>
-                <a:latin typeface="JetBrains Mono"/>
-              </a:rPr>
-            </a:br>
-            <a:r>
-              <a:rPr kumimoji="0" lang="en-US" altLang="en-US" sz="1400" b="0" i="0" u="none" strike="noStrike" cap="none" normalizeH="0" baseline="0" dirty="0">
-                <a:ln>
-                  <a:noFill/>
-                </a:ln>
-                <a:solidFill>
-                  <a:srgbClr val="CC7832"/>
-                </a:solidFill>
-                <a:effectLst/>
-                <a:latin typeface="JetBrains Mono"/>
-              </a:rPr>
-              <a:t>void </a:t>
-            </a:r>
-            <a:r>
-              <a:rPr kumimoji="0" lang="en-US" altLang="en-US" sz="1400" b="0" i="0" u="none" strike="noStrike" cap="none" normalizeH="0" baseline="0" dirty="0" err="1">
-                <a:ln>
-                  <a:noFill/>
-                </a:ln>
-                <a:solidFill>
-                  <a:srgbClr val="FFC66D"/>
-                </a:solidFill>
-                <a:effectLst/>
-                <a:latin typeface="JetBrains Mono"/>
-              </a:rPr>
-              <a:t>changeTokenListIndex</a:t>
-            </a:r>
-            <a:r>
-              <a:rPr kumimoji="0" lang="en-US" altLang="en-US" sz="1400" b="0" i="0" u="none" strike="noStrike" cap="none" normalizeH="0" baseline="0" dirty="0">
-                <a:ln>
-                  <a:noFill/>
-                </a:ln>
-                <a:effectLst/>
-                <a:latin typeface="JetBrains Mono"/>
-              </a:rPr>
-              <a:t>(</a:t>
-            </a:r>
-            <a:r>
-              <a:rPr kumimoji="0" lang="en-US" altLang="en-US" sz="1400" b="0" i="0" u="none" strike="noStrike" cap="none" normalizeH="0" baseline="0" dirty="0">
-                <a:ln>
-                  <a:noFill/>
-                </a:ln>
-                <a:solidFill>
-                  <a:srgbClr val="CC7832"/>
-                </a:solidFill>
-                <a:effectLst/>
-                <a:latin typeface="JetBrains Mono"/>
-              </a:rPr>
-              <a:t>int </a:t>
-            </a:r>
-            <a:r>
-              <a:rPr kumimoji="0" lang="en-US" altLang="en-US" sz="1400" b="0" i="0" u="none" strike="noStrike" cap="none" normalizeH="0" baseline="0" dirty="0">
-                <a:ln>
-                  <a:noFill/>
-                </a:ln>
-                <a:effectLst/>
-                <a:latin typeface="JetBrains Mono"/>
-              </a:rPr>
-              <a:t>index)</a:t>
-            </a:r>
-            <a:r>
-              <a:rPr kumimoji="0" lang="en-US" altLang="en-US" sz="1400" b="0" i="0" u="none" strike="noStrike" cap="none" normalizeH="0" baseline="0" dirty="0">
-                <a:ln>
-                  <a:noFill/>
-                </a:ln>
-                <a:solidFill>
-                  <a:srgbClr val="CC7832"/>
-                </a:solidFill>
-                <a:effectLst/>
-                <a:latin typeface="JetBrains Mono"/>
-              </a:rPr>
-              <a:t>;</a:t>
-            </a:r>
-            <a:br>
-              <a:rPr kumimoji="0" lang="en-US" altLang="en-US" sz="1400" b="0" i="0" u="none" strike="noStrike" cap="none" normalizeH="0" baseline="0" dirty="0">
-                <a:ln>
-                  <a:noFill/>
-                </a:ln>
-                <a:solidFill>
-                  <a:srgbClr val="CC7832"/>
-                </a:solidFill>
-                <a:effectLst/>
-                <a:latin typeface="JetBrains Mono"/>
-              </a:rPr>
-            </a:br>
-            <a:r>
-              <a:rPr kumimoji="0" lang="en-US" altLang="en-US" sz="1400" b="0" i="0" u="none" strike="noStrike" cap="none" normalizeH="0" baseline="0" dirty="0">
-                <a:ln>
-                  <a:noFill/>
-                </a:ln>
-                <a:solidFill>
-                  <a:srgbClr val="CC7832"/>
-                </a:solidFill>
-                <a:effectLst/>
-                <a:latin typeface="JetBrains Mono"/>
-              </a:rPr>
-              <a:t>void </a:t>
-            </a:r>
-            <a:r>
-              <a:rPr kumimoji="0" lang="en-US" altLang="en-US" sz="1400" b="0" i="0" u="none" strike="noStrike" cap="none" normalizeH="0" baseline="0" dirty="0" err="1">
-                <a:ln>
-                  <a:noFill/>
-                </a:ln>
-                <a:solidFill>
-                  <a:srgbClr val="FFC66D"/>
-                </a:solidFill>
-                <a:effectLst/>
-                <a:latin typeface="JetBrains Mono"/>
-              </a:rPr>
-              <a:t>previousTokenListIndex</a:t>
-            </a:r>
-            <a:r>
-              <a:rPr kumimoji="0" lang="en-US" altLang="en-US" sz="1400" b="0" i="0" u="none" strike="noStrike" cap="none" normalizeH="0" baseline="0" dirty="0">
-                <a:ln>
-                  <a:noFill/>
-                </a:ln>
-                <a:effectLst/>
-                <a:latin typeface="JetBrains Mono"/>
-              </a:rPr>
-              <a:t>()</a:t>
-            </a:r>
-            <a:r>
-              <a:rPr kumimoji="0" lang="en-US" altLang="en-US" sz="1400" b="0" i="0" u="none" strike="noStrike" cap="none" normalizeH="0" baseline="0" dirty="0">
-                <a:ln>
-                  <a:noFill/>
-                </a:ln>
-                <a:solidFill>
-                  <a:srgbClr val="CC7832"/>
-                </a:solidFill>
-                <a:effectLst/>
-                <a:latin typeface="JetBrains Mono"/>
-              </a:rPr>
-              <a:t>;</a:t>
-            </a:r>
-            <a:endParaRPr kumimoji="0" lang="en-US" altLang="en-US" sz="3200" b="0" i="0" u="none" strike="noStrike" cap="none" normalizeH="0" baseline="0" dirty="0">
-              <a:ln>
-                <a:noFill/>
-              </a:ln>
-              <a:solidFill>
-                <a:schemeClr val="tx1"/>
-              </a:solidFill>
-              <a:effectLst/>
-              <a:latin typeface="Arial" panose="020B0604020202020204" pitchFamily="34" charset="0"/>
-            </a:endParaRPr>
-          </a:p>
-        </p:txBody>
-      </p:sp>
       <p:pic>
         <p:nvPicPr>
           <p:cNvPr id="5" name="Picture 4" descr="Text&#10;&#10;Description automatically generated">
@@ -12950,6 +12619,337 @@
           </a:prstGeom>
         </p:spPr>
       </p:pic>
+      <p:sp>
+        <p:nvSpPr>
+          <p:cNvPr id="10" name="Rectangle 3">
+            <a:extLst>
+              <a:ext uri="{FF2B5EF4-FFF2-40B4-BE49-F238E27FC236}">
+                <a16:creationId xmlns:a16="http://schemas.microsoft.com/office/drawing/2014/main" id="{96D25A1C-EE10-4372-A4F9-809545E58B04}"/>
+              </a:ext>
+            </a:extLst>
+          </p:cNvPr>
+          <p:cNvSpPr>
+            <a:spLocks noChangeArrowheads="1"/>
+          </p:cNvSpPr>
+          <p:nvPr/>
+        </p:nvSpPr>
+        <p:spPr bwMode="auto">
+          <a:xfrm>
+            <a:off x="1204111" y="3091010"/>
+            <a:ext cx="3608034" cy="1077218"/>
+          </a:xfrm>
+          <a:prstGeom prst="rect">
+            <a:avLst/>
+          </a:prstGeom>
+          <a:noFill/>
+          <a:ln>
+            <a:noFill/>
+          </a:ln>
+          <a:effectLst/>
+        </p:spPr>
+        <p:txBody>
+          <a:bodyPr vert="horz" wrap="square" lIns="91440" tIns="45720" rIns="91440" bIns="45720" numCol="1" anchor="ctr" anchorCtr="0" compatLnSpc="1">
+            <a:prstTxWarp prst="textNoShape">
+              <a:avLst/>
+            </a:prstTxWarp>
+            <a:spAutoFit/>
+          </a:bodyPr>
+          <a:lstStyle/>
+          <a:p>
+            <a:pPr marL="0" marR="0" lvl="0" indent="0" algn="l" defTabSz="914400" rtl="0" eaLnBrk="0" fontAlgn="base" latinLnBrk="0" hangingPunct="0">
+              <a:lnSpc>
+                <a:spcPct val="100000"/>
+              </a:lnSpc>
+              <a:spcBef>
+                <a:spcPct val="0"/>
+              </a:spcBef>
+              <a:spcAft>
+                <a:spcPct val="0"/>
+              </a:spcAft>
+              <a:buClrTx/>
+              <a:buSzTx/>
+              <a:buFontTx/>
+              <a:buNone/>
+              <a:tabLst/>
+            </a:pPr>
+            <a:r>
+              <a:rPr kumimoji="0" lang="en-US" altLang="en-US" sz="1600" b="0" i="0" u="none" strike="noStrike" cap="none" normalizeH="0" baseline="0" dirty="0">
+                <a:ln>
+                  <a:noFill/>
+                </a:ln>
+                <a:effectLst/>
+                <a:latin typeface="JetBrains Mono"/>
+              </a:rPr>
+              <a:t>Token</a:t>
+            </a:r>
+            <a:r>
+              <a:rPr kumimoji="0" lang="en-US" altLang="en-US" sz="1600" b="0" i="0" u="none" strike="noStrike" cap="none" normalizeH="0" baseline="0" dirty="0">
+                <a:ln>
+                  <a:noFill/>
+                </a:ln>
+                <a:solidFill>
+                  <a:srgbClr val="B9BCD1"/>
+                </a:solidFill>
+                <a:effectLst/>
+                <a:latin typeface="JetBrains Mono"/>
+              </a:rPr>
+              <a:t> </a:t>
+            </a:r>
+            <a:r>
+              <a:rPr kumimoji="0" lang="en-US" altLang="en-US" sz="1600" b="0" i="0" u="none" strike="noStrike" cap="none" normalizeH="0" baseline="0" dirty="0" err="1">
+                <a:ln>
+                  <a:noFill/>
+                </a:ln>
+                <a:solidFill>
+                  <a:srgbClr val="E4002B"/>
+                </a:solidFill>
+                <a:effectLst/>
+                <a:latin typeface="JetBrains Mono"/>
+              </a:rPr>
+              <a:t>getTokenFromList</a:t>
+            </a:r>
+            <a:r>
+              <a:rPr kumimoji="0" lang="en-US" altLang="en-US" sz="1600" b="0" i="0" u="none" strike="noStrike" cap="none" normalizeH="0" baseline="0" dirty="0">
+                <a:ln>
+                  <a:noFill/>
+                </a:ln>
+                <a:effectLst/>
+                <a:latin typeface="JetBrains Mono"/>
+              </a:rPr>
+              <a:t>()</a:t>
+            </a:r>
+            <a:r>
+              <a:rPr kumimoji="0" lang="en-US" altLang="en-US" sz="1600" b="0" i="0" u="none" strike="noStrike" cap="none" normalizeH="0" baseline="0" dirty="0">
+                <a:ln>
+                  <a:noFill/>
+                </a:ln>
+                <a:solidFill>
+                  <a:srgbClr val="CC7832"/>
+                </a:solidFill>
+                <a:effectLst/>
+                <a:latin typeface="JetBrains Mono"/>
+              </a:rPr>
+              <a:t>;</a:t>
+            </a:r>
+            <a:br>
+              <a:rPr kumimoji="0" lang="en-US" altLang="en-US" sz="1600" b="0" i="0" u="none" strike="noStrike" cap="none" normalizeH="0" baseline="0" dirty="0">
+                <a:ln>
+                  <a:noFill/>
+                </a:ln>
+                <a:solidFill>
+                  <a:srgbClr val="CC7832"/>
+                </a:solidFill>
+                <a:effectLst/>
+                <a:latin typeface="JetBrains Mono"/>
+              </a:rPr>
+            </a:br>
+            <a:r>
+              <a:rPr kumimoji="0" lang="en-US" altLang="en-US" sz="1600" b="0" i="0" u="none" strike="noStrike" cap="none" normalizeH="0" baseline="0" dirty="0">
+                <a:ln>
+                  <a:noFill/>
+                </a:ln>
+                <a:solidFill>
+                  <a:srgbClr val="CC7832"/>
+                </a:solidFill>
+                <a:effectLst/>
+                <a:latin typeface="JetBrains Mono"/>
+              </a:rPr>
+              <a:t>int </a:t>
+            </a:r>
+            <a:r>
+              <a:rPr kumimoji="0" lang="en-US" altLang="en-US" sz="1600" b="0" i="0" u="none" strike="noStrike" cap="none" normalizeH="0" baseline="0" dirty="0" err="1">
+                <a:ln>
+                  <a:noFill/>
+                </a:ln>
+                <a:solidFill>
+                  <a:srgbClr val="E4002B"/>
+                </a:solidFill>
+                <a:effectLst/>
+                <a:latin typeface="JetBrains Mono"/>
+              </a:rPr>
+              <a:t>getListIndex</a:t>
+            </a:r>
+            <a:r>
+              <a:rPr kumimoji="0" lang="en-US" altLang="en-US" sz="1600" b="0" i="0" u="none" strike="noStrike" cap="none" normalizeH="0" baseline="0" dirty="0">
+                <a:ln>
+                  <a:noFill/>
+                </a:ln>
+                <a:effectLst/>
+                <a:latin typeface="JetBrains Mono"/>
+              </a:rPr>
+              <a:t>()</a:t>
+            </a:r>
+            <a:r>
+              <a:rPr kumimoji="0" lang="en-US" altLang="en-US" sz="1600" b="0" i="0" u="none" strike="noStrike" cap="none" normalizeH="0" baseline="0" dirty="0">
+                <a:ln>
+                  <a:noFill/>
+                </a:ln>
+                <a:solidFill>
+                  <a:srgbClr val="CC7832"/>
+                </a:solidFill>
+                <a:effectLst/>
+                <a:latin typeface="JetBrains Mono"/>
+              </a:rPr>
+              <a:t>;</a:t>
+            </a:r>
+            <a:br>
+              <a:rPr kumimoji="0" lang="en-US" altLang="en-US" sz="1600" b="0" i="0" u="none" strike="noStrike" cap="none" normalizeH="0" baseline="0" dirty="0">
+                <a:ln>
+                  <a:noFill/>
+                </a:ln>
+                <a:solidFill>
+                  <a:srgbClr val="CC7832"/>
+                </a:solidFill>
+                <a:effectLst/>
+                <a:latin typeface="JetBrains Mono"/>
+              </a:rPr>
+            </a:br>
+            <a:r>
+              <a:rPr kumimoji="0" lang="en-US" altLang="en-US" sz="1600" b="0" i="0" u="none" strike="noStrike" cap="none" normalizeH="0" baseline="0" dirty="0">
+                <a:ln>
+                  <a:noFill/>
+                </a:ln>
+                <a:solidFill>
+                  <a:srgbClr val="CC7832"/>
+                </a:solidFill>
+                <a:effectLst/>
+                <a:latin typeface="JetBrains Mono"/>
+              </a:rPr>
+              <a:t>void </a:t>
+            </a:r>
+            <a:r>
+              <a:rPr kumimoji="0" lang="en-US" altLang="en-US" sz="1600" b="0" i="0" u="none" strike="noStrike" cap="none" normalizeH="0" baseline="0" dirty="0" err="1">
+                <a:ln>
+                  <a:noFill/>
+                </a:ln>
+                <a:solidFill>
+                  <a:srgbClr val="E4002B"/>
+                </a:solidFill>
+                <a:effectLst/>
+                <a:latin typeface="JetBrains Mono"/>
+              </a:rPr>
+              <a:t>changeTokenListIndex</a:t>
+            </a:r>
+            <a:r>
+              <a:rPr kumimoji="0" lang="en-US" altLang="en-US" sz="1600" b="0" i="0" u="none" strike="noStrike" cap="none" normalizeH="0" baseline="0" dirty="0">
+                <a:ln>
+                  <a:noFill/>
+                </a:ln>
+                <a:effectLst/>
+                <a:latin typeface="JetBrains Mono"/>
+              </a:rPr>
+              <a:t>(</a:t>
+            </a:r>
+            <a:r>
+              <a:rPr kumimoji="0" lang="en-US" altLang="en-US" sz="1600" b="0" i="0" u="none" strike="noStrike" cap="none" normalizeH="0" baseline="0" dirty="0">
+                <a:ln>
+                  <a:noFill/>
+                </a:ln>
+                <a:solidFill>
+                  <a:srgbClr val="CC7832"/>
+                </a:solidFill>
+                <a:effectLst/>
+                <a:latin typeface="JetBrains Mono"/>
+              </a:rPr>
+              <a:t>int </a:t>
+            </a:r>
+            <a:r>
+              <a:rPr kumimoji="0" lang="en-US" altLang="en-US" sz="1600" b="0" i="0" u="none" strike="noStrike" cap="none" normalizeH="0" baseline="0" dirty="0">
+                <a:ln>
+                  <a:noFill/>
+                </a:ln>
+                <a:effectLst/>
+                <a:latin typeface="JetBrains Mono"/>
+              </a:rPr>
+              <a:t>index)</a:t>
+            </a:r>
+            <a:r>
+              <a:rPr kumimoji="0" lang="en-US" altLang="en-US" sz="1600" b="0" i="0" u="none" strike="noStrike" cap="none" normalizeH="0" baseline="0" dirty="0">
+                <a:ln>
+                  <a:noFill/>
+                </a:ln>
+                <a:solidFill>
+                  <a:srgbClr val="CC7832"/>
+                </a:solidFill>
+                <a:effectLst/>
+                <a:latin typeface="JetBrains Mono"/>
+              </a:rPr>
+              <a:t>;</a:t>
+            </a:r>
+            <a:br>
+              <a:rPr kumimoji="0" lang="en-US" altLang="en-US" sz="1600" b="0" i="0" u="none" strike="noStrike" cap="none" normalizeH="0" baseline="0" dirty="0">
+                <a:ln>
+                  <a:noFill/>
+                </a:ln>
+                <a:solidFill>
+                  <a:srgbClr val="CC7832"/>
+                </a:solidFill>
+                <a:effectLst/>
+                <a:latin typeface="JetBrains Mono"/>
+              </a:rPr>
+            </a:br>
+            <a:r>
+              <a:rPr kumimoji="0" lang="en-US" altLang="en-US" sz="1600" b="0" i="0" u="none" strike="noStrike" cap="none" normalizeH="0" baseline="0" dirty="0">
+                <a:ln>
+                  <a:noFill/>
+                </a:ln>
+                <a:solidFill>
+                  <a:srgbClr val="CC7832"/>
+                </a:solidFill>
+                <a:effectLst/>
+                <a:latin typeface="JetBrains Mono"/>
+              </a:rPr>
+              <a:t>void </a:t>
+            </a:r>
+            <a:r>
+              <a:rPr kumimoji="0" lang="en-US" altLang="en-US" sz="1600" b="0" i="0" u="none" strike="noStrike" cap="none" normalizeH="0" baseline="0" dirty="0" err="1">
+                <a:ln>
+                  <a:noFill/>
+                </a:ln>
+                <a:solidFill>
+                  <a:srgbClr val="E4002B"/>
+                </a:solidFill>
+                <a:effectLst/>
+                <a:latin typeface="JetBrains Mono"/>
+              </a:rPr>
+              <a:t>previousTokenListIndex</a:t>
+            </a:r>
+            <a:r>
+              <a:rPr kumimoji="0" lang="en-US" altLang="en-US" sz="1600" b="0" i="0" u="none" strike="noStrike" cap="none" normalizeH="0" baseline="0" dirty="0">
+                <a:ln>
+                  <a:noFill/>
+                </a:ln>
+                <a:effectLst/>
+                <a:latin typeface="JetBrains Mono"/>
+              </a:rPr>
+              <a:t>()</a:t>
+            </a:r>
+            <a:r>
+              <a:rPr kumimoji="0" lang="en-US" altLang="en-US" sz="1600" b="0" i="0" u="none" strike="noStrike" cap="none" normalizeH="0" baseline="0" dirty="0">
+                <a:ln>
+                  <a:noFill/>
+                </a:ln>
+                <a:solidFill>
+                  <a:srgbClr val="CC7832"/>
+                </a:solidFill>
+                <a:effectLst/>
+                <a:latin typeface="JetBrains Mono"/>
+              </a:rPr>
+              <a:t>;</a:t>
+            </a:r>
+            <a:endParaRPr kumimoji="0" lang="en-US" altLang="en-US" sz="3600" b="0" i="0" u="none" strike="noStrike" cap="none" normalizeH="0" baseline="0" dirty="0">
+              <a:ln>
+                <a:noFill/>
+              </a:ln>
+              <a:solidFill>
+                <a:schemeClr val="tx1"/>
+              </a:solidFill>
+              <a:effectLst/>
+              <a:latin typeface="Arial" panose="020B0604020202020204" pitchFamily="34" charset="0"/>
+            </a:endParaRPr>
+          </a:p>
+        </p:txBody>
+      </p:sp>
     </p:spTree>
     <p:extLst>
       <p:ext uri="{BB962C8B-B14F-4D97-AF65-F5344CB8AC3E}">
@@ -12963,92 +12963,6 @@
   <p:transition spd="slow">
     <p:push dir="u"/>
   </p:transition>
-  <p:timing>
-    <p:tnLst>
-      <p:par>
-        <p:cTn id="1" dur="indefinite" restart="never" nodeType="tmRoot">
-          <p:childTnLst>
-            <p:seq concurrent="1" nextAc="seek">
-              <p:cTn id="2" dur="indefinite" nodeType="mainSeq">
-                <p:childTnLst>
-                  <p:par>
-                    <p:cTn id="3" fill="hold">
-                      <p:stCondLst>
-                        <p:cond delay="indefinite"/>
-                      </p:stCondLst>
-                      <p:childTnLst>
-                        <p:par>
-                          <p:cTn id="4" fill="hold">
-                            <p:stCondLst>
-                              <p:cond delay="0"/>
-                            </p:stCondLst>
-                            <p:childTnLst>
-                              <p:par>
-                                <p:cTn id="5" presetID="10" presetClass="entr" presetSubtype="0" fill="hold" grpId="0" nodeType="clickEffect">
-                                  <p:stCondLst>
-                                    <p:cond delay="0"/>
-                                  </p:stCondLst>
-                                  <p:childTnLst>
-                                    <p:set>
-                                      <p:cBhvr>
-                                        <p:cTn id="6" dur="1" fill="hold">
-                                          <p:stCondLst>
-                                            <p:cond delay="0"/>
-                                          </p:stCondLst>
-                                        </p:cTn>
-                                        <p:tgtEl>
-                                          <p:spTgt spid="15"/>
-                                        </p:tgtEl>
-                                        <p:attrNameLst>
-                                          <p:attrName>style.visibility</p:attrName>
-                                        </p:attrNameLst>
-                                      </p:cBhvr>
-                                      <p:to>
-                                        <p:strVal val="visible"/>
-                                      </p:to>
-                                    </p:set>
-                                    <p:animEffect transition="in" filter="fade">
-                                      <p:cBhvr>
-                                        <p:cTn id="7" dur="500"/>
-                                        <p:tgtEl>
-                                          <p:spTgt spid="15"/>
-                                        </p:tgtEl>
-                                      </p:cBhvr>
-                                    </p:animEffect>
-                                  </p:childTnLst>
-                                </p:cTn>
-                              </p:par>
-                            </p:childTnLst>
-                          </p:cTn>
-                        </p:par>
-                      </p:childTnLst>
-                    </p:cTn>
-                  </p:par>
-                </p:childTnLst>
-              </p:cTn>
-              <p:prevCondLst>
-                <p:cond evt="onPrev" delay="0">
-                  <p:tgtEl>
-                    <p:sldTgt/>
-                  </p:tgtEl>
-                </p:cond>
-              </p:prevCondLst>
-              <p:nextCondLst>
-                <p:cond evt="onNext" delay="0">
-                  <p:tgtEl>
-                    <p:sldTgt/>
-                  </p:tgtEl>
-                </p:cond>
-              </p:nextCondLst>
-            </p:seq>
-          </p:childTnLst>
-        </p:cTn>
-      </p:par>
-    </p:tnLst>
-    <p:bldLst>
-      <p:bldP spid="15" grpId="0"/>
-    </p:bldLst>
-  </p:timing>
 </p:sld>
 </file>
 
@@ -14248,8 +14162,8 @@
         </p:nvSpPr>
         <p:spPr bwMode="auto">
           <a:xfrm>
-            <a:off x="1204111" y="2945857"/>
-            <a:ext cx="2679825" cy="1169551"/>
+            <a:off x="1204111" y="3091010"/>
+            <a:ext cx="3608034" cy="1077218"/>
           </a:xfrm>
           <a:prstGeom prst="rect">
             <a:avLst/>
@@ -14286,7 +14200,7 @@
               <a:tabLst/>
             </a:pPr>
             <a:r>
-              <a:rPr kumimoji="0" lang="en-US" altLang="en-US" sz="1400" b="0" i="0" u="none" strike="noStrike" cap="none" normalizeH="0" baseline="0" dirty="0">
+              <a:rPr kumimoji="0" lang="en-US" altLang="en-US" sz="1600" b="0" i="0" u="none" strike="noStrike" cap="none" normalizeH="0" baseline="0" dirty="0">
                 <a:ln>
                   <a:noFill/>
                 </a:ln>
@@ -14296,7 +14210,7 @@
               <a:t>Token</a:t>
             </a:r>
             <a:r>
-              <a:rPr kumimoji="0" lang="en-US" altLang="en-US" sz="1400" b="0" i="0" u="none" strike="noStrike" cap="none" normalizeH="0" baseline="0" dirty="0">
+              <a:rPr kumimoji="0" lang="en-US" altLang="en-US" sz="1600" b="0" i="0" u="none" strike="noStrike" cap="none" normalizeH="0" baseline="0" dirty="0">
                 <a:ln>
                   <a:noFill/>
                 </a:ln>
@@ -14309,12 +14223,12 @@
               <a:t> </a:t>
             </a:r>
             <a:r>
-              <a:rPr kumimoji="0" lang="en-US" altLang="en-US" sz="1400" b="0" i="0" u="none" strike="noStrike" cap="none" normalizeH="0" baseline="0" dirty="0" err="1">
-                <a:ln>
-                  <a:noFill/>
-                </a:ln>
-                <a:solidFill>
-                  <a:srgbClr val="FFC66D"/>
+              <a:rPr kumimoji="0" lang="en-US" altLang="en-US" sz="1600" b="0" i="0" u="none" strike="noStrike" cap="none" normalizeH="0" baseline="0" dirty="0" err="1">
+                <a:ln>
+                  <a:noFill/>
+                </a:ln>
+                <a:solidFill>
+                  <a:srgbClr val="E4002B"/>
                 </a:solidFill>
                 <a:effectLst/>
                 <a:latin typeface="JetBrains Mono"/>
@@ -14322,7 +14236,7 @@
               <a:t>getTokenFromList</a:t>
             </a:r>
             <a:r>
-              <a:rPr kumimoji="0" lang="en-US" altLang="en-US" sz="1400" b="0" i="0" u="none" strike="noStrike" cap="none" normalizeH="0" baseline="0" dirty="0">
+              <a:rPr kumimoji="0" lang="en-US" altLang="en-US" sz="1600" b="0" i="0" u="none" strike="noStrike" cap="none" normalizeH="0" baseline="0" dirty="0">
                 <a:ln>
                   <a:noFill/>
                 </a:ln>
@@ -14332,7 +14246,7 @@
               <a:t>()</a:t>
             </a:r>
             <a:r>
-              <a:rPr kumimoji="0" lang="en-US" altLang="en-US" sz="1400" b="0" i="0" u="none" strike="noStrike" cap="none" normalizeH="0" baseline="0" dirty="0">
+              <a:rPr kumimoji="0" lang="en-US" altLang="en-US" sz="1600" b="0" i="0" u="none" strike="noStrike" cap="none" normalizeH="0" baseline="0" dirty="0">
                 <a:ln>
                   <a:noFill/>
                 </a:ln>
@@ -14345,7 +14259,7 @@
               <a:t>;</a:t>
             </a:r>
             <a:br>
-              <a:rPr kumimoji="0" lang="en-US" altLang="en-US" sz="1400" b="0" i="0" u="none" strike="noStrike" cap="none" normalizeH="0" baseline="0" dirty="0">
+              <a:rPr kumimoji="0" lang="en-US" altLang="en-US" sz="1600" b="0" i="0" u="none" strike="noStrike" cap="none" normalizeH="0" baseline="0" dirty="0">
                 <a:ln>
                   <a:noFill/>
                 </a:ln>
@@ -14357,7 +14271,7 @@
               </a:rPr>
             </a:br>
             <a:r>
-              <a:rPr kumimoji="0" lang="en-US" altLang="en-US" sz="1400" b="0" i="0" u="none" strike="noStrike" cap="none" normalizeH="0" baseline="0" dirty="0">
+              <a:rPr kumimoji="0" lang="en-US" altLang="en-US" sz="1600" b="0" i="0" u="none" strike="noStrike" cap="none" normalizeH="0" baseline="0" dirty="0">
                 <a:ln>
                   <a:noFill/>
                 </a:ln>
@@ -14370,12 +14284,12 @@
               <a:t>int </a:t>
             </a:r>
             <a:r>
-              <a:rPr kumimoji="0" lang="en-US" altLang="en-US" sz="1400" b="0" i="0" u="none" strike="noStrike" cap="none" normalizeH="0" baseline="0" dirty="0" err="1">
-                <a:ln>
-                  <a:noFill/>
-                </a:ln>
-                <a:solidFill>
-                  <a:srgbClr val="FFC66D"/>
+              <a:rPr kumimoji="0" lang="en-US" altLang="en-US" sz="1600" b="0" i="0" u="none" strike="noStrike" cap="none" normalizeH="0" baseline="0" dirty="0" err="1">
+                <a:ln>
+                  <a:noFill/>
+                </a:ln>
+                <a:solidFill>
+                  <a:srgbClr val="E4002B"/>
                 </a:solidFill>
                 <a:effectLst/>
                 <a:latin typeface="JetBrains Mono"/>
@@ -14383,7 +14297,7 @@
               <a:t>getListIndex</a:t>
             </a:r>
             <a:r>
-              <a:rPr kumimoji="0" lang="en-US" altLang="en-US" sz="1400" b="0" i="0" u="none" strike="noStrike" cap="none" normalizeH="0" baseline="0" dirty="0">
+              <a:rPr kumimoji="0" lang="en-US" altLang="en-US" sz="1600" b="0" i="0" u="none" strike="noStrike" cap="none" normalizeH="0" baseline="0" dirty="0">
                 <a:ln>
                   <a:noFill/>
                 </a:ln>
@@ -14393,7 +14307,7 @@
               <a:t>()</a:t>
             </a:r>
             <a:r>
-              <a:rPr kumimoji="0" lang="en-US" altLang="en-US" sz="1400" b="0" i="0" u="none" strike="noStrike" cap="none" normalizeH="0" baseline="0" dirty="0">
+              <a:rPr kumimoji="0" lang="en-US" altLang="en-US" sz="1600" b="0" i="0" u="none" strike="noStrike" cap="none" normalizeH="0" baseline="0" dirty="0">
                 <a:ln>
                   <a:noFill/>
                 </a:ln>
@@ -14406,7 +14320,7 @@
               <a:t>;</a:t>
             </a:r>
             <a:br>
-              <a:rPr kumimoji="0" lang="en-US" altLang="en-US" sz="1400" b="0" i="0" u="none" strike="noStrike" cap="none" normalizeH="0" baseline="0" dirty="0">
+              <a:rPr kumimoji="0" lang="en-US" altLang="en-US" sz="1600" b="0" i="0" u="none" strike="noStrike" cap="none" normalizeH="0" baseline="0" dirty="0">
                 <a:ln>
                   <a:noFill/>
                 </a:ln>
@@ -14418,7 +14332,7 @@
               </a:rPr>
             </a:br>
             <a:r>
-              <a:rPr kumimoji="0" lang="en-US" altLang="en-US" sz="1400" b="0" i="0" u="none" strike="noStrike" cap="none" normalizeH="0" baseline="0" dirty="0">
+              <a:rPr kumimoji="0" lang="en-US" altLang="en-US" sz="1600" b="0" i="0" u="none" strike="noStrike" cap="none" normalizeH="0" baseline="0" dirty="0">
                 <a:ln>
                   <a:noFill/>
                 </a:ln>
@@ -14431,12 +14345,12 @@
               <a:t>void </a:t>
             </a:r>
             <a:r>
-              <a:rPr kumimoji="0" lang="en-US" altLang="en-US" sz="1400" b="0" i="0" u="none" strike="noStrike" cap="none" normalizeH="0" baseline="0" dirty="0" err="1">
-                <a:ln>
-                  <a:noFill/>
-                </a:ln>
-                <a:solidFill>
-                  <a:srgbClr val="FFC66D"/>
+              <a:rPr kumimoji="0" lang="en-US" altLang="en-US" sz="1600" b="0" i="0" u="none" strike="noStrike" cap="none" normalizeH="0" baseline="0" dirty="0" err="1">
+                <a:ln>
+                  <a:noFill/>
+                </a:ln>
+                <a:solidFill>
+                  <a:srgbClr val="E4002B"/>
                 </a:solidFill>
                 <a:effectLst/>
                 <a:latin typeface="JetBrains Mono"/>
@@ -14444,7 +14358,7 @@
               <a:t>changeTokenListIndex</a:t>
             </a:r>
             <a:r>
-              <a:rPr kumimoji="0" lang="en-US" altLang="en-US" sz="1400" b="0" i="0" u="none" strike="noStrike" cap="none" normalizeH="0" baseline="0" dirty="0">
+              <a:rPr kumimoji="0" lang="en-US" altLang="en-US" sz="1600" b="0" i="0" u="none" strike="noStrike" cap="none" normalizeH="0" baseline="0" dirty="0">
                 <a:ln>
                   <a:noFill/>
                 </a:ln>
@@ -14454,7 +14368,7 @@
               <a:t>(</a:t>
             </a:r>
             <a:r>
-              <a:rPr kumimoji="0" lang="en-US" altLang="en-US" sz="1400" b="0" i="0" u="none" strike="noStrike" cap="none" normalizeH="0" baseline="0" dirty="0">
+              <a:rPr kumimoji="0" lang="en-US" altLang="en-US" sz="1600" b="0" i="0" u="none" strike="noStrike" cap="none" normalizeH="0" baseline="0" dirty="0">
                 <a:ln>
                   <a:noFill/>
                 </a:ln>
@@ -14467,7 +14381,7 @@
               <a:t>int </a:t>
             </a:r>
             <a:r>
-              <a:rPr kumimoji="0" lang="en-US" altLang="en-US" sz="1400" b="0" i="0" u="none" strike="noStrike" cap="none" normalizeH="0" baseline="0" dirty="0">
+              <a:rPr kumimoji="0" lang="en-US" altLang="en-US" sz="1600" b="0" i="0" u="none" strike="noStrike" cap="none" normalizeH="0" baseline="0" dirty="0">
                 <a:ln>
                   <a:noFill/>
                 </a:ln>
@@ -14477,7 +14391,7 @@
               <a:t>index)</a:t>
             </a:r>
             <a:r>
-              <a:rPr kumimoji="0" lang="en-US" altLang="en-US" sz="1400" b="0" i="0" u="none" strike="noStrike" cap="none" normalizeH="0" baseline="0" dirty="0">
+              <a:rPr kumimoji="0" lang="en-US" altLang="en-US" sz="1600" b="0" i="0" u="none" strike="noStrike" cap="none" normalizeH="0" baseline="0" dirty="0">
                 <a:ln>
                   <a:noFill/>
                 </a:ln>
@@ -14490,7 +14404,7 @@
               <a:t>;</a:t>
             </a:r>
             <a:br>
-              <a:rPr kumimoji="0" lang="en-US" altLang="en-US" sz="1400" b="0" i="0" u="none" strike="noStrike" cap="none" normalizeH="0" baseline="0" dirty="0">
+              <a:rPr kumimoji="0" lang="en-US" altLang="en-US" sz="1600" b="0" i="0" u="none" strike="noStrike" cap="none" normalizeH="0" baseline="0" dirty="0">
                 <a:ln>
                   <a:noFill/>
                 </a:ln>
@@ -14502,7 +14416,7 @@
               </a:rPr>
             </a:br>
             <a:r>
-              <a:rPr kumimoji="0" lang="en-US" altLang="en-US" sz="1400" b="0" i="0" u="none" strike="noStrike" cap="none" normalizeH="0" baseline="0" dirty="0">
+              <a:rPr kumimoji="0" lang="en-US" altLang="en-US" sz="1600" b="0" i="0" u="none" strike="noStrike" cap="none" normalizeH="0" baseline="0" dirty="0">
                 <a:ln>
                   <a:noFill/>
                 </a:ln>
@@ -14515,12 +14429,12 @@
               <a:t>void </a:t>
             </a:r>
             <a:r>
-              <a:rPr kumimoji="0" lang="en-US" altLang="en-US" sz="1400" b="0" i="0" u="none" strike="noStrike" cap="none" normalizeH="0" baseline="0" dirty="0" err="1">
-                <a:ln>
-                  <a:noFill/>
-                </a:ln>
-                <a:solidFill>
-                  <a:srgbClr val="FFC66D"/>
+              <a:rPr kumimoji="0" lang="en-US" altLang="en-US" sz="1600" b="0" i="0" u="none" strike="noStrike" cap="none" normalizeH="0" baseline="0" dirty="0" err="1">
+                <a:ln>
+                  <a:noFill/>
+                </a:ln>
+                <a:solidFill>
+                  <a:srgbClr val="E4002B"/>
                 </a:solidFill>
                 <a:effectLst/>
                 <a:latin typeface="JetBrains Mono"/>
@@ -14528,7 +14442,7 @@
               <a:t>previousTokenListIndex</a:t>
             </a:r>
             <a:r>
-              <a:rPr kumimoji="0" lang="en-US" altLang="en-US" sz="1400" b="0" i="0" u="none" strike="noStrike" cap="none" normalizeH="0" baseline="0" dirty="0">
+              <a:rPr kumimoji="0" lang="en-US" altLang="en-US" sz="1600" b="0" i="0" u="none" strike="noStrike" cap="none" normalizeH="0" baseline="0" dirty="0">
                 <a:ln>
                   <a:noFill/>
                 </a:ln>
@@ -14538,7 +14452,7 @@
               <a:t>()</a:t>
             </a:r>
             <a:r>
-              <a:rPr kumimoji="0" lang="en-US" altLang="en-US" sz="1400" b="0" i="0" u="none" strike="noStrike" cap="none" normalizeH="0" baseline="0" dirty="0">
+              <a:rPr kumimoji="0" lang="en-US" altLang="en-US" sz="1600" b="0" i="0" u="none" strike="noStrike" cap="none" normalizeH="0" baseline="0" dirty="0">
                 <a:ln>
                   <a:noFill/>
                 </a:ln>
@@ -14550,7 +14464,7 @@
               </a:rPr>
               <a:t>;</a:t>
             </a:r>
-            <a:endParaRPr kumimoji="0" lang="en-US" altLang="en-US" sz="3200" b="0" i="0" u="none" strike="noStrike" cap="none" normalizeH="0" baseline="0" dirty="0">
+            <a:endParaRPr kumimoji="0" lang="en-US" altLang="en-US" sz="3600" b="0" i="0" u="none" strike="noStrike" cap="none" normalizeH="0" baseline="0" dirty="0">
               <a:ln>
                 <a:noFill/>
               </a:ln>
@@ -14609,13 +14523,13 @@
   <p:clrMapOvr>
     <a:masterClrMapping/>
   </p:clrMapOvr>
-  <mc:AlternateContent xmlns:mc="http://schemas.openxmlformats.org/markup-compatibility/2006">
-    <mc:Choice xmlns:p14="http://schemas.microsoft.com/office/powerpoint/2010/main" Requires="p14">
+  <mc:AlternateContent xmlns:mc="http://schemas.openxmlformats.org/markup-compatibility/2006" xmlns:p14="http://schemas.microsoft.com/office/powerpoint/2010/main">
+    <mc:Choice Requires="p14">
       <p:transition spd="med" p14:dur="700">
         <p:fade/>
       </p:transition>
     </mc:Choice>
-    <mc:Fallback>
+    <mc:Fallback xmlns="">
       <p:transition spd="med">
         <p:fade/>
       </p:transition>
@@ -15005,7 +14919,7 @@
                   <a:noFill/>
                 </a:ln>
                 <a:solidFill>
-                  <a:srgbClr val="FFC66D"/>
+                  <a:srgbClr val="E4002B"/>
                 </a:solidFill>
                 <a:effectLst/>
                 <a:latin typeface="JetBrains Mono"/>
@@ -15076,7 +14990,7 @@
                   <a:noFill/>
                 </a:ln>
                 <a:solidFill>
-                  <a:srgbClr val="FFC66D"/>
+                  <a:srgbClr val="E4002B"/>
                 </a:solidFill>
                 <a:effectLst/>
                 <a:latin typeface="JetBrains Mono"/>
@@ -15176,7 +15090,7 @@
                   <a:noFill/>
                 </a:ln>
                 <a:solidFill>
-                  <a:srgbClr val="FFC66D"/>
+                  <a:srgbClr val="E4002B"/>
                 </a:solidFill>
                 <a:effectLst/>
                 <a:latin typeface="JetBrains Mono"/>
@@ -15280,7 +15194,7 @@
                   <a:noFill/>
                 </a:ln>
                 <a:solidFill>
-                  <a:srgbClr val="FFC66D"/>
+                  <a:srgbClr val="E4002B"/>
                 </a:solidFill>
                 <a:effectLst/>
                 <a:latin typeface="JetBrains Mono"/>
@@ -15351,7 +15265,7 @@
                   <a:noFill/>
                 </a:ln>
                 <a:solidFill>
-                  <a:srgbClr val="FFC66D"/>
+                  <a:srgbClr val="E4002B"/>
                 </a:solidFill>
                 <a:effectLst/>
                 <a:latin typeface="JetBrains Mono"/>
@@ -15455,7 +15369,7 @@
                   <a:noFill/>
                 </a:ln>
                 <a:solidFill>
-                  <a:srgbClr val="FFC66D"/>
+                  <a:srgbClr val="E4002B"/>
                 </a:solidFill>
                 <a:effectLst/>
                 <a:latin typeface="JetBrains Mono"/>

--- a/docs/IFJ PROJEKT - VARIANTA TRP.pptx
+++ b/docs/IFJ PROJEKT - VARIANTA TRP.pptx
@@ -4116,7 +4116,7 @@
             </a:r>
             <a:r>
               <a:rPr lang="en-US" dirty="0" err="1"/>
-              <a:t>sémantikcú</a:t>
+              <a:t>sémantickú</a:t>
             </a:r>
             <a:r>
               <a:rPr lang="en-US" dirty="0"/>
@@ -6562,7 +6562,7 @@
             </a:r>
             <a:r>
               <a:rPr lang="en-US" dirty="0" err="1"/>
-              <a:t>sémantikcú</a:t>
+              <a:t>sémantickú</a:t>
             </a:r>
             <a:r>
               <a:rPr lang="en-US" dirty="0"/>
